--- a/TG3_plantilla primera parteppt.pptx
+++ b/TG3_plantilla primera parteppt.pptx
@@ -13,16 +13,19 @@
     <p:sldId id="293" r:id="rId7"/>
     <p:sldId id="305" r:id="rId8"/>
     <p:sldId id="294" r:id="rId9"/>
-    <p:sldId id="295" r:id="rId10"/>
+    <p:sldId id="307" r:id="rId10"/>
     <p:sldId id="296" r:id="rId11"/>
     <p:sldId id="297" r:id="rId12"/>
     <p:sldId id="298" r:id="rId13"/>
-    <p:sldId id="299" r:id="rId14"/>
-    <p:sldId id="300" r:id="rId15"/>
-    <p:sldId id="301" r:id="rId16"/>
-    <p:sldId id="302" r:id="rId17"/>
-    <p:sldId id="303" r:id="rId18"/>
-    <p:sldId id="277" r:id="rId19"/>
+    <p:sldId id="309" r:id="rId14"/>
+    <p:sldId id="310" r:id="rId15"/>
+    <p:sldId id="311" r:id="rId16"/>
+    <p:sldId id="312" r:id="rId17"/>
+    <p:sldId id="300" r:id="rId18"/>
+    <p:sldId id="301" r:id="rId19"/>
+    <p:sldId id="302" r:id="rId20"/>
+    <p:sldId id="303" r:id="rId21"/>
+    <p:sldId id="277" r:id="rId22"/>
   </p:sldIdLst>
   <p:sldSz cx="12192000" cy="6858000"/>
   <p:notesSz cx="6858000" cy="9144000"/>
@@ -4534,6 +4537,12 @@
                 <a:latin typeface="Century Gothic" panose="020B0502020202020204" pitchFamily="34" charset="0"/>
               </a:rPr>
             </a:br>
+            <a:r>
+              <a:rPr lang="es-ES" sz="3600" b="1" dirty="0">
+                <a:latin typeface="Century Gothic" panose="020B0502020202020204" pitchFamily="34" charset="0"/>
+              </a:rPr>
+              <a:t>Documentación de diseño</a:t>
+            </a:r>
             <a:endParaRPr lang="es-ES_tradnl" b="1" dirty="0">
               <a:latin typeface="Century Gothic" panose="020B0502020202020204" pitchFamily="34" charset="0"/>
             </a:endParaRPr>
@@ -4587,6 +4596,34 @@
           </a:extLst>
         </p:spPr>
       </p:pic>
+      <p:pic>
+        <p:nvPicPr>
+          <p:cNvPr id="5" name="Imagen 4">
+            <a:extLst>
+              <a:ext uri="{FF2B5EF4-FFF2-40B4-BE49-F238E27FC236}">
+                <a16:creationId xmlns:a16="http://schemas.microsoft.com/office/drawing/2014/main" id="{0F647DE0-030E-4DA1-B30E-3E31196D49DE}"/>
+              </a:ext>
+            </a:extLst>
+          </p:cNvPr>
+          <p:cNvPicPr/>
+          <p:nvPr/>
+        </p:nvPicPr>
+        <p:blipFill>
+          <a:blip r:embed="rId3"/>
+          <a:stretch>
+            <a:fillRect/>
+          </a:stretch>
+        </p:blipFill>
+        <p:spPr>
+          <a:xfrm>
+            <a:off x="2782033" y="2745733"/>
+            <a:ext cx="7263115" cy="3694564"/>
+          </a:xfrm>
+          <a:prstGeom prst="rect">
+            <a:avLst/>
+          </a:prstGeom>
+        </p:spPr>
+      </p:pic>
     </p:spTree>
     <p:extLst>
       <p:ext uri="{BB962C8B-B14F-4D97-AF65-F5344CB8AC3E}">
@@ -4603,14 +4640,6 @@
 <file path=ppt/slides/slide13.xml><?xml version="1.0" encoding="utf-8"?>
 <p:sld xmlns:a="http://schemas.openxmlformats.org/drawingml/2006/main" xmlns:r="http://schemas.openxmlformats.org/officeDocument/2006/relationships" xmlns:p="http://schemas.openxmlformats.org/presentationml/2006/main">
   <p:cSld>
-    <p:bg>
-      <p:bgPr>
-        <a:solidFill>
-          <a:srgbClr val="EBF1F5"/>
-        </a:solidFill>
-        <a:effectLst/>
-      </p:bgPr>
-    </p:bg>
     <p:spTree>
       <p:nvGrpSpPr>
         <p:cNvPr id="1" name=""/>
@@ -4669,6 +4698,12 @@
                 <a:latin typeface="Century Gothic" panose="020B0502020202020204" pitchFamily="34" charset="0"/>
               </a:rPr>
             </a:br>
+            <a:r>
+              <a:rPr lang="es-ES" sz="3600" b="1" dirty="0">
+                <a:latin typeface="Century Gothic" panose="020B0502020202020204" pitchFamily="34" charset="0"/>
+              </a:rPr>
+              <a:t>Documentación de construcción</a:t>
+            </a:r>
             <a:endParaRPr lang="es-ES_tradnl" b="1" dirty="0">
               <a:latin typeface="Century Gothic" panose="020B0502020202020204" pitchFamily="34" charset="0"/>
             </a:endParaRPr>
@@ -4722,10 +4757,40 @@
           </a:extLst>
         </p:spPr>
       </p:pic>
+      <p:pic>
+        <p:nvPicPr>
+          <p:cNvPr id="3" name="Imagen 2">
+            <a:extLst>
+              <a:ext uri="{FF2B5EF4-FFF2-40B4-BE49-F238E27FC236}">
+                <a16:creationId xmlns:a16="http://schemas.microsoft.com/office/drawing/2014/main" id="{083B9526-5857-4EE4-BC47-0D1E91198BC3}"/>
+              </a:ext>
+            </a:extLst>
+          </p:cNvPr>
+          <p:cNvPicPr>
+            <a:picLocks noChangeAspect="1"/>
+          </p:cNvPicPr>
+          <p:nvPr/>
+        </p:nvPicPr>
+        <p:blipFill>
+          <a:blip r:embed="rId3"/>
+          <a:stretch>
+            <a:fillRect/>
+          </a:stretch>
+        </p:blipFill>
+        <p:spPr>
+          <a:xfrm>
+            <a:off x="3390899" y="2828926"/>
+            <a:ext cx="6391053" cy="3943350"/>
+          </a:xfrm>
+          <a:prstGeom prst="rect">
+            <a:avLst/>
+          </a:prstGeom>
+        </p:spPr>
+      </p:pic>
     </p:spTree>
     <p:extLst>
       <p:ext uri="{BB962C8B-B14F-4D97-AF65-F5344CB8AC3E}">
-        <p14:creationId xmlns:p14="http://schemas.microsoft.com/office/powerpoint/2010/main" val="760083586"/>
+        <p14:creationId xmlns:p14="http://schemas.microsoft.com/office/powerpoint/2010/main" val="2644156579"/>
       </p:ext>
     </p:extLst>
   </p:cSld>
@@ -4738,14 +4803,6 @@
 <file path=ppt/slides/slide14.xml><?xml version="1.0" encoding="utf-8"?>
 <p:sld xmlns:a="http://schemas.openxmlformats.org/drawingml/2006/main" xmlns:r="http://schemas.openxmlformats.org/officeDocument/2006/relationships" xmlns:p="http://schemas.openxmlformats.org/presentationml/2006/main">
   <p:cSld>
-    <p:bg>
-      <p:bgPr>
-        <a:solidFill>
-          <a:srgbClr val="EBF1F5"/>
-        </a:solidFill>
-        <a:effectLst/>
-      </p:bgPr>
-    </p:bg>
     <p:spTree>
       <p:nvGrpSpPr>
         <p:cNvPr id="1" name=""/>
@@ -4779,7 +4836,7 @@
         <p:spPr>
           <a:xfrm>
             <a:off x="982979" y="571500"/>
-            <a:ext cx="11209021" cy="1485900"/>
+            <a:ext cx="9618759" cy="1485900"/>
           </a:xfrm>
         </p:spPr>
         <p:txBody>
@@ -4792,7 +4849,7 @@
               <a:rPr lang="es-ES" b="1" dirty="0">
                 <a:latin typeface="Century Gothic" panose="020B0502020202020204" pitchFamily="34" charset="0"/>
               </a:rPr>
-              <a:t>Comparación de las dos implementaciones</a:t>
+              <a:t>Proyecto de implementación de un prototipo del sistema utilizando Yii2</a:t>
             </a:r>
             <a:br>
               <a:rPr lang="es-ES" b="1" dirty="0">
@@ -4804,21 +4861,182 @@
                 <a:latin typeface="Century Gothic" panose="020B0502020202020204" pitchFamily="34" charset="0"/>
               </a:rPr>
             </a:br>
-            <a:br>
-              <a:rPr lang="es-ES" b="1" dirty="0">
-                <a:latin typeface="Century Gothic" panose="020B0502020202020204" pitchFamily="34" charset="0"/>
-              </a:rPr>
-            </a:br>
+            <a:r>
+              <a:rPr lang="es-ES" sz="3600" b="1" dirty="0">
+                <a:latin typeface="Century Gothic" panose="020B0502020202020204" pitchFamily="34" charset="0"/>
+              </a:rPr>
+              <a:t>Documentación de instalación</a:t>
+            </a:r>
             <a:endParaRPr lang="es-ES_tradnl" b="1" dirty="0">
               <a:latin typeface="Century Gothic" panose="020B0502020202020204" pitchFamily="34" charset="0"/>
             </a:endParaRPr>
           </a:p>
         </p:txBody>
       </p:sp>
+      <p:pic>
+        <p:nvPicPr>
+          <p:cNvPr id="4" name="Picture 2" descr="Resultado de imagen de yii png">
+            <a:extLst>
+              <a:ext uri="{FF2B5EF4-FFF2-40B4-BE49-F238E27FC236}">
+                <a16:creationId xmlns:a16="http://schemas.microsoft.com/office/drawing/2014/main" id="{1B0F166E-E88D-4823-B22E-D661F72F35FF}"/>
+              </a:ext>
+            </a:extLst>
+          </p:cNvPr>
+          <p:cNvPicPr>
+            <a:picLocks noChangeAspect="1" noChangeArrowheads="1"/>
+          </p:cNvPicPr>
+          <p:nvPr/>
+        </p:nvPicPr>
+        <p:blipFill>
+          <a:blip r:embed="rId2">
+            <a:extLst>
+              <a:ext uri="{28A0092B-C50C-407E-A947-70E740481C1C}">
+                <a14:useLocalDpi xmlns:a14="http://schemas.microsoft.com/office/drawing/2010/main" val="0"/>
+              </a:ext>
+            </a:extLst>
+          </a:blip>
+          <a:srcRect/>
+          <a:stretch>
+            <a:fillRect/>
+          </a:stretch>
+        </p:blipFill>
+        <p:spPr bwMode="auto">
+          <a:xfrm>
+            <a:off x="10045148" y="56322"/>
+            <a:ext cx="2001078" cy="2001078"/>
+          </a:xfrm>
+          <a:prstGeom prst="rect">
+            <a:avLst/>
+          </a:prstGeom>
+          <a:noFill/>
+          <a:extLst>
+            <a:ext uri="{909E8E84-426E-40DD-AFC4-6F175D3DCCD1}">
+              <a14:hiddenFill xmlns:a14="http://schemas.microsoft.com/office/drawing/2010/main">
+                <a:solidFill>
+                  <a:srgbClr val="FFFFFF"/>
+                </a:solidFill>
+              </a14:hiddenFill>
+            </a:ext>
+          </a:extLst>
+        </p:spPr>
+      </p:pic>
+      <p:sp>
+        <p:nvSpPr>
+          <p:cNvPr id="5" name="CuadroTexto 4">
+            <a:extLst>
+              <a:ext uri="{FF2B5EF4-FFF2-40B4-BE49-F238E27FC236}">
+                <a16:creationId xmlns:a16="http://schemas.microsoft.com/office/drawing/2014/main" id="{A40CCB8B-BCB3-44AC-AF99-8B2A5AD6B54B}"/>
+              </a:ext>
+            </a:extLst>
+          </p:cNvPr>
+          <p:cNvSpPr txBox="1"/>
+          <p:nvPr/>
+        </p:nvSpPr>
+        <p:spPr>
+          <a:xfrm>
+            <a:off x="2169042" y="3976577"/>
+            <a:ext cx="6422065" cy="923330"/>
+          </a:xfrm>
+          <a:prstGeom prst="rect">
+            <a:avLst/>
+          </a:prstGeom>
+          <a:noFill/>
+        </p:spPr>
+        <p:txBody>
+          <a:bodyPr wrap="square" rtlCol="0">
+            <a:spAutoFit/>
+          </a:bodyPr>
+          <a:lstStyle/>
+          <a:p>
+            <a:r>
+              <a:rPr lang="es-ES" dirty="0" err="1"/>
+              <a:t>composer</a:t>
+            </a:r>
+            <a:r>
+              <a:rPr lang="es-ES" dirty="0"/>
+              <a:t> global </a:t>
+            </a:r>
+            <a:r>
+              <a:rPr lang="es-ES" dirty="0" err="1"/>
+              <a:t>require</a:t>
+            </a:r>
+            <a:r>
+              <a:rPr lang="es-ES" dirty="0"/>
+              <a:t> "</a:t>
+            </a:r>
+            <a:r>
+              <a:rPr lang="es-ES" dirty="0" err="1"/>
+              <a:t>fxp</a:t>
+            </a:r>
+            <a:r>
+              <a:rPr lang="es-ES" dirty="0"/>
+              <a:t>/</a:t>
+            </a:r>
+            <a:r>
+              <a:rPr lang="es-ES" dirty="0" err="1"/>
+              <a:t>composer</a:t>
+            </a:r>
+            <a:r>
+              <a:rPr lang="es-ES" dirty="0"/>
+              <a:t>-</a:t>
+            </a:r>
+            <a:r>
+              <a:rPr lang="es-ES" dirty="0" err="1"/>
+              <a:t>asset</a:t>
+            </a:r>
+            <a:r>
+              <a:rPr lang="es-ES" dirty="0"/>
+              <a:t>-plugin:^1.4.1"</a:t>
+            </a:r>
+          </a:p>
+          <a:p>
+            <a:r>
+              <a:rPr lang="es-ES" dirty="0" err="1"/>
+              <a:t>composer</a:t>
+            </a:r>
+            <a:r>
+              <a:rPr lang="es-ES" dirty="0"/>
+              <a:t> </a:t>
+            </a:r>
+            <a:r>
+              <a:rPr lang="es-ES" dirty="0" err="1"/>
+              <a:t>create-project</a:t>
+            </a:r>
+            <a:r>
+              <a:rPr lang="es-ES" dirty="0"/>
+              <a:t> --</a:t>
+            </a:r>
+            <a:r>
+              <a:rPr lang="es-ES" dirty="0" err="1"/>
+              <a:t>prefer-dist</a:t>
+            </a:r>
+            <a:r>
+              <a:rPr lang="es-ES" dirty="0"/>
+              <a:t> </a:t>
+            </a:r>
+            <a:r>
+              <a:rPr lang="es-ES" dirty="0" err="1"/>
+              <a:t>yiisoft</a:t>
+            </a:r>
+            <a:r>
+              <a:rPr lang="es-ES" dirty="0"/>
+              <a:t>/yii2-app-basic </a:t>
+            </a:r>
+            <a:r>
+              <a:rPr lang="es-ES" dirty="0" err="1"/>
+              <a:t>basic</a:t>
+            </a:r>
+            <a:endParaRPr lang="es-ES" dirty="0"/>
+          </a:p>
+          <a:p>
+            <a:endParaRPr lang="es-ES" dirty="0"/>
+          </a:p>
+        </p:txBody>
+      </p:sp>
     </p:spTree>
     <p:extLst>
       <p:ext uri="{BB962C8B-B14F-4D97-AF65-F5344CB8AC3E}">
-        <p14:creationId xmlns:p14="http://schemas.microsoft.com/office/powerpoint/2010/main" val="3475164297"/>
+        <p14:creationId xmlns:p14="http://schemas.microsoft.com/office/powerpoint/2010/main" val="1442811004"/>
       </p:ext>
     </p:extLst>
   </p:cSld>
@@ -4831,14 +5049,6 @@
 <file path=ppt/slides/slide15.xml><?xml version="1.0" encoding="utf-8"?>
 <p:sld xmlns:a="http://schemas.openxmlformats.org/drawingml/2006/main" xmlns:r="http://schemas.openxmlformats.org/officeDocument/2006/relationships" xmlns:p="http://schemas.openxmlformats.org/presentationml/2006/main">
   <p:cSld>
-    <p:bg>
-      <p:bgPr>
-        <a:solidFill>
-          <a:srgbClr val="EBF1F5"/>
-        </a:solidFill>
-        <a:effectLst/>
-      </p:bgPr>
-    </p:bg>
     <p:spTree>
       <p:nvGrpSpPr>
         <p:cNvPr id="1" name=""/>
@@ -4872,7 +5082,7 @@
         <p:spPr>
           <a:xfrm>
             <a:off x="982979" y="571500"/>
-            <a:ext cx="11209021" cy="1485900"/>
+            <a:ext cx="9618759" cy="1485900"/>
           </a:xfrm>
         </p:spPr>
         <p:txBody>
@@ -4885,7 +5095,7 @@
               <a:rPr lang="es-ES" b="1" dirty="0">
                 <a:latin typeface="Century Gothic" panose="020B0502020202020204" pitchFamily="34" charset="0"/>
               </a:rPr>
-              <a:t>Comparación de las dos implementaciones</a:t>
+              <a:t>Proyecto de implementación de un prototipo del sistema utilizando Yii2</a:t>
             </a:r>
             <a:br>
               <a:rPr lang="es-ES" b="1" dirty="0">
@@ -4897,21 +5107,97 @@
                 <a:latin typeface="Century Gothic" panose="020B0502020202020204" pitchFamily="34" charset="0"/>
               </a:rPr>
             </a:br>
-            <a:br>
-              <a:rPr lang="es-ES" b="1" dirty="0">
-                <a:latin typeface="Century Gothic" panose="020B0502020202020204" pitchFamily="34" charset="0"/>
-              </a:rPr>
-            </a:br>
+            <a:r>
+              <a:rPr lang="es-ES" sz="3600" b="1" dirty="0">
+                <a:latin typeface="Century Gothic" panose="020B0502020202020204" pitchFamily="34" charset="0"/>
+              </a:rPr>
+              <a:t>Documentación manual de usuario</a:t>
+            </a:r>
             <a:endParaRPr lang="es-ES_tradnl" b="1" dirty="0">
               <a:latin typeface="Century Gothic" panose="020B0502020202020204" pitchFamily="34" charset="0"/>
             </a:endParaRPr>
           </a:p>
         </p:txBody>
       </p:sp>
+      <p:pic>
+        <p:nvPicPr>
+          <p:cNvPr id="4" name="Picture 2" descr="Resultado de imagen de yii png">
+            <a:extLst>
+              <a:ext uri="{FF2B5EF4-FFF2-40B4-BE49-F238E27FC236}">
+                <a16:creationId xmlns:a16="http://schemas.microsoft.com/office/drawing/2014/main" id="{1B0F166E-E88D-4823-B22E-D661F72F35FF}"/>
+              </a:ext>
+            </a:extLst>
+          </p:cNvPr>
+          <p:cNvPicPr>
+            <a:picLocks noChangeAspect="1" noChangeArrowheads="1"/>
+          </p:cNvPicPr>
+          <p:nvPr/>
+        </p:nvPicPr>
+        <p:blipFill>
+          <a:blip r:embed="rId2">
+            <a:extLst>
+              <a:ext uri="{28A0092B-C50C-407E-A947-70E740481C1C}">
+                <a14:useLocalDpi xmlns:a14="http://schemas.microsoft.com/office/drawing/2010/main" val="0"/>
+              </a:ext>
+            </a:extLst>
+          </a:blip>
+          <a:srcRect/>
+          <a:stretch>
+            <a:fillRect/>
+          </a:stretch>
+        </p:blipFill>
+        <p:spPr bwMode="auto">
+          <a:xfrm>
+            <a:off x="10045148" y="56322"/>
+            <a:ext cx="2001078" cy="2001078"/>
+          </a:xfrm>
+          <a:prstGeom prst="rect">
+            <a:avLst/>
+          </a:prstGeom>
+          <a:noFill/>
+          <a:extLst>
+            <a:ext uri="{909E8E84-426E-40DD-AFC4-6F175D3DCCD1}">
+              <a14:hiddenFill xmlns:a14="http://schemas.microsoft.com/office/drawing/2010/main">
+                <a:solidFill>
+                  <a:srgbClr val="FFFFFF"/>
+                </a:solidFill>
+              </a14:hiddenFill>
+            </a:ext>
+          </a:extLst>
+        </p:spPr>
+      </p:pic>
+      <p:pic>
+        <p:nvPicPr>
+          <p:cNvPr id="6" name="Imagen 5">
+            <a:extLst>
+              <a:ext uri="{FF2B5EF4-FFF2-40B4-BE49-F238E27FC236}">
+                <a16:creationId xmlns:a16="http://schemas.microsoft.com/office/drawing/2014/main" id="{9CE96371-B0D4-47C7-98A0-093E1E6DC313}"/>
+              </a:ext>
+            </a:extLst>
+          </p:cNvPr>
+          <p:cNvPicPr/>
+          <p:nvPr/>
+        </p:nvPicPr>
+        <p:blipFill>
+          <a:blip r:embed="rId3"/>
+          <a:stretch>
+            <a:fillRect/>
+          </a:stretch>
+        </p:blipFill>
+        <p:spPr>
+          <a:xfrm>
+            <a:off x="2797691" y="3428999"/>
+            <a:ext cx="6596617" cy="2652823"/>
+          </a:xfrm>
+          <a:prstGeom prst="rect">
+            <a:avLst/>
+          </a:prstGeom>
+        </p:spPr>
+      </p:pic>
     </p:spTree>
     <p:extLst>
       <p:ext uri="{BB962C8B-B14F-4D97-AF65-F5344CB8AC3E}">
-        <p14:creationId xmlns:p14="http://schemas.microsoft.com/office/powerpoint/2010/main" val="1864762238"/>
+        <p14:creationId xmlns:p14="http://schemas.microsoft.com/office/powerpoint/2010/main" val="3573472159"/>
       </p:ext>
     </p:extLst>
   </p:cSld>
@@ -4924,14 +5210,6 @@
 <file path=ppt/slides/slide16.xml><?xml version="1.0" encoding="utf-8"?>
 <p:sld xmlns:a="http://schemas.openxmlformats.org/drawingml/2006/main" xmlns:r="http://schemas.openxmlformats.org/officeDocument/2006/relationships" xmlns:p="http://schemas.openxmlformats.org/presentationml/2006/main">
   <p:cSld>
-    <p:bg>
-      <p:bgPr>
-        <a:solidFill>
-          <a:srgbClr val="EBF1F5"/>
-        </a:solidFill>
-        <a:effectLst/>
-      </p:bgPr>
-    </p:bg>
     <p:spTree>
       <p:nvGrpSpPr>
         <p:cNvPr id="1" name=""/>
@@ -4965,7 +5243,7 @@
         <p:spPr>
           <a:xfrm>
             <a:off x="982979" y="571500"/>
-            <a:ext cx="11209021" cy="1485900"/>
+            <a:ext cx="9618759" cy="1485900"/>
           </a:xfrm>
         </p:spPr>
         <p:txBody>
@@ -4978,7 +5256,7 @@
               <a:rPr lang="es-ES" b="1" dirty="0">
                 <a:latin typeface="Century Gothic" panose="020B0502020202020204" pitchFamily="34" charset="0"/>
               </a:rPr>
-              <a:t>Comparación de la implementación de las tecnologías</a:t>
+              <a:t>Proyecto de implementación de un prototipo del sistema utilizando Yii2</a:t>
             </a:r>
             <a:br>
               <a:rPr lang="es-ES" b="1" dirty="0">
@@ -4990,21 +5268,97 @@
                 <a:latin typeface="Century Gothic" panose="020B0502020202020204" pitchFamily="34" charset="0"/>
               </a:rPr>
             </a:br>
-            <a:br>
-              <a:rPr lang="es-ES" b="1" dirty="0">
-                <a:latin typeface="Century Gothic" panose="020B0502020202020204" pitchFamily="34" charset="0"/>
-              </a:rPr>
-            </a:br>
+            <a:r>
+              <a:rPr lang="es-ES" sz="3600" b="1" dirty="0">
+                <a:latin typeface="Century Gothic" panose="020B0502020202020204" pitchFamily="34" charset="0"/>
+              </a:rPr>
+              <a:t>Documentación manual de usuario</a:t>
+            </a:r>
             <a:endParaRPr lang="es-ES_tradnl" b="1" dirty="0">
               <a:latin typeface="Century Gothic" panose="020B0502020202020204" pitchFamily="34" charset="0"/>
             </a:endParaRPr>
           </a:p>
         </p:txBody>
       </p:sp>
+      <p:pic>
+        <p:nvPicPr>
+          <p:cNvPr id="4" name="Picture 2" descr="Resultado de imagen de yii png">
+            <a:extLst>
+              <a:ext uri="{FF2B5EF4-FFF2-40B4-BE49-F238E27FC236}">
+                <a16:creationId xmlns:a16="http://schemas.microsoft.com/office/drawing/2014/main" id="{1B0F166E-E88D-4823-B22E-D661F72F35FF}"/>
+              </a:ext>
+            </a:extLst>
+          </p:cNvPr>
+          <p:cNvPicPr>
+            <a:picLocks noChangeAspect="1" noChangeArrowheads="1"/>
+          </p:cNvPicPr>
+          <p:nvPr/>
+        </p:nvPicPr>
+        <p:blipFill>
+          <a:blip r:embed="rId2">
+            <a:extLst>
+              <a:ext uri="{28A0092B-C50C-407E-A947-70E740481C1C}">
+                <a14:useLocalDpi xmlns:a14="http://schemas.microsoft.com/office/drawing/2010/main" val="0"/>
+              </a:ext>
+            </a:extLst>
+          </a:blip>
+          <a:srcRect/>
+          <a:stretch>
+            <a:fillRect/>
+          </a:stretch>
+        </p:blipFill>
+        <p:spPr bwMode="auto">
+          <a:xfrm>
+            <a:off x="10045148" y="56322"/>
+            <a:ext cx="2001078" cy="2001078"/>
+          </a:xfrm>
+          <a:prstGeom prst="rect">
+            <a:avLst/>
+          </a:prstGeom>
+          <a:noFill/>
+          <a:extLst>
+            <a:ext uri="{909E8E84-426E-40DD-AFC4-6F175D3DCCD1}">
+              <a14:hiddenFill xmlns:a14="http://schemas.microsoft.com/office/drawing/2010/main">
+                <a:solidFill>
+                  <a:srgbClr val="FFFFFF"/>
+                </a:solidFill>
+              </a14:hiddenFill>
+            </a:ext>
+          </a:extLst>
+        </p:spPr>
+      </p:pic>
+      <p:pic>
+        <p:nvPicPr>
+          <p:cNvPr id="5" name="Imagen 4">
+            <a:extLst>
+              <a:ext uri="{FF2B5EF4-FFF2-40B4-BE49-F238E27FC236}">
+                <a16:creationId xmlns:a16="http://schemas.microsoft.com/office/drawing/2014/main" id="{BC3330AC-6B8B-4CD8-A0C3-ACEF08DB53BC}"/>
+              </a:ext>
+            </a:extLst>
+          </p:cNvPr>
+          <p:cNvPicPr/>
+          <p:nvPr/>
+        </p:nvPicPr>
+        <p:blipFill>
+          <a:blip r:embed="rId3"/>
+          <a:stretch>
+            <a:fillRect/>
+          </a:stretch>
+        </p:blipFill>
+        <p:spPr>
+          <a:xfrm>
+            <a:off x="2566778" y="2945719"/>
+            <a:ext cx="7058444" cy="3390831"/>
+          </a:xfrm>
+          <a:prstGeom prst="rect">
+            <a:avLst/>
+          </a:prstGeom>
+        </p:spPr>
+      </p:pic>
     </p:spTree>
     <p:extLst>
       <p:ext uri="{BB962C8B-B14F-4D97-AF65-F5344CB8AC3E}">
-        <p14:creationId xmlns:p14="http://schemas.microsoft.com/office/powerpoint/2010/main" val="1699970657"/>
+        <p14:creationId xmlns:p14="http://schemas.microsoft.com/office/powerpoint/2010/main" val="2233205032"/>
       </p:ext>
     </p:extLst>
   </p:cSld>
@@ -5071,7 +5425,7 @@
               <a:rPr lang="es-ES" b="1" dirty="0">
                 <a:latin typeface="Century Gothic" panose="020B0502020202020204" pitchFamily="34" charset="0"/>
               </a:rPr>
-              <a:t>Comparación de la implementación de las tecnologías</a:t>
+              <a:t>Comparación de las dos implementaciones</a:t>
             </a:r>
             <a:br>
               <a:rPr lang="es-ES" b="1" dirty="0">
@@ -5097,7 +5451,7 @@
     </p:spTree>
     <p:extLst>
       <p:ext uri="{BB962C8B-B14F-4D97-AF65-F5344CB8AC3E}">
-        <p14:creationId xmlns:p14="http://schemas.microsoft.com/office/powerpoint/2010/main" val="1306241248"/>
+        <p14:creationId xmlns:p14="http://schemas.microsoft.com/office/powerpoint/2010/main" val="3475164297"/>
       </p:ext>
     </p:extLst>
   </p:cSld>
@@ -5113,7 +5467,7 @@
     <p:bg>
       <p:bgPr>
         <a:solidFill>
-          <a:srgbClr val="EEF3F6"/>
+          <a:srgbClr val="EBF1F5"/>
         </a:solidFill>
         <a:effectLst/>
       </p:bgPr>
@@ -5137,7 +5491,7 @@
           <p:cNvPr id="2" name="Título 1">
             <a:extLst>
               <a:ext uri="{FF2B5EF4-FFF2-40B4-BE49-F238E27FC236}">
-                <a16:creationId xmlns:a16="http://schemas.microsoft.com/office/drawing/2014/main" id="{67625ECE-3F3D-4827-8CD9-4C1D83085BDC}"/>
+                <a16:creationId xmlns:a16="http://schemas.microsoft.com/office/drawing/2014/main" id="{0C7E543A-8DFC-45E7-A715-ABC32566D44D}"/>
               </a:ext>
             </a:extLst>
           </p:cNvPr>
@@ -5150,290 +5504,106 @@
         </p:nvSpPr>
         <p:spPr>
           <a:xfrm>
-            <a:off x="3964675" y="2320786"/>
-            <a:ext cx="9601200" cy="1485900"/>
+            <a:off x="982979" y="571500"/>
+            <a:ext cx="11209021" cy="1485900"/>
           </a:xfrm>
         </p:spPr>
         <p:txBody>
-          <a:bodyPr/>
+          <a:bodyPr>
+            <a:normAutofit fontScale="90000"/>
+          </a:bodyPr>
           <a:lstStyle/>
           <a:p>
             <a:r>
               <a:rPr lang="es-ES" b="1" dirty="0">
                 <a:latin typeface="Century Gothic" panose="020B0502020202020204" pitchFamily="34" charset="0"/>
               </a:rPr>
-              <a:t>CONCLUSIONES</a:t>
-            </a:r>
-          </a:p>
-        </p:txBody>
-      </p:sp>
-      <p:sp>
-        <p:nvSpPr>
-          <p:cNvPr id="9" name="Marcador de contenido 2">
+              <a:t>Comparación de las dos implementaciones</a:t>
+            </a:r>
+            <a:br>
+              <a:rPr lang="es-ES" b="1" dirty="0">
+                <a:latin typeface="Century Gothic" panose="020B0502020202020204" pitchFamily="34" charset="0"/>
+              </a:rPr>
+            </a:br>
+            <a:br>
+              <a:rPr lang="es-ES" b="1" dirty="0">
+                <a:latin typeface="Century Gothic" panose="020B0502020202020204" pitchFamily="34" charset="0"/>
+              </a:rPr>
+            </a:br>
+            <a:br>
+              <a:rPr lang="es-ES" b="1" dirty="0">
+                <a:latin typeface="Century Gothic" panose="020B0502020202020204" pitchFamily="34" charset="0"/>
+              </a:rPr>
+            </a:br>
+            <a:endParaRPr lang="es-ES_tradnl" b="1" dirty="0">
+              <a:latin typeface="Century Gothic" panose="020B0502020202020204" pitchFamily="34" charset="0"/>
+            </a:endParaRPr>
+          </a:p>
+        </p:txBody>
+      </p:sp>
+    </p:spTree>
+    <p:extLst>
+      <p:ext uri="{BB962C8B-B14F-4D97-AF65-F5344CB8AC3E}">
+        <p14:creationId xmlns:p14="http://schemas.microsoft.com/office/powerpoint/2010/main" val="1864762238"/>
+      </p:ext>
+    </p:extLst>
+  </p:cSld>
+  <p:clrMapOvr>
+    <a:masterClrMapping/>
+  </p:clrMapOvr>
+</p:sld>
+</file>
+
+<file path=ppt/slides/slide19.xml><?xml version="1.0" encoding="utf-8"?>
+<p:sld xmlns:a="http://schemas.openxmlformats.org/drawingml/2006/main" xmlns:r="http://schemas.openxmlformats.org/officeDocument/2006/relationships" xmlns:p="http://schemas.openxmlformats.org/presentationml/2006/main">
+  <p:cSld>
+    <p:bg>
+      <p:bgPr>
+        <a:solidFill>
+          <a:srgbClr val="EBF1F5"/>
+        </a:solidFill>
+        <a:effectLst/>
+      </p:bgPr>
+    </p:bg>
+    <p:spTree>
+      <p:nvGrpSpPr>
+        <p:cNvPr id="1" name=""/>
+        <p:cNvGrpSpPr/>
+        <p:nvPr/>
+      </p:nvGrpSpPr>
+      <p:grpSpPr>
+        <a:xfrm>
+          <a:off x="0" y="0"/>
+          <a:ext cx="0" cy="0"/>
+          <a:chOff x="0" y="0"/>
+          <a:chExt cx="0" cy="0"/>
+        </a:xfrm>
+      </p:grpSpPr>
+      <p:sp>
+        <p:nvSpPr>
+          <p:cNvPr id="2" name="Título 1">
             <a:extLst>
               <a:ext uri="{FF2B5EF4-FFF2-40B4-BE49-F238E27FC236}">
-                <a16:creationId xmlns:a16="http://schemas.microsoft.com/office/drawing/2014/main" id="{D1EFBA3E-5E6D-45BB-86A8-AE203160817B}"/>
+                <a16:creationId xmlns:a16="http://schemas.microsoft.com/office/drawing/2014/main" id="{0C7E543A-8DFC-45E7-A715-ABC32566D44D}"/>
               </a:ext>
             </a:extLst>
           </p:cNvPr>
-          <p:cNvSpPr txBox="1">
-            <a:spLocks/>
+          <p:cNvSpPr>
+            <a:spLocks noGrp="1"/>
           </p:cNvSpPr>
-          <p:nvPr/>
+          <p:nvPr>
+            <p:ph type="title"/>
+          </p:nvPr>
         </p:nvSpPr>
         <p:spPr>
           <a:xfrm>
-            <a:off x="1371600" y="2726635"/>
-            <a:ext cx="9601200" cy="2160103"/>
+            <a:off x="982979" y="571500"/>
+            <a:ext cx="11209021" cy="1485900"/>
           </a:xfrm>
-          <a:prstGeom prst="rect">
-            <a:avLst/>
-          </a:prstGeom>
         </p:spPr>
         <p:txBody>
-          <a:bodyPr vert="horz" lIns="91440" tIns="45720" rIns="91440" bIns="45720" rtlCol="0">
-            <a:normAutofit/>
-          </a:bodyPr>
-          <a:lstStyle>
-            <a:lvl1pPr marL="384048" indent="-384048" algn="l" defTabSz="914400" rtl="0" eaLnBrk="1" latinLnBrk="0" hangingPunct="1">
-              <a:lnSpc>
-                <a:spcPct val="94000"/>
-              </a:lnSpc>
-              <a:spcBef>
-                <a:spcPts val="1000"/>
-              </a:spcBef>
-              <a:spcAft>
-                <a:spcPts val="200"/>
-              </a:spcAft>
-              <a:buFont typeface="Franklin Gothic Book" panose="020B0503020102020204" pitchFamily="34" charset="0"/>
-              <a:buChar char="■"/>
-              <a:defRPr sz="2000" kern="1200" baseline="0">
-                <a:solidFill>
-                  <a:schemeClr val="tx2"/>
-                </a:solidFill>
-                <a:latin typeface="+mn-lt"/>
-                <a:ea typeface="+mn-ea"/>
-                <a:cs typeface="+mn-cs"/>
-              </a:defRPr>
-            </a:lvl1pPr>
-            <a:lvl2pPr marL="914400" indent="-384048" algn="l" defTabSz="914400" rtl="0" eaLnBrk="1" latinLnBrk="0" hangingPunct="1">
-              <a:lnSpc>
-                <a:spcPct val="94000"/>
-              </a:lnSpc>
-              <a:spcBef>
-                <a:spcPts val="500"/>
-              </a:spcBef>
-              <a:spcAft>
-                <a:spcPts val="200"/>
-              </a:spcAft>
-              <a:buFont typeface="Franklin Gothic Book" panose="020B0503020102020204" pitchFamily="34" charset="0"/>
-              <a:buChar char="–"/>
-              <a:defRPr sz="2000" i="1" kern="1200" baseline="0">
-                <a:solidFill>
-                  <a:schemeClr val="tx2"/>
-                </a:solidFill>
-                <a:latin typeface="+mn-lt"/>
-                <a:ea typeface="+mn-ea"/>
-                <a:cs typeface="+mn-cs"/>
-              </a:defRPr>
-            </a:lvl2pPr>
-            <a:lvl3pPr marL="1371600" indent="-384048" algn="l" defTabSz="914400" rtl="0" eaLnBrk="1" latinLnBrk="0" hangingPunct="1">
-              <a:lnSpc>
-                <a:spcPct val="94000"/>
-              </a:lnSpc>
-              <a:spcBef>
-                <a:spcPts val="500"/>
-              </a:spcBef>
-              <a:spcAft>
-                <a:spcPts val="200"/>
-              </a:spcAft>
-              <a:buFont typeface="Franklin Gothic Book" panose="020B0503020102020204" pitchFamily="34" charset="0"/>
-              <a:buChar char="■"/>
-              <a:defRPr sz="1800" kern="1200" baseline="0">
-                <a:solidFill>
-                  <a:schemeClr val="tx2"/>
-                </a:solidFill>
-                <a:latin typeface="+mn-lt"/>
-                <a:ea typeface="+mn-ea"/>
-                <a:cs typeface="+mn-cs"/>
-              </a:defRPr>
-            </a:lvl3pPr>
-            <a:lvl4pPr marL="1828800" indent="-384048" algn="l" defTabSz="914400" rtl="0" eaLnBrk="1" latinLnBrk="0" hangingPunct="1">
-              <a:lnSpc>
-                <a:spcPct val="94000"/>
-              </a:lnSpc>
-              <a:spcBef>
-                <a:spcPts val="500"/>
-              </a:spcBef>
-              <a:spcAft>
-                <a:spcPts val="200"/>
-              </a:spcAft>
-              <a:buFont typeface="Franklin Gothic Book" panose="020B0503020102020204" pitchFamily="34" charset="0"/>
-              <a:buChar char="–"/>
-              <a:defRPr sz="1800" i="1" kern="1200" baseline="0">
-                <a:solidFill>
-                  <a:schemeClr val="tx2"/>
-                </a:solidFill>
-                <a:latin typeface="+mn-lt"/>
-                <a:ea typeface="+mn-ea"/>
-                <a:cs typeface="+mn-cs"/>
-              </a:defRPr>
-            </a:lvl4pPr>
-            <a:lvl5pPr marL="2286000" indent="-384048" algn="l" defTabSz="914400" rtl="0" eaLnBrk="1" latinLnBrk="0" hangingPunct="1">
-              <a:lnSpc>
-                <a:spcPct val="94000"/>
-              </a:lnSpc>
-              <a:spcBef>
-                <a:spcPts val="500"/>
-              </a:spcBef>
-              <a:spcAft>
-                <a:spcPts val="200"/>
-              </a:spcAft>
-              <a:buFont typeface="Franklin Gothic Book" panose="020B0503020102020204" pitchFamily="34" charset="0"/>
-              <a:buChar char="■"/>
-              <a:defRPr sz="1600" kern="1200" baseline="0">
-                <a:solidFill>
-                  <a:schemeClr val="tx2"/>
-                </a:solidFill>
-                <a:latin typeface="+mn-lt"/>
-                <a:ea typeface="+mn-ea"/>
-                <a:cs typeface="+mn-cs"/>
-              </a:defRPr>
-            </a:lvl5pPr>
-            <a:lvl6pPr marL="2743200" indent="-384048" algn="l" defTabSz="914400" rtl="0" eaLnBrk="1" latinLnBrk="0" hangingPunct="1">
-              <a:lnSpc>
-                <a:spcPct val="94000"/>
-              </a:lnSpc>
-              <a:spcBef>
-                <a:spcPts val="500"/>
-              </a:spcBef>
-              <a:spcAft>
-                <a:spcPts val="200"/>
-              </a:spcAft>
-              <a:buFont typeface="Franklin Gothic Book" panose="020B0503020102020204" pitchFamily="34" charset="0"/>
-              <a:buChar char="–"/>
-              <a:defRPr sz="1600" i="1" kern="1200" baseline="0">
-                <a:solidFill>
-                  <a:schemeClr val="tx2"/>
-                </a:solidFill>
-                <a:latin typeface="+mn-lt"/>
-                <a:ea typeface="+mn-ea"/>
-                <a:cs typeface="+mn-cs"/>
-              </a:defRPr>
-            </a:lvl6pPr>
-            <a:lvl7pPr marL="3200400" indent="-384048" algn="l" defTabSz="914400" rtl="0" eaLnBrk="1" latinLnBrk="0" hangingPunct="1">
-              <a:lnSpc>
-                <a:spcPct val="94000"/>
-              </a:lnSpc>
-              <a:spcBef>
-                <a:spcPts val="500"/>
-              </a:spcBef>
-              <a:spcAft>
-                <a:spcPts val="200"/>
-              </a:spcAft>
-              <a:buFont typeface="Franklin Gothic Book" panose="020B0503020102020204" pitchFamily="34" charset="0"/>
-              <a:buChar char="■"/>
-              <a:defRPr sz="1400" kern="1200" baseline="0">
-                <a:solidFill>
-                  <a:schemeClr val="tx2"/>
-                </a:solidFill>
-                <a:latin typeface="+mn-lt"/>
-                <a:ea typeface="+mn-ea"/>
-                <a:cs typeface="+mn-cs"/>
-              </a:defRPr>
-            </a:lvl7pPr>
-            <a:lvl8pPr marL="3657600" indent="-384048" algn="l" defTabSz="914400" rtl="0" eaLnBrk="1" latinLnBrk="0" hangingPunct="1">
-              <a:lnSpc>
-                <a:spcPct val="94000"/>
-              </a:lnSpc>
-              <a:spcBef>
-                <a:spcPts val="500"/>
-              </a:spcBef>
-              <a:spcAft>
-                <a:spcPts val="200"/>
-              </a:spcAft>
-              <a:buFont typeface="Franklin Gothic Book" panose="020B0503020102020204" pitchFamily="34" charset="0"/>
-              <a:buChar char="–"/>
-              <a:defRPr sz="1400" i="1" kern="1200" baseline="0">
-                <a:solidFill>
-                  <a:schemeClr val="tx2"/>
-                </a:solidFill>
-                <a:latin typeface="+mn-lt"/>
-                <a:ea typeface="+mn-ea"/>
-                <a:cs typeface="+mn-cs"/>
-              </a:defRPr>
-            </a:lvl8pPr>
-            <a:lvl9pPr marL="4114800" indent="-384048" algn="l" defTabSz="914400" rtl="0" eaLnBrk="1" latinLnBrk="0" hangingPunct="1">
-              <a:lnSpc>
-                <a:spcPct val="94000"/>
-              </a:lnSpc>
-              <a:spcBef>
-                <a:spcPts val="500"/>
-              </a:spcBef>
-              <a:spcAft>
-                <a:spcPts val="200"/>
-              </a:spcAft>
-              <a:buFont typeface="Franklin Gothic Book" panose="020B0503020102020204" pitchFamily="34" charset="0"/>
-              <a:buChar char="■"/>
-              <a:defRPr sz="1400" kern="1200" baseline="0">
-                <a:solidFill>
-                  <a:schemeClr val="tx2"/>
-                </a:solidFill>
-                <a:latin typeface="+mn-lt"/>
-                <a:ea typeface="+mn-ea"/>
-                <a:cs typeface="+mn-cs"/>
-              </a:defRPr>
-            </a:lvl9pPr>
-          </a:lstStyle>
-          <a:p>
-            <a:pPr marL="0" indent="0">
-              <a:buNone/>
-            </a:pPr>
-            <a:endParaRPr lang="es-ES" sz="2400" b="1" dirty="0">
-              <a:solidFill>
-                <a:schemeClr val="tx1"/>
-              </a:solidFill>
-              <a:latin typeface="Century Gothic" panose="020B0502020202020204" pitchFamily="34" charset="0"/>
-            </a:endParaRPr>
-          </a:p>
-          <a:p>
-            <a:pPr marL="0" indent="0">
-              <a:buNone/>
-            </a:pPr>
-            <a:endParaRPr lang="es-ES" sz="2400" b="1" dirty="0">
-              <a:solidFill>
-                <a:schemeClr val="tx1"/>
-              </a:solidFill>
-              <a:latin typeface="Century Gothic" panose="020B0502020202020204" pitchFamily="34" charset="0"/>
-            </a:endParaRPr>
-          </a:p>
-        </p:txBody>
-      </p:sp>
-      <p:sp>
-        <p:nvSpPr>
-          <p:cNvPr id="3" name="CuadroTexto 2">
-            <a:extLst>
-              <a:ext uri="{FF2B5EF4-FFF2-40B4-BE49-F238E27FC236}">
-                <a16:creationId xmlns:a16="http://schemas.microsoft.com/office/drawing/2014/main" id="{0E0AC144-58E6-4F3D-950E-1E552DA2BAB3}"/>
-              </a:ext>
-            </a:extLst>
-          </p:cNvPr>
-          <p:cNvSpPr txBox="1"/>
-          <p:nvPr/>
-        </p:nvSpPr>
-        <p:spPr>
-          <a:xfrm>
-            <a:off x="5155442" y="3063736"/>
-            <a:ext cx="7219666" cy="369332"/>
-          </a:xfrm>
-          <a:prstGeom prst="rect">
-            <a:avLst/>
-          </a:prstGeom>
-          <a:noFill/>
-        </p:spPr>
-        <p:txBody>
-          <a:bodyPr wrap="square" rtlCol="0">
-            <a:spAutoFit/>
+          <a:bodyPr>
+            <a:normAutofit fontScale="90000"/>
           </a:bodyPr>
           <a:lstStyle/>
           <a:p>
@@ -5441,8 +5611,23 @@
               <a:rPr lang="es-ES" b="1" dirty="0">
                 <a:latin typeface="Century Gothic" panose="020B0502020202020204" pitchFamily="34" charset="0"/>
               </a:rPr>
-              <a:t>MUCHAS GRACIAS</a:t>
-            </a:r>
+              <a:t>Comparación de la implementación de las tecnologías</a:t>
+            </a:r>
+            <a:br>
+              <a:rPr lang="es-ES" b="1" dirty="0">
+                <a:latin typeface="Century Gothic" panose="020B0502020202020204" pitchFamily="34" charset="0"/>
+              </a:rPr>
+            </a:br>
+            <a:br>
+              <a:rPr lang="es-ES" b="1" dirty="0">
+                <a:latin typeface="Century Gothic" panose="020B0502020202020204" pitchFamily="34" charset="0"/>
+              </a:rPr>
+            </a:br>
+            <a:br>
+              <a:rPr lang="es-ES" b="1" dirty="0">
+                <a:latin typeface="Century Gothic" panose="020B0502020202020204" pitchFamily="34" charset="0"/>
+              </a:rPr>
+            </a:br>
             <a:endParaRPr lang="es-ES_tradnl" b="1" dirty="0">
               <a:latin typeface="Century Gothic" panose="020B0502020202020204" pitchFamily="34" charset="0"/>
             </a:endParaRPr>
@@ -5452,7 +5637,7 @@
     </p:spTree>
     <p:extLst>
       <p:ext uri="{BB962C8B-B14F-4D97-AF65-F5344CB8AC3E}">
-        <p14:creationId xmlns:p14="http://schemas.microsoft.com/office/powerpoint/2010/main" val="663906081"/>
+        <p14:creationId xmlns:p14="http://schemas.microsoft.com/office/powerpoint/2010/main" val="1699970657"/>
       </p:ext>
     </p:extLst>
   </p:cSld>
@@ -5594,6 +5779,454 @@
 </p:sld>
 </file>
 
+<file path=ppt/slides/slide20.xml><?xml version="1.0" encoding="utf-8"?>
+<p:sld xmlns:a="http://schemas.openxmlformats.org/drawingml/2006/main" xmlns:r="http://schemas.openxmlformats.org/officeDocument/2006/relationships" xmlns:p="http://schemas.openxmlformats.org/presentationml/2006/main">
+  <p:cSld>
+    <p:bg>
+      <p:bgPr>
+        <a:solidFill>
+          <a:srgbClr val="EBF1F5"/>
+        </a:solidFill>
+        <a:effectLst/>
+      </p:bgPr>
+    </p:bg>
+    <p:spTree>
+      <p:nvGrpSpPr>
+        <p:cNvPr id="1" name=""/>
+        <p:cNvGrpSpPr/>
+        <p:nvPr/>
+      </p:nvGrpSpPr>
+      <p:grpSpPr>
+        <a:xfrm>
+          <a:off x="0" y="0"/>
+          <a:ext cx="0" cy="0"/>
+          <a:chOff x="0" y="0"/>
+          <a:chExt cx="0" cy="0"/>
+        </a:xfrm>
+      </p:grpSpPr>
+      <p:sp>
+        <p:nvSpPr>
+          <p:cNvPr id="2" name="Título 1">
+            <a:extLst>
+              <a:ext uri="{FF2B5EF4-FFF2-40B4-BE49-F238E27FC236}">
+                <a16:creationId xmlns:a16="http://schemas.microsoft.com/office/drawing/2014/main" id="{0C7E543A-8DFC-45E7-A715-ABC32566D44D}"/>
+              </a:ext>
+            </a:extLst>
+          </p:cNvPr>
+          <p:cNvSpPr>
+            <a:spLocks noGrp="1"/>
+          </p:cNvSpPr>
+          <p:nvPr>
+            <p:ph type="title"/>
+          </p:nvPr>
+        </p:nvSpPr>
+        <p:spPr>
+          <a:xfrm>
+            <a:off x="982979" y="571500"/>
+            <a:ext cx="11209021" cy="1485900"/>
+          </a:xfrm>
+        </p:spPr>
+        <p:txBody>
+          <a:bodyPr>
+            <a:normAutofit fontScale="90000"/>
+          </a:bodyPr>
+          <a:lstStyle/>
+          <a:p>
+            <a:r>
+              <a:rPr lang="es-ES" b="1" dirty="0">
+                <a:latin typeface="Century Gothic" panose="020B0502020202020204" pitchFamily="34" charset="0"/>
+              </a:rPr>
+              <a:t>Comparación de la implementación de las tecnologías</a:t>
+            </a:r>
+            <a:br>
+              <a:rPr lang="es-ES" b="1" dirty="0">
+                <a:latin typeface="Century Gothic" panose="020B0502020202020204" pitchFamily="34" charset="0"/>
+              </a:rPr>
+            </a:br>
+            <a:br>
+              <a:rPr lang="es-ES" b="1" dirty="0">
+                <a:latin typeface="Century Gothic" panose="020B0502020202020204" pitchFamily="34" charset="0"/>
+              </a:rPr>
+            </a:br>
+            <a:br>
+              <a:rPr lang="es-ES" b="1" dirty="0">
+                <a:latin typeface="Century Gothic" panose="020B0502020202020204" pitchFamily="34" charset="0"/>
+              </a:rPr>
+            </a:br>
+            <a:endParaRPr lang="es-ES_tradnl" b="1" dirty="0">
+              <a:latin typeface="Century Gothic" panose="020B0502020202020204" pitchFamily="34" charset="0"/>
+            </a:endParaRPr>
+          </a:p>
+        </p:txBody>
+      </p:sp>
+    </p:spTree>
+    <p:extLst>
+      <p:ext uri="{BB962C8B-B14F-4D97-AF65-F5344CB8AC3E}">
+        <p14:creationId xmlns:p14="http://schemas.microsoft.com/office/powerpoint/2010/main" val="1306241248"/>
+      </p:ext>
+    </p:extLst>
+  </p:cSld>
+  <p:clrMapOvr>
+    <a:masterClrMapping/>
+  </p:clrMapOvr>
+</p:sld>
+</file>
+
+<file path=ppt/slides/slide21.xml><?xml version="1.0" encoding="utf-8"?>
+<p:sld xmlns:a="http://schemas.openxmlformats.org/drawingml/2006/main" xmlns:r="http://schemas.openxmlformats.org/officeDocument/2006/relationships" xmlns:p="http://schemas.openxmlformats.org/presentationml/2006/main">
+  <p:cSld>
+    <p:bg>
+      <p:bgPr>
+        <a:solidFill>
+          <a:srgbClr val="EEF3F6"/>
+        </a:solidFill>
+        <a:effectLst/>
+      </p:bgPr>
+    </p:bg>
+    <p:spTree>
+      <p:nvGrpSpPr>
+        <p:cNvPr id="1" name=""/>
+        <p:cNvGrpSpPr/>
+        <p:nvPr/>
+      </p:nvGrpSpPr>
+      <p:grpSpPr>
+        <a:xfrm>
+          <a:off x="0" y="0"/>
+          <a:ext cx="0" cy="0"/>
+          <a:chOff x="0" y="0"/>
+          <a:chExt cx="0" cy="0"/>
+        </a:xfrm>
+      </p:grpSpPr>
+      <p:sp>
+        <p:nvSpPr>
+          <p:cNvPr id="2" name="Título 1">
+            <a:extLst>
+              <a:ext uri="{FF2B5EF4-FFF2-40B4-BE49-F238E27FC236}">
+                <a16:creationId xmlns:a16="http://schemas.microsoft.com/office/drawing/2014/main" id="{67625ECE-3F3D-4827-8CD9-4C1D83085BDC}"/>
+              </a:ext>
+            </a:extLst>
+          </p:cNvPr>
+          <p:cNvSpPr>
+            <a:spLocks noGrp="1"/>
+          </p:cNvSpPr>
+          <p:nvPr>
+            <p:ph type="title"/>
+          </p:nvPr>
+        </p:nvSpPr>
+        <p:spPr>
+          <a:xfrm>
+            <a:off x="3964675" y="2320786"/>
+            <a:ext cx="9601200" cy="1485900"/>
+          </a:xfrm>
+        </p:spPr>
+        <p:txBody>
+          <a:bodyPr/>
+          <a:lstStyle/>
+          <a:p>
+            <a:r>
+              <a:rPr lang="es-ES" b="1" dirty="0">
+                <a:latin typeface="Century Gothic" panose="020B0502020202020204" pitchFamily="34" charset="0"/>
+              </a:rPr>
+              <a:t>CONCLUSIONES</a:t>
+            </a:r>
+          </a:p>
+        </p:txBody>
+      </p:sp>
+      <p:sp>
+        <p:nvSpPr>
+          <p:cNvPr id="9" name="Marcador de contenido 2">
+            <a:extLst>
+              <a:ext uri="{FF2B5EF4-FFF2-40B4-BE49-F238E27FC236}">
+                <a16:creationId xmlns:a16="http://schemas.microsoft.com/office/drawing/2014/main" id="{D1EFBA3E-5E6D-45BB-86A8-AE203160817B}"/>
+              </a:ext>
+            </a:extLst>
+          </p:cNvPr>
+          <p:cNvSpPr txBox="1">
+            <a:spLocks/>
+          </p:cNvSpPr>
+          <p:nvPr/>
+        </p:nvSpPr>
+        <p:spPr>
+          <a:xfrm>
+            <a:off x="1371600" y="2726635"/>
+            <a:ext cx="9601200" cy="2160103"/>
+          </a:xfrm>
+          <a:prstGeom prst="rect">
+            <a:avLst/>
+          </a:prstGeom>
+        </p:spPr>
+        <p:txBody>
+          <a:bodyPr vert="horz" lIns="91440" tIns="45720" rIns="91440" bIns="45720" rtlCol="0">
+            <a:normAutofit/>
+          </a:bodyPr>
+          <a:lstStyle>
+            <a:lvl1pPr marL="384048" indent="-384048" algn="l" defTabSz="914400" rtl="0" eaLnBrk="1" latinLnBrk="0" hangingPunct="1">
+              <a:lnSpc>
+                <a:spcPct val="94000"/>
+              </a:lnSpc>
+              <a:spcBef>
+                <a:spcPts val="1000"/>
+              </a:spcBef>
+              <a:spcAft>
+                <a:spcPts val="200"/>
+              </a:spcAft>
+              <a:buFont typeface="Franklin Gothic Book" panose="020B0503020102020204" pitchFamily="34" charset="0"/>
+              <a:buChar char="■"/>
+              <a:defRPr sz="2000" kern="1200" baseline="0">
+                <a:solidFill>
+                  <a:schemeClr val="tx2"/>
+                </a:solidFill>
+                <a:latin typeface="+mn-lt"/>
+                <a:ea typeface="+mn-ea"/>
+                <a:cs typeface="+mn-cs"/>
+              </a:defRPr>
+            </a:lvl1pPr>
+            <a:lvl2pPr marL="914400" indent="-384048" algn="l" defTabSz="914400" rtl="0" eaLnBrk="1" latinLnBrk="0" hangingPunct="1">
+              <a:lnSpc>
+                <a:spcPct val="94000"/>
+              </a:lnSpc>
+              <a:spcBef>
+                <a:spcPts val="500"/>
+              </a:spcBef>
+              <a:spcAft>
+                <a:spcPts val="200"/>
+              </a:spcAft>
+              <a:buFont typeface="Franklin Gothic Book" panose="020B0503020102020204" pitchFamily="34" charset="0"/>
+              <a:buChar char="–"/>
+              <a:defRPr sz="2000" i="1" kern="1200" baseline="0">
+                <a:solidFill>
+                  <a:schemeClr val="tx2"/>
+                </a:solidFill>
+                <a:latin typeface="+mn-lt"/>
+                <a:ea typeface="+mn-ea"/>
+                <a:cs typeface="+mn-cs"/>
+              </a:defRPr>
+            </a:lvl2pPr>
+            <a:lvl3pPr marL="1371600" indent="-384048" algn="l" defTabSz="914400" rtl="0" eaLnBrk="1" latinLnBrk="0" hangingPunct="1">
+              <a:lnSpc>
+                <a:spcPct val="94000"/>
+              </a:lnSpc>
+              <a:spcBef>
+                <a:spcPts val="500"/>
+              </a:spcBef>
+              <a:spcAft>
+                <a:spcPts val="200"/>
+              </a:spcAft>
+              <a:buFont typeface="Franklin Gothic Book" panose="020B0503020102020204" pitchFamily="34" charset="0"/>
+              <a:buChar char="■"/>
+              <a:defRPr sz="1800" kern="1200" baseline="0">
+                <a:solidFill>
+                  <a:schemeClr val="tx2"/>
+                </a:solidFill>
+                <a:latin typeface="+mn-lt"/>
+                <a:ea typeface="+mn-ea"/>
+                <a:cs typeface="+mn-cs"/>
+              </a:defRPr>
+            </a:lvl3pPr>
+            <a:lvl4pPr marL="1828800" indent="-384048" algn="l" defTabSz="914400" rtl="0" eaLnBrk="1" latinLnBrk="0" hangingPunct="1">
+              <a:lnSpc>
+                <a:spcPct val="94000"/>
+              </a:lnSpc>
+              <a:spcBef>
+                <a:spcPts val="500"/>
+              </a:spcBef>
+              <a:spcAft>
+                <a:spcPts val="200"/>
+              </a:spcAft>
+              <a:buFont typeface="Franklin Gothic Book" panose="020B0503020102020204" pitchFamily="34" charset="0"/>
+              <a:buChar char="–"/>
+              <a:defRPr sz="1800" i="1" kern="1200" baseline="0">
+                <a:solidFill>
+                  <a:schemeClr val="tx2"/>
+                </a:solidFill>
+                <a:latin typeface="+mn-lt"/>
+                <a:ea typeface="+mn-ea"/>
+                <a:cs typeface="+mn-cs"/>
+              </a:defRPr>
+            </a:lvl4pPr>
+            <a:lvl5pPr marL="2286000" indent="-384048" algn="l" defTabSz="914400" rtl="0" eaLnBrk="1" latinLnBrk="0" hangingPunct="1">
+              <a:lnSpc>
+                <a:spcPct val="94000"/>
+              </a:lnSpc>
+              <a:spcBef>
+                <a:spcPts val="500"/>
+              </a:spcBef>
+              <a:spcAft>
+                <a:spcPts val="200"/>
+              </a:spcAft>
+              <a:buFont typeface="Franklin Gothic Book" panose="020B0503020102020204" pitchFamily="34" charset="0"/>
+              <a:buChar char="■"/>
+              <a:defRPr sz="1600" kern="1200" baseline="0">
+                <a:solidFill>
+                  <a:schemeClr val="tx2"/>
+                </a:solidFill>
+                <a:latin typeface="+mn-lt"/>
+                <a:ea typeface="+mn-ea"/>
+                <a:cs typeface="+mn-cs"/>
+              </a:defRPr>
+            </a:lvl5pPr>
+            <a:lvl6pPr marL="2743200" indent="-384048" algn="l" defTabSz="914400" rtl="0" eaLnBrk="1" latinLnBrk="0" hangingPunct="1">
+              <a:lnSpc>
+                <a:spcPct val="94000"/>
+              </a:lnSpc>
+              <a:spcBef>
+                <a:spcPts val="500"/>
+              </a:spcBef>
+              <a:spcAft>
+                <a:spcPts val="200"/>
+              </a:spcAft>
+              <a:buFont typeface="Franklin Gothic Book" panose="020B0503020102020204" pitchFamily="34" charset="0"/>
+              <a:buChar char="–"/>
+              <a:defRPr sz="1600" i="1" kern="1200" baseline="0">
+                <a:solidFill>
+                  <a:schemeClr val="tx2"/>
+                </a:solidFill>
+                <a:latin typeface="+mn-lt"/>
+                <a:ea typeface="+mn-ea"/>
+                <a:cs typeface="+mn-cs"/>
+              </a:defRPr>
+            </a:lvl6pPr>
+            <a:lvl7pPr marL="3200400" indent="-384048" algn="l" defTabSz="914400" rtl="0" eaLnBrk="1" latinLnBrk="0" hangingPunct="1">
+              <a:lnSpc>
+                <a:spcPct val="94000"/>
+              </a:lnSpc>
+              <a:spcBef>
+                <a:spcPts val="500"/>
+              </a:spcBef>
+              <a:spcAft>
+                <a:spcPts val="200"/>
+              </a:spcAft>
+              <a:buFont typeface="Franklin Gothic Book" panose="020B0503020102020204" pitchFamily="34" charset="0"/>
+              <a:buChar char="■"/>
+              <a:defRPr sz="1400" kern="1200" baseline="0">
+                <a:solidFill>
+                  <a:schemeClr val="tx2"/>
+                </a:solidFill>
+                <a:latin typeface="+mn-lt"/>
+                <a:ea typeface="+mn-ea"/>
+                <a:cs typeface="+mn-cs"/>
+              </a:defRPr>
+            </a:lvl7pPr>
+            <a:lvl8pPr marL="3657600" indent="-384048" algn="l" defTabSz="914400" rtl="0" eaLnBrk="1" latinLnBrk="0" hangingPunct="1">
+              <a:lnSpc>
+                <a:spcPct val="94000"/>
+              </a:lnSpc>
+              <a:spcBef>
+                <a:spcPts val="500"/>
+              </a:spcBef>
+              <a:spcAft>
+                <a:spcPts val="200"/>
+              </a:spcAft>
+              <a:buFont typeface="Franklin Gothic Book" panose="020B0503020102020204" pitchFamily="34" charset="0"/>
+              <a:buChar char="–"/>
+              <a:defRPr sz="1400" i="1" kern="1200" baseline="0">
+                <a:solidFill>
+                  <a:schemeClr val="tx2"/>
+                </a:solidFill>
+                <a:latin typeface="+mn-lt"/>
+                <a:ea typeface="+mn-ea"/>
+                <a:cs typeface="+mn-cs"/>
+              </a:defRPr>
+            </a:lvl8pPr>
+            <a:lvl9pPr marL="4114800" indent="-384048" algn="l" defTabSz="914400" rtl="0" eaLnBrk="1" latinLnBrk="0" hangingPunct="1">
+              <a:lnSpc>
+                <a:spcPct val="94000"/>
+              </a:lnSpc>
+              <a:spcBef>
+                <a:spcPts val="500"/>
+              </a:spcBef>
+              <a:spcAft>
+                <a:spcPts val="200"/>
+              </a:spcAft>
+              <a:buFont typeface="Franklin Gothic Book" panose="020B0503020102020204" pitchFamily="34" charset="0"/>
+              <a:buChar char="■"/>
+              <a:defRPr sz="1400" kern="1200" baseline="0">
+                <a:solidFill>
+                  <a:schemeClr val="tx2"/>
+                </a:solidFill>
+                <a:latin typeface="+mn-lt"/>
+                <a:ea typeface="+mn-ea"/>
+                <a:cs typeface="+mn-cs"/>
+              </a:defRPr>
+            </a:lvl9pPr>
+          </a:lstStyle>
+          <a:p>
+            <a:pPr marL="0" indent="0">
+              <a:buNone/>
+            </a:pPr>
+            <a:endParaRPr lang="es-ES" sz="2400" b="1" dirty="0">
+              <a:solidFill>
+                <a:schemeClr val="tx1"/>
+              </a:solidFill>
+              <a:latin typeface="Century Gothic" panose="020B0502020202020204" pitchFamily="34" charset="0"/>
+            </a:endParaRPr>
+          </a:p>
+          <a:p>
+            <a:pPr marL="0" indent="0">
+              <a:buNone/>
+            </a:pPr>
+            <a:endParaRPr lang="es-ES" sz="2400" b="1" dirty="0">
+              <a:solidFill>
+                <a:schemeClr val="tx1"/>
+              </a:solidFill>
+              <a:latin typeface="Century Gothic" panose="020B0502020202020204" pitchFamily="34" charset="0"/>
+            </a:endParaRPr>
+          </a:p>
+        </p:txBody>
+      </p:sp>
+      <p:sp>
+        <p:nvSpPr>
+          <p:cNvPr id="3" name="CuadroTexto 2">
+            <a:extLst>
+              <a:ext uri="{FF2B5EF4-FFF2-40B4-BE49-F238E27FC236}">
+                <a16:creationId xmlns:a16="http://schemas.microsoft.com/office/drawing/2014/main" id="{0E0AC144-58E6-4F3D-950E-1E552DA2BAB3}"/>
+              </a:ext>
+            </a:extLst>
+          </p:cNvPr>
+          <p:cNvSpPr txBox="1"/>
+          <p:nvPr/>
+        </p:nvSpPr>
+        <p:spPr>
+          <a:xfrm>
+            <a:off x="5155442" y="3063736"/>
+            <a:ext cx="7219666" cy="369332"/>
+          </a:xfrm>
+          <a:prstGeom prst="rect">
+            <a:avLst/>
+          </a:prstGeom>
+          <a:noFill/>
+        </p:spPr>
+        <p:txBody>
+          <a:bodyPr wrap="square" rtlCol="0">
+            <a:spAutoFit/>
+          </a:bodyPr>
+          <a:lstStyle/>
+          <a:p>
+            <a:r>
+              <a:rPr lang="es-ES" b="1" dirty="0">
+                <a:latin typeface="Century Gothic" panose="020B0502020202020204" pitchFamily="34" charset="0"/>
+              </a:rPr>
+              <a:t>MUCHAS GRACIAS</a:t>
+            </a:r>
+            <a:endParaRPr lang="es-ES_tradnl" b="1" dirty="0">
+              <a:latin typeface="Century Gothic" panose="020B0502020202020204" pitchFamily="34" charset="0"/>
+            </a:endParaRPr>
+          </a:p>
+        </p:txBody>
+      </p:sp>
+    </p:spTree>
+    <p:extLst>
+      <p:ext uri="{BB962C8B-B14F-4D97-AF65-F5344CB8AC3E}">
+        <p14:creationId xmlns:p14="http://schemas.microsoft.com/office/powerpoint/2010/main" val="663906081"/>
+      </p:ext>
+    </p:extLst>
+  </p:cSld>
+  <p:clrMapOvr>
+    <a:masterClrMapping/>
+  </p:clrMapOvr>
+</p:sld>
+</file>
+
 <file path=ppt/slides/slide3.xml><?xml version="1.0" encoding="utf-8"?>
 <p:sld xmlns:a="http://schemas.openxmlformats.org/drawingml/2006/main" xmlns:r="http://schemas.openxmlformats.org/officeDocument/2006/relationships" xmlns:p="http://schemas.openxmlformats.org/presentationml/2006/main">
   <p:cSld>
@@ -6118,8 +6751,8 @@
         </p:nvSpPr>
         <p:spPr>
           <a:xfrm>
-            <a:off x="2889306" y="1507930"/>
-            <a:ext cx="7884711" cy="4878259"/>
+            <a:off x="1666562" y="1408241"/>
+            <a:ext cx="9542458" cy="4878259"/>
           </a:xfrm>
           <a:prstGeom prst="rect">
             <a:avLst/>
@@ -6581,15 +7214,15 @@
         </p:nvSpPr>
         <p:spPr>
           <a:xfrm>
-            <a:off x="3605916" y="1592746"/>
-            <a:ext cx="6096000" cy="4893647"/>
+            <a:off x="1883441" y="1709705"/>
+            <a:ext cx="9240518" cy="4339650"/>
           </a:xfrm>
           <a:prstGeom prst="rect">
             <a:avLst/>
           </a:prstGeom>
         </p:spPr>
         <p:txBody>
-          <a:bodyPr>
+          <a:bodyPr wrap="square">
             <a:spAutoFit/>
           </a:bodyPr>
           <a:lstStyle/>
@@ -6840,8 +7473,8 @@
         </p:nvSpPr>
         <p:spPr>
           <a:xfrm>
-            <a:off x="3003605" y="1779104"/>
-            <a:ext cx="6611510" cy="4708981"/>
+            <a:off x="1910535" y="1832266"/>
+            <a:ext cx="9298485" cy="4154984"/>
           </a:xfrm>
           <a:prstGeom prst="rect">
             <a:avLst/>
@@ -7483,6 +8116,110 @@
           </a:p>
         </p:txBody>
       </p:sp>
+      <p:sp>
+        <p:nvSpPr>
+          <p:cNvPr id="3" name="CuadroTexto 2">
+            <a:extLst>
+              <a:ext uri="{FF2B5EF4-FFF2-40B4-BE49-F238E27FC236}">
+                <a16:creationId xmlns:a16="http://schemas.microsoft.com/office/drawing/2014/main" id="{C9C6A95B-85E1-4541-8592-7856EED6DB89}"/>
+              </a:ext>
+            </a:extLst>
+          </p:cNvPr>
+          <p:cNvSpPr txBox="1"/>
+          <p:nvPr/>
+        </p:nvSpPr>
+        <p:spPr>
+          <a:xfrm>
+            <a:off x="2286354" y="2670071"/>
+            <a:ext cx="7619291" cy="3139321"/>
+          </a:xfrm>
+          <a:prstGeom prst="rect">
+            <a:avLst/>
+          </a:prstGeom>
+          <a:noFill/>
+        </p:spPr>
+        <p:txBody>
+          <a:bodyPr wrap="square" rtlCol="0">
+            <a:spAutoFit/>
+          </a:bodyPr>
+          <a:lstStyle/>
+          <a:p>
+            <a:pPr algn="just"/>
+            <a:r>
+              <a:rPr lang="es-ES" b="1" dirty="0">
+                <a:latin typeface="Century Gothic" panose="020B0502020202020204" pitchFamily="34" charset="0"/>
+              </a:rPr>
+              <a:t>Criterio 1: Tiempo de aprendizaje de los dos gestores de contenido</a:t>
+            </a:r>
+          </a:p>
+          <a:p>
+            <a:pPr algn="just"/>
+            <a:endParaRPr lang="es-ES" b="1" dirty="0">
+              <a:latin typeface="Century Gothic" panose="020B0502020202020204" pitchFamily="34" charset="0"/>
+            </a:endParaRPr>
+          </a:p>
+          <a:p>
+            <a:pPr algn="just"/>
+            <a:r>
+              <a:rPr lang="es-ES" b="1" dirty="0">
+                <a:latin typeface="Century Gothic" panose="020B0502020202020204" pitchFamily="34" charset="0"/>
+              </a:rPr>
+              <a:t>Criterio 2: Tiempo de configuración </a:t>
+            </a:r>
+          </a:p>
+          <a:p>
+            <a:pPr algn="just"/>
+            <a:endParaRPr lang="es-ES" b="1" dirty="0">
+              <a:latin typeface="Century Gothic" panose="020B0502020202020204" pitchFamily="34" charset="0"/>
+            </a:endParaRPr>
+          </a:p>
+          <a:p>
+            <a:pPr algn="just"/>
+            <a:r>
+              <a:rPr lang="es-ES" b="1" dirty="0">
+                <a:latin typeface="Century Gothic" panose="020B0502020202020204" pitchFamily="34" charset="0"/>
+              </a:rPr>
+              <a:t>Criterio 3: Manejo de diferentes roles de usuario</a:t>
+            </a:r>
+          </a:p>
+          <a:p>
+            <a:pPr algn="just"/>
+            <a:endParaRPr lang="es-ES" b="1" dirty="0">
+              <a:latin typeface="Century Gothic" panose="020B0502020202020204" pitchFamily="34" charset="0"/>
+            </a:endParaRPr>
+          </a:p>
+          <a:p>
+            <a:pPr algn="just"/>
+            <a:r>
+              <a:rPr lang="es-ES" b="1" dirty="0">
+                <a:latin typeface="Century Gothic" panose="020B0502020202020204" pitchFamily="34" charset="0"/>
+              </a:rPr>
+              <a:t>Criterio 4: Si funcionan en todos los navegadores modernos</a:t>
+            </a:r>
+          </a:p>
+          <a:p>
+            <a:pPr algn="just"/>
+            <a:endParaRPr lang="es-ES" b="1" dirty="0">
+              <a:latin typeface="Century Gothic" panose="020B0502020202020204" pitchFamily="34" charset="0"/>
+            </a:endParaRPr>
+          </a:p>
+          <a:p>
+            <a:pPr algn="just"/>
+            <a:r>
+              <a:rPr lang="es-ES" b="1" dirty="0">
+                <a:latin typeface="Century Gothic" panose="020B0502020202020204" pitchFamily="34" charset="0"/>
+              </a:rPr>
+              <a:t>Criterio 5: Extensiones necesarios para la funcionalidad requerida</a:t>
+            </a:r>
+          </a:p>
+          <a:p>
+            <a:endParaRPr lang="es-ES" dirty="0"/>
+          </a:p>
+          <a:p>
+            <a:endParaRPr lang="es-ES" dirty="0"/>
+          </a:p>
+        </p:txBody>
+      </p:sp>
     </p:spTree>
     <p:extLst>
       <p:ext uri="{BB962C8B-B14F-4D97-AF65-F5344CB8AC3E}">
@@ -7566,10 +8303,152 @@
           </a:p>
         </p:txBody>
       </p:sp>
+      <p:sp>
+        <p:nvSpPr>
+          <p:cNvPr id="3" name="CuadroTexto 2">
+            <a:extLst>
+              <a:ext uri="{FF2B5EF4-FFF2-40B4-BE49-F238E27FC236}">
+                <a16:creationId xmlns:a16="http://schemas.microsoft.com/office/drawing/2014/main" id="{C9C6A95B-85E1-4541-8592-7856EED6DB89}"/>
+              </a:ext>
+            </a:extLst>
+          </p:cNvPr>
+          <p:cNvSpPr txBox="1"/>
+          <p:nvPr/>
+        </p:nvSpPr>
+        <p:spPr>
+          <a:xfrm>
+            <a:off x="1861052" y="2818927"/>
+            <a:ext cx="9122381" cy="2585323"/>
+          </a:xfrm>
+          <a:prstGeom prst="rect">
+            <a:avLst/>
+          </a:prstGeom>
+          <a:noFill/>
+        </p:spPr>
+        <p:txBody>
+          <a:bodyPr wrap="square" rtlCol="0">
+            <a:spAutoFit/>
+          </a:bodyPr>
+          <a:lstStyle/>
+          <a:p>
+            <a:r>
+              <a:rPr lang="es-ES" b="1" dirty="0">
+                <a:latin typeface="Century Gothic" panose="020B0502020202020204" pitchFamily="34" charset="0"/>
+              </a:rPr>
+              <a:t>Criterio 6: Comparación de horas empleadas en el desarrollo de cada sistema</a:t>
+            </a:r>
+          </a:p>
+          <a:p>
+            <a:endParaRPr lang="es-ES" b="1" dirty="0">
+              <a:latin typeface="Century Gothic" panose="020B0502020202020204" pitchFamily="34" charset="0"/>
+            </a:endParaRPr>
+          </a:p>
+          <a:p>
+            <a:r>
+              <a:rPr lang="es-ES" b="1" dirty="0">
+                <a:latin typeface="Century Gothic" panose="020B0502020202020204" pitchFamily="34" charset="0"/>
+              </a:rPr>
+              <a:t>Criterio 7: Velocidad de funcionamiento del sistema</a:t>
+            </a:r>
+          </a:p>
+          <a:p>
+            <a:endParaRPr lang="es-ES" b="1" dirty="0">
+              <a:latin typeface="Century Gothic" panose="020B0502020202020204" pitchFamily="34" charset="0"/>
+            </a:endParaRPr>
+          </a:p>
+          <a:p>
+            <a:r>
+              <a:rPr lang="es-ES" b="1" dirty="0">
+                <a:latin typeface="Century Gothic" panose="020B0502020202020204" pitchFamily="34" charset="0"/>
+              </a:rPr>
+              <a:t>Criterio 8: Recursos necesarios</a:t>
+            </a:r>
+          </a:p>
+          <a:p>
+            <a:endParaRPr lang="es-ES" b="1" dirty="0">
+              <a:latin typeface="Century Gothic" panose="020B0502020202020204" pitchFamily="34" charset="0"/>
+            </a:endParaRPr>
+          </a:p>
+          <a:p>
+            <a:r>
+              <a:rPr lang="es-ES" b="1" dirty="0">
+                <a:latin typeface="Century Gothic" panose="020B0502020202020204" pitchFamily="34" charset="0"/>
+              </a:rPr>
+              <a:t>Criterio 9: Facilidad de uso</a:t>
+            </a:r>
+          </a:p>
+          <a:p>
+            <a:pPr marL="0" marR="0" lvl="0" indent="0" algn="l" defTabSz="457200" rtl="0" eaLnBrk="1" fontAlgn="auto" latinLnBrk="0" hangingPunct="1">
+              <a:lnSpc>
+                <a:spcPct val="100000"/>
+              </a:lnSpc>
+              <a:spcBef>
+                <a:spcPts val="0"/>
+              </a:spcBef>
+              <a:spcAft>
+                <a:spcPts val="0"/>
+              </a:spcAft>
+              <a:buClrTx/>
+              <a:buSzTx/>
+              <a:buFontTx/>
+              <a:buNone/>
+              <a:tabLst/>
+              <a:defRPr/>
+            </a:pPr>
+            <a:endParaRPr kumimoji="0" lang="es-ES" sz="1800" b="0" i="0" u="none" strike="noStrike" kern="1200" cap="none" spc="0" normalizeH="0" baseline="0" noProof="0" dirty="0">
+              <a:ln>
+                <a:noFill/>
+              </a:ln>
+              <a:solidFill>
+                <a:prstClr val="black"/>
+              </a:solidFill>
+              <a:effectLst/>
+              <a:uLnTx/>
+              <a:uFillTx/>
+              <a:latin typeface="Franklin Gothic Book" panose="020B0503020102020204"/>
+              <a:ea typeface="+mn-ea"/>
+              <a:cs typeface="+mn-cs"/>
+            </a:endParaRPr>
+          </a:p>
+          <a:p>
+            <a:pPr marL="0" marR="0" lvl="0" indent="0" algn="l" defTabSz="457200" rtl="0" eaLnBrk="1" fontAlgn="auto" latinLnBrk="0" hangingPunct="1">
+              <a:lnSpc>
+                <a:spcPct val="100000"/>
+              </a:lnSpc>
+              <a:spcBef>
+                <a:spcPts val="0"/>
+              </a:spcBef>
+              <a:spcAft>
+                <a:spcPts val="0"/>
+              </a:spcAft>
+              <a:buClrTx/>
+              <a:buSzTx/>
+              <a:buFontTx/>
+              <a:buNone/>
+              <a:tabLst/>
+              <a:defRPr/>
+            </a:pPr>
+            <a:endParaRPr kumimoji="0" lang="es-ES" sz="1800" b="0" i="0" u="none" strike="noStrike" kern="1200" cap="none" spc="0" normalizeH="0" baseline="0" noProof="0" dirty="0">
+              <a:ln>
+                <a:noFill/>
+              </a:ln>
+              <a:solidFill>
+                <a:prstClr val="black"/>
+              </a:solidFill>
+              <a:effectLst/>
+              <a:uLnTx/>
+              <a:uFillTx/>
+              <a:latin typeface="Franklin Gothic Book" panose="020B0503020102020204"/>
+              <a:ea typeface="+mn-ea"/>
+              <a:cs typeface="+mn-cs"/>
+            </a:endParaRPr>
+          </a:p>
+        </p:txBody>
+      </p:sp>
     </p:spTree>
     <p:extLst>
       <p:ext uri="{BB962C8B-B14F-4D97-AF65-F5344CB8AC3E}">
-        <p14:creationId xmlns:p14="http://schemas.microsoft.com/office/powerpoint/2010/main" val="365727850"/>
+        <p14:creationId xmlns:p14="http://schemas.microsoft.com/office/powerpoint/2010/main" val="2161397245"/>
       </p:ext>
     </p:extLst>
   </p:cSld>

--- a/TG3_plantilla primera parteppt.pptx
+++ b/TG3_plantilla primera parteppt.pptx
@@ -14,13 +14,13 @@
     <p:sldId id="305" r:id="rId8"/>
     <p:sldId id="294" r:id="rId9"/>
     <p:sldId id="307" r:id="rId10"/>
-    <p:sldId id="296" r:id="rId11"/>
-    <p:sldId id="297" r:id="rId12"/>
-    <p:sldId id="298" r:id="rId13"/>
-    <p:sldId id="309" r:id="rId14"/>
-    <p:sldId id="310" r:id="rId15"/>
-    <p:sldId id="311" r:id="rId16"/>
-    <p:sldId id="312" r:id="rId17"/>
+    <p:sldId id="298" r:id="rId11"/>
+    <p:sldId id="309" r:id="rId12"/>
+    <p:sldId id="310" r:id="rId13"/>
+    <p:sldId id="311" r:id="rId14"/>
+    <p:sldId id="312" r:id="rId15"/>
+    <p:sldId id="296" r:id="rId16"/>
+    <p:sldId id="297" r:id="rId17"/>
     <p:sldId id="300" r:id="rId18"/>
     <p:sldId id="301" r:id="rId19"/>
     <p:sldId id="302" r:id="rId20"/>
@@ -4289,242 +4289,6 @@
               <a:rPr lang="es-ES" b="1" dirty="0">
                 <a:latin typeface="Century Gothic" panose="020B0502020202020204" pitchFamily="34" charset="0"/>
               </a:rPr>
-              <a:t>Proyecto de implementación de un prototipo del sistema utilizando Laravel</a:t>
-            </a:r>
-            <a:br>
-              <a:rPr lang="es-ES" b="1" dirty="0">
-                <a:latin typeface="Century Gothic" panose="020B0502020202020204" pitchFamily="34" charset="0"/>
-              </a:rPr>
-            </a:br>
-            <a:br>
-              <a:rPr lang="es-ES" b="1" dirty="0">
-                <a:latin typeface="Century Gothic" panose="020B0502020202020204" pitchFamily="34" charset="0"/>
-              </a:rPr>
-            </a:br>
-            <a:endParaRPr lang="es-ES_tradnl" b="1" dirty="0">
-              <a:latin typeface="Century Gothic" panose="020B0502020202020204" pitchFamily="34" charset="0"/>
-            </a:endParaRPr>
-          </a:p>
-        </p:txBody>
-      </p:sp>
-      <p:pic>
-        <p:nvPicPr>
-          <p:cNvPr id="3" name="Imagen 2">
-            <a:extLst>
-              <a:ext uri="{FF2B5EF4-FFF2-40B4-BE49-F238E27FC236}">
-                <a16:creationId xmlns:a16="http://schemas.microsoft.com/office/drawing/2014/main" id="{E58F8676-6B27-4826-AE88-C262203EBA0D}"/>
-              </a:ext>
-            </a:extLst>
-          </p:cNvPr>
-          <p:cNvPicPr>
-            <a:picLocks noChangeAspect="1"/>
-          </p:cNvPicPr>
-          <p:nvPr/>
-        </p:nvPicPr>
-        <p:blipFill>
-          <a:blip r:embed="rId2"/>
-          <a:stretch>
-            <a:fillRect/>
-          </a:stretch>
-        </p:blipFill>
-        <p:spPr>
-          <a:xfrm>
-            <a:off x="10045147" y="197126"/>
-            <a:ext cx="1860274" cy="1860274"/>
-          </a:xfrm>
-          <a:prstGeom prst="rect">
-            <a:avLst/>
-          </a:prstGeom>
-        </p:spPr>
-      </p:pic>
-    </p:spTree>
-    <p:extLst>
-      <p:ext uri="{BB962C8B-B14F-4D97-AF65-F5344CB8AC3E}">
-        <p14:creationId xmlns:p14="http://schemas.microsoft.com/office/powerpoint/2010/main" val="2084457326"/>
-      </p:ext>
-    </p:extLst>
-  </p:cSld>
-  <p:clrMapOvr>
-    <a:masterClrMapping/>
-  </p:clrMapOvr>
-</p:sld>
-</file>
-
-<file path=ppt/slides/slide11.xml><?xml version="1.0" encoding="utf-8"?>
-<p:sld xmlns:a="http://schemas.openxmlformats.org/drawingml/2006/main" xmlns:r="http://schemas.openxmlformats.org/officeDocument/2006/relationships" xmlns:p="http://schemas.openxmlformats.org/presentationml/2006/main">
-  <p:cSld>
-    <p:bg>
-      <p:bgPr>
-        <a:solidFill>
-          <a:srgbClr val="EBF1F5"/>
-        </a:solidFill>
-        <a:effectLst/>
-      </p:bgPr>
-    </p:bg>
-    <p:spTree>
-      <p:nvGrpSpPr>
-        <p:cNvPr id="1" name=""/>
-        <p:cNvGrpSpPr/>
-        <p:nvPr/>
-      </p:nvGrpSpPr>
-      <p:grpSpPr>
-        <a:xfrm>
-          <a:off x="0" y="0"/>
-          <a:ext cx="0" cy="0"/>
-          <a:chOff x="0" y="0"/>
-          <a:chExt cx="0" cy="0"/>
-        </a:xfrm>
-      </p:grpSpPr>
-      <p:sp>
-        <p:nvSpPr>
-          <p:cNvPr id="2" name="Título 1">
-            <a:extLst>
-              <a:ext uri="{FF2B5EF4-FFF2-40B4-BE49-F238E27FC236}">
-                <a16:creationId xmlns:a16="http://schemas.microsoft.com/office/drawing/2014/main" id="{0C7E543A-8DFC-45E7-A715-ABC32566D44D}"/>
-              </a:ext>
-            </a:extLst>
-          </p:cNvPr>
-          <p:cNvSpPr>
-            <a:spLocks noGrp="1"/>
-          </p:cNvSpPr>
-          <p:nvPr>
-            <p:ph type="title"/>
-          </p:nvPr>
-        </p:nvSpPr>
-        <p:spPr>
-          <a:xfrm>
-            <a:off x="982979" y="571500"/>
-            <a:ext cx="9618759" cy="1485900"/>
-          </a:xfrm>
-        </p:spPr>
-        <p:txBody>
-          <a:bodyPr>
-            <a:normAutofit fontScale="90000"/>
-          </a:bodyPr>
-          <a:lstStyle/>
-          <a:p>
-            <a:r>
-              <a:rPr lang="es-ES" b="1" dirty="0">
-                <a:latin typeface="Century Gothic" panose="020B0502020202020204" pitchFamily="34" charset="0"/>
-              </a:rPr>
-              <a:t>Proyecto de implementación de un prototipo del sistema utilizando Laravel</a:t>
-            </a:r>
-            <a:br>
-              <a:rPr lang="es-ES" b="1" dirty="0">
-                <a:latin typeface="Century Gothic" panose="020B0502020202020204" pitchFamily="34" charset="0"/>
-              </a:rPr>
-            </a:br>
-            <a:br>
-              <a:rPr lang="es-ES" b="1" dirty="0">
-                <a:latin typeface="Century Gothic" panose="020B0502020202020204" pitchFamily="34" charset="0"/>
-              </a:rPr>
-            </a:br>
-            <a:endParaRPr lang="es-ES_tradnl" b="1" dirty="0">
-              <a:latin typeface="Century Gothic" panose="020B0502020202020204" pitchFamily="34" charset="0"/>
-            </a:endParaRPr>
-          </a:p>
-        </p:txBody>
-      </p:sp>
-      <p:pic>
-        <p:nvPicPr>
-          <p:cNvPr id="3" name="Imagen 2">
-            <a:extLst>
-              <a:ext uri="{FF2B5EF4-FFF2-40B4-BE49-F238E27FC236}">
-                <a16:creationId xmlns:a16="http://schemas.microsoft.com/office/drawing/2014/main" id="{E58F8676-6B27-4826-AE88-C262203EBA0D}"/>
-              </a:ext>
-            </a:extLst>
-          </p:cNvPr>
-          <p:cNvPicPr>
-            <a:picLocks noChangeAspect="1"/>
-          </p:cNvPicPr>
-          <p:nvPr/>
-        </p:nvPicPr>
-        <p:blipFill>
-          <a:blip r:embed="rId2"/>
-          <a:stretch>
-            <a:fillRect/>
-          </a:stretch>
-        </p:blipFill>
-        <p:spPr>
-          <a:xfrm>
-            <a:off x="10177669" y="197126"/>
-            <a:ext cx="1860274" cy="1860274"/>
-          </a:xfrm>
-          <a:prstGeom prst="rect">
-            <a:avLst/>
-          </a:prstGeom>
-        </p:spPr>
-      </p:pic>
-    </p:spTree>
-    <p:extLst>
-      <p:ext uri="{BB962C8B-B14F-4D97-AF65-F5344CB8AC3E}">
-        <p14:creationId xmlns:p14="http://schemas.microsoft.com/office/powerpoint/2010/main" val="1704991126"/>
-      </p:ext>
-    </p:extLst>
-  </p:cSld>
-  <p:clrMapOvr>
-    <a:masterClrMapping/>
-  </p:clrMapOvr>
-</p:sld>
-</file>
-
-<file path=ppt/slides/slide12.xml><?xml version="1.0" encoding="utf-8"?>
-<p:sld xmlns:a="http://schemas.openxmlformats.org/drawingml/2006/main" xmlns:r="http://schemas.openxmlformats.org/officeDocument/2006/relationships" xmlns:p="http://schemas.openxmlformats.org/presentationml/2006/main">
-  <p:cSld>
-    <p:bg>
-      <p:bgPr>
-        <a:solidFill>
-          <a:srgbClr val="EBF1F5"/>
-        </a:solidFill>
-        <a:effectLst/>
-      </p:bgPr>
-    </p:bg>
-    <p:spTree>
-      <p:nvGrpSpPr>
-        <p:cNvPr id="1" name=""/>
-        <p:cNvGrpSpPr/>
-        <p:nvPr/>
-      </p:nvGrpSpPr>
-      <p:grpSpPr>
-        <a:xfrm>
-          <a:off x="0" y="0"/>
-          <a:ext cx="0" cy="0"/>
-          <a:chOff x="0" y="0"/>
-          <a:chExt cx="0" cy="0"/>
-        </a:xfrm>
-      </p:grpSpPr>
-      <p:sp>
-        <p:nvSpPr>
-          <p:cNvPr id="2" name="Título 1">
-            <a:extLst>
-              <a:ext uri="{FF2B5EF4-FFF2-40B4-BE49-F238E27FC236}">
-                <a16:creationId xmlns:a16="http://schemas.microsoft.com/office/drawing/2014/main" id="{0C7E543A-8DFC-45E7-A715-ABC32566D44D}"/>
-              </a:ext>
-            </a:extLst>
-          </p:cNvPr>
-          <p:cNvSpPr>
-            <a:spLocks noGrp="1"/>
-          </p:cNvSpPr>
-          <p:nvPr>
-            <p:ph type="title"/>
-          </p:nvPr>
-        </p:nvSpPr>
-        <p:spPr>
-          <a:xfrm>
-            <a:off x="982979" y="571500"/>
-            <a:ext cx="9618759" cy="1485900"/>
-          </a:xfrm>
-        </p:spPr>
-        <p:txBody>
-          <a:bodyPr>
-            <a:normAutofit fontScale="90000"/>
-          </a:bodyPr>
-          <a:lstStyle/>
-          <a:p>
-            <a:r>
-              <a:rPr lang="es-ES" b="1" dirty="0">
-                <a:latin typeface="Century Gothic" panose="020B0502020202020204" pitchFamily="34" charset="0"/>
-              </a:rPr>
               <a:t>Proyecto de implementación de un prototipo del sistema utilizando Yii2</a:t>
             </a:r>
             <a:br>
@@ -4637,9 +4401,17 @@
 </p:sld>
 </file>
 
-<file path=ppt/slides/slide13.xml><?xml version="1.0" encoding="utf-8"?>
+<file path=ppt/slides/slide11.xml><?xml version="1.0" encoding="utf-8"?>
 <p:sld xmlns:a="http://schemas.openxmlformats.org/drawingml/2006/main" xmlns:r="http://schemas.openxmlformats.org/officeDocument/2006/relationships" xmlns:p="http://schemas.openxmlformats.org/presentationml/2006/main">
   <p:cSld>
+    <p:bg>
+      <p:bgPr>
+        <a:solidFill>
+          <a:srgbClr val="EBF1F5"/>
+        </a:solidFill>
+        <a:effectLst/>
+      </p:bgPr>
+    </p:bg>
     <p:spTree>
       <p:nvGrpSpPr>
         <p:cNvPr id="1" name=""/>
@@ -4800,9 +4572,17 @@
 </p:sld>
 </file>
 
-<file path=ppt/slides/slide14.xml><?xml version="1.0" encoding="utf-8"?>
+<file path=ppt/slides/slide12.xml><?xml version="1.0" encoding="utf-8"?>
 <p:sld xmlns:a="http://schemas.openxmlformats.org/drawingml/2006/main" xmlns:r="http://schemas.openxmlformats.org/officeDocument/2006/relationships" xmlns:p="http://schemas.openxmlformats.org/presentationml/2006/main">
   <p:cSld>
+    <p:bg>
+      <p:bgPr>
+        <a:solidFill>
+          <a:srgbClr val="EEF3F6"/>
+        </a:solidFill>
+        <a:effectLst/>
+      </p:bgPr>
+    </p:bg>
     <p:spTree>
       <p:nvGrpSpPr>
         <p:cNvPr id="1" name=""/>
@@ -5046,9 +4826,17 @@
 </p:sld>
 </file>
 
-<file path=ppt/slides/slide15.xml><?xml version="1.0" encoding="utf-8"?>
+<file path=ppt/slides/slide13.xml><?xml version="1.0" encoding="utf-8"?>
 <p:sld xmlns:a="http://schemas.openxmlformats.org/drawingml/2006/main" xmlns:r="http://schemas.openxmlformats.org/officeDocument/2006/relationships" xmlns:p="http://schemas.openxmlformats.org/presentationml/2006/main">
   <p:cSld>
+    <p:bg>
+      <p:bgPr>
+        <a:solidFill>
+          <a:srgbClr val="EBF1F5"/>
+        </a:solidFill>
+        <a:effectLst/>
+      </p:bgPr>
+    </p:bg>
     <p:spTree>
       <p:nvGrpSpPr>
         <p:cNvPr id="1" name=""/>
@@ -5207,9 +4995,17 @@
 </p:sld>
 </file>
 
-<file path=ppt/slides/slide16.xml><?xml version="1.0" encoding="utf-8"?>
+<file path=ppt/slides/slide14.xml><?xml version="1.0" encoding="utf-8"?>
 <p:sld xmlns:a="http://schemas.openxmlformats.org/drawingml/2006/main" xmlns:r="http://schemas.openxmlformats.org/officeDocument/2006/relationships" xmlns:p="http://schemas.openxmlformats.org/presentationml/2006/main">
   <p:cSld>
+    <p:bg>
+      <p:bgPr>
+        <a:solidFill>
+          <a:srgbClr val="EEF3F6"/>
+        </a:solidFill>
+        <a:effectLst/>
+      </p:bgPr>
+    </p:bg>
     <p:spTree>
       <p:nvGrpSpPr>
         <p:cNvPr id="1" name=""/>
@@ -5359,6 +5155,242 @@
     <p:extLst>
       <p:ext uri="{BB962C8B-B14F-4D97-AF65-F5344CB8AC3E}">
         <p14:creationId xmlns:p14="http://schemas.microsoft.com/office/powerpoint/2010/main" val="2233205032"/>
+      </p:ext>
+    </p:extLst>
+  </p:cSld>
+  <p:clrMapOvr>
+    <a:masterClrMapping/>
+  </p:clrMapOvr>
+</p:sld>
+</file>
+
+<file path=ppt/slides/slide15.xml><?xml version="1.0" encoding="utf-8"?>
+<p:sld xmlns:a="http://schemas.openxmlformats.org/drawingml/2006/main" xmlns:r="http://schemas.openxmlformats.org/officeDocument/2006/relationships" xmlns:p="http://schemas.openxmlformats.org/presentationml/2006/main">
+  <p:cSld>
+    <p:bg>
+      <p:bgPr>
+        <a:solidFill>
+          <a:srgbClr val="EBF1F5"/>
+        </a:solidFill>
+        <a:effectLst/>
+      </p:bgPr>
+    </p:bg>
+    <p:spTree>
+      <p:nvGrpSpPr>
+        <p:cNvPr id="1" name=""/>
+        <p:cNvGrpSpPr/>
+        <p:nvPr/>
+      </p:nvGrpSpPr>
+      <p:grpSpPr>
+        <a:xfrm>
+          <a:off x="0" y="0"/>
+          <a:ext cx="0" cy="0"/>
+          <a:chOff x="0" y="0"/>
+          <a:chExt cx="0" cy="0"/>
+        </a:xfrm>
+      </p:grpSpPr>
+      <p:sp>
+        <p:nvSpPr>
+          <p:cNvPr id="2" name="Título 1">
+            <a:extLst>
+              <a:ext uri="{FF2B5EF4-FFF2-40B4-BE49-F238E27FC236}">
+                <a16:creationId xmlns:a16="http://schemas.microsoft.com/office/drawing/2014/main" id="{0C7E543A-8DFC-45E7-A715-ABC32566D44D}"/>
+              </a:ext>
+            </a:extLst>
+          </p:cNvPr>
+          <p:cNvSpPr>
+            <a:spLocks noGrp="1"/>
+          </p:cNvSpPr>
+          <p:nvPr>
+            <p:ph type="title"/>
+          </p:nvPr>
+        </p:nvSpPr>
+        <p:spPr>
+          <a:xfrm>
+            <a:off x="982979" y="571500"/>
+            <a:ext cx="9618759" cy="1485900"/>
+          </a:xfrm>
+        </p:spPr>
+        <p:txBody>
+          <a:bodyPr>
+            <a:normAutofit fontScale="90000"/>
+          </a:bodyPr>
+          <a:lstStyle/>
+          <a:p>
+            <a:r>
+              <a:rPr lang="es-ES" b="1" dirty="0">
+                <a:latin typeface="Century Gothic" panose="020B0502020202020204" pitchFamily="34" charset="0"/>
+              </a:rPr>
+              <a:t>Proyecto de implementación de un prototipo del sistema utilizando Laravel</a:t>
+            </a:r>
+            <a:br>
+              <a:rPr lang="es-ES" b="1" dirty="0">
+                <a:latin typeface="Century Gothic" panose="020B0502020202020204" pitchFamily="34" charset="0"/>
+              </a:rPr>
+            </a:br>
+            <a:br>
+              <a:rPr lang="es-ES" b="1" dirty="0">
+                <a:latin typeface="Century Gothic" panose="020B0502020202020204" pitchFamily="34" charset="0"/>
+              </a:rPr>
+            </a:br>
+            <a:endParaRPr lang="es-ES_tradnl" b="1" dirty="0">
+              <a:latin typeface="Century Gothic" panose="020B0502020202020204" pitchFamily="34" charset="0"/>
+            </a:endParaRPr>
+          </a:p>
+        </p:txBody>
+      </p:sp>
+      <p:pic>
+        <p:nvPicPr>
+          <p:cNvPr id="3" name="Imagen 2">
+            <a:extLst>
+              <a:ext uri="{FF2B5EF4-FFF2-40B4-BE49-F238E27FC236}">
+                <a16:creationId xmlns:a16="http://schemas.microsoft.com/office/drawing/2014/main" id="{E58F8676-6B27-4826-AE88-C262203EBA0D}"/>
+              </a:ext>
+            </a:extLst>
+          </p:cNvPr>
+          <p:cNvPicPr>
+            <a:picLocks noChangeAspect="1"/>
+          </p:cNvPicPr>
+          <p:nvPr/>
+        </p:nvPicPr>
+        <p:blipFill>
+          <a:blip r:embed="rId2"/>
+          <a:stretch>
+            <a:fillRect/>
+          </a:stretch>
+        </p:blipFill>
+        <p:spPr>
+          <a:xfrm>
+            <a:off x="10045147" y="197126"/>
+            <a:ext cx="1860274" cy="1860274"/>
+          </a:xfrm>
+          <a:prstGeom prst="rect">
+            <a:avLst/>
+          </a:prstGeom>
+        </p:spPr>
+      </p:pic>
+    </p:spTree>
+    <p:extLst>
+      <p:ext uri="{BB962C8B-B14F-4D97-AF65-F5344CB8AC3E}">
+        <p14:creationId xmlns:p14="http://schemas.microsoft.com/office/powerpoint/2010/main" val="2084457326"/>
+      </p:ext>
+    </p:extLst>
+  </p:cSld>
+  <p:clrMapOvr>
+    <a:masterClrMapping/>
+  </p:clrMapOvr>
+</p:sld>
+</file>
+
+<file path=ppt/slides/slide16.xml><?xml version="1.0" encoding="utf-8"?>
+<p:sld xmlns:a="http://schemas.openxmlformats.org/drawingml/2006/main" xmlns:r="http://schemas.openxmlformats.org/officeDocument/2006/relationships" xmlns:p="http://schemas.openxmlformats.org/presentationml/2006/main">
+  <p:cSld>
+    <p:bg>
+      <p:bgPr>
+        <a:solidFill>
+          <a:srgbClr val="EBF1F5"/>
+        </a:solidFill>
+        <a:effectLst/>
+      </p:bgPr>
+    </p:bg>
+    <p:spTree>
+      <p:nvGrpSpPr>
+        <p:cNvPr id="1" name=""/>
+        <p:cNvGrpSpPr/>
+        <p:nvPr/>
+      </p:nvGrpSpPr>
+      <p:grpSpPr>
+        <a:xfrm>
+          <a:off x="0" y="0"/>
+          <a:ext cx="0" cy="0"/>
+          <a:chOff x="0" y="0"/>
+          <a:chExt cx="0" cy="0"/>
+        </a:xfrm>
+      </p:grpSpPr>
+      <p:sp>
+        <p:nvSpPr>
+          <p:cNvPr id="2" name="Título 1">
+            <a:extLst>
+              <a:ext uri="{FF2B5EF4-FFF2-40B4-BE49-F238E27FC236}">
+                <a16:creationId xmlns:a16="http://schemas.microsoft.com/office/drawing/2014/main" id="{0C7E543A-8DFC-45E7-A715-ABC32566D44D}"/>
+              </a:ext>
+            </a:extLst>
+          </p:cNvPr>
+          <p:cNvSpPr>
+            <a:spLocks noGrp="1"/>
+          </p:cNvSpPr>
+          <p:nvPr>
+            <p:ph type="title"/>
+          </p:nvPr>
+        </p:nvSpPr>
+        <p:spPr>
+          <a:xfrm>
+            <a:off x="982979" y="571500"/>
+            <a:ext cx="9618759" cy="1485900"/>
+          </a:xfrm>
+        </p:spPr>
+        <p:txBody>
+          <a:bodyPr>
+            <a:normAutofit fontScale="90000"/>
+          </a:bodyPr>
+          <a:lstStyle/>
+          <a:p>
+            <a:r>
+              <a:rPr lang="es-ES" b="1" dirty="0">
+                <a:latin typeface="Century Gothic" panose="020B0502020202020204" pitchFamily="34" charset="0"/>
+              </a:rPr>
+              <a:t>Proyecto de implementación de un prototipo del sistema utilizando Laravel</a:t>
+            </a:r>
+            <a:br>
+              <a:rPr lang="es-ES" b="1" dirty="0">
+                <a:latin typeface="Century Gothic" panose="020B0502020202020204" pitchFamily="34" charset="0"/>
+              </a:rPr>
+            </a:br>
+            <a:br>
+              <a:rPr lang="es-ES" b="1" dirty="0">
+                <a:latin typeface="Century Gothic" panose="020B0502020202020204" pitchFamily="34" charset="0"/>
+              </a:rPr>
+            </a:br>
+            <a:endParaRPr lang="es-ES_tradnl" b="1" dirty="0">
+              <a:latin typeface="Century Gothic" panose="020B0502020202020204" pitchFamily="34" charset="0"/>
+            </a:endParaRPr>
+          </a:p>
+        </p:txBody>
+      </p:sp>
+      <p:pic>
+        <p:nvPicPr>
+          <p:cNvPr id="3" name="Imagen 2">
+            <a:extLst>
+              <a:ext uri="{FF2B5EF4-FFF2-40B4-BE49-F238E27FC236}">
+                <a16:creationId xmlns:a16="http://schemas.microsoft.com/office/drawing/2014/main" id="{E58F8676-6B27-4826-AE88-C262203EBA0D}"/>
+              </a:ext>
+            </a:extLst>
+          </p:cNvPr>
+          <p:cNvPicPr>
+            <a:picLocks noChangeAspect="1"/>
+          </p:cNvPicPr>
+          <p:nvPr/>
+        </p:nvPicPr>
+        <p:blipFill>
+          <a:blip r:embed="rId2"/>
+          <a:stretch>
+            <a:fillRect/>
+          </a:stretch>
+        </p:blipFill>
+        <p:spPr>
+          <a:xfrm>
+            <a:off x="10177669" y="197126"/>
+            <a:ext cx="1860274" cy="1860274"/>
+          </a:xfrm>
+          <a:prstGeom prst="rect">
+            <a:avLst/>
+          </a:prstGeom>
+        </p:spPr>
+      </p:pic>
+    </p:spTree>
+    <p:extLst>
+      <p:ext uri="{BB962C8B-B14F-4D97-AF65-F5344CB8AC3E}">
+        <p14:creationId xmlns:p14="http://schemas.microsoft.com/office/powerpoint/2010/main" val="1704991126"/>
       </p:ext>
     </p:extLst>
   </p:cSld>
@@ -6479,7 +6511,7 @@
         </p:nvSpPr>
         <p:spPr>
           <a:xfrm>
-            <a:off x="3949478" y="1497046"/>
+            <a:off x="1630348" y="1430785"/>
             <a:ext cx="7063077" cy="5139869"/>
           </a:xfrm>
           <a:prstGeom prst="rect">

--- a/TG3_plantilla primera parteppt.pptx
+++ b/TG3_plantilla primera parteppt.pptx
@@ -23,9 +23,8 @@
     <p:sldId id="297" r:id="rId17"/>
     <p:sldId id="300" r:id="rId18"/>
     <p:sldId id="301" r:id="rId19"/>
-    <p:sldId id="302" r:id="rId20"/>
-    <p:sldId id="303" r:id="rId21"/>
-    <p:sldId id="277" r:id="rId22"/>
+    <p:sldId id="303" r:id="rId20"/>
+    <p:sldId id="277" r:id="rId21"/>
   </p:sldIdLst>
   <p:sldSz cx="12192000" cy="6858000"/>
   <p:notesSz cx="6858000" cy="9144000"/>
@@ -5480,6 +5479,1443 @@
           </a:p>
         </p:txBody>
       </p:sp>
+      <p:graphicFrame>
+        <p:nvGraphicFramePr>
+          <p:cNvPr id="3" name="Tabla 2">
+            <a:extLst>
+              <a:ext uri="{FF2B5EF4-FFF2-40B4-BE49-F238E27FC236}">
+                <a16:creationId xmlns:a16="http://schemas.microsoft.com/office/drawing/2014/main" id="{1E508B38-B6A8-4688-9139-C18101E210D9}"/>
+              </a:ext>
+            </a:extLst>
+          </p:cNvPr>
+          <p:cNvGraphicFramePr>
+            <a:graphicFrameLocks noGrp="1"/>
+          </p:cNvGraphicFramePr>
+          <p:nvPr>
+            <p:extLst>
+              <p:ext uri="{D42A27DB-BD31-4B8C-83A1-F6EECF244321}">
+                <p14:modId xmlns:p14="http://schemas.microsoft.com/office/powerpoint/2010/main" val="3379790181"/>
+              </p:ext>
+            </p:extLst>
+          </p:nvPr>
+        </p:nvGraphicFramePr>
+        <p:xfrm>
+          <a:off x="2379518" y="2410691"/>
+          <a:ext cx="8042564" cy="3779780"/>
+        </p:xfrm>
+        <a:graphic>
+          <a:graphicData uri="http://schemas.openxmlformats.org/drawingml/2006/table">
+            <a:tbl>
+              <a:tblPr firstRow="1" firstCol="1" bandRow="1"/>
+              <a:tblGrid>
+                <a:gridCol w="1874767">
+                  <a:extLst>
+                    <a:ext uri="{9D8B030D-6E8A-4147-A177-3AD203B41FA5}">
+                      <a16:colId xmlns:a16="http://schemas.microsoft.com/office/drawing/2014/main" val="274569297"/>
+                    </a:ext>
+                  </a:extLst>
+                </a:gridCol>
+                <a:gridCol w="6167797">
+                  <a:extLst>
+                    <a:ext uri="{9D8B030D-6E8A-4147-A177-3AD203B41FA5}">
+                      <a16:colId xmlns:a16="http://schemas.microsoft.com/office/drawing/2014/main" val="3420508181"/>
+                    </a:ext>
+                  </a:extLst>
+                </a:gridCol>
+              </a:tblGrid>
+              <a:tr h="347044">
+                <a:tc>
+                  <a:txBody>
+                    <a:bodyPr/>
+                    <a:lstStyle/>
+                    <a:p>
+                      <a:pPr algn="ctr">
+                        <a:lnSpc>
+                          <a:spcPct val="107000"/>
+                        </a:lnSpc>
+                        <a:spcAft>
+                          <a:spcPts val="0"/>
+                        </a:spcAft>
+                      </a:pPr>
+                      <a:r>
+                        <a:rPr lang="es-ES" sz="1800" b="1">
+                          <a:effectLst/>
+                          <a:latin typeface="Century Gothic" panose="020B0502020202020204" pitchFamily="34" charset="0"/>
+                          <a:ea typeface="Calibri" panose="020F0502020204030204" pitchFamily="34" charset="0"/>
+                          <a:cs typeface="Times New Roman" panose="02020603050405020304" pitchFamily="18" charset="0"/>
+                        </a:rPr>
+                        <a:t>CRITERIO</a:t>
+                      </a:r>
+                      <a:endParaRPr lang="es-ES" sz="1800">
+                        <a:effectLst/>
+                        <a:latin typeface="Century Gothic" panose="020B0502020202020204" pitchFamily="34" charset="0"/>
+                        <a:ea typeface="Calibri" panose="020F0502020204030204" pitchFamily="34" charset="0"/>
+                        <a:cs typeface="Times New Roman" panose="02020603050405020304" pitchFamily="18" charset="0"/>
+                      </a:endParaRPr>
+                    </a:p>
+                  </a:txBody>
+                  <a:tcPr marL="68580" marR="68580" marT="0" marB="0">
+                    <a:lnL w="12700" cap="flat" cmpd="sng" algn="ctr">
+                      <a:solidFill>
+                        <a:srgbClr val="000000"/>
+                      </a:solidFill>
+                      <a:prstDash val="solid"/>
+                      <a:round/>
+                      <a:headEnd type="none" w="med" len="med"/>
+                      <a:tailEnd type="none" w="med" len="med"/>
+                    </a:lnL>
+                    <a:lnR w="12700" cap="flat" cmpd="sng" algn="ctr">
+                      <a:solidFill>
+                        <a:srgbClr val="000000"/>
+                      </a:solidFill>
+                      <a:prstDash val="solid"/>
+                      <a:round/>
+                      <a:headEnd type="none" w="med" len="med"/>
+                      <a:tailEnd type="none" w="med" len="med"/>
+                    </a:lnR>
+                    <a:lnT w="12700" cap="flat" cmpd="sng" algn="ctr">
+                      <a:solidFill>
+                        <a:srgbClr val="000000"/>
+                      </a:solidFill>
+                      <a:prstDash val="solid"/>
+                      <a:round/>
+                      <a:headEnd type="none" w="med" len="med"/>
+                      <a:tailEnd type="none" w="med" len="med"/>
+                    </a:lnT>
+                    <a:lnB w="12700" cap="flat" cmpd="sng" algn="ctr">
+                      <a:solidFill>
+                        <a:srgbClr val="000000"/>
+                      </a:solidFill>
+                      <a:prstDash val="solid"/>
+                      <a:round/>
+                      <a:headEnd type="none" w="med" len="med"/>
+                      <a:tailEnd type="none" w="med" len="med"/>
+                    </a:lnB>
+                  </a:tcPr>
+                </a:tc>
+                <a:tc>
+                  <a:txBody>
+                    <a:bodyPr/>
+                    <a:lstStyle/>
+                    <a:p>
+                      <a:pPr algn="ctr">
+                        <a:lnSpc>
+                          <a:spcPct val="107000"/>
+                        </a:lnSpc>
+                        <a:spcAft>
+                          <a:spcPts val="0"/>
+                        </a:spcAft>
+                      </a:pPr>
+                      <a:r>
+                        <a:rPr lang="es-ES" sz="1800" b="1" dirty="0">
+                          <a:effectLst/>
+                          <a:latin typeface="Century Gothic" panose="020B0502020202020204" pitchFamily="34" charset="0"/>
+                          <a:ea typeface="Calibri" panose="020F0502020204030204" pitchFamily="34" charset="0"/>
+                          <a:cs typeface="Times New Roman" panose="02020603050405020304" pitchFamily="18" charset="0"/>
+                        </a:rPr>
+                        <a:t>EVALUACIÓN</a:t>
+                      </a:r>
+                      <a:endParaRPr lang="es-ES" sz="1800" dirty="0">
+                        <a:effectLst/>
+                        <a:latin typeface="Century Gothic" panose="020B0502020202020204" pitchFamily="34" charset="0"/>
+                        <a:ea typeface="Calibri" panose="020F0502020204030204" pitchFamily="34" charset="0"/>
+                        <a:cs typeface="Times New Roman" panose="02020603050405020304" pitchFamily="18" charset="0"/>
+                      </a:endParaRPr>
+                    </a:p>
+                  </a:txBody>
+                  <a:tcPr marL="68580" marR="68580" marT="0" marB="0">
+                    <a:lnL w="12700" cap="flat" cmpd="sng" algn="ctr">
+                      <a:solidFill>
+                        <a:srgbClr val="000000"/>
+                      </a:solidFill>
+                      <a:prstDash val="solid"/>
+                      <a:round/>
+                      <a:headEnd type="none" w="med" len="med"/>
+                      <a:tailEnd type="none" w="med" len="med"/>
+                    </a:lnL>
+                    <a:lnR w="12700" cap="flat" cmpd="sng" algn="ctr">
+                      <a:solidFill>
+                        <a:srgbClr val="000000"/>
+                      </a:solidFill>
+                      <a:prstDash val="solid"/>
+                      <a:round/>
+                      <a:headEnd type="none" w="med" len="med"/>
+                      <a:tailEnd type="none" w="med" len="med"/>
+                    </a:lnR>
+                    <a:lnT w="12700" cap="flat" cmpd="sng" algn="ctr">
+                      <a:solidFill>
+                        <a:srgbClr val="000000"/>
+                      </a:solidFill>
+                      <a:prstDash val="solid"/>
+                      <a:round/>
+                      <a:headEnd type="none" w="med" len="med"/>
+                      <a:tailEnd type="none" w="med" len="med"/>
+                    </a:lnT>
+                    <a:lnB w="12700" cap="flat" cmpd="sng" algn="ctr">
+                      <a:solidFill>
+                        <a:srgbClr val="000000"/>
+                      </a:solidFill>
+                      <a:prstDash val="solid"/>
+                      <a:round/>
+                      <a:headEnd type="none" w="med" len="med"/>
+                      <a:tailEnd type="none" w="med" len="med"/>
+                    </a:lnB>
+                  </a:tcPr>
+                </a:tc>
+                <a:extLst>
+                  <a:ext uri="{0D108BD9-81ED-4DB2-BD59-A6C34878D82A}">
+                    <a16:rowId xmlns:a16="http://schemas.microsoft.com/office/drawing/2014/main" val="2802450688"/>
+                  </a:ext>
+                </a:extLst>
+              </a:tr>
+              <a:tr h="347044">
+                <a:tc>
+                  <a:txBody>
+                    <a:bodyPr/>
+                    <a:lstStyle/>
+                    <a:p>
+                      <a:pPr algn="just">
+                        <a:lnSpc>
+                          <a:spcPct val="107000"/>
+                        </a:lnSpc>
+                        <a:spcAft>
+                          <a:spcPts val="0"/>
+                        </a:spcAft>
+                      </a:pPr>
+                      <a:r>
+                        <a:rPr lang="es-ES" sz="1600">
+                          <a:effectLst/>
+                          <a:latin typeface="Century Gothic" panose="020B0502020202020204" pitchFamily="34" charset="0"/>
+                          <a:ea typeface="Calibri" panose="020F0502020204030204" pitchFamily="34" charset="0"/>
+                          <a:cs typeface="Times New Roman" panose="02020603050405020304" pitchFamily="18" charset="0"/>
+                        </a:rPr>
+                        <a:t>Criterio 1</a:t>
+                      </a:r>
+                    </a:p>
+                  </a:txBody>
+                  <a:tcPr marL="68580" marR="68580" marT="0" marB="0">
+                    <a:lnL w="12700" cap="flat" cmpd="sng" algn="ctr">
+                      <a:solidFill>
+                        <a:srgbClr val="000000"/>
+                      </a:solidFill>
+                      <a:prstDash val="solid"/>
+                      <a:round/>
+                      <a:headEnd type="none" w="med" len="med"/>
+                      <a:tailEnd type="none" w="med" len="med"/>
+                    </a:lnL>
+                    <a:lnR w="12700" cap="flat" cmpd="sng" algn="ctr">
+                      <a:solidFill>
+                        <a:srgbClr val="000000"/>
+                      </a:solidFill>
+                      <a:prstDash val="solid"/>
+                      <a:round/>
+                      <a:headEnd type="none" w="med" len="med"/>
+                      <a:tailEnd type="none" w="med" len="med"/>
+                    </a:lnR>
+                    <a:lnT w="12700" cap="flat" cmpd="sng" algn="ctr">
+                      <a:solidFill>
+                        <a:srgbClr val="000000"/>
+                      </a:solidFill>
+                      <a:prstDash val="solid"/>
+                      <a:round/>
+                      <a:headEnd type="none" w="med" len="med"/>
+                      <a:tailEnd type="none" w="med" len="med"/>
+                    </a:lnT>
+                    <a:lnB w="12700" cap="flat" cmpd="sng" algn="ctr">
+                      <a:solidFill>
+                        <a:srgbClr val="000000"/>
+                      </a:solidFill>
+                      <a:prstDash val="solid"/>
+                      <a:round/>
+                      <a:headEnd type="none" w="med" len="med"/>
+                      <a:tailEnd type="none" w="med" len="med"/>
+                    </a:lnB>
+                  </a:tcPr>
+                </a:tc>
+                <a:tc>
+                  <a:txBody>
+                    <a:bodyPr/>
+                    <a:lstStyle/>
+                    <a:p>
+                      <a:pPr algn="just">
+                        <a:lnSpc>
+                          <a:spcPct val="107000"/>
+                        </a:lnSpc>
+                        <a:spcAft>
+                          <a:spcPts val="0"/>
+                        </a:spcAft>
+                      </a:pPr>
+                      <a:r>
+                        <a:rPr lang="es-ES" sz="1600">
+                          <a:effectLst/>
+                          <a:latin typeface="Century Gothic" panose="020B0502020202020204" pitchFamily="34" charset="0"/>
+                          <a:ea typeface="Calibri" panose="020F0502020204030204" pitchFamily="34" charset="0"/>
+                          <a:cs typeface="Times New Roman" panose="02020603050405020304" pitchFamily="18" charset="0"/>
+                        </a:rPr>
+                        <a:t>6 horas, un poco complejo, pero lo que necesitamos es sencillo.</a:t>
+                      </a:r>
+                    </a:p>
+                  </a:txBody>
+                  <a:tcPr marL="68580" marR="68580" marT="0" marB="0">
+                    <a:lnL w="12700" cap="flat" cmpd="sng" algn="ctr">
+                      <a:solidFill>
+                        <a:srgbClr val="000000"/>
+                      </a:solidFill>
+                      <a:prstDash val="solid"/>
+                      <a:round/>
+                      <a:headEnd type="none" w="med" len="med"/>
+                      <a:tailEnd type="none" w="med" len="med"/>
+                    </a:lnL>
+                    <a:lnR w="12700" cap="flat" cmpd="sng" algn="ctr">
+                      <a:solidFill>
+                        <a:srgbClr val="000000"/>
+                      </a:solidFill>
+                      <a:prstDash val="solid"/>
+                      <a:round/>
+                      <a:headEnd type="none" w="med" len="med"/>
+                      <a:tailEnd type="none" w="med" len="med"/>
+                    </a:lnR>
+                    <a:lnT w="12700" cap="flat" cmpd="sng" algn="ctr">
+                      <a:solidFill>
+                        <a:srgbClr val="000000"/>
+                      </a:solidFill>
+                      <a:prstDash val="solid"/>
+                      <a:round/>
+                      <a:headEnd type="none" w="med" len="med"/>
+                      <a:tailEnd type="none" w="med" len="med"/>
+                    </a:lnT>
+                    <a:lnB w="12700" cap="flat" cmpd="sng" algn="ctr">
+                      <a:solidFill>
+                        <a:srgbClr val="000000"/>
+                      </a:solidFill>
+                      <a:prstDash val="solid"/>
+                      <a:round/>
+                      <a:headEnd type="none" w="med" len="med"/>
+                      <a:tailEnd type="none" w="med" len="med"/>
+                    </a:lnB>
+                  </a:tcPr>
+                </a:tc>
+                <a:extLst>
+                  <a:ext uri="{0D108BD9-81ED-4DB2-BD59-A6C34878D82A}">
+                    <a16:rowId xmlns:a16="http://schemas.microsoft.com/office/drawing/2014/main" val="1477922633"/>
+                  </a:ext>
+                </a:extLst>
+              </a:tr>
+              <a:tr h="347044">
+                <a:tc>
+                  <a:txBody>
+                    <a:bodyPr/>
+                    <a:lstStyle/>
+                    <a:p>
+                      <a:pPr algn="just">
+                        <a:lnSpc>
+                          <a:spcPct val="107000"/>
+                        </a:lnSpc>
+                        <a:spcAft>
+                          <a:spcPts val="0"/>
+                        </a:spcAft>
+                      </a:pPr>
+                      <a:r>
+                        <a:rPr lang="es-ES" sz="1600">
+                          <a:effectLst/>
+                          <a:latin typeface="Century Gothic" panose="020B0502020202020204" pitchFamily="34" charset="0"/>
+                          <a:ea typeface="Calibri" panose="020F0502020204030204" pitchFamily="34" charset="0"/>
+                          <a:cs typeface="Times New Roman" panose="02020603050405020304" pitchFamily="18" charset="0"/>
+                        </a:rPr>
+                        <a:t>Criterio 2</a:t>
+                      </a:r>
+                    </a:p>
+                  </a:txBody>
+                  <a:tcPr marL="68580" marR="68580" marT="0" marB="0">
+                    <a:lnL w="12700" cap="flat" cmpd="sng" algn="ctr">
+                      <a:solidFill>
+                        <a:srgbClr val="000000"/>
+                      </a:solidFill>
+                      <a:prstDash val="solid"/>
+                      <a:round/>
+                      <a:headEnd type="none" w="med" len="med"/>
+                      <a:tailEnd type="none" w="med" len="med"/>
+                    </a:lnL>
+                    <a:lnR w="12700" cap="flat" cmpd="sng" algn="ctr">
+                      <a:solidFill>
+                        <a:srgbClr val="000000"/>
+                      </a:solidFill>
+                      <a:prstDash val="solid"/>
+                      <a:round/>
+                      <a:headEnd type="none" w="med" len="med"/>
+                      <a:tailEnd type="none" w="med" len="med"/>
+                    </a:lnR>
+                    <a:lnT w="12700" cap="flat" cmpd="sng" algn="ctr">
+                      <a:solidFill>
+                        <a:srgbClr val="000000"/>
+                      </a:solidFill>
+                      <a:prstDash val="solid"/>
+                      <a:round/>
+                      <a:headEnd type="none" w="med" len="med"/>
+                      <a:tailEnd type="none" w="med" len="med"/>
+                    </a:lnT>
+                    <a:lnB w="12700" cap="flat" cmpd="sng" algn="ctr">
+                      <a:solidFill>
+                        <a:srgbClr val="000000"/>
+                      </a:solidFill>
+                      <a:prstDash val="solid"/>
+                      <a:round/>
+                      <a:headEnd type="none" w="med" len="med"/>
+                      <a:tailEnd type="none" w="med" len="med"/>
+                    </a:lnB>
+                  </a:tcPr>
+                </a:tc>
+                <a:tc>
+                  <a:txBody>
+                    <a:bodyPr/>
+                    <a:lstStyle/>
+                    <a:p>
+                      <a:pPr algn="just">
+                        <a:lnSpc>
+                          <a:spcPct val="107000"/>
+                        </a:lnSpc>
+                        <a:spcAft>
+                          <a:spcPts val="0"/>
+                        </a:spcAft>
+                      </a:pPr>
+                      <a:r>
+                        <a:rPr lang="es-ES" sz="1600">
+                          <a:effectLst/>
+                          <a:latin typeface="Century Gothic" panose="020B0502020202020204" pitchFamily="34" charset="0"/>
+                          <a:ea typeface="Calibri" panose="020F0502020204030204" pitchFamily="34" charset="0"/>
+                          <a:cs typeface="Times New Roman" panose="02020603050405020304" pitchFamily="18" charset="0"/>
+                        </a:rPr>
+                        <a:t>3 horas.</a:t>
+                      </a:r>
+                    </a:p>
+                  </a:txBody>
+                  <a:tcPr marL="68580" marR="68580" marT="0" marB="0">
+                    <a:lnL w="12700" cap="flat" cmpd="sng" algn="ctr">
+                      <a:solidFill>
+                        <a:srgbClr val="000000"/>
+                      </a:solidFill>
+                      <a:prstDash val="solid"/>
+                      <a:round/>
+                      <a:headEnd type="none" w="med" len="med"/>
+                      <a:tailEnd type="none" w="med" len="med"/>
+                    </a:lnL>
+                    <a:lnR w="12700" cap="flat" cmpd="sng" algn="ctr">
+                      <a:solidFill>
+                        <a:srgbClr val="000000"/>
+                      </a:solidFill>
+                      <a:prstDash val="solid"/>
+                      <a:round/>
+                      <a:headEnd type="none" w="med" len="med"/>
+                      <a:tailEnd type="none" w="med" len="med"/>
+                    </a:lnR>
+                    <a:lnT w="12700" cap="flat" cmpd="sng" algn="ctr">
+                      <a:solidFill>
+                        <a:srgbClr val="000000"/>
+                      </a:solidFill>
+                      <a:prstDash val="solid"/>
+                      <a:round/>
+                      <a:headEnd type="none" w="med" len="med"/>
+                      <a:tailEnd type="none" w="med" len="med"/>
+                    </a:lnT>
+                    <a:lnB w="12700" cap="flat" cmpd="sng" algn="ctr">
+                      <a:solidFill>
+                        <a:srgbClr val="000000"/>
+                      </a:solidFill>
+                      <a:prstDash val="solid"/>
+                      <a:round/>
+                      <a:headEnd type="none" w="med" len="med"/>
+                      <a:tailEnd type="none" w="med" len="med"/>
+                    </a:lnB>
+                  </a:tcPr>
+                </a:tc>
+                <a:extLst>
+                  <a:ext uri="{0D108BD9-81ED-4DB2-BD59-A6C34878D82A}">
+                    <a16:rowId xmlns:a16="http://schemas.microsoft.com/office/drawing/2014/main" val="650985604"/>
+                  </a:ext>
+                </a:extLst>
+              </a:tr>
+              <a:tr h="347044">
+                <a:tc>
+                  <a:txBody>
+                    <a:bodyPr/>
+                    <a:lstStyle/>
+                    <a:p>
+                      <a:pPr algn="just">
+                        <a:lnSpc>
+                          <a:spcPct val="107000"/>
+                        </a:lnSpc>
+                        <a:spcAft>
+                          <a:spcPts val="0"/>
+                        </a:spcAft>
+                      </a:pPr>
+                      <a:r>
+                        <a:rPr lang="es-ES" sz="1600">
+                          <a:effectLst/>
+                          <a:latin typeface="Century Gothic" panose="020B0502020202020204" pitchFamily="34" charset="0"/>
+                          <a:ea typeface="Calibri" panose="020F0502020204030204" pitchFamily="34" charset="0"/>
+                          <a:cs typeface="Times New Roman" panose="02020603050405020304" pitchFamily="18" charset="0"/>
+                        </a:rPr>
+                        <a:t>Criterio 3</a:t>
+                      </a:r>
+                    </a:p>
+                  </a:txBody>
+                  <a:tcPr marL="68580" marR="68580" marT="0" marB="0">
+                    <a:lnL w="12700" cap="flat" cmpd="sng" algn="ctr">
+                      <a:solidFill>
+                        <a:srgbClr val="000000"/>
+                      </a:solidFill>
+                      <a:prstDash val="solid"/>
+                      <a:round/>
+                      <a:headEnd type="none" w="med" len="med"/>
+                      <a:tailEnd type="none" w="med" len="med"/>
+                    </a:lnL>
+                    <a:lnR w="12700" cap="flat" cmpd="sng" algn="ctr">
+                      <a:solidFill>
+                        <a:srgbClr val="000000"/>
+                      </a:solidFill>
+                      <a:prstDash val="solid"/>
+                      <a:round/>
+                      <a:headEnd type="none" w="med" len="med"/>
+                      <a:tailEnd type="none" w="med" len="med"/>
+                    </a:lnR>
+                    <a:lnT w="12700" cap="flat" cmpd="sng" algn="ctr">
+                      <a:solidFill>
+                        <a:srgbClr val="000000"/>
+                      </a:solidFill>
+                      <a:prstDash val="solid"/>
+                      <a:round/>
+                      <a:headEnd type="none" w="med" len="med"/>
+                      <a:tailEnd type="none" w="med" len="med"/>
+                    </a:lnT>
+                    <a:lnB w="12700" cap="flat" cmpd="sng" algn="ctr">
+                      <a:solidFill>
+                        <a:srgbClr val="000000"/>
+                      </a:solidFill>
+                      <a:prstDash val="solid"/>
+                      <a:round/>
+                      <a:headEnd type="none" w="med" len="med"/>
+                      <a:tailEnd type="none" w="med" len="med"/>
+                    </a:lnB>
+                  </a:tcPr>
+                </a:tc>
+                <a:tc>
+                  <a:txBody>
+                    <a:bodyPr/>
+                    <a:lstStyle/>
+                    <a:p>
+                      <a:pPr algn="just">
+                        <a:lnSpc>
+                          <a:spcPct val="107000"/>
+                        </a:lnSpc>
+                        <a:spcAft>
+                          <a:spcPts val="0"/>
+                        </a:spcAft>
+                      </a:pPr>
+                      <a:r>
+                        <a:rPr lang="es-ES" sz="1600">
+                          <a:effectLst/>
+                          <a:latin typeface="Century Gothic" panose="020B0502020202020204" pitchFamily="34" charset="0"/>
+                          <a:ea typeface="Calibri" panose="020F0502020204030204" pitchFamily="34" charset="0"/>
+                          <a:cs typeface="Times New Roman" panose="02020603050405020304" pitchFamily="18" charset="0"/>
+                        </a:rPr>
+                        <a:t>5, solo hemos implementado dos roles.</a:t>
+                      </a:r>
+                    </a:p>
+                  </a:txBody>
+                  <a:tcPr marL="68580" marR="68580" marT="0" marB="0">
+                    <a:lnL w="12700" cap="flat" cmpd="sng" algn="ctr">
+                      <a:solidFill>
+                        <a:srgbClr val="000000"/>
+                      </a:solidFill>
+                      <a:prstDash val="solid"/>
+                      <a:round/>
+                      <a:headEnd type="none" w="med" len="med"/>
+                      <a:tailEnd type="none" w="med" len="med"/>
+                    </a:lnL>
+                    <a:lnR w="12700" cap="flat" cmpd="sng" algn="ctr">
+                      <a:solidFill>
+                        <a:srgbClr val="000000"/>
+                      </a:solidFill>
+                      <a:prstDash val="solid"/>
+                      <a:round/>
+                      <a:headEnd type="none" w="med" len="med"/>
+                      <a:tailEnd type="none" w="med" len="med"/>
+                    </a:lnR>
+                    <a:lnT w="12700" cap="flat" cmpd="sng" algn="ctr">
+                      <a:solidFill>
+                        <a:srgbClr val="000000"/>
+                      </a:solidFill>
+                      <a:prstDash val="solid"/>
+                      <a:round/>
+                      <a:headEnd type="none" w="med" len="med"/>
+                      <a:tailEnd type="none" w="med" len="med"/>
+                    </a:lnT>
+                    <a:lnB w="12700" cap="flat" cmpd="sng" algn="ctr">
+                      <a:solidFill>
+                        <a:srgbClr val="000000"/>
+                      </a:solidFill>
+                      <a:prstDash val="solid"/>
+                      <a:round/>
+                      <a:headEnd type="none" w="med" len="med"/>
+                      <a:tailEnd type="none" w="med" len="med"/>
+                    </a:lnB>
+                  </a:tcPr>
+                </a:tc>
+                <a:extLst>
+                  <a:ext uri="{0D108BD9-81ED-4DB2-BD59-A6C34878D82A}">
+                    <a16:rowId xmlns:a16="http://schemas.microsoft.com/office/drawing/2014/main" val="2196047733"/>
+                  </a:ext>
+                </a:extLst>
+              </a:tr>
+              <a:tr h="347044">
+                <a:tc>
+                  <a:txBody>
+                    <a:bodyPr/>
+                    <a:lstStyle/>
+                    <a:p>
+                      <a:pPr algn="just">
+                        <a:lnSpc>
+                          <a:spcPct val="107000"/>
+                        </a:lnSpc>
+                        <a:spcAft>
+                          <a:spcPts val="0"/>
+                        </a:spcAft>
+                      </a:pPr>
+                      <a:r>
+                        <a:rPr lang="es-ES" sz="1600">
+                          <a:effectLst/>
+                          <a:latin typeface="Century Gothic" panose="020B0502020202020204" pitchFamily="34" charset="0"/>
+                          <a:ea typeface="Calibri" panose="020F0502020204030204" pitchFamily="34" charset="0"/>
+                          <a:cs typeface="Times New Roman" panose="02020603050405020304" pitchFamily="18" charset="0"/>
+                        </a:rPr>
+                        <a:t>Criterio 4</a:t>
+                      </a:r>
+                    </a:p>
+                  </a:txBody>
+                  <a:tcPr marL="68580" marR="68580" marT="0" marB="0">
+                    <a:lnL w="12700" cap="flat" cmpd="sng" algn="ctr">
+                      <a:solidFill>
+                        <a:srgbClr val="000000"/>
+                      </a:solidFill>
+                      <a:prstDash val="solid"/>
+                      <a:round/>
+                      <a:headEnd type="none" w="med" len="med"/>
+                      <a:tailEnd type="none" w="med" len="med"/>
+                    </a:lnL>
+                    <a:lnR w="12700" cap="flat" cmpd="sng" algn="ctr">
+                      <a:solidFill>
+                        <a:srgbClr val="000000"/>
+                      </a:solidFill>
+                      <a:prstDash val="solid"/>
+                      <a:round/>
+                      <a:headEnd type="none" w="med" len="med"/>
+                      <a:tailEnd type="none" w="med" len="med"/>
+                    </a:lnR>
+                    <a:lnT w="12700" cap="flat" cmpd="sng" algn="ctr">
+                      <a:solidFill>
+                        <a:srgbClr val="000000"/>
+                      </a:solidFill>
+                      <a:prstDash val="solid"/>
+                      <a:round/>
+                      <a:headEnd type="none" w="med" len="med"/>
+                      <a:tailEnd type="none" w="med" len="med"/>
+                    </a:lnT>
+                    <a:lnB w="12700" cap="flat" cmpd="sng" algn="ctr">
+                      <a:solidFill>
+                        <a:srgbClr val="000000"/>
+                      </a:solidFill>
+                      <a:prstDash val="solid"/>
+                      <a:round/>
+                      <a:headEnd type="none" w="med" len="med"/>
+                      <a:tailEnd type="none" w="med" len="med"/>
+                    </a:lnB>
+                  </a:tcPr>
+                </a:tc>
+                <a:tc>
+                  <a:txBody>
+                    <a:bodyPr/>
+                    <a:lstStyle/>
+                    <a:p>
+                      <a:pPr algn="just">
+                        <a:lnSpc>
+                          <a:spcPct val="107000"/>
+                        </a:lnSpc>
+                        <a:spcAft>
+                          <a:spcPts val="0"/>
+                        </a:spcAft>
+                      </a:pPr>
+                      <a:r>
+                        <a:rPr lang="es-ES" sz="1600">
+                          <a:effectLst/>
+                          <a:latin typeface="Century Gothic" panose="020B0502020202020204" pitchFamily="34" charset="0"/>
+                          <a:ea typeface="Calibri" panose="020F0502020204030204" pitchFamily="34" charset="0"/>
+                          <a:cs typeface="Times New Roman" panose="02020603050405020304" pitchFamily="18" charset="0"/>
+                        </a:rPr>
+                        <a:t>Si</a:t>
+                      </a:r>
+                    </a:p>
+                  </a:txBody>
+                  <a:tcPr marL="68580" marR="68580" marT="0" marB="0">
+                    <a:lnL w="12700" cap="flat" cmpd="sng" algn="ctr">
+                      <a:solidFill>
+                        <a:srgbClr val="000000"/>
+                      </a:solidFill>
+                      <a:prstDash val="solid"/>
+                      <a:round/>
+                      <a:headEnd type="none" w="med" len="med"/>
+                      <a:tailEnd type="none" w="med" len="med"/>
+                    </a:lnL>
+                    <a:lnR w="12700" cap="flat" cmpd="sng" algn="ctr">
+                      <a:solidFill>
+                        <a:srgbClr val="000000"/>
+                      </a:solidFill>
+                      <a:prstDash val="solid"/>
+                      <a:round/>
+                      <a:headEnd type="none" w="med" len="med"/>
+                      <a:tailEnd type="none" w="med" len="med"/>
+                    </a:lnR>
+                    <a:lnT w="12700" cap="flat" cmpd="sng" algn="ctr">
+                      <a:solidFill>
+                        <a:srgbClr val="000000"/>
+                      </a:solidFill>
+                      <a:prstDash val="solid"/>
+                      <a:round/>
+                      <a:headEnd type="none" w="med" len="med"/>
+                      <a:tailEnd type="none" w="med" len="med"/>
+                    </a:lnT>
+                    <a:lnB w="12700" cap="flat" cmpd="sng" algn="ctr">
+                      <a:solidFill>
+                        <a:srgbClr val="000000"/>
+                      </a:solidFill>
+                      <a:prstDash val="solid"/>
+                      <a:round/>
+                      <a:headEnd type="none" w="med" len="med"/>
+                      <a:tailEnd type="none" w="med" len="med"/>
+                    </a:lnB>
+                  </a:tcPr>
+                </a:tc>
+                <a:extLst>
+                  <a:ext uri="{0D108BD9-81ED-4DB2-BD59-A6C34878D82A}">
+                    <a16:rowId xmlns:a16="http://schemas.microsoft.com/office/drawing/2014/main" val="3220072175"/>
+                  </a:ext>
+                </a:extLst>
+              </a:tr>
+              <a:tr h="347044">
+                <a:tc>
+                  <a:txBody>
+                    <a:bodyPr/>
+                    <a:lstStyle/>
+                    <a:p>
+                      <a:pPr algn="just">
+                        <a:lnSpc>
+                          <a:spcPct val="107000"/>
+                        </a:lnSpc>
+                        <a:spcAft>
+                          <a:spcPts val="0"/>
+                        </a:spcAft>
+                      </a:pPr>
+                      <a:r>
+                        <a:rPr lang="es-ES" sz="1600">
+                          <a:effectLst/>
+                          <a:latin typeface="Century Gothic" panose="020B0502020202020204" pitchFamily="34" charset="0"/>
+                          <a:ea typeface="Calibri" panose="020F0502020204030204" pitchFamily="34" charset="0"/>
+                          <a:cs typeface="Times New Roman" panose="02020603050405020304" pitchFamily="18" charset="0"/>
+                        </a:rPr>
+                        <a:t>Criterio 5</a:t>
+                      </a:r>
+                    </a:p>
+                  </a:txBody>
+                  <a:tcPr marL="68580" marR="68580" marT="0" marB="0">
+                    <a:lnL w="12700" cap="flat" cmpd="sng" algn="ctr">
+                      <a:solidFill>
+                        <a:srgbClr val="000000"/>
+                      </a:solidFill>
+                      <a:prstDash val="solid"/>
+                      <a:round/>
+                      <a:headEnd type="none" w="med" len="med"/>
+                      <a:tailEnd type="none" w="med" len="med"/>
+                    </a:lnL>
+                    <a:lnR w="12700" cap="flat" cmpd="sng" algn="ctr">
+                      <a:solidFill>
+                        <a:srgbClr val="000000"/>
+                      </a:solidFill>
+                      <a:prstDash val="solid"/>
+                      <a:round/>
+                      <a:headEnd type="none" w="med" len="med"/>
+                      <a:tailEnd type="none" w="med" len="med"/>
+                    </a:lnR>
+                    <a:lnT w="12700" cap="flat" cmpd="sng" algn="ctr">
+                      <a:solidFill>
+                        <a:srgbClr val="000000"/>
+                      </a:solidFill>
+                      <a:prstDash val="solid"/>
+                      <a:round/>
+                      <a:headEnd type="none" w="med" len="med"/>
+                      <a:tailEnd type="none" w="med" len="med"/>
+                    </a:lnT>
+                    <a:lnB w="12700" cap="flat" cmpd="sng" algn="ctr">
+                      <a:solidFill>
+                        <a:srgbClr val="000000"/>
+                      </a:solidFill>
+                      <a:prstDash val="solid"/>
+                      <a:round/>
+                      <a:headEnd type="none" w="med" len="med"/>
+                      <a:tailEnd type="none" w="med" len="med"/>
+                    </a:lnB>
+                  </a:tcPr>
+                </a:tc>
+                <a:tc>
+                  <a:txBody>
+                    <a:bodyPr/>
+                    <a:lstStyle/>
+                    <a:p>
+                      <a:pPr algn="just">
+                        <a:lnSpc>
+                          <a:spcPct val="107000"/>
+                        </a:lnSpc>
+                        <a:spcAft>
+                          <a:spcPts val="0"/>
+                        </a:spcAft>
+                      </a:pPr>
+                      <a:r>
+                        <a:rPr lang="es-ES" sz="1600">
+                          <a:effectLst/>
+                          <a:latin typeface="Century Gothic" panose="020B0502020202020204" pitchFamily="34" charset="0"/>
+                          <a:ea typeface="Calibri" panose="020F0502020204030204" pitchFamily="34" charset="0"/>
+                          <a:cs typeface="Times New Roman" panose="02020603050405020304" pitchFamily="18" charset="0"/>
+                        </a:rPr>
+                        <a:t>No</a:t>
+                      </a:r>
+                    </a:p>
+                  </a:txBody>
+                  <a:tcPr marL="68580" marR="68580" marT="0" marB="0">
+                    <a:lnL w="12700" cap="flat" cmpd="sng" algn="ctr">
+                      <a:solidFill>
+                        <a:srgbClr val="000000"/>
+                      </a:solidFill>
+                      <a:prstDash val="solid"/>
+                      <a:round/>
+                      <a:headEnd type="none" w="med" len="med"/>
+                      <a:tailEnd type="none" w="med" len="med"/>
+                    </a:lnL>
+                    <a:lnR w="12700" cap="flat" cmpd="sng" algn="ctr">
+                      <a:solidFill>
+                        <a:srgbClr val="000000"/>
+                      </a:solidFill>
+                      <a:prstDash val="solid"/>
+                      <a:round/>
+                      <a:headEnd type="none" w="med" len="med"/>
+                      <a:tailEnd type="none" w="med" len="med"/>
+                    </a:lnR>
+                    <a:lnT w="12700" cap="flat" cmpd="sng" algn="ctr">
+                      <a:solidFill>
+                        <a:srgbClr val="000000"/>
+                      </a:solidFill>
+                      <a:prstDash val="solid"/>
+                      <a:round/>
+                      <a:headEnd type="none" w="med" len="med"/>
+                      <a:tailEnd type="none" w="med" len="med"/>
+                    </a:lnT>
+                    <a:lnB w="12700" cap="flat" cmpd="sng" algn="ctr">
+                      <a:solidFill>
+                        <a:srgbClr val="000000"/>
+                      </a:solidFill>
+                      <a:prstDash val="solid"/>
+                      <a:round/>
+                      <a:headEnd type="none" w="med" len="med"/>
+                      <a:tailEnd type="none" w="med" len="med"/>
+                    </a:lnB>
+                  </a:tcPr>
+                </a:tc>
+                <a:extLst>
+                  <a:ext uri="{0D108BD9-81ED-4DB2-BD59-A6C34878D82A}">
+                    <a16:rowId xmlns:a16="http://schemas.microsoft.com/office/drawing/2014/main" val="2412690105"/>
+                  </a:ext>
+                </a:extLst>
+              </a:tr>
+              <a:tr h="347044">
+                <a:tc>
+                  <a:txBody>
+                    <a:bodyPr/>
+                    <a:lstStyle/>
+                    <a:p>
+                      <a:pPr algn="just">
+                        <a:lnSpc>
+                          <a:spcPct val="107000"/>
+                        </a:lnSpc>
+                        <a:spcAft>
+                          <a:spcPts val="0"/>
+                        </a:spcAft>
+                      </a:pPr>
+                      <a:r>
+                        <a:rPr lang="es-ES" sz="1600">
+                          <a:effectLst/>
+                          <a:latin typeface="Century Gothic" panose="020B0502020202020204" pitchFamily="34" charset="0"/>
+                          <a:ea typeface="Calibri" panose="020F0502020204030204" pitchFamily="34" charset="0"/>
+                          <a:cs typeface="Times New Roman" panose="02020603050405020304" pitchFamily="18" charset="0"/>
+                        </a:rPr>
+                        <a:t>Criterio 6</a:t>
+                      </a:r>
+                    </a:p>
+                  </a:txBody>
+                  <a:tcPr marL="68580" marR="68580" marT="0" marB="0">
+                    <a:lnL w="12700" cap="flat" cmpd="sng" algn="ctr">
+                      <a:solidFill>
+                        <a:srgbClr val="000000"/>
+                      </a:solidFill>
+                      <a:prstDash val="solid"/>
+                      <a:round/>
+                      <a:headEnd type="none" w="med" len="med"/>
+                      <a:tailEnd type="none" w="med" len="med"/>
+                    </a:lnL>
+                    <a:lnR w="12700" cap="flat" cmpd="sng" algn="ctr">
+                      <a:solidFill>
+                        <a:srgbClr val="000000"/>
+                      </a:solidFill>
+                      <a:prstDash val="solid"/>
+                      <a:round/>
+                      <a:headEnd type="none" w="med" len="med"/>
+                      <a:tailEnd type="none" w="med" len="med"/>
+                    </a:lnR>
+                    <a:lnT w="12700" cap="flat" cmpd="sng" algn="ctr">
+                      <a:solidFill>
+                        <a:srgbClr val="000000"/>
+                      </a:solidFill>
+                      <a:prstDash val="solid"/>
+                      <a:round/>
+                      <a:headEnd type="none" w="med" len="med"/>
+                      <a:tailEnd type="none" w="med" len="med"/>
+                    </a:lnT>
+                    <a:lnB w="12700" cap="flat" cmpd="sng" algn="ctr">
+                      <a:solidFill>
+                        <a:srgbClr val="000000"/>
+                      </a:solidFill>
+                      <a:prstDash val="solid"/>
+                      <a:round/>
+                      <a:headEnd type="none" w="med" len="med"/>
+                      <a:tailEnd type="none" w="med" len="med"/>
+                    </a:lnB>
+                  </a:tcPr>
+                </a:tc>
+                <a:tc>
+                  <a:txBody>
+                    <a:bodyPr/>
+                    <a:lstStyle/>
+                    <a:p>
+                      <a:pPr algn="just">
+                        <a:lnSpc>
+                          <a:spcPct val="107000"/>
+                        </a:lnSpc>
+                        <a:spcAft>
+                          <a:spcPts val="0"/>
+                        </a:spcAft>
+                      </a:pPr>
+                      <a:r>
+                        <a:rPr lang="es-ES" sz="1600">
+                          <a:effectLst/>
+                          <a:latin typeface="Century Gothic" panose="020B0502020202020204" pitchFamily="34" charset="0"/>
+                          <a:ea typeface="Calibri" panose="020F0502020204030204" pitchFamily="34" charset="0"/>
+                          <a:cs typeface="Times New Roman" panose="02020603050405020304" pitchFamily="18" charset="0"/>
+                        </a:rPr>
+                        <a:t>4 horas.</a:t>
+                      </a:r>
+                    </a:p>
+                  </a:txBody>
+                  <a:tcPr marL="68580" marR="68580" marT="0" marB="0">
+                    <a:lnL w="12700" cap="flat" cmpd="sng" algn="ctr">
+                      <a:solidFill>
+                        <a:srgbClr val="000000"/>
+                      </a:solidFill>
+                      <a:prstDash val="solid"/>
+                      <a:round/>
+                      <a:headEnd type="none" w="med" len="med"/>
+                      <a:tailEnd type="none" w="med" len="med"/>
+                    </a:lnL>
+                    <a:lnR w="12700" cap="flat" cmpd="sng" algn="ctr">
+                      <a:solidFill>
+                        <a:srgbClr val="000000"/>
+                      </a:solidFill>
+                      <a:prstDash val="solid"/>
+                      <a:round/>
+                      <a:headEnd type="none" w="med" len="med"/>
+                      <a:tailEnd type="none" w="med" len="med"/>
+                    </a:lnR>
+                    <a:lnT w="12700" cap="flat" cmpd="sng" algn="ctr">
+                      <a:solidFill>
+                        <a:srgbClr val="000000"/>
+                      </a:solidFill>
+                      <a:prstDash val="solid"/>
+                      <a:round/>
+                      <a:headEnd type="none" w="med" len="med"/>
+                      <a:tailEnd type="none" w="med" len="med"/>
+                    </a:lnT>
+                    <a:lnB w="12700" cap="flat" cmpd="sng" algn="ctr">
+                      <a:solidFill>
+                        <a:srgbClr val="000000"/>
+                      </a:solidFill>
+                      <a:prstDash val="solid"/>
+                      <a:round/>
+                      <a:headEnd type="none" w="med" len="med"/>
+                      <a:tailEnd type="none" w="med" len="med"/>
+                    </a:lnB>
+                  </a:tcPr>
+                </a:tc>
+                <a:extLst>
+                  <a:ext uri="{0D108BD9-81ED-4DB2-BD59-A6C34878D82A}">
+                    <a16:rowId xmlns:a16="http://schemas.microsoft.com/office/drawing/2014/main" val="2362418830"/>
+                  </a:ext>
+                </a:extLst>
+              </a:tr>
+              <a:tr h="347044">
+                <a:tc>
+                  <a:txBody>
+                    <a:bodyPr/>
+                    <a:lstStyle/>
+                    <a:p>
+                      <a:pPr algn="just">
+                        <a:lnSpc>
+                          <a:spcPct val="107000"/>
+                        </a:lnSpc>
+                        <a:spcAft>
+                          <a:spcPts val="0"/>
+                        </a:spcAft>
+                      </a:pPr>
+                      <a:r>
+                        <a:rPr lang="es-ES" sz="1600">
+                          <a:effectLst/>
+                          <a:latin typeface="Century Gothic" panose="020B0502020202020204" pitchFamily="34" charset="0"/>
+                          <a:ea typeface="Calibri" panose="020F0502020204030204" pitchFamily="34" charset="0"/>
+                          <a:cs typeface="Times New Roman" panose="02020603050405020304" pitchFamily="18" charset="0"/>
+                        </a:rPr>
+                        <a:t>Criterio 7</a:t>
+                      </a:r>
+                    </a:p>
+                  </a:txBody>
+                  <a:tcPr marL="68580" marR="68580" marT="0" marB="0">
+                    <a:lnL w="12700" cap="flat" cmpd="sng" algn="ctr">
+                      <a:solidFill>
+                        <a:srgbClr val="000000"/>
+                      </a:solidFill>
+                      <a:prstDash val="solid"/>
+                      <a:round/>
+                      <a:headEnd type="none" w="med" len="med"/>
+                      <a:tailEnd type="none" w="med" len="med"/>
+                    </a:lnL>
+                    <a:lnR w="12700" cap="flat" cmpd="sng" algn="ctr">
+                      <a:solidFill>
+                        <a:srgbClr val="000000"/>
+                      </a:solidFill>
+                      <a:prstDash val="solid"/>
+                      <a:round/>
+                      <a:headEnd type="none" w="med" len="med"/>
+                      <a:tailEnd type="none" w="med" len="med"/>
+                    </a:lnR>
+                    <a:lnT w="12700" cap="flat" cmpd="sng" algn="ctr">
+                      <a:solidFill>
+                        <a:srgbClr val="000000"/>
+                      </a:solidFill>
+                      <a:prstDash val="solid"/>
+                      <a:round/>
+                      <a:headEnd type="none" w="med" len="med"/>
+                      <a:tailEnd type="none" w="med" len="med"/>
+                    </a:lnT>
+                    <a:lnB w="12700" cap="flat" cmpd="sng" algn="ctr">
+                      <a:solidFill>
+                        <a:srgbClr val="000000"/>
+                      </a:solidFill>
+                      <a:prstDash val="solid"/>
+                      <a:round/>
+                      <a:headEnd type="none" w="med" len="med"/>
+                      <a:tailEnd type="none" w="med" len="med"/>
+                    </a:lnB>
+                  </a:tcPr>
+                </a:tc>
+                <a:tc>
+                  <a:txBody>
+                    <a:bodyPr/>
+                    <a:lstStyle/>
+                    <a:p>
+                      <a:pPr algn="just">
+                        <a:lnSpc>
+                          <a:spcPct val="107000"/>
+                        </a:lnSpc>
+                        <a:spcAft>
+                          <a:spcPts val="0"/>
+                        </a:spcAft>
+                      </a:pPr>
+                      <a:r>
+                        <a:rPr lang="es-ES" sz="1600">
+                          <a:effectLst/>
+                          <a:latin typeface="Century Gothic" panose="020B0502020202020204" pitchFamily="34" charset="0"/>
+                          <a:ea typeface="Calibri" panose="020F0502020204030204" pitchFamily="34" charset="0"/>
+                          <a:cs typeface="Times New Roman" panose="02020603050405020304" pitchFamily="18" charset="0"/>
+                        </a:rPr>
+                        <a:t>75</a:t>
+                      </a:r>
+                    </a:p>
+                  </a:txBody>
+                  <a:tcPr marL="68580" marR="68580" marT="0" marB="0">
+                    <a:lnL w="12700" cap="flat" cmpd="sng" algn="ctr">
+                      <a:solidFill>
+                        <a:srgbClr val="000000"/>
+                      </a:solidFill>
+                      <a:prstDash val="solid"/>
+                      <a:round/>
+                      <a:headEnd type="none" w="med" len="med"/>
+                      <a:tailEnd type="none" w="med" len="med"/>
+                    </a:lnL>
+                    <a:lnR w="12700" cap="flat" cmpd="sng" algn="ctr">
+                      <a:solidFill>
+                        <a:srgbClr val="000000"/>
+                      </a:solidFill>
+                      <a:prstDash val="solid"/>
+                      <a:round/>
+                      <a:headEnd type="none" w="med" len="med"/>
+                      <a:tailEnd type="none" w="med" len="med"/>
+                    </a:lnR>
+                    <a:lnT w="12700" cap="flat" cmpd="sng" algn="ctr">
+                      <a:solidFill>
+                        <a:srgbClr val="000000"/>
+                      </a:solidFill>
+                      <a:prstDash val="solid"/>
+                      <a:round/>
+                      <a:headEnd type="none" w="med" len="med"/>
+                      <a:tailEnd type="none" w="med" len="med"/>
+                    </a:lnT>
+                    <a:lnB w="12700" cap="flat" cmpd="sng" algn="ctr">
+                      <a:solidFill>
+                        <a:srgbClr val="000000"/>
+                      </a:solidFill>
+                      <a:prstDash val="solid"/>
+                      <a:round/>
+                      <a:headEnd type="none" w="med" len="med"/>
+                      <a:tailEnd type="none" w="med" len="med"/>
+                    </a:lnB>
+                  </a:tcPr>
+                </a:tc>
+                <a:extLst>
+                  <a:ext uri="{0D108BD9-81ED-4DB2-BD59-A6C34878D82A}">
+                    <a16:rowId xmlns:a16="http://schemas.microsoft.com/office/drawing/2014/main" val="3872613692"/>
+                  </a:ext>
+                </a:extLst>
+              </a:tr>
+              <a:tr h="434439">
+                <a:tc>
+                  <a:txBody>
+                    <a:bodyPr/>
+                    <a:lstStyle/>
+                    <a:p>
+                      <a:pPr algn="just">
+                        <a:lnSpc>
+                          <a:spcPct val="107000"/>
+                        </a:lnSpc>
+                        <a:spcAft>
+                          <a:spcPts val="0"/>
+                        </a:spcAft>
+                      </a:pPr>
+                      <a:r>
+                        <a:rPr lang="es-ES" sz="1600">
+                          <a:effectLst/>
+                          <a:latin typeface="Century Gothic" panose="020B0502020202020204" pitchFamily="34" charset="0"/>
+                          <a:ea typeface="Calibri" panose="020F0502020204030204" pitchFamily="34" charset="0"/>
+                          <a:cs typeface="Times New Roman" panose="02020603050405020304" pitchFamily="18" charset="0"/>
+                        </a:rPr>
+                        <a:t>Criterio 8</a:t>
+                      </a:r>
+                    </a:p>
+                  </a:txBody>
+                  <a:tcPr marL="68580" marR="68580" marT="0" marB="0">
+                    <a:lnL w="12700" cap="flat" cmpd="sng" algn="ctr">
+                      <a:solidFill>
+                        <a:srgbClr val="000000"/>
+                      </a:solidFill>
+                      <a:prstDash val="solid"/>
+                      <a:round/>
+                      <a:headEnd type="none" w="med" len="med"/>
+                      <a:tailEnd type="none" w="med" len="med"/>
+                    </a:lnL>
+                    <a:lnR w="12700" cap="flat" cmpd="sng" algn="ctr">
+                      <a:solidFill>
+                        <a:srgbClr val="000000"/>
+                      </a:solidFill>
+                      <a:prstDash val="solid"/>
+                      <a:round/>
+                      <a:headEnd type="none" w="med" len="med"/>
+                      <a:tailEnd type="none" w="med" len="med"/>
+                    </a:lnR>
+                    <a:lnT w="12700" cap="flat" cmpd="sng" algn="ctr">
+                      <a:solidFill>
+                        <a:srgbClr val="000000"/>
+                      </a:solidFill>
+                      <a:prstDash val="solid"/>
+                      <a:round/>
+                      <a:headEnd type="none" w="med" len="med"/>
+                      <a:tailEnd type="none" w="med" len="med"/>
+                    </a:lnT>
+                    <a:lnB w="12700" cap="flat" cmpd="sng" algn="ctr">
+                      <a:solidFill>
+                        <a:srgbClr val="000000"/>
+                      </a:solidFill>
+                      <a:prstDash val="solid"/>
+                      <a:round/>
+                      <a:headEnd type="none" w="med" len="med"/>
+                      <a:tailEnd type="none" w="med" len="med"/>
+                    </a:lnB>
+                  </a:tcPr>
+                </a:tc>
+                <a:tc>
+                  <a:txBody>
+                    <a:bodyPr/>
+                    <a:lstStyle/>
+                    <a:p>
+                      <a:pPr algn="just">
+                        <a:lnSpc>
+                          <a:spcPct val="107000"/>
+                        </a:lnSpc>
+                        <a:spcAft>
+                          <a:spcPts val="0"/>
+                        </a:spcAft>
+                      </a:pPr>
+                      <a:r>
+                        <a:rPr lang="es-ES" sz="1600">
+                          <a:effectLst/>
+                          <a:latin typeface="Century Gothic" panose="020B0502020202020204" pitchFamily="34" charset="0"/>
+                          <a:ea typeface="Calibri" panose="020F0502020204030204" pitchFamily="34" charset="0"/>
+                          <a:cs typeface="Times New Roman" panose="02020603050405020304" pitchFamily="18" charset="0"/>
+                        </a:rPr>
+                        <a:t>Un pc, internet, un navegador, composer, documentación y un editor de código</a:t>
+                      </a:r>
+                    </a:p>
+                  </a:txBody>
+                  <a:tcPr marL="68580" marR="68580" marT="0" marB="0">
+                    <a:lnL w="12700" cap="flat" cmpd="sng" algn="ctr">
+                      <a:solidFill>
+                        <a:srgbClr val="000000"/>
+                      </a:solidFill>
+                      <a:prstDash val="solid"/>
+                      <a:round/>
+                      <a:headEnd type="none" w="med" len="med"/>
+                      <a:tailEnd type="none" w="med" len="med"/>
+                    </a:lnL>
+                    <a:lnR w="12700" cap="flat" cmpd="sng" algn="ctr">
+                      <a:solidFill>
+                        <a:srgbClr val="000000"/>
+                      </a:solidFill>
+                      <a:prstDash val="solid"/>
+                      <a:round/>
+                      <a:headEnd type="none" w="med" len="med"/>
+                      <a:tailEnd type="none" w="med" len="med"/>
+                    </a:lnR>
+                    <a:lnT w="12700" cap="flat" cmpd="sng" algn="ctr">
+                      <a:solidFill>
+                        <a:srgbClr val="000000"/>
+                      </a:solidFill>
+                      <a:prstDash val="solid"/>
+                      <a:round/>
+                      <a:headEnd type="none" w="med" len="med"/>
+                      <a:tailEnd type="none" w="med" len="med"/>
+                    </a:lnT>
+                    <a:lnB w="12700" cap="flat" cmpd="sng" algn="ctr">
+                      <a:solidFill>
+                        <a:srgbClr val="000000"/>
+                      </a:solidFill>
+                      <a:prstDash val="solid"/>
+                      <a:round/>
+                      <a:headEnd type="none" w="med" len="med"/>
+                      <a:tailEnd type="none" w="med" len="med"/>
+                    </a:lnB>
+                  </a:tcPr>
+                </a:tc>
+                <a:extLst>
+                  <a:ext uri="{0D108BD9-81ED-4DB2-BD59-A6C34878D82A}">
+                    <a16:rowId xmlns:a16="http://schemas.microsoft.com/office/drawing/2014/main" val="2118735945"/>
+                  </a:ext>
+                </a:extLst>
+              </a:tr>
+              <a:tr h="347044">
+                <a:tc>
+                  <a:txBody>
+                    <a:bodyPr/>
+                    <a:lstStyle/>
+                    <a:p>
+                      <a:pPr algn="just">
+                        <a:lnSpc>
+                          <a:spcPct val="107000"/>
+                        </a:lnSpc>
+                        <a:spcAft>
+                          <a:spcPts val="0"/>
+                        </a:spcAft>
+                      </a:pPr>
+                      <a:r>
+                        <a:rPr lang="es-ES" sz="1600">
+                          <a:effectLst/>
+                          <a:latin typeface="Century Gothic" panose="020B0502020202020204" pitchFamily="34" charset="0"/>
+                          <a:ea typeface="Calibri" panose="020F0502020204030204" pitchFamily="34" charset="0"/>
+                          <a:cs typeface="Times New Roman" panose="02020603050405020304" pitchFamily="18" charset="0"/>
+                        </a:rPr>
+                        <a:t>Criterio 9</a:t>
+                      </a:r>
+                    </a:p>
+                  </a:txBody>
+                  <a:tcPr marL="68580" marR="68580" marT="0" marB="0">
+                    <a:lnL w="12700" cap="flat" cmpd="sng" algn="ctr">
+                      <a:solidFill>
+                        <a:srgbClr val="000000"/>
+                      </a:solidFill>
+                      <a:prstDash val="solid"/>
+                      <a:round/>
+                      <a:headEnd type="none" w="med" len="med"/>
+                      <a:tailEnd type="none" w="med" len="med"/>
+                    </a:lnL>
+                    <a:lnR w="12700" cap="flat" cmpd="sng" algn="ctr">
+                      <a:solidFill>
+                        <a:srgbClr val="000000"/>
+                      </a:solidFill>
+                      <a:prstDash val="solid"/>
+                      <a:round/>
+                      <a:headEnd type="none" w="med" len="med"/>
+                      <a:tailEnd type="none" w="med" len="med"/>
+                    </a:lnR>
+                    <a:lnT w="12700" cap="flat" cmpd="sng" algn="ctr">
+                      <a:solidFill>
+                        <a:srgbClr val="000000"/>
+                      </a:solidFill>
+                      <a:prstDash val="solid"/>
+                      <a:round/>
+                      <a:headEnd type="none" w="med" len="med"/>
+                      <a:tailEnd type="none" w="med" len="med"/>
+                    </a:lnT>
+                    <a:lnB w="12700" cap="flat" cmpd="sng" algn="ctr">
+                      <a:solidFill>
+                        <a:srgbClr val="000000"/>
+                      </a:solidFill>
+                      <a:prstDash val="solid"/>
+                      <a:round/>
+                      <a:headEnd type="none" w="med" len="med"/>
+                      <a:tailEnd type="none" w="med" len="med"/>
+                    </a:lnB>
+                  </a:tcPr>
+                </a:tc>
+                <a:tc>
+                  <a:txBody>
+                    <a:bodyPr/>
+                    <a:lstStyle/>
+                    <a:p>
+                      <a:pPr algn="just">
+                        <a:lnSpc>
+                          <a:spcPct val="107000"/>
+                        </a:lnSpc>
+                        <a:spcAft>
+                          <a:spcPts val="0"/>
+                        </a:spcAft>
+                      </a:pPr>
+                      <a:r>
+                        <a:rPr lang="es-ES" sz="1600" dirty="0">
+                          <a:effectLst/>
+                          <a:latin typeface="Century Gothic" panose="020B0502020202020204" pitchFamily="34" charset="0"/>
+                          <a:ea typeface="Calibri" panose="020F0502020204030204" pitchFamily="34" charset="0"/>
+                          <a:cs typeface="Times New Roman" panose="02020603050405020304" pitchFamily="18" charset="0"/>
+                        </a:rPr>
+                        <a:t>7</a:t>
+                      </a:r>
+                    </a:p>
+                  </a:txBody>
+                  <a:tcPr marL="68580" marR="68580" marT="0" marB="0">
+                    <a:lnL w="12700" cap="flat" cmpd="sng" algn="ctr">
+                      <a:solidFill>
+                        <a:srgbClr val="000000"/>
+                      </a:solidFill>
+                      <a:prstDash val="solid"/>
+                      <a:round/>
+                      <a:headEnd type="none" w="med" len="med"/>
+                      <a:tailEnd type="none" w="med" len="med"/>
+                    </a:lnL>
+                    <a:lnR w="12700" cap="flat" cmpd="sng" algn="ctr">
+                      <a:solidFill>
+                        <a:srgbClr val="000000"/>
+                      </a:solidFill>
+                      <a:prstDash val="solid"/>
+                      <a:round/>
+                      <a:headEnd type="none" w="med" len="med"/>
+                      <a:tailEnd type="none" w="med" len="med"/>
+                    </a:lnR>
+                    <a:lnT w="12700" cap="flat" cmpd="sng" algn="ctr">
+                      <a:solidFill>
+                        <a:srgbClr val="000000"/>
+                      </a:solidFill>
+                      <a:prstDash val="solid"/>
+                      <a:round/>
+                      <a:headEnd type="none" w="med" len="med"/>
+                      <a:tailEnd type="none" w="med" len="med"/>
+                    </a:lnT>
+                    <a:lnB w="12700" cap="flat" cmpd="sng" algn="ctr">
+                      <a:solidFill>
+                        <a:srgbClr val="000000"/>
+                      </a:solidFill>
+                      <a:prstDash val="solid"/>
+                      <a:round/>
+                      <a:headEnd type="none" w="med" len="med"/>
+                      <a:tailEnd type="none" w="med" len="med"/>
+                    </a:lnB>
+                  </a:tcPr>
+                </a:tc>
+                <a:extLst>
+                  <a:ext uri="{0D108BD9-81ED-4DB2-BD59-A6C34878D82A}">
+                    <a16:rowId xmlns:a16="http://schemas.microsoft.com/office/drawing/2014/main" val="4018931725"/>
+                  </a:ext>
+                </a:extLst>
+              </a:tr>
+            </a:tbl>
+          </a:graphicData>
+        </a:graphic>
+      </p:graphicFrame>
+      <p:pic>
+        <p:nvPicPr>
+          <p:cNvPr id="4" name="Picture 2" descr="Resultado de imagen de yii png">
+            <a:extLst>
+              <a:ext uri="{FF2B5EF4-FFF2-40B4-BE49-F238E27FC236}">
+                <a16:creationId xmlns:a16="http://schemas.microsoft.com/office/drawing/2014/main" id="{9F51FB63-58DA-477D-A2A5-151EC93293DF}"/>
+              </a:ext>
+            </a:extLst>
+          </p:cNvPr>
+          <p:cNvPicPr>
+            <a:picLocks noChangeAspect="1" noChangeArrowheads="1"/>
+          </p:cNvPicPr>
+          <p:nvPr/>
+        </p:nvPicPr>
+        <p:blipFill>
+          <a:blip r:embed="rId2">
+            <a:extLst>
+              <a:ext uri="{28A0092B-C50C-407E-A947-70E740481C1C}">
+                <a14:useLocalDpi xmlns:a14="http://schemas.microsoft.com/office/drawing/2010/main" val="0"/>
+              </a:ext>
+            </a:extLst>
+          </a:blip>
+          <a:srcRect/>
+          <a:stretch>
+            <a:fillRect/>
+          </a:stretch>
+        </p:blipFill>
+        <p:spPr bwMode="auto">
+          <a:xfrm>
+            <a:off x="5513988" y="1204982"/>
+            <a:ext cx="1164024" cy="1164024"/>
+          </a:xfrm>
+          <a:prstGeom prst="rect">
+            <a:avLst/>
+          </a:prstGeom>
+          <a:noFill/>
+          <a:extLst>
+            <a:ext uri="{909E8E84-426E-40DD-AFC4-6F175D3DCCD1}">
+              <a14:hiddenFill xmlns:a14="http://schemas.microsoft.com/office/drawing/2010/main">
+                <a:solidFill>
+                  <a:srgbClr val="FFFFFF"/>
+                </a:solidFill>
+              </a14:hiddenFill>
+            </a:ext>
+          </a:extLst>
+        </p:spPr>
+      </p:pic>
     </p:spTree>
     <p:extLst>
       <p:ext uri="{BB962C8B-B14F-4D97-AF65-F5344CB8AC3E}">
@@ -5573,6 +7009,1414 @@
           </a:p>
         </p:txBody>
       </p:sp>
+      <p:graphicFrame>
+        <p:nvGraphicFramePr>
+          <p:cNvPr id="3" name="Tabla 2">
+            <a:extLst>
+              <a:ext uri="{FF2B5EF4-FFF2-40B4-BE49-F238E27FC236}">
+                <a16:creationId xmlns:a16="http://schemas.microsoft.com/office/drawing/2014/main" id="{32866736-3B89-42E2-AEEB-B574A51F4E8E}"/>
+              </a:ext>
+            </a:extLst>
+          </p:cNvPr>
+          <p:cNvGraphicFramePr>
+            <a:graphicFrameLocks noGrp="1"/>
+          </p:cNvGraphicFramePr>
+          <p:nvPr>
+            <p:extLst>
+              <p:ext uri="{D42A27DB-BD31-4B8C-83A1-F6EECF244321}">
+                <p14:modId xmlns:p14="http://schemas.microsoft.com/office/powerpoint/2010/main" val="2713463954"/>
+              </p:ext>
+            </p:extLst>
+          </p:nvPr>
+        </p:nvGraphicFramePr>
+        <p:xfrm>
+          <a:off x="2639291" y="2553205"/>
+          <a:ext cx="7307261" cy="3733295"/>
+        </p:xfrm>
+        <a:graphic>
+          <a:graphicData uri="http://schemas.openxmlformats.org/drawingml/2006/table">
+            <a:tbl>
+              <a:tblPr firstRow="1" firstCol="1" bandRow="1"/>
+              <a:tblGrid>
+                <a:gridCol w="1703365">
+                  <a:extLst>
+                    <a:ext uri="{9D8B030D-6E8A-4147-A177-3AD203B41FA5}">
+                      <a16:colId xmlns:a16="http://schemas.microsoft.com/office/drawing/2014/main" val="3650934917"/>
+                    </a:ext>
+                  </a:extLst>
+                </a:gridCol>
+                <a:gridCol w="5603896">
+                  <a:extLst>
+                    <a:ext uri="{9D8B030D-6E8A-4147-A177-3AD203B41FA5}">
+                      <a16:colId xmlns:a16="http://schemas.microsoft.com/office/drawing/2014/main" val="2183597844"/>
+                    </a:ext>
+                  </a:extLst>
+                </a:gridCol>
+              </a:tblGrid>
+              <a:tr h="282083">
+                <a:tc>
+                  <a:txBody>
+                    <a:bodyPr/>
+                    <a:lstStyle/>
+                    <a:p>
+                      <a:pPr algn="ctr">
+                        <a:lnSpc>
+                          <a:spcPct val="107000"/>
+                        </a:lnSpc>
+                        <a:spcAft>
+                          <a:spcPts val="0"/>
+                        </a:spcAft>
+                      </a:pPr>
+                      <a:r>
+                        <a:rPr lang="es-ES" sz="1600" b="1" dirty="0">
+                          <a:effectLst/>
+                          <a:latin typeface="Century Gothic" panose="020B0502020202020204" pitchFamily="34" charset="0"/>
+                          <a:ea typeface="Calibri" panose="020F0502020204030204" pitchFamily="34" charset="0"/>
+                          <a:cs typeface="Times New Roman" panose="02020603050405020304" pitchFamily="18" charset="0"/>
+                        </a:rPr>
+                        <a:t>CRITERIO</a:t>
+                      </a:r>
+                    </a:p>
+                  </a:txBody>
+                  <a:tcPr marL="68580" marR="68580" marT="0" marB="0">
+                    <a:lnL w="12700" cap="flat" cmpd="sng" algn="ctr">
+                      <a:solidFill>
+                        <a:srgbClr val="000000"/>
+                      </a:solidFill>
+                      <a:prstDash val="solid"/>
+                      <a:round/>
+                      <a:headEnd type="none" w="med" len="med"/>
+                      <a:tailEnd type="none" w="med" len="med"/>
+                    </a:lnL>
+                    <a:lnR w="12700" cap="flat" cmpd="sng" algn="ctr">
+                      <a:solidFill>
+                        <a:srgbClr val="000000"/>
+                      </a:solidFill>
+                      <a:prstDash val="solid"/>
+                      <a:round/>
+                      <a:headEnd type="none" w="med" len="med"/>
+                      <a:tailEnd type="none" w="med" len="med"/>
+                    </a:lnR>
+                    <a:lnT w="12700" cap="flat" cmpd="sng" algn="ctr">
+                      <a:solidFill>
+                        <a:srgbClr val="000000"/>
+                      </a:solidFill>
+                      <a:prstDash val="solid"/>
+                      <a:round/>
+                      <a:headEnd type="none" w="med" len="med"/>
+                      <a:tailEnd type="none" w="med" len="med"/>
+                    </a:lnT>
+                    <a:lnB w="12700" cap="flat" cmpd="sng" algn="ctr">
+                      <a:solidFill>
+                        <a:srgbClr val="000000"/>
+                      </a:solidFill>
+                      <a:prstDash val="solid"/>
+                      <a:round/>
+                      <a:headEnd type="none" w="med" len="med"/>
+                      <a:tailEnd type="none" w="med" len="med"/>
+                    </a:lnB>
+                  </a:tcPr>
+                </a:tc>
+                <a:tc>
+                  <a:txBody>
+                    <a:bodyPr/>
+                    <a:lstStyle/>
+                    <a:p>
+                      <a:pPr algn="ctr">
+                        <a:lnSpc>
+                          <a:spcPct val="107000"/>
+                        </a:lnSpc>
+                        <a:spcAft>
+                          <a:spcPts val="0"/>
+                        </a:spcAft>
+                      </a:pPr>
+                      <a:r>
+                        <a:rPr lang="es-ES" sz="1600" b="1" dirty="0">
+                          <a:effectLst/>
+                          <a:latin typeface="Century Gothic" panose="020B0502020202020204" pitchFamily="34" charset="0"/>
+                          <a:ea typeface="Calibri" panose="020F0502020204030204" pitchFamily="34" charset="0"/>
+                          <a:cs typeface="Times New Roman" panose="02020603050405020304" pitchFamily="18" charset="0"/>
+                        </a:rPr>
+                        <a:t>EVALUACIÓN</a:t>
+                      </a:r>
+                    </a:p>
+                  </a:txBody>
+                  <a:tcPr marL="68580" marR="68580" marT="0" marB="0">
+                    <a:lnL w="12700" cap="flat" cmpd="sng" algn="ctr">
+                      <a:solidFill>
+                        <a:srgbClr val="000000"/>
+                      </a:solidFill>
+                      <a:prstDash val="solid"/>
+                      <a:round/>
+                      <a:headEnd type="none" w="med" len="med"/>
+                      <a:tailEnd type="none" w="med" len="med"/>
+                    </a:lnL>
+                    <a:lnR w="12700" cap="flat" cmpd="sng" algn="ctr">
+                      <a:solidFill>
+                        <a:srgbClr val="000000"/>
+                      </a:solidFill>
+                      <a:prstDash val="solid"/>
+                      <a:round/>
+                      <a:headEnd type="none" w="med" len="med"/>
+                      <a:tailEnd type="none" w="med" len="med"/>
+                    </a:lnR>
+                    <a:lnT w="12700" cap="flat" cmpd="sng" algn="ctr">
+                      <a:solidFill>
+                        <a:srgbClr val="000000"/>
+                      </a:solidFill>
+                      <a:prstDash val="solid"/>
+                      <a:round/>
+                      <a:headEnd type="none" w="med" len="med"/>
+                      <a:tailEnd type="none" w="med" len="med"/>
+                    </a:lnT>
+                    <a:lnB w="12700" cap="flat" cmpd="sng" algn="ctr">
+                      <a:solidFill>
+                        <a:srgbClr val="000000"/>
+                      </a:solidFill>
+                      <a:prstDash val="solid"/>
+                      <a:round/>
+                      <a:headEnd type="none" w="med" len="med"/>
+                      <a:tailEnd type="none" w="med" len="med"/>
+                    </a:lnB>
+                  </a:tcPr>
+                </a:tc>
+                <a:extLst>
+                  <a:ext uri="{0D108BD9-81ED-4DB2-BD59-A6C34878D82A}">
+                    <a16:rowId xmlns:a16="http://schemas.microsoft.com/office/drawing/2014/main" val="3150751624"/>
+                  </a:ext>
+                </a:extLst>
+              </a:tr>
+              <a:tr h="586238">
+                <a:tc>
+                  <a:txBody>
+                    <a:bodyPr/>
+                    <a:lstStyle/>
+                    <a:p>
+                      <a:pPr algn="just">
+                        <a:lnSpc>
+                          <a:spcPct val="107000"/>
+                        </a:lnSpc>
+                        <a:spcAft>
+                          <a:spcPts val="0"/>
+                        </a:spcAft>
+                      </a:pPr>
+                      <a:r>
+                        <a:rPr lang="es-ES" sz="1600">
+                          <a:effectLst/>
+                          <a:latin typeface="Century Gothic" panose="020B0502020202020204" pitchFamily="34" charset="0"/>
+                          <a:ea typeface="Calibri" panose="020F0502020204030204" pitchFamily="34" charset="0"/>
+                          <a:cs typeface="Times New Roman" panose="02020603050405020304" pitchFamily="18" charset="0"/>
+                        </a:rPr>
+                        <a:t>Criterio 1</a:t>
+                      </a:r>
+                    </a:p>
+                  </a:txBody>
+                  <a:tcPr marL="68580" marR="68580" marT="0" marB="0">
+                    <a:lnL w="12700" cap="flat" cmpd="sng" algn="ctr">
+                      <a:solidFill>
+                        <a:srgbClr val="000000"/>
+                      </a:solidFill>
+                      <a:prstDash val="solid"/>
+                      <a:round/>
+                      <a:headEnd type="none" w="med" len="med"/>
+                      <a:tailEnd type="none" w="med" len="med"/>
+                    </a:lnL>
+                    <a:lnR w="12700" cap="flat" cmpd="sng" algn="ctr">
+                      <a:solidFill>
+                        <a:srgbClr val="000000"/>
+                      </a:solidFill>
+                      <a:prstDash val="solid"/>
+                      <a:round/>
+                      <a:headEnd type="none" w="med" len="med"/>
+                      <a:tailEnd type="none" w="med" len="med"/>
+                    </a:lnR>
+                    <a:lnT w="12700" cap="flat" cmpd="sng" algn="ctr">
+                      <a:solidFill>
+                        <a:srgbClr val="000000"/>
+                      </a:solidFill>
+                      <a:prstDash val="solid"/>
+                      <a:round/>
+                      <a:headEnd type="none" w="med" len="med"/>
+                      <a:tailEnd type="none" w="med" len="med"/>
+                    </a:lnT>
+                    <a:lnB w="12700" cap="flat" cmpd="sng" algn="ctr">
+                      <a:solidFill>
+                        <a:srgbClr val="000000"/>
+                      </a:solidFill>
+                      <a:prstDash val="solid"/>
+                      <a:round/>
+                      <a:headEnd type="none" w="med" len="med"/>
+                      <a:tailEnd type="none" w="med" len="med"/>
+                    </a:lnB>
+                  </a:tcPr>
+                </a:tc>
+                <a:tc>
+                  <a:txBody>
+                    <a:bodyPr/>
+                    <a:lstStyle/>
+                    <a:p>
+                      <a:pPr algn="just">
+                        <a:lnSpc>
+                          <a:spcPct val="107000"/>
+                        </a:lnSpc>
+                        <a:spcAft>
+                          <a:spcPts val="0"/>
+                        </a:spcAft>
+                      </a:pPr>
+                      <a:r>
+                        <a:rPr lang="es-ES" sz="1600">
+                          <a:effectLst/>
+                          <a:latin typeface="Century Gothic" panose="020B0502020202020204" pitchFamily="34" charset="0"/>
+                          <a:ea typeface="Calibri" panose="020F0502020204030204" pitchFamily="34" charset="0"/>
+                          <a:cs typeface="Times New Roman" panose="02020603050405020304" pitchFamily="18" charset="0"/>
+                        </a:rPr>
+                        <a:t>15 horas, un poco complejo, pero hemos realizado los requisitos necesarios.</a:t>
+                      </a:r>
+                    </a:p>
+                  </a:txBody>
+                  <a:tcPr marL="68580" marR="68580" marT="0" marB="0">
+                    <a:lnL w="12700" cap="flat" cmpd="sng" algn="ctr">
+                      <a:solidFill>
+                        <a:srgbClr val="000000"/>
+                      </a:solidFill>
+                      <a:prstDash val="solid"/>
+                      <a:round/>
+                      <a:headEnd type="none" w="med" len="med"/>
+                      <a:tailEnd type="none" w="med" len="med"/>
+                    </a:lnL>
+                    <a:lnR w="12700" cap="flat" cmpd="sng" algn="ctr">
+                      <a:solidFill>
+                        <a:srgbClr val="000000"/>
+                      </a:solidFill>
+                      <a:prstDash val="solid"/>
+                      <a:round/>
+                      <a:headEnd type="none" w="med" len="med"/>
+                      <a:tailEnd type="none" w="med" len="med"/>
+                    </a:lnR>
+                    <a:lnT w="12700" cap="flat" cmpd="sng" algn="ctr">
+                      <a:solidFill>
+                        <a:srgbClr val="000000"/>
+                      </a:solidFill>
+                      <a:prstDash val="solid"/>
+                      <a:round/>
+                      <a:headEnd type="none" w="med" len="med"/>
+                      <a:tailEnd type="none" w="med" len="med"/>
+                    </a:lnT>
+                    <a:lnB w="12700" cap="flat" cmpd="sng" algn="ctr">
+                      <a:solidFill>
+                        <a:srgbClr val="000000"/>
+                      </a:solidFill>
+                      <a:prstDash val="solid"/>
+                      <a:round/>
+                      <a:headEnd type="none" w="med" len="med"/>
+                      <a:tailEnd type="none" w="med" len="med"/>
+                    </a:lnB>
+                  </a:tcPr>
+                </a:tc>
+                <a:extLst>
+                  <a:ext uri="{0D108BD9-81ED-4DB2-BD59-A6C34878D82A}">
+                    <a16:rowId xmlns:a16="http://schemas.microsoft.com/office/drawing/2014/main" val="951465619"/>
+                  </a:ext>
+                </a:extLst>
+              </a:tr>
+              <a:tr h="282083">
+                <a:tc>
+                  <a:txBody>
+                    <a:bodyPr/>
+                    <a:lstStyle/>
+                    <a:p>
+                      <a:pPr algn="just">
+                        <a:lnSpc>
+                          <a:spcPct val="107000"/>
+                        </a:lnSpc>
+                        <a:spcAft>
+                          <a:spcPts val="0"/>
+                        </a:spcAft>
+                      </a:pPr>
+                      <a:r>
+                        <a:rPr lang="es-ES" sz="1600">
+                          <a:effectLst/>
+                          <a:latin typeface="Century Gothic" panose="020B0502020202020204" pitchFamily="34" charset="0"/>
+                          <a:ea typeface="Calibri" panose="020F0502020204030204" pitchFamily="34" charset="0"/>
+                          <a:cs typeface="Times New Roman" panose="02020603050405020304" pitchFamily="18" charset="0"/>
+                        </a:rPr>
+                        <a:t>Criterio 2</a:t>
+                      </a:r>
+                    </a:p>
+                  </a:txBody>
+                  <a:tcPr marL="68580" marR="68580" marT="0" marB="0">
+                    <a:lnL w="12700" cap="flat" cmpd="sng" algn="ctr">
+                      <a:solidFill>
+                        <a:srgbClr val="000000"/>
+                      </a:solidFill>
+                      <a:prstDash val="solid"/>
+                      <a:round/>
+                      <a:headEnd type="none" w="med" len="med"/>
+                      <a:tailEnd type="none" w="med" len="med"/>
+                    </a:lnL>
+                    <a:lnR w="12700" cap="flat" cmpd="sng" algn="ctr">
+                      <a:solidFill>
+                        <a:srgbClr val="000000"/>
+                      </a:solidFill>
+                      <a:prstDash val="solid"/>
+                      <a:round/>
+                      <a:headEnd type="none" w="med" len="med"/>
+                      <a:tailEnd type="none" w="med" len="med"/>
+                    </a:lnR>
+                    <a:lnT w="12700" cap="flat" cmpd="sng" algn="ctr">
+                      <a:solidFill>
+                        <a:srgbClr val="000000"/>
+                      </a:solidFill>
+                      <a:prstDash val="solid"/>
+                      <a:round/>
+                      <a:headEnd type="none" w="med" len="med"/>
+                      <a:tailEnd type="none" w="med" len="med"/>
+                    </a:lnT>
+                    <a:lnB w="12700" cap="flat" cmpd="sng" algn="ctr">
+                      <a:solidFill>
+                        <a:srgbClr val="000000"/>
+                      </a:solidFill>
+                      <a:prstDash val="solid"/>
+                      <a:round/>
+                      <a:headEnd type="none" w="med" len="med"/>
+                      <a:tailEnd type="none" w="med" len="med"/>
+                    </a:lnB>
+                  </a:tcPr>
+                </a:tc>
+                <a:tc>
+                  <a:txBody>
+                    <a:bodyPr/>
+                    <a:lstStyle/>
+                    <a:p>
+                      <a:pPr algn="just">
+                        <a:lnSpc>
+                          <a:spcPct val="107000"/>
+                        </a:lnSpc>
+                        <a:spcAft>
+                          <a:spcPts val="0"/>
+                        </a:spcAft>
+                      </a:pPr>
+                      <a:r>
+                        <a:rPr lang="es-ES" sz="1600" dirty="0">
+                          <a:effectLst/>
+                          <a:latin typeface="Century Gothic" panose="020B0502020202020204" pitchFamily="34" charset="0"/>
+                          <a:ea typeface="Calibri" panose="020F0502020204030204" pitchFamily="34" charset="0"/>
+                          <a:cs typeface="Times New Roman" panose="02020603050405020304" pitchFamily="18" charset="0"/>
+                        </a:rPr>
+                        <a:t>5 horas.</a:t>
+                      </a:r>
+                    </a:p>
+                  </a:txBody>
+                  <a:tcPr marL="68580" marR="68580" marT="0" marB="0">
+                    <a:lnL w="12700" cap="flat" cmpd="sng" algn="ctr">
+                      <a:solidFill>
+                        <a:srgbClr val="000000"/>
+                      </a:solidFill>
+                      <a:prstDash val="solid"/>
+                      <a:round/>
+                      <a:headEnd type="none" w="med" len="med"/>
+                      <a:tailEnd type="none" w="med" len="med"/>
+                    </a:lnL>
+                    <a:lnR w="12700" cap="flat" cmpd="sng" algn="ctr">
+                      <a:solidFill>
+                        <a:srgbClr val="000000"/>
+                      </a:solidFill>
+                      <a:prstDash val="solid"/>
+                      <a:round/>
+                      <a:headEnd type="none" w="med" len="med"/>
+                      <a:tailEnd type="none" w="med" len="med"/>
+                    </a:lnR>
+                    <a:lnT w="12700" cap="flat" cmpd="sng" algn="ctr">
+                      <a:solidFill>
+                        <a:srgbClr val="000000"/>
+                      </a:solidFill>
+                      <a:prstDash val="solid"/>
+                      <a:round/>
+                      <a:headEnd type="none" w="med" len="med"/>
+                      <a:tailEnd type="none" w="med" len="med"/>
+                    </a:lnT>
+                    <a:lnB w="12700" cap="flat" cmpd="sng" algn="ctr">
+                      <a:solidFill>
+                        <a:srgbClr val="000000"/>
+                      </a:solidFill>
+                      <a:prstDash val="solid"/>
+                      <a:round/>
+                      <a:headEnd type="none" w="med" len="med"/>
+                      <a:tailEnd type="none" w="med" len="med"/>
+                    </a:lnB>
+                  </a:tcPr>
+                </a:tc>
+                <a:extLst>
+                  <a:ext uri="{0D108BD9-81ED-4DB2-BD59-A6C34878D82A}">
+                    <a16:rowId xmlns:a16="http://schemas.microsoft.com/office/drawing/2014/main" val="2351721027"/>
+                  </a:ext>
+                </a:extLst>
+              </a:tr>
+              <a:tr h="586238">
+                <a:tc>
+                  <a:txBody>
+                    <a:bodyPr/>
+                    <a:lstStyle/>
+                    <a:p>
+                      <a:pPr algn="just">
+                        <a:lnSpc>
+                          <a:spcPct val="107000"/>
+                        </a:lnSpc>
+                        <a:spcAft>
+                          <a:spcPts val="0"/>
+                        </a:spcAft>
+                      </a:pPr>
+                      <a:r>
+                        <a:rPr lang="es-ES" sz="1600" dirty="0">
+                          <a:effectLst/>
+                          <a:latin typeface="Century Gothic" panose="020B0502020202020204" pitchFamily="34" charset="0"/>
+                          <a:ea typeface="Calibri" panose="020F0502020204030204" pitchFamily="34" charset="0"/>
+                          <a:cs typeface="Times New Roman" panose="02020603050405020304" pitchFamily="18" charset="0"/>
+                        </a:rPr>
+                        <a:t>Criterio 3</a:t>
+                      </a:r>
+                    </a:p>
+                  </a:txBody>
+                  <a:tcPr marL="68580" marR="68580" marT="0" marB="0">
+                    <a:lnL w="12700" cap="flat" cmpd="sng" algn="ctr">
+                      <a:solidFill>
+                        <a:srgbClr val="000000"/>
+                      </a:solidFill>
+                      <a:prstDash val="solid"/>
+                      <a:round/>
+                      <a:headEnd type="none" w="med" len="med"/>
+                      <a:tailEnd type="none" w="med" len="med"/>
+                    </a:lnL>
+                    <a:lnR w="12700" cap="flat" cmpd="sng" algn="ctr">
+                      <a:solidFill>
+                        <a:srgbClr val="000000"/>
+                      </a:solidFill>
+                      <a:prstDash val="solid"/>
+                      <a:round/>
+                      <a:headEnd type="none" w="med" len="med"/>
+                      <a:tailEnd type="none" w="med" len="med"/>
+                    </a:lnR>
+                    <a:lnT w="12700" cap="flat" cmpd="sng" algn="ctr">
+                      <a:solidFill>
+                        <a:srgbClr val="000000"/>
+                      </a:solidFill>
+                      <a:prstDash val="solid"/>
+                      <a:round/>
+                      <a:headEnd type="none" w="med" len="med"/>
+                      <a:tailEnd type="none" w="med" len="med"/>
+                    </a:lnT>
+                    <a:lnB w="12700" cap="flat" cmpd="sng" algn="ctr">
+                      <a:solidFill>
+                        <a:srgbClr val="000000"/>
+                      </a:solidFill>
+                      <a:prstDash val="solid"/>
+                      <a:round/>
+                      <a:headEnd type="none" w="med" len="med"/>
+                      <a:tailEnd type="none" w="med" len="med"/>
+                    </a:lnB>
+                  </a:tcPr>
+                </a:tc>
+                <a:tc>
+                  <a:txBody>
+                    <a:bodyPr/>
+                    <a:lstStyle/>
+                    <a:p>
+                      <a:pPr algn="just">
+                        <a:lnSpc>
+                          <a:spcPct val="107000"/>
+                        </a:lnSpc>
+                        <a:spcAft>
+                          <a:spcPts val="0"/>
+                        </a:spcAft>
+                      </a:pPr>
+                      <a:r>
+                        <a:rPr lang="es-ES" sz="1600">
+                          <a:effectLst/>
+                          <a:latin typeface="Century Gothic" panose="020B0502020202020204" pitchFamily="34" charset="0"/>
+                          <a:ea typeface="Calibri" panose="020F0502020204030204" pitchFamily="34" charset="0"/>
+                          <a:cs typeface="Times New Roman" panose="02020603050405020304" pitchFamily="18" charset="0"/>
+                        </a:rPr>
+                        <a:t>7, solo hemos implementado dos roles, (administrador y empleado)</a:t>
+                      </a:r>
+                    </a:p>
+                  </a:txBody>
+                  <a:tcPr marL="68580" marR="68580" marT="0" marB="0">
+                    <a:lnL w="12700" cap="flat" cmpd="sng" algn="ctr">
+                      <a:solidFill>
+                        <a:srgbClr val="000000"/>
+                      </a:solidFill>
+                      <a:prstDash val="solid"/>
+                      <a:round/>
+                      <a:headEnd type="none" w="med" len="med"/>
+                      <a:tailEnd type="none" w="med" len="med"/>
+                    </a:lnL>
+                    <a:lnR w="12700" cap="flat" cmpd="sng" algn="ctr">
+                      <a:solidFill>
+                        <a:srgbClr val="000000"/>
+                      </a:solidFill>
+                      <a:prstDash val="solid"/>
+                      <a:round/>
+                      <a:headEnd type="none" w="med" len="med"/>
+                      <a:tailEnd type="none" w="med" len="med"/>
+                    </a:lnR>
+                    <a:lnT w="12700" cap="flat" cmpd="sng" algn="ctr">
+                      <a:solidFill>
+                        <a:srgbClr val="000000"/>
+                      </a:solidFill>
+                      <a:prstDash val="solid"/>
+                      <a:round/>
+                      <a:headEnd type="none" w="med" len="med"/>
+                      <a:tailEnd type="none" w="med" len="med"/>
+                    </a:lnT>
+                    <a:lnB w="12700" cap="flat" cmpd="sng" algn="ctr">
+                      <a:solidFill>
+                        <a:srgbClr val="000000"/>
+                      </a:solidFill>
+                      <a:prstDash val="solid"/>
+                      <a:round/>
+                      <a:headEnd type="none" w="med" len="med"/>
+                      <a:tailEnd type="none" w="med" len="med"/>
+                    </a:lnB>
+                  </a:tcPr>
+                </a:tc>
+                <a:extLst>
+                  <a:ext uri="{0D108BD9-81ED-4DB2-BD59-A6C34878D82A}">
+                    <a16:rowId xmlns:a16="http://schemas.microsoft.com/office/drawing/2014/main" val="867421434"/>
+                  </a:ext>
+                </a:extLst>
+              </a:tr>
+              <a:tr h="282083">
+                <a:tc>
+                  <a:txBody>
+                    <a:bodyPr/>
+                    <a:lstStyle/>
+                    <a:p>
+                      <a:pPr algn="just">
+                        <a:lnSpc>
+                          <a:spcPct val="107000"/>
+                        </a:lnSpc>
+                        <a:spcAft>
+                          <a:spcPts val="0"/>
+                        </a:spcAft>
+                      </a:pPr>
+                      <a:r>
+                        <a:rPr lang="es-ES" sz="1600">
+                          <a:effectLst/>
+                          <a:latin typeface="Century Gothic" panose="020B0502020202020204" pitchFamily="34" charset="0"/>
+                          <a:ea typeface="Calibri" panose="020F0502020204030204" pitchFamily="34" charset="0"/>
+                          <a:cs typeface="Times New Roman" panose="02020603050405020304" pitchFamily="18" charset="0"/>
+                        </a:rPr>
+                        <a:t>Criterio 4</a:t>
+                      </a:r>
+                    </a:p>
+                  </a:txBody>
+                  <a:tcPr marL="68580" marR="68580" marT="0" marB="0">
+                    <a:lnL w="12700" cap="flat" cmpd="sng" algn="ctr">
+                      <a:solidFill>
+                        <a:srgbClr val="000000"/>
+                      </a:solidFill>
+                      <a:prstDash val="solid"/>
+                      <a:round/>
+                      <a:headEnd type="none" w="med" len="med"/>
+                      <a:tailEnd type="none" w="med" len="med"/>
+                    </a:lnL>
+                    <a:lnR w="12700" cap="flat" cmpd="sng" algn="ctr">
+                      <a:solidFill>
+                        <a:srgbClr val="000000"/>
+                      </a:solidFill>
+                      <a:prstDash val="solid"/>
+                      <a:round/>
+                      <a:headEnd type="none" w="med" len="med"/>
+                      <a:tailEnd type="none" w="med" len="med"/>
+                    </a:lnR>
+                    <a:lnT w="12700" cap="flat" cmpd="sng" algn="ctr">
+                      <a:solidFill>
+                        <a:srgbClr val="000000"/>
+                      </a:solidFill>
+                      <a:prstDash val="solid"/>
+                      <a:round/>
+                      <a:headEnd type="none" w="med" len="med"/>
+                      <a:tailEnd type="none" w="med" len="med"/>
+                    </a:lnT>
+                    <a:lnB w="12700" cap="flat" cmpd="sng" algn="ctr">
+                      <a:solidFill>
+                        <a:srgbClr val="000000"/>
+                      </a:solidFill>
+                      <a:prstDash val="solid"/>
+                      <a:round/>
+                      <a:headEnd type="none" w="med" len="med"/>
+                      <a:tailEnd type="none" w="med" len="med"/>
+                    </a:lnB>
+                  </a:tcPr>
+                </a:tc>
+                <a:tc>
+                  <a:txBody>
+                    <a:bodyPr/>
+                    <a:lstStyle/>
+                    <a:p>
+                      <a:pPr algn="just">
+                        <a:lnSpc>
+                          <a:spcPct val="107000"/>
+                        </a:lnSpc>
+                        <a:spcAft>
+                          <a:spcPts val="0"/>
+                        </a:spcAft>
+                      </a:pPr>
+                      <a:r>
+                        <a:rPr lang="es-ES" sz="1600">
+                          <a:effectLst/>
+                          <a:latin typeface="Century Gothic" panose="020B0502020202020204" pitchFamily="34" charset="0"/>
+                          <a:ea typeface="Calibri" panose="020F0502020204030204" pitchFamily="34" charset="0"/>
+                          <a:cs typeface="Times New Roman" panose="02020603050405020304" pitchFamily="18" charset="0"/>
+                        </a:rPr>
+                        <a:t>Si</a:t>
+                      </a:r>
+                    </a:p>
+                  </a:txBody>
+                  <a:tcPr marL="68580" marR="68580" marT="0" marB="0">
+                    <a:lnL w="12700" cap="flat" cmpd="sng" algn="ctr">
+                      <a:solidFill>
+                        <a:srgbClr val="000000"/>
+                      </a:solidFill>
+                      <a:prstDash val="solid"/>
+                      <a:round/>
+                      <a:headEnd type="none" w="med" len="med"/>
+                      <a:tailEnd type="none" w="med" len="med"/>
+                    </a:lnL>
+                    <a:lnR w="12700" cap="flat" cmpd="sng" algn="ctr">
+                      <a:solidFill>
+                        <a:srgbClr val="000000"/>
+                      </a:solidFill>
+                      <a:prstDash val="solid"/>
+                      <a:round/>
+                      <a:headEnd type="none" w="med" len="med"/>
+                      <a:tailEnd type="none" w="med" len="med"/>
+                    </a:lnR>
+                    <a:lnT w="12700" cap="flat" cmpd="sng" algn="ctr">
+                      <a:solidFill>
+                        <a:srgbClr val="000000"/>
+                      </a:solidFill>
+                      <a:prstDash val="solid"/>
+                      <a:round/>
+                      <a:headEnd type="none" w="med" len="med"/>
+                      <a:tailEnd type="none" w="med" len="med"/>
+                    </a:lnT>
+                    <a:lnB w="12700" cap="flat" cmpd="sng" algn="ctr">
+                      <a:solidFill>
+                        <a:srgbClr val="000000"/>
+                      </a:solidFill>
+                      <a:prstDash val="solid"/>
+                      <a:round/>
+                      <a:headEnd type="none" w="med" len="med"/>
+                      <a:tailEnd type="none" w="med" len="med"/>
+                    </a:lnB>
+                  </a:tcPr>
+                </a:tc>
+                <a:extLst>
+                  <a:ext uri="{0D108BD9-81ED-4DB2-BD59-A6C34878D82A}">
+                    <a16:rowId xmlns:a16="http://schemas.microsoft.com/office/drawing/2014/main" val="3059981949"/>
+                  </a:ext>
+                </a:extLst>
+              </a:tr>
+              <a:tr h="282083">
+                <a:tc>
+                  <a:txBody>
+                    <a:bodyPr/>
+                    <a:lstStyle/>
+                    <a:p>
+                      <a:pPr algn="just">
+                        <a:lnSpc>
+                          <a:spcPct val="107000"/>
+                        </a:lnSpc>
+                        <a:spcAft>
+                          <a:spcPts val="0"/>
+                        </a:spcAft>
+                      </a:pPr>
+                      <a:r>
+                        <a:rPr lang="es-ES" sz="1600">
+                          <a:effectLst/>
+                          <a:latin typeface="Century Gothic" panose="020B0502020202020204" pitchFamily="34" charset="0"/>
+                          <a:ea typeface="Calibri" panose="020F0502020204030204" pitchFamily="34" charset="0"/>
+                          <a:cs typeface="Times New Roman" panose="02020603050405020304" pitchFamily="18" charset="0"/>
+                        </a:rPr>
+                        <a:t>Criterio 5</a:t>
+                      </a:r>
+                    </a:p>
+                  </a:txBody>
+                  <a:tcPr marL="68580" marR="68580" marT="0" marB="0">
+                    <a:lnL w="12700" cap="flat" cmpd="sng" algn="ctr">
+                      <a:solidFill>
+                        <a:srgbClr val="000000"/>
+                      </a:solidFill>
+                      <a:prstDash val="solid"/>
+                      <a:round/>
+                      <a:headEnd type="none" w="med" len="med"/>
+                      <a:tailEnd type="none" w="med" len="med"/>
+                    </a:lnL>
+                    <a:lnR w="12700" cap="flat" cmpd="sng" algn="ctr">
+                      <a:solidFill>
+                        <a:srgbClr val="000000"/>
+                      </a:solidFill>
+                      <a:prstDash val="solid"/>
+                      <a:round/>
+                      <a:headEnd type="none" w="med" len="med"/>
+                      <a:tailEnd type="none" w="med" len="med"/>
+                    </a:lnR>
+                    <a:lnT w="12700" cap="flat" cmpd="sng" algn="ctr">
+                      <a:solidFill>
+                        <a:srgbClr val="000000"/>
+                      </a:solidFill>
+                      <a:prstDash val="solid"/>
+                      <a:round/>
+                      <a:headEnd type="none" w="med" len="med"/>
+                      <a:tailEnd type="none" w="med" len="med"/>
+                    </a:lnT>
+                    <a:lnB w="12700" cap="flat" cmpd="sng" algn="ctr">
+                      <a:solidFill>
+                        <a:srgbClr val="000000"/>
+                      </a:solidFill>
+                      <a:prstDash val="solid"/>
+                      <a:round/>
+                      <a:headEnd type="none" w="med" len="med"/>
+                      <a:tailEnd type="none" w="med" len="med"/>
+                    </a:lnB>
+                  </a:tcPr>
+                </a:tc>
+                <a:tc>
+                  <a:txBody>
+                    <a:bodyPr/>
+                    <a:lstStyle/>
+                    <a:p>
+                      <a:pPr algn="just">
+                        <a:lnSpc>
+                          <a:spcPct val="107000"/>
+                        </a:lnSpc>
+                        <a:spcAft>
+                          <a:spcPts val="0"/>
+                        </a:spcAft>
+                      </a:pPr>
+                      <a:r>
+                        <a:rPr lang="es-ES" sz="1600">
+                          <a:effectLst/>
+                          <a:latin typeface="Century Gothic" panose="020B0502020202020204" pitchFamily="34" charset="0"/>
+                          <a:ea typeface="Calibri" panose="020F0502020204030204" pitchFamily="34" charset="0"/>
+                          <a:cs typeface="Times New Roman" panose="02020603050405020304" pitchFamily="18" charset="0"/>
+                        </a:rPr>
+                        <a:t>No</a:t>
+                      </a:r>
+                    </a:p>
+                  </a:txBody>
+                  <a:tcPr marL="68580" marR="68580" marT="0" marB="0">
+                    <a:lnL w="12700" cap="flat" cmpd="sng" algn="ctr">
+                      <a:solidFill>
+                        <a:srgbClr val="000000"/>
+                      </a:solidFill>
+                      <a:prstDash val="solid"/>
+                      <a:round/>
+                      <a:headEnd type="none" w="med" len="med"/>
+                      <a:tailEnd type="none" w="med" len="med"/>
+                    </a:lnL>
+                    <a:lnR w="12700" cap="flat" cmpd="sng" algn="ctr">
+                      <a:solidFill>
+                        <a:srgbClr val="000000"/>
+                      </a:solidFill>
+                      <a:prstDash val="solid"/>
+                      <a:round/>
+                      <a:headEnd type="none" w="med" len="med"/>
+                      <a:tailEnd type="none" w="med" len="med"/>
+                    </a:lnR>
+                    <a:lnT w="12700" cap="flat" cmpd="sng" algn="ctr">
+                      <a:solidFill>
+                        <a:srgbClr val="000000"/>
+                      </a:solidFill>
+                      <a:prstDash val="solid"/>
+                      <a:round/>
+                      <a:headEnd type="none" w="med" len="med"/>
+                      <a:tailEnd type="none" w="med" len="med"/>
+                    </a:lnT>
+                    <a:lnB w="12700" cap="flat" cmpd="sng" algn="ctr">
+                      <a:solidFill>
+                        <a:srgbClr val="000000"/>
+                      </a:solidFill>
+                      <a:prstDash val="solid"/>
+                      <a:round/>
+                      <a:headEnd type="none" w="med" len="med"/>
+                      <a:tailEnd type="none" w="med" len="med"/>
+                    </a:lnB>
+                  </a:tcPr>
+                </a:tc>
+                <a:extLst>
+                  <a:ext uri="{0D108BD9-81ED-4DB2-BD59-A6C34878D82A}">
+                    <a16:rowId xmlns:a16="http://schemas.microsoft.com/office/drawing/2014/main" val="1837094557"/>
+                  </a:ext>
+                </a:extLst>
+              </a:tr>
+              <a:tr h="282083">
+                <a:tc>
+                  <a:txBody>
+                    <a:bodyPr/>
+                    <a:lstStyle/>
+                    <a:p>
+                      <a:pPr algn="just">
+                        <a:lnSpc>
+                          <a:spcPct val="107000"/>
+                        </a:lnSpc>
+                        <a:spcAft>
+                          <a:spcPts val="0"/>
+                        </a:spcAft>
+                      </a:pPr>
+                      <a:r>
+                        <a:rPr lang="es-ES" sz="1600">
+                          <a:effectLst/>
+                          <a:latin typeface="Century Gothic" panose="020B0502020202020204" pitchFamily="34" charset="0"/>
+                          <a:ea typeface="Calibri" panose="020F0502020204030204" pitchFamily="34" charset="0"/>
+                          <a:cs typeface="Times New Roman" panose="02020603050405020304" pitchFamily="18" charset="0"/>
+                        </a:rPr>
+                        <a:t>Criterio 6</a:t>
+                      </a:r>
+                    </a:p>
+                  </a:txBody>
+                  <a:tcPr marL="68580" marR="68580" marT="0" marB="0">
+                    <a:lnL w="12700" cap="flat" cmpd="sng" algn="ctr">
+                      <a:solidFill>
+                        <a:srgbClr val="000000"/>
+                      </a:solidFill>
+                      <a:prstDash val="solid"/>
+                      <a:round/>
+                      <a:headEnd type="none" w="med" len="med"/>
+                      <a:tailEnd type="none" w="med" len="med"/>
+                    </a:lnL>
+                    <a:lnR w="12700" cap="flat" cmpd="sng" algn="ctr">
+                      <a:solidFill>
+                        <a:srgbClr val="000000"/>
+                      </a:solidFill>
+                      <a:prstDash val="solid"/>
+                      <a:round/>
+                      <a:headEnd type="none" w="med" len="med"/>
+                      <a:tailEnd type="none" w="med" len="med"/>
+                    </a:lnR>
+                    <a:lnT w="12700" cap="flat" cmpd="sng" algn="ctr">
+                      <a:solidFill>
+                        <a:srgbClr val="000000"/>
+                      </a:solidFill>
+                      <a:prstDash val="solid"/>
+                      <a:round/>
+                      <a:headEnd type="none" w="med" len="med"/>
+                      <a:tailEnd type="none" w="med" len="med"/>
+                    </a:lnT>
+                    <a:lnB w="12700" cap="flat" cmpd="sng" algn="ctr">
+                      <a:solidFill>
+                        <a:srgbClr val="000000"/>
+                      </a:solidFill>
+                      <a:prstDash val="solid"/>
+                      <a:round/>
+                      <a:headEnd type="none" w="med" len="med"/>
+                      <a:tailEnd type="none" w="med" len="med"/>
+                    </a:lnB>
+                  </a:tcPr>
+                </a:tc>
+                <a:tc>
+                  <a:txBody>
+                    <a:bodyPr/>
+                    <a:lstStyle/>
+                    <a:p>
+                      <a:pPr algn="just">
+                        <a:lnSpc>
+                          <a:spcPct val="107000"/>
+                        </a:lnSpc>
+                        <a:spcAft>
+                          <a:spcPts val="0"/>
+                        </a:spcAft>
+                      </a:pPr>
+                      <a:r>
+                        <a:rPr lang="es-ES" sz="1600">
+                          <a:effectLst/>
+                          <a:latin typeface="Century Gothic" panose="020B0502020202020204" pitchFamily="34" charset="0"/>
+                          <a:ea typeface="Calibri" panose="020F0502020204030204" pitchFamily="34" charset="0"/>
+                          <a:cs typeface="Times New Roman" panose="02020603050405020304" pitchFamily="18" charset="0"/>
+                        </a:rPr>
+                        <a:t>4 horas (no finalizados).</a:t>
+                      </a:r>
+                    </a:p>
+                  </a:txBody>
+                  <a:tcPr marL="68580" marR="68580" marT="0" marB="0">
+                    <a:lnL w="12700" cap="flat" cmpd="sng" algn="ctr">
+                      <a:solidFill>
+                        <a:srgbClr val="000000"/>
+                      </a:solidFill>
+                      <a:prstDash val="solid"/>
+                      <a:round/>
+                      <a:headEnd type="none" w="med" len="med"/>
+                      <a:tailEnd type="none" w="med" len="med"/>
+                    </a:lnL>
+                    <a:lnR w="12700" cap="flat" cmpd="sng" algn="ctr">
+                      <a:solidFill>
+                        <a:srgbClr val="000000"/>
+                      </a:solidFill>
+                      <a:prstDash val="solid"/>
+                      <a:round/>
+                      <a:headEnd type="none" w="med" len="med"/>
+                      <a:tailEnd type="none" w="med" len="med"/>
+                    </a:lnR>
+                    <a:lnT w="12700" cap="flat" cmpd="sng" algn="ctr">
+                      <a:solidFill>
+                        <a:srgbClr val="000000"/>
+                      </a:solidFill>
+                      <a:prstDash val="solid"/>
+                      <a:round/>
+                      <a:headEnd type="none" w="med" len="med"/>
+                      <a:tailEnd type="none" w="med" len="med"/>
+                    </a:lnT>
+                    <a:lnB w="12700" cap="flat" cmpd="sng" algn="ctr">
+                      <a:solidFill>
+                        <a:srgbClr val="000000"/>
+                      </a:solidFill>
+                      <a:prstDash val="solid"/>
+                      <a:round/>
+                      <a:headEnd type="none" w="med" len="med"/>
+                      <a:tailEnd type="none" w="med" len="med"/>
+                    </a:lnB>
+                  </a:tcPr>
+                </a:tc>
+                <a:extLst>
+                  <a:ext uri="{0D108BD9-81ED-4DB2-BD59-A6C34878D82A}">
+                    <a16:rowId xmlns:a16="http://schemas.microsoft.com/office/drawing/2014/main" val="3538999327"/>
+                  </a:ext>
+                </a:extLst>
+              </a:tr>
+              <a:tr h="282083">
+                <a:tc>
+                  <a:txBody>
+                    <a:bodyPr/>
+                    <a:lstStyle/>
+                    <a:p>
+                      <a:pPr algn="just">
+                        <a:lnSpc>
+                          <a:spcPct val="107000"/>
+                        </a:lnSpc>
+                        <a:spcAft>
+                          <a:spcPts val="0"/>
+                        </a:spcAft>
+                      </a:pPr>
+                      <a:r>
+                        <a:rPr lang="es-ES" sz="1600">
+                          <a:effectLst/>
+                          <a:latin typeface="Century Gothic" panose="020B0502020202020204" pitchFamily="34" charset="0"/>
+                          <a:ea typeface="Calibri" panose="020F0502020204030204" pitchFamily="34" charset="0"/>
+                          <a:cs typeface="Times New Roman" panose="02020603050405020304" pitchFamily="18" charset="0"/>
+                        </a:rPr>
+                        <a:t>Criterio 7</a:t>
+                      </a:r>
+                    </a:p>
+                  </a:txBody>
+                  <a:tcPr marL="68580" marR="68580" marT="0" marB="0">
+                    <a:lnL w="12700" cap="flat" cmpd="sng" algn="ctr">
+                      <a:solidFill>
+                        <a:srgbClr val="000000"/>
+                      </a:solidFill>
+                      <a:prstDash val="solid"/>
+                      <a:round/>
+                      <a:headEnd type="none" w="med" len="med"/>
+                      <a:tailEnd type="none" w="med" len="med"/>
+                    </a:lnL>
+                    <a:lnR w="12700" cap="flat" cmpd="sng" algn="ctr">
+                      <a:solidFill>
+                        <a:srgbClr val="000000"/>
+                      </a:solidFill>
+                      <a:prstDash val="solid"/>
+                      <a:round/>
+                      <a:headEnd type="none" w="med" len="med"/>
+                      <a:tailEnd type="none" w="med" len="med"/>
+                    </a:lnR>
+                    <a:lnT w="12700" cap="flat" cmpd="sng" algn="ctr">
+                      <a:solidFill>
+                        <a:srgbClr val="000000"/>
+                      </a:solidFill>
+                      <a:prstDash val="solid"/>
+                      <a:round/>
+                      <a:headEnd type="none" w="med" len="med"/>
+                      <a:tailEnd type="none" w="med" len="med"/>
+                    </a:lnT>
+                    <a:lnB w="12700" cap="flat" cmpd="sng" algn="ctr">
+                      <a:solidFill>
+                        <a:srgbClr val="000000"/>
+                      </a:solidFill>
+                      <a:prstDash val="solid"/>
+                      <a:round/>
+                      <a:headEnd type="none" w="med" len="med"/>
+                      <a:tailEnd type="none" w="med" len="med"/>
+                    </a:lnB>
+                  </a:tcPr>
+                </a:tc>
+                <a:tc>
+                  <a:txBody>
+                    <a:bodyPr/>
+                    <a:lstStyle/>
+                    <a:p>
+                      <a:pPr algn="just">
+                        <a:lnSpc>
+                          <a:spcPct val="107000"/>
+                        </a:lnSpc>
+                        <a:spcAft>
+                          <a:spcPts val="0"/>
+                        </a:spcAft>
+                      </a:pPr>
+                      <a:r>
+                        <a:rPr lang="es-ES" sz="1600">
+                          <a:effectLst/>
+                          <a:latin typeface="Century Gothic" panose="020B0502020202020204" pitchFamily="34" charset="0"/>
+                          <a:ea typeface="Calibri" panose="020F0502020204030204" pitchFamily="34" charset="0"/>
+                          <a:cs typeface="Times New Roman" panose="02020603050405020304" pitchFamily="18" charset="0"/>
+                        </a:rPr>
+                        <a:t>60</a:t>
+                      </a:r>
+                    </a:p>
+                  </a:txBody>
+                  <a:tcPr marL="68580" marR="68580" marT="0" marB="0">
+                    <a:lnL w="12700" cap="flat" cmpd="sng" algn="ctr">
+                      <a:solidFill>
+                        <a:srgbClr val="000000"/>
+                      </a:solidFill>
+                      <a:prstDash val="solid"/>
+                      <a:round/>
+                      <a:headEnd type="none" w="med" len="med"/>
+                      <a:tailEnd type="none" w="med" len="med"/>
+                    </a:lnL>
+                    <a:lnR w="12700" cap="flat" cmpd="sng" algn="ctr">
+                      <a:solidFill>
+                        <a:srgbClr val="000000"/>
+                      </a:solidFill>
+                      <a:prstDash val="solid"/>
+                      <a:round/>
+                      <a:headEnd type="none" w="med" len="med"/>
+                      <a:tailEnd type="none" w="med" len="med"/>
+                    </a:lnR>
+                    <a:lnT w="12700" cap="flat" cmpd="sng" algn="ctr">
+                      <a:solidFill>
+                        <a:srgbClr val="000000"/>
+                      </a:solidFill>
+                      <a:prstDash val="solid"/>
+                      <a:round/>
+                      <a:headEnd type="none" w="med" len="med"/>
+                      <a:tailEnd type="none" w="med" len="med"/>
+                    </a:lnT>
+                    <a:lnB w="12700" cap="flat" cmpd="sng" algn="ctr">
+                      <a:solidFill>
+                        <a:srgbClr val="000000"/>
+                      </a:solidFill>
+                      <a:prstDash val="solid"/>
+                      <a:round/>
+                      <a:headEnd type="none" w="med" len="med"/>
+                      <a:tailEnd type="none" w="med" len="med"/>
+                    </a:lnB>
+                  </a:tcPr>
+                </a:tc>
+                <a:extLst>
+                  <a:ext uri="{0D108BD9-81ED-4DB2-BD59-A6C34878D82A}">
+                    <a16:rowId xmlns:a16="http://schemas.microsoft.com/office/drawing/2014/main" val="3277169600"/>
+                  </a:ext>
+                </a:extLst>
+              </a:tr>
+              <a:tr h="586238">
+                <a:tc>
+                  <a:txBody>
+                    <a:bodyPr/>
+                    <a:lstStyle/>
+                    <a:p>
+                      <a:pPr algn="just">
+                        <a:lnSpc>
+                          <a:spcPct val="107000"/>
+                        </a:lnSpc>
+                        <a:spcAft>
+                          <a:spcPts val="0"/>
+                        </a:spcAft>
+                      </a:pPr>
+                      <a:r>
+                        <a:rPr lang="es-ES" sz="1600">
+                          <a:effectLst/>
+                          <a:latin typeface="Century Gothic" panose="020B0502020202020204" pitchFamily="34" charset="0"/>
+                          <a:ea typeface="Calibri" panose="020F0502020204030204" pitchFamily="34" charset="0"/>
+                          <a:cs typeface="Times New Roman" panose="02020603050405020304" pitchFamily="18" charset="0"/>
+                        </a:rPr>
+                        <a:t>Criterio 8</a:t>
+                      </a:r>
+                    </a:p>
+                  </a:txBody>
+                  <a:tcPr marL="68580" marR="68580" marT="0" marB="0">
+                    <a:lnL w="12700" cap="flat" cmpd="sng" algn="ctr">
+                      <a:solidFill>
+                        <a:srgbClr val="000000"/>
+                      </a:solidFill>
+                      <a:prstDash val="solid"/>
+                      <a:round/>
+                      <a:headEnd type="none" w="med" len="med"/>
+                      <a:tailEnd type="none" w="med" len="med"/>
+                    </a:lnL>
+                    <a:lnR w="12700" cap="flat" cmpd="sng" algn="ctr">
+                      <a:solidFill>
+                        <a:srgbClr val="000000"/>
+                      </a:solidFill>
+                      <a:prstDash val="solid"/>
+                      <a:round/>
+                      <a:headEnd type="none" w="med" len="med"/>
+                      <a:tailEnd type="none" w="med" len="med"/>
+                    </a:lnR>
+                    <a:lnT w="12700" cap="flat" cmpd="sng" algn="ctr">
+                      <a:solidFill>
+                        <a:srgbClr val="000000"/>
+                      </a:solidFill>
+                      <a:prstDash val="solid"/>
+                      <a:round/>
+                      <a:headEnd type="none" w="med" len="med"/>
+                      <a:tailEnd type="none" w="med" len="med"/>
+                    </a:lnT>
+                    <a:lnB w="12700" cap="flat" cmpd="sng" algn="ctr">
+                      <a:solidFill>
+                        <a:srgbClr val="000000"/>
+                      </a:solidFill>
+                      <a:prstDash val="solid"/>
+                      <a:round/>
+                      <a:headEnd type="none" w="med" len="med"/>
+                      <a:tailEnd type="none" w="med" len="med"/>
+                    </a:lnB>
+                  </a:tcPr>
+                </a:tc>
+                <a:tc>
+                  <a:txBody>
+                    <a:bodyPr/>
+                    <a:lstStyle/>
+                    <a:p>
+                      <a:pPr algn="just">
+                        <a:lnSpc>
+                          <a:spcPct val="107000"/>
+                        </a:lnSpc>
+                        <a:spcAft>
+                          <a:spcPts val="0"/>
+                        </a:spcAft>
+                      </a:pPr>
+                      <a:r>
+                        <a:rPr lang="es-ES" sz="1600">
+                          <a:effectLst/>
+                          <a:latin typeface="Century Gothic" panose="020B0502020202020204" pitchFamily="34" charset="0"/>
+                          <a:ea typeface="Calibri" panose="020F0502020204030204" pitchFamily="34" charset="0"/>
+                          <a:cs typeface="Times New Roman" panose="02020603050405020304" pitchFamily="18" charset="0"/>
+                        </a:rPr>
+                        <a:t>Un pc, internet, un navegador, composer, documentación y un editor de código</a:t>
+                      </a:r>
+                    </a:p>
+                  </a:txBody>
+                  <a:tcPr marL="68580" marR="68580" marT="0" marB="0">
+                    <a:lnL w="12700" cap="flat" cmpd="sng" algn="ctr">
+                      <a:solidFill>
+                        <a:srgbClr val="000000"/>
+                      </a:solidFill>
+                      <a:prstDash val="solid"/>
+                      <a:round/>
+                      <a:headEnd type="none" w="med" len="med"/>
+                      <a:tailEnd type="none" w="med" len="med"/>
+                    </a:lnL>
+                    <a:lnR w="12700" cap="flat" cmpd="sng" algn="ctr">
+                      <a:solidFill>
+                        <a:srgbClr val="000000"/>
+                      </a:solidFill>
+                      <a:prstDash val="solid"/>
+                      <a:round/>
+                      <a:headEnd type="none" w="med" len="med"/>
+                      <a:tailEnd type="none" w="med" len="med"/>
+                    </a:lnR>
+                    <a:lnT w="12700" cap="flat" cmpd="sng" algn="ctr">
+                      <a:solidFill>
+                        <a:srgbClr val="000000"/>
+                      </a:solidFill>
+                      <a:prstDash val="solid"/>
+                      <a:round/>
+                      <a:headEnd type="none" w="med" len="med"/>
+                      <a:tailEnd type="none" w="med" len="med"/>
+                    </a:lnT>
+                    <a:lnB w="12700" cap="flat" cmpd="sng" algn="ctr">
+                      <a:solidFill>
+                        <a:srgbClr val="000000"/>
+                      </a:solidFill>
+                      <a:prstDash val="solid"/>
+                      <a:round/>
+                      <a:headEnd type="none" w="med" len="med"/>
+                      <a:tailEnd type="none" w="med" len="med"/>
+                    </a:lnB>
+                  </a:tcPr>
+                </a:tc>
+                <a:extLst>
+                  <a:ext uri="{0D108BD9-81ED-4DB2-BD59-A6C34878D82A}">
+                    <a16:rowId xmlns:a16="http://schemas.microsoft.com/office/drawing/2014/main" val="3894498318"/>
+                  </a:ext>
+                </a:extLst>
+              </a:tr>
+              <a:tr h="282083">
+                <a:tc>
+                  <a:txBody>
+                    <a:bodyPr/>
+                    <a:lstStyle/>
+                    <a:p>
+                      <a:pPr algn="just">
+                        <a:lnSpc>
+                          <a:spcPct val="107000"/>
+                        </a:lnSpc>
+                        <a:spcAft>
+                          <a:spcPts val="0"/>
+                        </a:spcAft>
+                      </a:pPr>
+                      <a:r>
+                        <a:rPr lang="es-ES" sz="1600">
+                          <a:effectLst/>
+                          <a:latin typeface="Century Gothic" panose="020B0502020202020204" pitchFamily="34" charset="0"/>
+                          <a:ea typeface="Calibri" panose="020F0502020204030204" pitchFamily="34" charset="0"/>
+                          <a:cs typeface="Times New Roman" panose="02020603050405020304" pitchFamily="18" charset="0"/>
+                        </a:rPr>
+                        <a:t>Criterio 9</a:t>
+                      </a:r>
+                    </a:p>
+                  </a:txBody>
+                  <a:tcPr marL="68580" marR="68580" marT="0" marB="0">
+                    <a:lnL w="12700" cap="flat" cmpd="sng" algn="ctr">
+                      <a:solidFill>
+                        <a:srgbClr val="000000"/>
+                      </a:solidFill>
+                      <a:prstDash val="solid"/>
+                      <a:round/>
+                      <a:headEnd type="none" w="med" len="med"/>
+                      <a:tailEnd type="none" w="med" len="med"/>
+                    </a:lnL>
+                    <a:lnR w="12700" cap="flat" cmpd="sng" algn="ctr">
+                      <a:solidFill>
+                        <a:srgbClr val="000000"/>
+                      </a:solidFill>
+                      <a:prstDash val="solid"/>
+                      <a:round/>
+                      <a:headEnd type="none" w="med" len="med"/>
+                      <a:tailEnd type="none" w="med" len="med"/>
+                    </a:lnR>
+                    <a:lnT w="12700" cap="flat" cmpd="sng" algn="ctr">
+                      <a:solidFill>
+                        <a:srgbClr val="000000"/>
+                      </a:solidFill>
+                      <a:prstDash val="solid"/>
+                      <a:round/>
+                      <a:headEnd type="none" w="med" len="med"/>
+                      <a:tailEnd type="none" w="med" len="med"/>
+                    </a:lnT>
+                    <a:lnB w="12700" cap="flat" cmpd="sng" algn="ctr">
+                      <a:solidFill>
+                        <a:srgbClr val="000000"/>
+                      </a:solidFill>
+                      <a:prstDash val="solid"/>
+                      <a:round/>
+                      <a:headEnd type="none" w="med" len="med"/>
+                      <a:tailEnd type="none" w="med" len="med"/>
+                    </a:lnB>
+                  </a:tcPr>
+                </a:tc>
+                <a:tc>
+                  <a:txBody>
+                    <a:bodyPr/>
+                    <a:lstStyle/>
+                    <a:p>
+                      <a:pPr algn="just">
+                        <a:lnSpc>
+                          <a:spcPct val="107000"/>
+                        </a:lnSpc>
+                        <a:spcAft>
+                          <a:spcPts val="0"/>
+                        </a:spcAft>
+                      </a:pPr>
+                      <a:r>
+                        <a:rPr lang="es-ES" sz="1600" dirty="0">
+                          <a:effectLst/>
+                          <a:latin typeface="Century Gothic" panose="020B0502020202020204" pitchFamily="34" charset="0"/>
+                          <a:ea typeface="Calibri" panose="020F0502020204030204" pitchFamily="34" charset="0"/>
+                          <a:cs typeface="Times New Roman" panose="02020603050405020304" pitchFamily="18" charset="0"/>
+                        </a:rPr>
+                        <a:t>7</a:t>
+                      </a:r>
+                    </a:p>
+                  </a:txBody>
+                  <a:tcPr marL="68580" marR="68580" marT="0" marB="0">
+                    <a:lnL w="12700" cap="flat" cmpd="sng" algn="ctr">
+                      <a:solidFill>
+                        <a:srgbClr val="000000"/>
+                      </a:solidFill>
+                      <a:prstDash val="solid"/>
+                      <a:round/>
+                      <a:headEnd type="none" w="med" len="med"/>
+                      <a:tailEnd type="none" w="med" len="med"/>
+                    </a:lnL>
+                    <a:lnR w="12700" cap="flat" cmpd="sng" algn="ctr">
+                      <a:solidFill>
+                        <a:srgbClr val="000000"/>
+                      </a:solidFill>
+                      <a:prstDash val="solid"/>
+                      <a:round/>
+                      <a:headEnd type="none" w="med" len="med"/>
+                      <a:tailEnd type="none" w="med" len="med"/>
+                    </a:lnR>
+                    <a:lnT w="12700" cap="flat" cmpd="sng" algn="ctr">
+                      <a:solidFill>
+                        <a:srgbClr val="000000"/>
+                      </a:solidFill>
+                      <a:prstDash val="solid"/>
+                      <a:round/>
+                      <a:headEnd type="none" w="med" len="med"/>
+                      <a:tailEnd type="none" w="med" len="med"/>
+                    </a:lnT>
+                    <a:lnB w="12700" cap="flat" cmpd="sng" algn="ctr">
+                      <a:solidFill>
+                        <a:srgbClr val="000000"/>
+                      </a:solidFill>
+                      <a:prstDash val="solid"/>
+                      <a:round/>
+                      <a:headEnd type="none" w="med" len="med"/>
+                      <a:tailEnd type="none" w="med" len="med"/>
+                    </a:lnB>
+                  </a:tcPr>
+                </a:tc>
+                <a:extLst>
+                  <a:ext uri="{0D108BD9-81ED-4DB2-BD59-A6C34878D82A}">
+                    <a16:rowId xmlns:a16="http://schemas.microsoft.com/office/drawing/2014/main" val="435280175"/>
+                  </a:ext>
+                </a:extLst>
+              </a:tr>
+            </a:tbl>
+          </a:graphicData>
+        </a:graphic>
+      </p:graphicFrame>
+      <p:pic>
+        <p:nvPicPr>
+          <p:cNvPr id="4" name="Imagen 3">
+            <a:extLst>
+              <a:ext uri="{FF2B5EF4-FFF2-40B4-BE49-F238E27FC236}">
+                <a16:creationId xmlns:a16="http://schemas.microsoft.com/office/drawing/2014/main" id="{21E86AF2-547A-4980-84B4-ADDAA6BABF23}"/>
+              </a:ext>
+            </a:extLst>
+          </p:cNvPr>
+          <p:cNvPicPr>
+            <a:picLocks noChangeAspect="1"/>
+          </p:cNvPicPr>
+          <p:nvPr/>
+        </p:nvPicPr>
+        <p:blipFill>
+          <a:blip r:embed="rId2"/>
+          <a:stretch>
+            <a:fillRect/>
+          </a:stretch>
+        </p:blipFill>
+        <p:spPr>
+          <a:xfrm>
+            <a:off x="5355478" y="1010525"/>
+            <a:ext cx="1481044" cy="1485900"/>
+          </a:xfrm>
+          <a:prstGeom prst="rect">
+            <a:avLst/>
+          </a:prstGeom>
+        </p:spPr>
+      </p:pic>
     </p:spTree>
     <p:extLst>
       <p:ext uri="{BB962C8B-B14F-4D97-AF65-F5344CB8AC3E}">
@@ -5666,10 +8510,2808 @@
           </a:p>
         </p:txBody>
       </p:sp>
+      <p:graphicFrame>
+        <p:nvGraphicFramePr>
+          <p:cNvPr id="3" name="Tabla 2">
+            <a:extLst>
+              <a:ext uri="{FF2B5EF4-FFF2-40B4-BE49-F238E27FC236}">
+                <a16:creationId xmlns:a16="http://schemas.microsoft.com/office/drawing/2014/main" id="{90AF0836-7534-40EA-8689-5496CAA3160B}"/>
+              </a:ext>
+            </a:extLst>
+          </p:cNvPr>
+          <p:cNvGraphicFramePr>
+            <a:graphicFrameLocks noGrp="1"/>
+          </p:cNvGraphicFramePr>
+          <p:nvPr>
+            <p:extLst>
+              <p:ext uri="{D42A27DB-BD31-4B8C-83A1-F6EECF244321}">
+                <p14:modId xmlns:p14="http://schemas.microsoft.com/office/powerpoint/2010/main" val="1051067443"/>
+              </p:ext>
+            </p:extLst>
+          </p:nvPr>
+        </p:nvGraphicFramePr>
+        <p:xfrm>
+          <a:off x="1835754" y="1831032"/>
+          <a:ext cx="9503469" cy="4305366"/>
+        </p:xfrm>
+        <a:graphic>
+          <a:graphicData uri="http://schemas.openxmlformats.org/drawingml/2006/table">
+            <a:tbl>
+              <a:tblPr firstRow="1" firstCol="1" bandRow="1"/>
+              <a:tblGrid>
+                <a:gridCol w="1248205">
+                  <a:extLst>
+                    <a:ext uri="{9D8B030D-6E8A-4147-A177-3AD203B41FA5}">
+                      <a16:colId xmlns:a16="http://schemas.microsoft.com/office/drawing/2014/main" val="2961097060"/>
+                    </a:ext>
+                  </a:extLst>
+                </a:gridCol>
+                <a:gridCol w="2213899">
+                  <a:extLst>
+                    <a:ext uri="{9D8B030D-6E8A-4147-A177-3AD203B41FA5}">
+                      <a16:colId xmlns:a16="http://schemas.microsoft.com/office/drawing/2014/main" val="2196392461"/>
+                    </a:ext>
+                  </a:extLst>
+                </a:gridCol>
+                <a:gridCol w="2118145">
+                  <a:extLst>
+                    <a:ext uri="{9D8B030D-6E8A-4147-A177-3AD203B41FA5}">
+                      <a16:colId xmlns:a16="http://schemas.microsoft.com/office/drawing/2014/main" val="3411475817"/>
+                    </a:ext>
+                  </a:extLst>
+                </a:gridCol>
+                <a:gridCol w="3923220">
+                  <a:extLst>
+                    <a:ext uri="{9D8B030D-6E8A-4147-A177-3AD203B41FA5}">
+                      <a16:colId xmlns:a16="http://schemas.microsoft.com/office/drawing/2014/main" val="3553067338"/>
+                    </a:ext>
+                  </a:extLst>
+                </a:gridCol>
+              </a:tblGrid>
+              <a:tr h="901777">
+                <a:tc>
+                  <a:txBody>
+                    <a:bodyPr/>
+                    <a:lstStyle/>
+                    <a:p>
+                      <a:pPr algn="ctr">
+                        <a:lnSpc>
+                          <a:spcPct val="107000"/>
+                        </a:lnSpc>
+                        <a:spcAft>
+                          <a:spcPts val="0"/>
+                        </a:spcAft>
+                      </a:pPr>
+                      <a:endParaRPr lang="es-ES" sz="1100" b="1" dirty="0">
+                        <a:effectLst/>
+                        <a:latin typeface="Century Gothic" panose="020B0502020202020204" pitchFamily="34" charset="0"/>
+                        <a:ea typeface="Calibri" panose="020F0502020204030204" pitchFamily="34" charset="0"/>
+                        <a:cs typeface="Times New Roman" panose="02020603050405020304" pitchFamily="18" charset="0"/>
+                      </a:endParaRPr>
+                    </a:p>
+                    <a:p>
+                      <a:pPr algn="ctr">
+                        <a:lnSpc>
+                          <a:spcPct val="107000"/>
+                        </a:lnSpc>
+                        <a:spcAft>
+                          <a:spcPts val="0"/>
+                        </a:spcAft>
+                      </a:pPr>
+                      <a:endParaRPr lang="es-ES" sz="1100" b="1" dirty="0">
+                        <a:effectLst/>
+                        <a:latin typeface="Century Gothic" panose="020B0502020202020204" pitchFamily="34" charset="0"/>
+                        <a:ea typeface="Calibri" panose="020F0502020204030204" pitchFamily="34" charset="0"/>
+                        <a:cs typeface="Times New Roman" panose="02020603050405020304" pitchFamily="18" charset="0"/>
+                      </a:endParaRPr>
+                    </a:p>
+                    <a:p>
+                      <a:pPr algn="ctr">
+                        <a:lnSpc>
+                          <a:spcPct val="107000"/>
+                        </a:lnSpc>
+                        <a:spcAft>
+                          <a:spcPts val="0"/>
+                        </a:spcAft>
+                      </a:pPr>
+                      <a:r>
+                        <a:rPr lang="es-ES" sz="1600" b="1" dirty="0">
+                          <a:effectLst/>
+                          <a:latin typeface="Century Gothic" panose="020B0502020202020204" pitchFamily="34" charset="0"/>
+                          <a:ea typeface="Calibri" panose="020F0502020204030204" pitchFamily="34" charset="0"/>
+                          <a:cs typeface="Times New Roman" panose="02020603050405020304" pitchFamily="18" charset="0"/>
+                        </a:rPr>
+                        <a:t>CRITERIOS</a:t>
+                      </a:r>
+                      <a:endParaRPr lang="es-ES" sz="1600" dirty="0">
+                        <a:effectLst/>
+                        <a:latin typeface="Century Gothic" panose="020B0502020202020204" pitchFamily="34" charset="0"/>
+                        <a:ea typeface="Calibri" panose="020F0502020204030204" pitchFamily="34" charset="0"/>
+                        <a:cs typeface="Times New Roman" panose="02020603050405020304" pitchFamily="18" charset="0"/>
+                      </a:endParaRPr>
+                    </a:p>
+                  </a:txBody>
+                  <a:tcPr marL="68580" marR="68580" marT="0" marB="0">
+                    <a:lnL w="12700" cap="flat" cmpd="sng" algn="ctr">
+                      <a:solidFill>
+                        <a:srgbClr val="000000"/>
+                      </a:solidFill>
+                      <a:prstDash val="solid"/>
+                      <a:round/>
+                      <a:headEnd type="none" w="med" len="med"/>
+                      <a:tailEnd type="none" w="med" len="med"/>
+                    </a:lnL>
+                    <a:lnR w="12700" cap="flat" cmpd="sng" algn="ctr">
+                      <a:solidFill>
+                        <a:srgbClr val="000000"/>
+                      </a:solidFill>
+                      <a:prstDash val="solid"/>
+                      <a:round/>
+                      <a:headEnd type="none" w="med" len="med"/>
+                      <a:tailEnd type="none" w="med" len="med"/>
+                    </a:lnR>
+                    <a:lnT w="12700" cap="flat" cmpd="sng" algn="ctr">
+                      <a:solidFill>
+                        <a:srgbClr val="000000"/>
+                      </a:solidFill>
+                      <a:prstDash val="solid"/>
+                      <a:round/>
+                      <a:headEnd type="none" w="med" len="med"/>
+                      <a:tailEnd type="none" w="med" len="med"/>
+                    </a:lnT>
+                    <a:lnB w="12700" cap="flat" cmpd="sng" algn="ctr">
+                      <a:solidFill>
+                        <a:srgbClr val="000000"/>
+                      </a:solidFill>
+                      <a:prstDash val="solid"/>
+                      <a:round/>
+                      <a:headEnd type="none" w="med" len="med"/>
+                      <a:tailEnd type="none" w="med" len="med"/>
+                    </a:lnB>
+                  </a:tcPr>
+                </a:tc>
+                <a:tc>
+                  <a:txBody>
+                    <a:bodyPr/>
+                    <a:lstStyle/>
+                    <a:p>
+                      <a:pPr algn="ctr">
+                        <a:lnSpc>
+                          <a:spcPct val="107000"/>
+                        </a:lnSpc>
+                        <a:spcAft>
+                          <a:spcPts val="0"/>
+                        </a:spcAft>
+                      </a:pPr>
+                      <a:endParaRPr lang="es-ES" sz="1100" dirty="0">
+                        <a:effectLst/>
+                        <a:latin typeface="Century Gothic" panose="020B0502020202020204" pitchFamily="34" charset="0"/>
+                        <a:ea typeface="Calibri" panose="020F0502020204030204" pitchFamily="34" charset="0"/>
+                        <a:cs typeface="Times New Roman" panose="02020603050405020304" pitchFamily="18" charset="0"/>
+                      </a:endParaRPr>
+                    </a:p>
+                  </a:txBody>
+                  <a:tcPr marL="68580" marR="68580" marT="0" marB="0">
+                    <a:lnL w="12700" cap="flat" cmpd="sng" algn="ctr">
+                      <a:solidFill>
+                        <a:srgbClr val="000000"/>
+                      </a:solidFill>
+                      <a:prstDash val="solid"/>
+                      <a:round/>
+                      <a:headEnd type="none" w="med" len="med"/>
+                      <a:tailEnd type="none" w="med" len="med"/>
+                    </a:lnL>
+                    <a:lnR w="12700" cap="flat" cmpd="sng" algn="ctr">
+                      <a:solidFill>
+                        <a:srgbClr val="000000"/>
+                      </a:solidFill>
+                      <a:prstDash val="solid"/>
+                      <a:round/>
+                      <a:headEnd type="none" w="med" len="med"/>
+                      <a:tailEnd type="none" w="med" len="med"/>
+                    </a:lnR>
+                    <a:lnT w="12700" cap="flat" cmpd="sng" algn="ctr">
+                      <a:solidFill>
+                        <a:srgbClr val="000000"/>
+                      </a:solidFill>
+                      <a:prstDash val="solid"/>
+                      <a:round/>
+                      <a:headEnd type="none" w="med" len="med"/>
+                      <a:tailEnd type="none" w="med" len="med"/>
+                    </a:lnT>
+                    <a:lnB w="12700" cap="flat" cmpd="sng" algn="ctr">
+                      <a:solidFill>
+                        <a:srgbClr val="000000"/>
+                      </a:solidFill>
+                      <a:prstDash val="solid"/>
+                      <a:round/>
+                      <a:headEnd type="none" w="med" len="med"/>
+                      <a:tailEnd type="none" w="med" len="med"/>
+                    </a:lnB>
+                  </a:tcPr>
+                </a:tc>
+                <a:tc>
+                  <a:txBody>
+                    <a:bodyPr/>
+                    <a:lstStyle/>
+                    <a:p>
+                      <a:pPr algn="ctr">
+                        <a:lnSpc>
+                          <a:spcPct val="107000"/>
+                        </a:lnSpc>
+                        <a:spcAft>
+                          <a:spcPts val="0"/>
+                        </a:spcAft>
+                      </a:pPr>
+                      <a:endParaRPr lang="es-ES" sz="1100" dirty="0">
+                        <a:effectLst/>
+                        <a:latin typeface="Century Gothic" panose="020B0502020202020204" pitchFamily="34" charset="0"/>
+                        <a:ea typeface="Calibri" panose="020F0502020204030204" pitchFamily="34" charset="0"/>
+                        <a:cs typeface="Times New Roman" panose="02020603050405020304" pitchFamily="18" charset="0"/>
+                      </a:endParaRPr>
+                    </a:p>
+                  </a:txBody>
+                  <a:tcPr marL="68580" marR="68580" marT="0" marB="0">
+                    <a:lnL w="12700" cap="flat" cmpd="sng" algn="ctr">
+                      <a:solidFill>
+                        <a:srgbClr val="000000"/>
+                      </a:solidFill>
+                      <a:prstDash val="solid"/>
+                      <a:round/>
+                      <a:headEnd type="none" w="med" len="med"/>
+                      <a:tailEnd type="none" w="med" len="med"/>
+                    </a:lnL>
+                    <a:lnR w="12700" cap="flat" cmpd="sng" algn="ctr">
+                      <a:solidFill>
+                        <a:srgbClr val="000000"/>
+                      </a:solidFill>
+                      <a:prstDash val="solid"/>
+                      <a:round/>
+                      <a:headEnd type="none" w="med" len="med"/>
+                      <a:tailEnd type="none" w="med" len="med"/>
+                    </a:lnR>
+                    <a:lnT w="12700" cap="flat" cmpd="sng" algn="ctr">
+                      <a:solidFill>
+                        <a:srgbClr val="000000"/>
+                      </a:solidFill>
+                      <a:prstDash val="solid"/>
+                      <a:round/>
+                      <a:headEnd type="none" w="med" len="med"/>
+                      <a:tailEnd type="none" w="med" len="med"/>
+                    </a:lnT>
+                    <a:lnB w="12700" cap="flat" cmpd="sng" algn="ctr">
+                      <a:solidFill>
+                        <a:srgbClr val="000000"/>
+                      </a:solidFill>
+                      <a:prstDash val="solid"/>
+                      <a:round/>
+                      <a:headEnd type="none" w="med" len="med"/>
+                      <a:tailEnd type="none" w="med" len="med"/>
+                    </a:lnB>
+                  </a:tcPr>
+                </a:tc>
+                <a:tc>
+                  <a:txBody>
+                    <a:bodyPr/>
+                    <a:lstStyle/>
+                    <a:p>
+                      <a:pPr algn="ctr">
+                        <a:lnSpc>
+                          <a:spcPct val="107000"/>
+                        </a:lnSpc>
+                        <a:spcAft>
+                          <a:spcPts val="0"/>
+                        </a:spcAft>
+                      </a:pPr>
+                      <a:endParaRPr lang="es-ES" sz="1100" b="1" dirty="0">
+                        <a:effectLst/>
+                        <a:latin typeface="Century Gothic" panose="020B0502020202020204" pitchFamily="34" charset="0"/>
+                        <a:ea typeface="Calibri" panose="020F0502020204030204" pitchFamily="34" charset="0"/>
+                        <a:cs typeface="Times New Roman" panose="02020603050405020304" pitchFamily="18" charset="0"/>
+                      </a:endParaRPr>
+                    </a:p>
+                    <a:p>
+                      <a:pPr algn="ctr">
+                        <a:lnSpc>
+                          <a:spcPct val="107000"/>
+                        </a:lnSpc>
+                        <a:spcAft>
+                          <a:spcPts val="0"/>
+                        </a:spcAft>
+                      </a:pPr>
+                      <a:endParaRPr lang="es-ES" sz="1100" b="1" dirty="0">
+                        <a:effectLst/>
+                        <a:latin typeface="Century Gothic" panose="020B0502020202020204" pitchFamily="34" charset="0"/>
+                        <a:ea typeface="Calibri" panose="020F0502020204030204" pitchFamily="34" charset="0"/>
+                        <a:cs typeface="Times New Roman" panose="02020603050405020304" pitchFamily="18" charset="0"/>
+                      </a:endParaRPr>
+                    </a:p>
+                    <a:p>
+                      <a:pPr algn="ctr">
+                        <a:lnSpc>
+                          <a:spcPct val="107000"/>
+                        </a:lnSpc>
+                        <a:spcAft>
+                          <a:spcPts val="0"/>
+                        </a:spcAft>
+                      </a:pPr>
+                      <a:r>
+                        <a:rPr lang="es-ES" sz="2000" b="1" dirty="0">
+                          <a:effectLst/>
+                          <a:latin typeface="Century Gothic" panose="020B0502020202020204" pitchFamily="34" charset="0"/>
+                          <a:ea typeface="Calibri" panose="020F0502020204030204" pitchFamily="34" charset="0"/>
+                          <a:cs typeface="Times New Roman" panose="02020603050405020304" pitchFamily="18" charset="0"/>
+                        </a:rPr>
+                        <a:t>COMENTARIOS</a:t>
+                      </a:r>
+                      <a:endParaRPr lang="es-ES" sz="2000" dirty="0">
+                        <a:effectLst/>
+                        <a:latin typeface="Century Gothic" panose="020B0502020202020204" pitchFamily="34" charset="0"/>
+                        <a:ea typeface="Calibri" panose="020F0502020204030204" pitchFamily="34" charset="0"/>
+                        <a:cs typeface="Times New Roman" panose="02020603050405020304" pitchFamily="18" charset="0"/>
+                      </a:endParaRPr>
+                    </a:p>
+                  </a:txBody>
+                  <a:tcPr marL="68580" marR="68580" marT="0" marB="0">
+                    <a:lnL w="12700" cap="flat" cmpd="sng" algn="ctr">
+                      <a:solidFill>
+                        <a:srgbClr val="000000"/>
+                      </a:solidFill>
+                      <a:prstDash val="solid"/>
+                      <a:round/>
+                      <a:headEnd type="none" w="med" len="med"/>
+                      <a:tailEnd type="none" w="med" len="med"/>
+                    </a:lnL>
+                    <a:lnR w="12700" cap="flat" cmpd="sng" algn="ctr">
+                      <a:solidFill>
+                        <a:srgbClr val="000000"/>
+                      </a:solidFill>
+                      <a:prstDash val="solid"/>
+                      <a:round/>
+                      <a:headEnd type="none" w="med" len="med"/>
+                      <a:tailEnd type="none" w="med" len="med"/>
+                    </a:lnR>
+                    <a:lnT w="12700" cap="flat" cmpd="sng" algn="ctr">
+                      <a:solidFill>
+                        <a:srgbClr val="000000"/>
+                      </a:solidFill>
+                      <a:prstDash val="solid"/>
+                      <a:round/>
+                      <a:headEnd type="none" w="med" len="med"/>
+                      <a:tailEnd type="none" w="med" len="med"/>
+                    </a:lnT>
+                    <a:lnB w="12700" cap="flat" cmpd="sng" algn="ctr">
+                      <a:solidFill>
+                        <a:srgbClr val="000000"/>
+                      </a:solidFill>
+                      <a:prstDash val="solid"/>
+                      <a:round/>
+                      <a:headEnd type="none" w="med" len="med"/>
+                      <a:tailEnd type="none" w="med" len="med"/>
+                    </a:lnB>
+                  </a:tcPr>
+                </a:tc>
+                <a:extLst>
+                  <a:ext uri="{0D108BD9-81ED-4DB2-BD59-A6C34878D82A}">
+                    <a16:rowId xmlns:a16="http://schemas.microsoft.com/office/drawing/2014/main" val="629945664"/>
+                  </a:ext>
+                </a:extLst>
+              </a:tr>
+              <a:tr h="448187">
+                <a:tc>
+                  <a:txBody>
+                    <a:bodyPr/>
+                    <a:lstStyle/>
+                    <a:p>
+                      <a:pPr algn="ctr">
+                        <a:lnSpc>
+                          <a:spcPct val="107000"/>
+                        </a:lnSpc>
+                        <a:spcAft>
+                          <a:spcPts val="0"/>
+                        </a:spcAft>
+                      </a:pPr>
+                      <a:r>
+                        <a:rPr lang="es-ES" sz="1600" b="1" dirty="0">
+                          <a:effectLst/>
+                          <a:latin typeface="Century Gothic" panose="020B0502020202020204" pitchFamily="34" charset="0"/>
+                          <a:ea typeface="Calibri" panose="020F0502020204030204" pitchFamily="34" charset="0"/>
+                          <a:cs typeface="Times New Roman" panose="02020603050405020304" pitchFamily="18" charset="0"/>
+                        </a:rPr>
+                        <a:t>1</a:t>
+                      </a:r>
+                    </a:p>
+                  </a:txBody>
+                  <a:tcPr marL="68580" marR="68580" marT="0" marB="0">
+                    <a:lnL w="12700" cap="flat" cmpd="sng" algn="ctr">
+                      <a:solidFill>
+                        <a:srgbClr val="000000"/>
+                      </a:solidFill>
+                      <a:prstDash val="solid"/>
+                      <a:round/>
+                      <a:headEnd type="none" w="med" len="med"/>
+                      <a:tailEnd type="none" w="med" len="med"/>
+                    </a:lnL>
+                    <a:lnR w="12700" cap="flat" cmpd="sng" algn="ctr">
+                      <a:solidFill>
+                        <a:srgbClr val="000000"/>
+                      </a:solidFill>
+                      <a:prstDash val="solid"/>
+                      <a:round/>
+                      <a:headEnd type="none" w="med" len="med"/>
+                      <a:tailEnd type="none" w="med" len="med"/>
+                    </a:lnR>
+                    <a:lnT w="12700" cap="flat" cmpd="sng" algn="ctr">
+                      <a:solidFill>
+                        <a:srgbClr val="000000"/>
+                      </a:solidFill>
+                      <a:prstDash val="solid"/>
+                      <a:round/>
+                      <a:headEnd type="none" w="med" len="med"/>
+                      <a:tailEnd type="none" w="med" len="med"/>
+                    </a:lnT>
+                    <a:lnB w="12700" cap="flat" cmpd="sng" algn="ctr">
+                      <a:solidFill>
+                        <a:srgbClr val="000000"/>
+                      </a:solidFill>
+                      <a:prstDash val="solid"/>
+                      <a:round/>
+                      <a:headEnd type="none" w="med" len="med"/>
+                      <a:tailEnd type="none" w="med" len="med"/>
+                    </a:lnB>
+                  </a:tcPr>
+                </a:tc>
+                <a:tc>
+                  <a:txBody>
+                    <a:bodyPr/>
+                    <a:lstStyle/>
+                    <a:p>
+                      <a:pPr algn="ctr">
+                        <a:lnSpc>
+                          <a:spcPct val="107000"/>
+                        </a:lnSpc>
+                        <a:spcAft>
+                          <a:spcPts val="0"/>
+                        </a:spcAft>
+                      </a:pPr>
+                      <a:endParaRPr lang="es-ES" sz="1200" dirty="0">
+                        <a:effectLst/>
+                        <a:latin typeface="Century Gothic" panose="020B0502020202020204" pitchFamily="34" charset="0"/>
+                        <a:ea typeface="Calibri" panose="020F0502020204030204" pitchFamily="34" charset="0"/>
+                        <a:cs typeface="Times New Roman" panose="02020603050405020304" pitchFamily="18" charset="0"/>
+                      </a:endParaRPr>
+                    </a:p>
+                    <a:p>
+                      <a:pPr algn="ctr">
+                        <a:lnSpc>
+                          <a:spcPct val="107000"/>
+                        </a:lnSpc>
+                        <a:spcAft>
+                          <a:spcPts val="0"/>
+                        </a:spcAft>
+                      </a:pPr>
+                      <a:r>
+                        <a:rPr lang="es-ES" sz="1200" dirty="0">
+                          <a:effectLst/>
+                          <a:latin typeface="Century Gothic" panose="020B0502020202020204" pitchFamily="34" charset="0"/>
+                          <a:ea typeface="Calibri" panose="020F0502020204030204" pitchFamily="34" charset="0"/>
+                          <a:cs typeface="Times New Roman" panose="02020603050405020304" pitchFamily="18" charset="0"/>
+                        </a:rPr>
+                        <a:t>6 horas</a:t>
+                      </a:r>
+                    </a:p>
+                  </a:txBody>
+                  <a:tcPr marL="68580" marR="68580" marT="0" marB="0">
+                    <a:lnL w="12700" cap="flat" cmpd="sng" algn="ctr">
+                      <a:solidFill>
+                        <a:srgbClr val="000000"/>
+                      </a:solidFill>
+                      <a:prstDash val="solid"/>
+                      <a:round/>
+                      <a:headEnd type="none" w="med" len="med"/>
+                      <a:tailEnd type="none" w="med" len="med"/>
+                    </a:lnL>
+                    <a:lnR w="12700" cap="flat" cmpd="sng" algn="ctr">
+                      <a:solidFill>
+                        <a:srgbClr val="000000"/>
+                      </a:solidFill>
+                      <a:prstDash val="solid"/>
+                      <a:round/>
+                      <a:headEnd type="none" w="med" len="med"/>
+                      <a:tailEnd type="none" w="med" len="med"/>
+                    </a:lnR>
+                    <a:lnT w="12700" cap="flat" cmpd="sng" algn="ctr">
+                      <a:solidFill>
+                        <a:srgbClr val="000000"/>
+                      </a:solidFill>
+                      <a:prstDash val="solid"/>
+                      <a:round/>
+                      <a:headEnd type="none" w="med" len="med"/>
+                      <a:tailEnd type="none" w="med" len="med"/>
+                    </a:lnT>
+                    <a:lnB w="12700" cap="flat" cmpd="sng" algn="ctr">
+                      <a:solidFill>
+                        <a:srgbClr val="000000"/>
+                      </a:solidFill>
+                      <a:prstDash val="solid"/>
+                      <a:round/>
+                      <a:headEnd type="none" w="med" len="med"/>
+                      <a:tailEnd type="none" w="med" len="med"/>
+                    </a:lnB>
+                  </a:tcPr>
+                </a:tc>
+                <a:tc>
+                  <a:txBody>
+                    <a:bodyPr/>
+                    <a:lstStyle/>
+                    <a:p>
+                      <a:pPr algn="ctr">
+                        <a:lnSpc>
+                          <a:spcPct val="107000"/>
+                        </a:lnSpc>
+                        <a:spcAft>
+                          <a:spcPts val="0"/>
+                        </a:spcAft>
+                      </a:pPr>
+                      <a:r>
+                        <a:rPr lang="es-ES" sz="1200">
+                          <a:effectLst/>
+                          <a:latin typeface="Century Gothic" panose="020B0502020202020204" pitchFamily="34" charset="0"/>
+                          <a:ea typeface="Calibri" panose="020F0502020204030204" pitchFamily="34" charset="0"/>
+                          <a:cs typeface="Times New Roman" panose="02020603050405020304" pitchFamily="18" charset="0"/>
+                        </a:rPr>
+                        <a:t>15 horas</a:t>
+                      </a:r>
+                    </a:p>
+                  </a:txBody>
+                  <a:tcPr marL="68580" marR="68580" marT="0" marB="0">
+                    <a:lnL w="12700" cap="flat" cmpd="sng" algn="ctr">
+                      <a:solidFill>
+                        <a:srgbClr val="000000"/>
+                      </a:solidFill>
+                      <a:prstDash val="solid"/>
+                      <a:round/>
+                      <a:headEnd type="none" w="med" len="med"/>
+                      <a:tailEnd type="none" w="med" len="med"/>
+                    </a:lnL>
+                    <a:lnR w="12700" cap="flat" cmpd="sng" algn="ctr">
+                      <a:solidFill>
+                        <a:srgbClr val="000000"/>
+                      </a:solidFill>
+                      <a:prstDash val="solid"/>
+                      <a:round/>
+                      <a:headEnd type="none" w="med" len="med"/>
+                      <a:tailEnd type="none" w="med" len="med"/>
+                    </a:lnR>
+                    <a:lnT w="12700" cap="flat" cmpd="sng" algn="ctr">
+                      <a:solidFill>
+                        <a:srgbClr val="000000"/>
+                      </a:solidFill>
+                      <a:prstDash val="solid"/>
+                      <a:round/>
+                      <a:headEnd type="none" w="med" len="med"/>
+                      <a:tailEnd type="none" w="med" len="med"/>
+                    </a:lnT>
+                    <a:lnB w="12700" cap="flat" cmpd="sng" algn="ctr">
+                      <a:solidFill>
+                        <a:srgbClr val="000000"/>
+                      </a:solidFill>
+                      <a:prstDash val="solid"/>
+                      <a:round/>
+                      <a:headEnd type="none" w="med" len="med"/>
+                      <a:tailEnd type="none" w="med" len="med"/>
+                    </a:lnB>
+                  </a:tcPr>
+                </a:tc>
+                <a:tc>
+                  <a:txBody>
+                    <a:bodyPr/>
+                    <a:lstStyle/>
+                    <a:p>
+                      <a:pPr algn="ctr">
+                        <a:lnSpc>
+                          <a:spcPct val="107000"/>
+                        </a:lnSpc>
+                        <a:spcAft>
+                          <a:spcPts val="0"/>
+                        </a:spcAft>
+                      </a:pPr>
+                      <a:r>
+                        <a:rPr lang="es-ES" sz="1200">
+                          <a:effectLst/>
+                          <a:latin typeface="Century Gothic" panose="020B0502020202020204" pitchFamily="34" charset="0"/>
+                          <a:ea typeface="Calibri" panose="020F0502020204030204" pitchFamily="34" charset="0"/>
+                          <a:cs typeface="Times New Roman" panose="02020603050405020304" pitchFamily="18" charset="0"/>
+                        </a:rPr>
+                        <a:t>Yii2 es más fácil de aprender, aunque hay menos manuales.</a:t>
+                      </a:r>
+                    </a:p>
+                  </a:txBody>
+                  <a:tcPr marL="68580" marR="68580" marT="0" marB="0">
+                    <a:lnL w="12700" cap="flat" cmpd="sng" algn="ctr">
+                      <a:solidFill>
+                        <a:srgbClr val="000000"/>
+                      </a:solidFill>
+                      <a:prstDash val="solid"/>
+                      <a:round/>
+                      <a:headEnd type="none" w="med" len="med"/>
+                      <a:tailEnd type="none" w="med" len="med"/>
+                    </a:lnL>
+                    <a:lnR w="12700" cap="flat" cmpd="sng" algn="ctr">
+                      <a:solidFill>
+                        <a:srgbClr val="000000"/>
+                      </a:solidFill>
+                      <a:prstDash val="solid"/>
+                      <a:round/>
+                      <a:headEnd type="none" w="med" len="med"/>
+                      <a:tailEnd type="none" w="med" len="med"/>
+                    </a:lnR>
+                    <a:lnT w="12700" cap="flat" cmpd="sng" algn="ctr">
+                      <a:solidFill>
+                        <a:srgbClr val="000000"/>
+                      </a:solidFill>
+                      <a:prstDash val="solid"/>
+                      <a:round/>
+                      <a:headEnd type="none" w="med" len="med"/>
+                      <a:tailEnd type="none" w="med" len="med"/>
+                    </a:lnT>
+                    <a:lnB w="12700" cap="flat" cmpd="sng" algn="ctr">
+                      <a:solidFill>
+                        <a:srgbClr val="000000"/>
+                      </a:solidFill>
+                      <a:prstDash val="solid"/>
+                      <a:round/>
+                      <a:headEnd type="none" w="med" len="med"/>
+                      <a:tailEnd type="none" w="med" len="med"/>
+                    </a:lnB>
+                  </a:tcPr>
+                </a:tc>
+                <a:extLst>
+                  <a:ext uri="{0D108BD9-81ED-4DB2-BD59-A6C34878D82A}">
+                    <a16:rowId xmlns:a16="http://schemas.microsoft.com/office/drawing/2014/main" val="2638596494"/>
+                  </a:ext>
+                </a:extLst>
+              </a:tr>
+              <a:tr h="215656">
+                <a:tc>
+                  <a:txBody>
+                    <a:bodyPr/>
+                    <a:lstStyle/>
+                    <a:p>
+                      <a:pPr algn="ctr">
+                        <a:lnSpc>
+                          <a:spcPct val="107000"/>
+                        </a:lnSpc>
+                        <a:spcAft>
+                          <a:spcPts val="0"/>
+                        </a:spcAft>
+                      </a:pPr>
+                      <a:r>
+                        <a:rPr lang="es-ES" sz="1600" b="1" dirty="0">
+                          <a:effectLst/>
+                          <a:latin typeface="Century Gothic" panose="020B0502020202020204" pitchFamily="34" charset="0"/>
+                          <a:ea typeface="Calibri" panose="020F0502020204030204" pitchFamily="34" charset="0"/>
+                          <a:cs typeface="Times New Roman" panose="02020603050405020304" pitchFamily="18" charset="0"/>
+                        </a:rPr>
+                        <a:t>2</a:t>
+                      </a:r>
+                    </a:p>
+                  </a:txBody>
+                  <a:tcPr marL="68580" marR="68580" marT="0" marB="0">
+                    <a:lnL w="12700" cap="flat" cmpd="sng" algn="ctr">
+                      <a:solidFill>
+                        <a:srgbClr val="000000"/>
+                      </a:solidFill>
+                      <a:prstDash val="solid"/>
+                      <a:round/>
+                      <a:headEnd type="none" w="med" len="med"/>
+                      <a:tailEnd type="none" w="med" len="med"/>
+                    </a:lnL>
+                    <a:lnR w="12700" cap="flat" cmpd="sng" algn="ctr">
+                      <a:solidFill>
+                        <a:srgbClr val="000000"/>
+                      </a:solidFill>
+                      <a:prstDash val="solid"/>
+                      <a:round/>
+                      <a:headEnd type="none" w="med" len="med"/>
+                      <a:tailEnd type="none" w="med" len="med"/>
+                    </a:lnR>
+                    <a:lnT w="12700" cap="flat" cmpd="sng" algn="ctr">
+                      <a:solidFill>
+                        <a:srgbClr val="000000"/>
+                      </a:solidFill>
+                      <a:prstDash val="solid"/>
+                      <a:round/>
+                      <a:headEnd type="none" w="med" len="med"/>
+                      <a:tailEnd type="none" w="med" len="med"/>
+                    </a:lnT>
+                    <a:lnB w="12700" cap="flat" cmpd="sng" algn="ctr">
+                      <a:solidFill>
+                        <a:srgbClr val="000000"/>
+                      </a:solidFill>
+                      <a:prstDash val="solid"/>
+                      <a:round/>
+                      <a:headEnd type="none" w="med" len="med"/>
+                      <a:tailEnd type="none" w="med" len="med"/>
+                    </a:lnB>
+                  </a:tcPr>
+                </a:tc>
+                <a:tc>
+                  <a:txBody>
+                    <a:bodyPr/>
+                    <a:lstStyle/>
+                    <a:p>
+                      <a:pPr algn="ctr">
+                        <a:lnSpc>
+                          <a:spcPct val="107000"/>
+                        </a:lnSpc>
+                        <a:spcAft>
+                          <a:spcPts val="0"/>
+                        </a:spcAft>
+                      </a:pPr>
+                      <a:r>
+                        <a:rPr lang="es-ES" sz="1200">
+                          <a:effectLst/>
+                          <a:latin typeface="Century Gothic" panose="020B0502020202020204" pitchFamily="34" charset="0"/>
+                          <a:ea typeface="Calibri" panose="020F0502020204030204" pitchFamily="34" charset="0"/>
+                          <a:cs typeface="Times New Roman" panose="02020603050405020304" pitchFamily="18" charset="0"/>
+                        </a:rPr>
+                        <a:t>3 horas</a:t>
+                      </a:r>
+                    </a:p>
+                  </a:txBody>
+                  <a:tcPr marL="68580" marR="68580" marT="0" marB="0">
+                    <a:lnL w="12700" cap="flat" cmpd="sng" algn="ctr">
+                      <a:solidFill>
+                        <a:srgbClr val="000000"/>
+                      </a:solidFill>
+                      <a:prstDash val="solid"/>
+                      <a:round/>
+                      <a:headEnd type="none" w="med" len="med"/>
+                      <a:tailEnd type="none" w="med" len="med"/>
+                    </a:lnL>
+                    <a:lnR w="12700" cap="flat" cmpd="sng" algn="ctr">
+                      <a:solidFill>
+                        <a:srgbClr val="000000"/>
+                      </a:solidFill>
+                      <a:prstDash val="solid"/>
+                      <a:round/>
+                      <a:headEnd type="none" w="med" len="med"/>
+                      <a:tailEnd type="none" w="med" len="med"/>
+                    </a:lnR>
+                    <a:lnT w="12700" cap="flat" cmpd="sng" algn="ctr">
+                      <a:solidFill>
+                        <a:srgbClr val="000000"/>
+                      </a:solidFill>
+                      <a:prstDash val="solid"/>
+                      <a:round/>
+                      <a:headEnd type="none" w="med" len="med"/>
+                      <a:tailEnd type="none" w="med" len="med"/>
+                    </a:lnT>
+                    <a:lnB w="12700" cap="flat" cmpd="sng" algn="ctr">
+                      <a:solidFill>
+                        <a:srgbClr val="000000"/>
+                      </a:solidFill>
+                      <a:prstDash val="solid"/>
+                      <a:round/>
+                      <a:headEnd type="none" w="med" len="med"/>
+                      <a:tailEnd type="none" w="med" len="med"/>
+                    </a:lnB>
+                  </a:tcPr>
+                </a:tc>
+                <a:tc>
+                  <a:txBody>
+                    <a:bodyPr/>
+                    <a:lstStyle/>
+                    <a:p>
+                      <a:pPr algn="ctr">
+                        <a:lnSpc>
+                          <a:spcPct val="107000"/>
+                        </a:lnSpc>
+                        <a:spcAft>
+                          <a:spcPts val="0"/>
+                        </a:spcAft>
+                      </a:pPr>
+                      <a:r>
+                        <a:rPr lang="es-ES" sz="1200">
+                          <a:effectLst/>
+                          <a:latin typeface="Century Gothic" panose="020B0502020202020204" pitchFamily="34" charset="0"/>
+                          <a:ea typeface="Calibri" panose="020F0502020204030204" pitchFamily="34" charset="0"/>
+                          <a:cs typeface="Times New Roman" panose="02020603050405020304" pitchFamily="18" charset="0"/>
+                        </a:rPr>
+                        <a:t>5 horas</a:t>
+                      </a:r>
+                    </a:p>
+                  </a:txBody>
+                  <a:tcPr marL="68580" marR="68580" marT="0" marB="0">
+                    <a:lnL w="12700" cap="flat" cmpd="sng" algn="ctr">
+                      <a:solidFill>
+                        <a:srgbClr val="000000"/>
+                      </a:solidFill>
+                      <a:prstDash val="solid"/>
+                      <a:round/>
+                      <a:headEnd type="none" w="med" len="med"/>
+                      <a:tailEnd type="none" w="med" len="med"/>
+                    </a:lnL>
+                    <a:lnR w="12700" cap="flat" cmpd="sng" algn="ctr">
+                      <a:solidFill>
+                        <a:srgbClr val="000000"/>
+                      </a:solidFill>
+                      <a:prstDash val="solid"/>
+                      <a:round/>
+                      <a:headEnd type="none" w="med" len="med"/>
+                      <a:tailEnd type="none" w="med" len="med"/>
+                    </a:lnR>
+                    <a:lnT w="12700" cap="flat" cmpd="sng" algn="ctr">
+                      <a:solidFill>
+                        <a:srgbClr val="000000"/>
+                      </a:solidFill>
+                      <a:prstDash val="solid"/>
+                      <a:round/>
+                      <a:headEnd type="none" w="med" len="med"/>
+                      <a:tailEnd type="none" w="med" len="med"/>
+                    </a:lnT>
+                    <a:lnB w="12700" cap="flat" cmpd="sng" algn="ctr">
+                      <a:solidFill>
+                        <a:srgbClr val="000000"/>
+                      </a:solidFill>
+                      <a:prstDash val="solid"/>
+                      <a:round/>
+                      <a:headEnd type="none" w="med" len="med"/>
+                      <a:tailEnd type="none" w="med" len="med"/>
+                    </a:lnB>
+                  </a:tcPr>
+                </a:tc>
+                <a:tc>
+                  <a:txBody>
+                    <a:bodyPr/>
+                    <a:lstStyle/>
+                    <a:p>
+                      <a:pPr algn="ctr">
+                        <a:lnSpc>
+                          <a:spcPct val="107000"/>
+                        </a:lnSpc>
+                        <a:spcAft>
+                          <a:spcPts val="0"/>
+                        </a:spcAft>
+                      </a:pPr>
+                      <a:r>
+                        <a:rPr lang="es-ES" sz="1200">
+                          <a:effectLst/>
+                          <a:latin typeface="Century Gothic" panose="020B0502020202020204" pitchFamily="34" charset="0"/>
+                          <a:ea typeface="Calibri" panose="020F0502020204030204" pitchFamily="34" charset="0"/>
+                          <a:cs typeface="Times New Roman" panose="02020603050405020304" pitchFamily="18" charset="0"/>
+                        </a:rPr>
+                        <a:t>Yii2 es más fácil de configurar que Laravel</a:t>
+                      </a:r>
+                    </a:p>
+                  </a:txBody>
+                  <a:tcPr marL="68580" marR="68580" marT="0" marB="0">
+                    <a:lnL w="12700" cap="flat" cmpd="sng" algn="ctr">
+                      <a:solidFill>
+                        <a:srgbClr val="000000"/>
+                      </a:solidFill>
+                      <a:prstDash val="solid"/>
+                      <a:round/>
+                      <a:headEnd type="none" w="med" len="med"/>
+                      <a:tailEnd type="none" w="med" len="med"/>
+                    </a:lnL>
+                    <a:lnR w="12700" cap="flat" cmpd="sng" algn="ctr">
+                      <a:solidFill>
+                        <a:srgbClr val="000000"/>
+                      </a:solidFill>
+                      <a:prstDash val="solid"/>
+                      <a:round/>
+                      <a:headEnd type="none" w="med" len="med"/>
+                      <a:tailEnd type="none" w="med" len="med"/>
+                    </a:lnR>
+                    <a:lnT w="12700" cap="flat" cmpd="sng" algn="ctr">
+                      <a:solidFill>
+                        <a:srgbClr val="000000"/>
+                      </a:solidFill>
+                      <a:prstDash val="solid"/>
+                      <a:round/>
+                      <a:headEnd type="none" w="med" len="med"/>
+                      <a:tailEnd type="none" w="med" len="med"/>
+                    </a:lnT>
+                    <a:lnB w="12700" cap="flat" cmpd="sng" algn="ctr">
+                      <a:solidFill>
+                        <a:srgbClr val="000000"/>
+                      </a:solidFill>
+                      <a:prstDash val="solid"/>
+                      <a:round/>
+                      <a:headEnd type="none" w="med" len="med"/>
+                      <a:tailEnd type="none" w="med" len="med"/>
+                    </a:lnB>
+                  </a:tcPr>
+                </a:tc>
+                <a:extLst>
+                  <a:ext uri="{0D108BD9-81ED-4DB2-BD59-A6C34878D82A}">
+                    <a16:rowId xmlns:a16="http://schemas.microsoft.com/office/drawing/2014/main" val="2992829836"/>
+                  </a:ext>
+                </a:extLst>
+              </a:tr>
+              <a:tr h="374645">
+                <a:tc>
+                  <a:txBody>
+                    <a:bodyPr/>
+                    <a:lstStyle/>
+                    <a:p>
+                      <a:pPr algn="ctr">
+                        <a:lnSpc>
+                          <a:spcPct val="107000"/>
+                        </a:lnSpc>
+                        <a:spcAft>
+                          <a:spcPts val="0"/>
+                        </a:spcAft>
+                      </a:pPr>
+                      <a:r>
+                        <a:rPr lang="es-ES" sz="1600" b="1" dirty="0">
+                          <a:effectLst/>
+                          <a:latin typeface="Century Gothic" panose="020B0502020202020204" pitchFamily="34" charset="0"/>
+                          <a:ea typeface="Calibri" panose="020F0502020204030204" pitchFamily="34" charset="0"/>
+                          <a:cs typeface="Times New Roman" panose="02020603050405020304" pitchFamily="18" charset="0"/>
+                        </a:rPr>
+                        <a:t>3</a:t>
+                      </a:r>
+                    </a:p>
+                  </a:txBody>
+                  <a:tcPr marL="68580" marR="68580" marT="0" marB="0">
+                    <a:lnL w="12700" cap="flat" cmpd="sng" algn="ctr">
+                      <a:solidFill>
+                        <a:srgbClr val="000000"/>
+                      </a:solidFill>
+                      <a:prstDash val="solid"/>
+                      <a:round/>
+                      <a:headEnd type="none" w="med" len="med"/>
+                      <a:tailEnd type="none" w="med" len="med"/>
+                    </a:lnL>
+                    <a:lnR w="12700" cap="flat" cmpd="sng" algn="ctr">
+                      <a:solidFill>
+                        <a:srgbClr val="000000"/>
+                      </a:solidFill>
+                      <a:prstDash val="solid"/>
+                      <a:round/>
+                      <a:headEnd type="none" w="med" len="med"/>
+                      <a:tailEnd type="none" w="med" len="med"/>
+                    </a:lnR>
+                    <a:lnT w="12700" cap="flat" cmpd="sng" algn="ctr">
+                      <a:solidFill>
+                        <a:srgbClr val="000000"/>
+                      </a:solidFill>
+                      <a:prstDash val="solid"/>
+                      <a:round/>
+                      <a:headEnd type="none" w="med" len="med"/>
+                      <a:tailEnd type="none" w="med" len="med"/>
+                    </a:lnT>
+                    <a:lnB w="12700" cap="flat" cmpd="sng" algn="ctr">
+                      <a:solidFill>
+                        <a:srgbClr val="000000"/>
+                      </a:solidFill>
+                      <a:prstDash val="solid"/>
+                      <a:round/>
+                      <a:headEnd type="none" w="med" len="med"/>
+                      <a:tailEnd type="none" w="med" len="med"/>
+                    </a:lnB>
+                  </a:tcPr>
+                </a:tc>
+                <a:tc>
+                  <a:txBody>
+                    <a:bodyPr/>
+                    <a:lstStyle/>
+                    <a:p>
+                      <a:pPr algn="ctr">
+                        <a:lnSpc>
+                          <a:spcPct val="107000"/>
+                        </a:lnSpc>
+                        <a:spcAft>
+                          <a:spcPts val="0"/>
+                        </a:spcAft>
+                      </a:pPr>
+                      <a:r>
+                        <a:rPr lang="es-ES" sz="1200" dirty="0">
+                          <a:effectLst/>
+                          <a:latin typeface="Century Gothic" panose="020B0502020202020204" pitchFamily="34" charset="0"/>
+                          <a:ea typeface="Calibri" panose="020F0502020204030204" pitchFamily="34" charset="0"/>
+                          <a:cs typeface="Times New Roman" panose="02020603050405020304" pitchFamily="18" charset="0"/>
+                        </a:rPr>
+                        <a:t>5</a:t>
+                      </a:r>
+                    </a:p>
+                  </a:txBody>
+                  <a:tcPr marL="68580" marR="68580" marT="0" marB="0">
+                    <a:lnL w="12700" cap="flat" cmpd="sng" algn="ctr">
+                      <a:solidFill>
+                        <a:srgbClr val="000000"/>
+                      </a:solidFill>
+                      <a:prstDash val="solid"/>
+                      <a:round/>
+                      <a:headEnd type="none" w="med" len="med"/>
+                      <a:tailEnd type="none" w="med" len="med"/>
+                    </a:lnL>
+                    <a:lnR w="12700" cap="flat" cmpd="sng" algn="ctr">
+                      <a:solidFill>
+                        <a:srgbClr val="000000"/>
+                      </a:solidFill>
+                      <a:prstDash val="solid"/>
+                      <a:round/>
+                      <a:headEnd type="none" w="med" len="med"/>
+                      <a:tailEnd type="none" w="med" len="med"/>
+                    </a:lnR>
+                    <a:lnT w="12700" cap="flat" cmpd="sng" algn="ctr">
+                      <a:solidFill>
+                        <a:srgbClr val="000000"/>
+                      </a:solidFill>
+                      <a:prstDash val="solid"/>
+                      <a:round/>
+                      <a:headEnd type="none" w="med" len="med"/>
+                      <a:tailEnd type="none" w="med" len="med"/>
+                    </a:lnT>
+                    <a:lnB w="12700" cap="flat" cmpd="sng" algn="ctr">
+                      <a:solidFill>
+                        <a:srgbClr val="000000"/>
+                      </a:solidFill>
+                      <a:prstDash val="solid"/>
+                      <a:round/>
+                      <a:headEnd type="none" w="med" len="med"/>
+                      <a:tailEnd type="none" w="med" len="med"/>
+                    </a:lnB>
+                  </a:tcPr>
+                </a:tc>
+                <a:tc>
+                  <a:txBody>
+                    <a:bodyPr/>
+                    <a:lstStyle/>
+                    <a:p>
+                      <a:pPr algn="ctr">
+                        <a:lnSpc>
+                          <a:spcPct val="107000"/>
+                        </a:lnSpc>
+                        <a:spcAft>
+                          <a:spcPts val="0"/>
+                        </a:spcAft>
+                      </a:pPr>
+                      <a:r>
+                        <a:rPr lang="es-ES" sz="1200">
+                          <a:effectLst/>
+                          <a:latin typeface="Century Gothic" panose="020B0502020202020204" pitchFamily="34" charset="0"/>
+                          <a:ea typeface="Calibri" panose="020F0502020204030204" pitchFamily="34" charset="0"/>
+                          <a:cs typeface="Times New Roman" panose="02020603050405020304" pitchFamily="18" charset="0"/>
+                        </a:rPr>
+                        <a:t>7</a:t>
+                      </a:r>
+                    </a:p>
+                  </a:txBody>
+                  <a:tcPr marL="68580" marR="68580" marT="0" marB="0">
+                    <a:lnL w="12700" cap="flat" cmpd="sng" algn="ctr">
+                      <a:solidFill>
+                        <a:srgbClr val="000000"/>
+                      </a:solidFill>
+                      <a:prstDash val="solid"/>
+                      <a:round/>
+                      <a:headEnd type="none" w="med" len="med"/>
+                      <a:tailEnd type="none" w="med" len="med"/>
+                    </a:lnL>
+                    <a:lnR w="12700" cap="flat" cmpd="sng" algn="ctr">
+                      <a:solidFill>
+                        <a:srgbClr val="000000"/>
+                      </a:solidFill>
+                      <a:prstDash val="solid"/>
+                      <a:round/>
+                      <a:headEnd type="none" w="med" len="med"/>
+                      <a:tailEnd type="none" w="med" len="med"/>
+                    </a:lnR>
+                    <a:lnT w="12700" cap="flat" cmpd="sng" algn="ctr">
+                      <a:solidFill>
+                        <a:srgbClr val="000000"/>
+                      </a:solidFill>
+                      <a:prstDash val="solid"/>
+                      <a:round/>
+                      <a:headEnd type="none" w="med" len="med"/>
+                      <a:tailEnd type="none" w="med" len="med"/>
+                    </a:lnT>
+                    <a:lnB w="12700" cap="flat" cmpd="sng" algn="ctr">
+                      <a:solidFill>
+                        <a:srgbClr val="000000"/>
+                      </a:solidFill>
+                      <a:prstDash val="solid"/>
+                      <a:round/>
+                      <a:headEnd type="none" w="med" len="med"/>
+                      <a:tailEnd type="none" w="med" len="med"/>
+                    </a:lnB>
+                  </a:tcPr>
+                </a:tc>
+                <a:tc>
+                  <a:txBody>
+                    <a:bodyPr/>
+                    <a:lstStyle/>
+                    <a:p>
+                      <a:pPr algn="ctr">
+                        <a:lnSpc>
+                          <a:spcPct val="107000"/>
+                        </a:lnSpc>
+                        <a:spcAft>
+                          <a:spcPts val="0"/>
+                        </a:spcAft>
+                      </a:pPr>
+                      <a:r>
+                        <a:rPr lang="es-ES" sz="1200">
+                          <a:effectLst/>
+                          <a:latin typeface="Century Gothic" panose="020B0502020202020204" pitchFamily="34" charset="0"/>
+                          <a:ea typeface="Calibri" panose="020F0502020204030204" pitchFamily="34" charset="0"/>
+                          <a:cs typeface="Times New Roman" panose="02020603050405020304" pitchFamily="18" charset="0"/>
+                        </a:rPr>
+                        <a:t>Laravel permite más manejo de usuario que Yii2</a:t>
+                      </a:r>
+                    </a:p>
+                  </a:txBody>
+                  <a:tcPr marL="68580" marR="68580" marT="0" marB="0">
+                    <a:lnL w="12700" cap="flat" cmpd="sng" algn="ctr">
+                      <a:solidFill>
+                        <a:srgbClr val="000000"/>
+                      </a:solidFill>
+                      <a:prstDash val="solid"/>
+                      <a:round/>
+                      <a:headEnd type="none" w="med" len="med"/>
+                      <a:tailEnd type="none" w="med" len="med"/>
+                    </a:lnL>
+                    <a:lnR w="12700" cap="flat" cmpd="sng" algn="ctr">
+                      <a:solidFill>
+                        <a:srgbClr val="000000"/>
+                      </a:solidFill>
+                      <a:prstDash val="solid"/>
+                      <a:round/>
+                      <a:headEnd type="none" w="med" len="med"/>
+                      <a:tailEnd type="none" w="med" len="med"/>
+                    </a:lnR>
+                    <a:lnT w="12700" cap="flat" cmpd="sng" algn="ctr">
+                      <a:solidFill>
+                        <a:srgbClr val="000000"/>
+                      </a:solidFill>
+                      <a:prstDash val="solid"/>
+                      <a:round/>
+                      <a:headEnd type="none" w="med" len="med"/>
+                      <a:tailEnd type="none" w="med" len="med"/>
+                    </a:lnT>
+                    <a:lnB w="12700" cap="flat" cmpd="sng" algn="ctr">
+                      <a:solidFill>
+                        <a:srgbClr val="000000"/>
+                      </a:solidFill>
+                      <a:prstDash val="solid"/>
+                      <a:round/>
+                      <a:headEnd type="none" w="med" len="med"/>
+                      <a:tailEnd type="none" w="med" len="med"/>
+                    </a:lnB>
+                  </a:tcPr>
+                </a:tc>
+                <a:extLst>
+                  <a:ext uri="{0D108BD9-81ED-4DB2-BD59-A6C34878D82A}">
+                    <a16:rowId xmlns:a16="http://schemas.microsoft.com/office/drawing/2014/main" val="3332821917"/>
+                  </a:ext>
+                </a:extLst>
+              </a:tr>
+              <a:tr h="317224">
+                <a:tc>
+                  <a:txBody>
+                    <a:bodyPr/>
+                    <a:lstStyle/>
+                    <a:p>
+                      <a:pPr algn="ctr">
+                        <a:lnSpc>
+                          <a:spcPct val="107000"/>
+                        </a:lnSpc>
+                        <a:spcAft>
+                          <a:spcPts val="0"/>
+                        </a:spcAft>
+                      </a:pPr>
+                      <a:r>
+                        <a:rPr lang="es-ES" sz="1600" b="1" dirty="0">
+                          <a:effectLst/>
+                          <a:latin typeface="Century Gothic" panose="020B0502020202020204" pitchFamily="34" charset="0"/>
+                          <a:ea typeface="Calibri" panose="020F0502020204030204" pitchFamily="34" charset="0"/>
+                          <a:cs typeface="Times New Roman" panose="02020603050405020304" pitchFamily="18" charset="0"/>
+                        </a:rPr>
+                        <a:t>4</a:t>
+                      </a:r>
+                    </a:p>
+                  </a:txBody>
+                  <a:tcPr marL="68580" marR="68580" marT="0" marB="0">
+                    <a:lnL w="12700" cap="flat" cmpd="sng" algn="ctr">
+                      <a:solidFill>
+                        <a:srgbClr val="000000"/>
+                      </a:solidFill>
+                      <a:prstDash val="solid"/>
+                      <a:round/>
+                      <a:headEnd type="none" w="med" len="med"/>
+                      <a:tailEnd type="none" w="med" len="med"/>
+                    </a:lnL>
+                    <a:lnR w="12700" cap="flat" cmpd="sng" algn="ctr">
+                      <a:solidFill>
+                        <a:srgbClr val="000000"/>
+                      </a:solidFill>
+                      <a:prstDash val="solid"/>
+                      <a:round/>
+                      <a:headEnd type="none" w="med" len="med"/>
+                      <a:tailEnd type="none" w="med" len="med"/>
+                    </a:lnR>
+                    <a:lnT w="12700" cap="flat" cmpd="sng" algn="ctr">
+                      <a:solidFill>
+                        <a:srgbClr val="000000"/>
+                      </a:solidFill>
+                      <a:prstDash val="solid"/>
+                      <a:round/>
+                      <a:headEnd type="none" w="med" len="med"/>
+                      <a:tailEnd type="none" w="med" len="med"/>
+                    </a:lnT>
+                    <a:lnB w="12700" cap="flat" cmpd="sng" algn="ctr">
+                      <a:solidFill>
+                        <a:srgbClr val="000000"/>
+                      </a:solidFill>
+                      <a:prstDash val="solid"/>
+                      <a:round/>
+                      <a:headEnd type="none" w="med" len="med"/>
+                      <a:tailEnd type="none" w="med" len="med"/>
+                    </a:lnB>
+                  </a:tcPr>
+                </a:tc>
+                <a:tc>
+                  <a:txBody>
+                    <a:bodyPr/>
+                    <a:lstStyle/>
+                    <a:p>
+                      <a:pPr algn="ctr">
+                        <a:lnSpc>
+                          <a:spcPct val="107000"/>
+                        </a:lnSpc>
+                        <a:spcAft>
+                          <a:spcPts val="0"/>
+                        </a:spcAft>
+                      </a:pPr>
+                      <a:r>
+                        <a:rPr lang="es-ES" sz="1200">
+                          <a:effectLst/>
+                          <a:latin typeface="Century Gothic" panose="020B0502020202020204" pitchFamily="34" charset="0"/>
+                          <a:ea typeface="Calibri" panose="020F0502020204030204" pitchFamily="34" charset="0"/>
+                          <a:cs typeface="Times New Roman" panose="02020603050405020304" pitchFamily="18" charset="0"/>
+                        </a:rPr>
+                        <a:t>Si</a:t>
+                      </a:r>
+                    </a:p>
+                  </a:txBody>
+                  <a:tcPr marL="68580" marR="68580" marT="0" marB="0">
+                    <a:lnL w="12700" cap="flat" cmpd="sng" algn="ctr">
+                      <a:solidFill>
+                        <a:srgbClr val="000000"/>
+                      </a:solidFill>
+                      <a:prstDash val="solid"/>
+                      <a:round/>
+                      <a:headEnd type="none" w="med" len="med"/>
+                      <a:tailEnd type="none" w="med" len="med"/>
+                    </a:lnL>
+                    <a:lnR w="12700" cap="flat" cmpd="sng" algn="ctr">
+                      <a:solidFill>
+                        <a:srgbClr val="000000"/>
+                      </a:solidFill>
+                      <a:prstDash val="solid"/>
+                      <a:round/>
+                      <a:headEnd type="none" w="med" len="med"/>
+                      <a:tailEnd type="none" w="med" len="med"/>
+                    </a:lnR>
+                    <a:lnT w="12700" cap="flat" cmpd="sng" algn="ctr">
+                      <a:solidFill>
+                        <a:srgbClr val="000000"/>
+                      </a:solidFill>
+                      <a:prstDash val="solid"/>
+                      <a:round/>
+                      <a:headEnd type="none" w="med" len="med"/>
+                      <a:tailEnd type="none" w="med" len="med"/>
+                    </a:lnT>
+                    <a:lnB w="12700" cap="flat" cmpd="sng" algn="ctr">
+                      <a:solidFill>
+                        <a:srgbClr val="000000"/>
+                      </a:solidFill>
+                      <a:prstDash val="solid"/>
+                      <a:round/>
+                      <a:headEnd type="none" w="med" len="med"/>
+                      <a:tailEnd type="none" w="med" len="med"/>
+                    </a:lnB>
+                  </a:tcPr>
+                </a:tc>
+                <a:tc>
+                  <a:txBody>
+                    <a:bodyPr/>
+                    <a:lstStyle/>
+                    <a:p>
+                      <a:pPr algn="ctr">
+                        <a:lnSpc>
+                          <a:spcPct val="107000"/>
+                        </a:lnSpc>
+                        <a:spcAft>
+                          <a:spcPts val="0"/>
+                        </a:spcAft>
+                      </a:pPr>
+                      <a:r>
+                        <a:rPr lang="es-ES" sz="1200">
+                          <a:effectLst/>
+                          <a:latin typeface="Century Gothic" panose="020B0502020202020204" pitchFamily="34" charset="0"/>
+                          <a:ea typeface="Calibri" panose="020F0502020204030204" pitchFamily="34" charset="0"/>
+                          <a:cs typeface="Times New Roman" panose="02020603050405020304" pitchFamily="18" charset="0"/>
+                        </a:rPr>
+                        <a:t>Si</a:t>
+                      </a:r>
+                    </a:p>
+                  </a:txBody>
+                  <a:tcPr marL="68580" marR="68580" marT="0" marB="0">
+                    <a:lnL w="12700" cap="flat" cmpd="sng" algn="ctr">
+                      <a:solidFill>
+                        <a:srgbClr val="000000"/>
+                      </a:solidFill>
+                      <a:prstDash val="solid"/>
+                      <a:round/>
+                      <a:headEnd type="none" w="med" len="med"/>
+                      <a:tailEnd type="none" w="med" len="med"/>
+                    </a:lnL>
+                    <a:lnR w="12700" cap="flat" cmpd="sng" algn="ctr">
+                      <a:solidFill>
+                        <a:srgbClr val="000000"/>
+                      </a:solidFill>
+                      <a:prstDash val="solid"/>
+                      <a:round/>
+                      <a:headEnd type="none" w="med" len="med"/>
+                      <a:tailEnd type="none" w="med" len="med"/>
+                    </a:lnR>
+                    <a:lnT w="12700" cap="flat" cmpd="sng" algn="ctr">
+                      <a:solidFill>
+                        <a:srgbClr val="000000"/>
+                      </a:solidFill>
+                      <a:prstDash val="solid"/>
+                      <a:round/>
+                      <a:headEnd type="none" w="med" len="med"/>
+                      <a:tailEnd type="none" w="med" len="med"/>
+                    </a:lnT>
+                    <a:lnB w="12700" cap="flat" cmpd="sng" algn="ctr">
+                      <a:solidFill>
+                        <a:srgbClr val="000000"/>
+                      </a:solidFill>
+                      <a:prstDash val="solid"/>
+                      <a:round/>
+                      <a:headEnd type="none" w="med" len="med"/>
+                      <a:tailEnd type="none" w="med" len="med"/>
+                    </a:lnB>
+                  </a:tcPr>
+                </a:tc>
+                <a:tc>
+                  <a:txBody>
+                    <a:bodyPr/>
+                    <a:lstStyle/>
+                    <a:p>
+                      <a:pPr algn="ctr">
+                        <a:lnSpc>
+                          <a:spcPct val="107000"/>
+                        </a:lnSpc>
+                        <a:spcAft>
+                          <a:spcPts val="0"/>
+                        </a:spcAft>
+                      </a:pPr>
+                      <a:r>
+                        <a:rPr lang="es-ES" sz="1200">
+                          <a:effectLst/>
+                          <a:latin typeface="Century Gothic" panose="020B0502020202020204" pitchFamily="34" charset="0"/>
+                          <a:ea typeface="Calibri" panose="020F0502020204030204" pitchFamily="34" charset="0"/>
+                          <a:cs typeface="Times New Roman" panose="02020603050405020304" pitchFamily="18" charset="0"/>
+                        </a:rPr>
+                        <a:t>Los dos funcionan por igual en los navegadores modernos</a:t>
+                      </a:r>
+                    </a:p>
+                  </a:txBody>
+                  <a:tcPr marL="68580" marR="68580" marT="0" marB="0">
+                    <a:lnL w="12700" cap="flat" cmpd="sng" algn="ctr">
+                      <a:solidFill>
+                        <a:srgbClr val="000000"/>
+                      </a:solidFill>
+                      <a:prstDash val="solid"/>
+                      <a:round/>
+                      <a:headEnd type="none" w="med" len="med"/>
+                      <a:tailEnd type="none" w="med" len="med"/>
+                    </a:lnL>
+                    <a:lnR w="12700" cap="flat" cmpd="sng" algn="ctr">
+                      <a:solidFill>
+                        <a:srgbClr val="000000"/>
+                      </a:solidFill>
+                      <a:prstDash val="solid"/>
+                      <a:round/>
+                      <a:headEnd type="none" w="med" len="med"/>
+                      <a:tailEnd type="none" w="med" len="med"/>
+                    </a:lnR>
+                    <a:lnT w="12700" cap="flat" cmpd="sng" algn="ctr">
+                      <a:solidFill>
+                        <a:srgbClr val="000000"/>
+                      </a:solidFill>
+                      <a:prstDash val="solid"/>
+                      <a:round/>
+                      <a:headEnd type="none" w="med" len="med"/>
+                      <a:tailEnd type="none" w="med" len="med"/>
+                    </a:lnT>
+                    <a:lnB w="12700" cap="flat" cmpd="sng" algn="ctr">
+                      <a:solidFill>
+                        <a:srgbClr val="000000"/>
+                      </a:solidFill>
+                      <a:prstDash val="solid"/>
+                      <a:round/>
+                      <a:headEnd type="none" w="med" len="med"/>
+                      <a:tailEnd type="none" w="med" len="med"/>
+                    </a:lnB>
+                  </a:tcPr>
+                </a:tc>
+                <a:extLst>
+                  <a:ext uri="{0D108BD9-81ED-4DB2-BD59-A6C34878D82A}">
+                    <a16:rowId xmlns:a16="http://schemas.microsoft.com/office/drawing/2014/main" val="1511771178"/>
+                  </a:ext>
+                </a:extLst>
+              </a:tr>
+              <a:tr h="215656">
+                <a:tc>
+                  <a:txBody>
+                    <a:bodyPr/>
+                    <a:lstStyle/>
+                    <a:p>
+                      <a:pPr algn="ctr">
+                        <a:lnSpc>
+                          <a:spcPct val="107000"/>
+                        </a:lnSpc>
+                        <a:spcAft>
+                          <a:spcPts val="0"/>
+                        </a:spcAft>
+                      </a:pPr>
+                      <a:r>
+                        <a:rPr lang="es-ES" sz="1600" b="1" dirty="0">
+                          <a:effectLst/>
+                          <a:latin typeface="Century Gothic" panose="020B0502020202020204" pitchFamily="34" charset="0"/>
+                          <a:ea typeface="Calibri" panose="020F0502020204030204" pitchFamily="34" charset="0"/>
+                          <a:cs typeface="Times New Roman" panose="02020603050405020304" pitchFamily="18" charset="0"/>
+                        </a:rPr>
+                        <a:t>5</a:t>
+                      </a:r>
+                    </a:p>
+                  </a:txBody>
+                  <a:tcPr marL="68580" marR="68580" marT="0" marB="0">
+                    <a:lnL w="12700" cap="flat" cmpd="sng" algn="ctr">
+                      <a:solidFill>
+                        <a:srgbClr val="000000"/>
+                      </a:solidFill>
+                      <a:prstDash val="solid"/>
+                      <a:round/>
+                      <a:headEnd type="none" w="med" len="med"/>
+                      <a:tailEnd type="none" w="med" len="med"/>
+                    </a:lnL>
+                    <a:lnR w="12700" cap="flat" cmpd="sng" algn="ctr">
+                      <a:solidFill>
+                        <a:srgbClr val="000000"/>
+                      </a:solidFill>
+                      <a:prstDash val="solid"/>
+                      <a:round/>
+                      <a:headEnd type="none" w="med" len="med"/>
+                      <a:tailEnd type="none" w="med" len="med"/>
+                    </a:lnR>
+                    <a:lnT w="12700" cap="flat" cmpd="sng" algn="ctr">
+                      <a:solidFill>
+                        <a:srgbClr val="000000"/>
+                      </a:solidFill>
+                      <a:prstDash val="solid"/>
+                      <a:round/>
+                      <a:headEnd type="none" w="med" len="med"/>
+                      <a:tailEnd type="none" w="med" len="med"/>
+                    </a:lnT>
+                    <a:lnB w="12700" cap="flat" cmpd="sng" algn="ctr">
+                      <a:solidFill>
+                        <a:srgbClr val="000000"/>
+                      </a:solidFill>
+                      <a:prstDash val="solid"/>
+                      <a:round/>
+                      <a:headEnd type="none" w="med" len="med"/>
+                      <a:tailEnd type="none" w="med" len="med"/>
+                    </a:lnB>
+                  </a:tcPr>
+                </a:tc>
+                <a:tc>
+                  <a:txBody>
+                    <a:bodyPr/>
+                    <a:lstStyle/>
+                    <a:p>
+                      <a:pPr algn="ctr">
+                        <a:lnSpc>
+                          <a:spcPct val="107000"/>
+                        </a:lnSpc>
+                        <a:spcAft>
+                          <a:spcPts val="0"/>
+                        </a:spcAft>
+                      </a:pPr>
+                      <a:r>
+                        <a:rPr lang="es-ES" sz="1200">
+                          <a:effectLst/>
+                          <a:latin typeface="Century Gothic" panose="020B0502020202020204" pitchFamily="34" charset="0"/>
+                          <a:ea typeface="Calibri" panose="020F0502020204030204" pitchFamily="34" charset="0"/>
+                          <a:cs typeface="Times New Roman" panose="02020603050405020304" pitchFamily="18" charset="0"/>
+                        </a:rPr>
+                        <a:t>No</a:t>
+                      </a:r>
+                    </a:p>
+                  </a:txBody>
+                  <a:tcPr marL="68580" marR="68580" marT="0" marB="0">
+                    <a:lnL w="12700" cap="flat" cmpd="sng" algn="ctr">
+                      <a:solidFill>
+                        <a:srgbClr val="000000"/>
+                      </a:solidFill>
+                      <a:prstDash val="solid"/>
+                      <a:round/>
+                      <a:headEnd type="none" w="med" len="med"/>
+                      <a:tailEnd type="none" w="med" len="med"/>
+                    </a:lnL>
+                    <a:lnR w="12700" cap="flat" cmpd="sng" algn="ctr">
+                      <a:solidFill>
+                        <a:srgbClr val="000000"/>
+                      </a:solidFill>
+                      <a:prstDash val="solid"/>
+                      <a:round/>
+                      <a:headEnd type="none" w="med" len="med"/>
+                      <a:tailEnd type="none" w="med" len="med"/>
+                    </a:lnR>
+                    <a:lnT w="12700" cap="flat" cmpd="sng" algn="ctr">
+                      <a:solidFill>
+                        <a:srgbClr val="000000"/>
+                      </a:solidFill>
+                      <a:prstDash val="solid"/>
+                      <a:round/>
+                      <a:headEnd type="none" w="med" len="med"/>
+                      <a:tailEnd type="none" w="med" len="med"/>
+                    </a:lnT>
+                    <a:lnB w="12700" cap="flat" cmpd="sng" algn="ctr">
+                      <a:solidFill>
+                        <a:srgbClr val="000000"/>
+                      </a:solidFill>
+                      <a:prstDash val="solid"/>
+                      <a:round/>
+                      <a:headEnd type="none" w="med" len="med"/>
+                      <a:tailEnd type="none" w="med" len="med"/>
+                    </a:lnB>
+                  </a:tcPr>
+                </a:tc>
+                <a:tc>
+                  <a:txBody>
+                    <a:bodyPr/>
+                    <a:lstStyle/>
+                    <a:p>
+                      <a:pPr algn="ctr">
+                        <a:lnSpc>
+                          <a:spcPct val="107000"/>
+                        </a:lnSpc>
+                        <a:spcAft>
+                          <a:spcPts val="0"/>
+                        </a:spcAft>
+                      </a:pPr>
+                      <a:r>
+                        <a:rPr lang="es-ES" sz="1200">
+                          <a:effectLst/>
+                          <a:latin typeface="Century Gothic" panose="020B0502020202020204" pitchFamily="34" charset="0"/>
+                          <a:ea typeface="Calibri" panose="020F0502020204030204" pitchFamily="34" charset="0"/>
+                          <a:cs typeface="Times New Roman" panose="02020603050405020304" pitchFamily="18" charset="0"/>
+                        </a:rPr>
+                        <a:t>No</a:t>
+                      </a:r>
+                    </a:p>
+                  </a:txBody>
+                  <a:tcPr marL="68580" marR="68580" marT="0" marB="0">
+                    <a:lnL w="12700" cap="flat" cmpd="sng" algn="ctr">
+                      <a:solidFill>
+                        <a:srgbClr val="000000"/>
+                      </a:solidFill>
+                      <a:prstDash val="solid"/>
+                      <a:round/>
+                      <a:headEnd type="none" w="med" len="med"/>
+                      <a:tailEnd type="none" w="med" len="med"/>
+                    </a:lnL>
+                    <a:lnR w="12700" cap="flat" cmpd="sng" algn="ctr">
+                      <a:solidFill>
+                        <a:srgbClr val="000000"/>
+                      </a:solidFill>
+                      <a:prstDash val="solid"/>
+                      <a:round/>
+                      <a:headEnd type="none" w="med" len="med"/>
+                      <a:tailEnd type="none" w="med" len="med"/>
+                    </a:lnR>
+                    <a:lnT w="12700" cap="flat" cmpd="sng" algn="ctr">
+                      <a:solidFill>
+                        <a:srgbClr val="000000"/>
+                      </a:solidFill>
+                      <a:prstDash val="solid"/>
+                      <a:round/>
+                      <a:headEnd type="none" w="med" len="med"/>
+                      <a:tailEnd type="none" w="med" len="med"/>
+                    </a:lnT>
+                    <a:lnB w="12700" cap="flat" cmpd="sng" algn="ctr">
+                      <a:solidFill>
+                        <a:srgbClr val="000000"/>
+                      </a:solidFill>
+                      <a:prstDash val="solid"/>
+                      <a:round/>
+                      <a:headEnd type="none" w="med" len="med"/>
+                      <a:tailEnd type="none" w="med" len="med"/>
+                    </a:lnB>
+                  </a:tcPr>
+                </a:tc>
+                <a:tc>
+                  <a:txBody>
+                    <a:bodyPr/>
+                    <a:lstStyle/>
+                    <a:p>
+                      <a:pPr algn="ctr">
+                        <a:lnSpc>
+                          <a:spcPct val="107000"/>
+                        </a:lnSpc>
+                        <a:spcAft>
+                          <a:spcPts val="0"/>
+                        </a:spcAft>
+                      </a:pPr>
+                      <a:r>
+                        <a:rPr lang="es-ES" sz="1200">
+                          <a:effectLst/>
+                          <a:latin typeface="Century Gothic" panose="020B0502020202020204" pitchFamily="34" charset="0"/>
+                          <a:ea typeface="Calibri" panose="020F0502020204030204" pitchFamily="34" charset="0"/>
+                          <a:cs typeface="Times New Roman" panose="02020603050405020304" pitchFamily="18" charset="0"/>
+                        </a:rPr>
+                        <a:t>No necesitan extensiones para su funcionalidad</a:t>
+                      </a:r>
+                    </a:p>
+                  </a:txBody>
+                  <a:tcPr marL="68580" marR="68580" marT="0" marB="0">
+                    <a:lnL w="12700" cap="flat" cmpd="sng" algn="ctr">
+                      <a:solidFill>
+                        <a:srgbClr val="000000"/>
+                      </a:solidFill>
+                      <a:prstDash val="solid"/>
+                      <a:round/>
+                      <a:headEnd type="none" w="med" len="med"/>
+                      <a:tailEnd type="none" w="med" len="med"/>
+                    </a:lnL>
+                    <a:lnR w="12700" cap="flat" cmpd="sng" algn="ctr">
+                      <a:solidFill>
+                        <a:srgbClr val="000000"/>
+                      </a:solidFill>
+                      <a:prstDash val="solid"/>
+                      <a:round/>
+                      <a:headEnd type="none" w="med" len="med"/>
+                      <a:tailEnd type="none" w="med" len="med"/>
+                    </a:lnR>
+                    <a:lnT w="12700" cap="flat" cmpd="sng" algn="ctr">
+                      <a:solidFill>
+                        <a:srgbClr val="000000"/>
+                      </a:solidFill>
+                      <a:prstDash val="solid"/>
+                      <a:round/>
+                      <a:headEnd type="none" w="med" len="med"/>
+                      <a:tailEnd type="none" w="med" len="med"/>
+                    </a:lnT>
+                    <a:lnB w="12700" cap="flat" cmpd="sng" algn="ctr">
+                      <a:solidFill>
+                        <a:srgbClr val="000000"/>
+                      </a:solidFill>
+                      <a:prstDash val="solid"/>
+                      <a:round/>
+                      <a:headEnd type="none" w="med" len="med"/>
+                      <a:tailEnd type="none" w="med" len="med"/>
+                    </a:lnB>
+                  </a:tcPr>
+                </a:tc>
+                <a:extLst>
+                  <a:ext uri="{0D108BD9-81ED-4DB2-BD59-A6C34878D82A}">
+                    <a16:rowId xmlns:a16="http://schemas.microsoft.com/office/drawing/2014/main" val="642096529"/>
+                  </a:ext>
+                </a:extLst>
+              </a:tr>
+              <a:tr h="448187">
+                <a:tc>
+                  <a:txBody>
+                    <a:bodyPr/>
+                    <a:lstStyle/>
+                    <a:p>
+                      <a:pPr algn="ctr">
+                        <a:lnSpc>
+                          <a:spcPct val="107000"/>
+                        </a:lnSpc>
+                        <a:spcAft>
+                          <a:spcPts val="0"/>
+                        </a:spcAft>
+                      </a:pPr>
+                      <a:r>
+                        <a:rPr lang="es-ES" sz="1600" b="1" dirty="0">
+                          <a:effectLst/>
+                          <a:latin typeface="Century Gothic" panose="020B0502020202020204" pitchFamily="34" charset="0"/>
+                          <a:ea typeface="Calibri" panose="020F0502020204030204" pitchFamily="34" charset="0"/>
+                          <a:cs typeface="Times New Roman" panose="02020603050405020304" pitchFamily="18" charset="0"/>
+                        </a:rPr>
+                        <a:t>6</a:t>
+                      </a:r>
+                    </a:p>
+                  </a:txBody>
+                  <a:tcPr marL="68580" marR="68580" marT="0" marB="0">
+                    <a:lnL w="12700" cap="flat" cmpd="sng" algn="ctr">
+                      <a:solidFill>
+                        <a:srgbClr val="000000"/>
+                      </a:solidFill>
+                      <a:prstDash val="solid"/>
+                      <a:round/>
+                      <a:headEnd type="none" w="med" len="med"/>
+                      <a:tailEnd type="none" w="med" len="med"/>
+                    </a:lnL>
+                    <a:lnR w="12700" cap="flat" cmpd="sng" algn="ctr">
+                      <a:solidFill>
+                        <a:srgbClr val="000000"/>
+                      </a:solidFill>
+                      <a:prstDash val="solid"/>
+                      <a:round/>
+                      <a:headEnd type="none" w="med" len="med"/>
+                      <a:tailEnd type="none" w="med" len="med"/>
+                    </a:lnR>
+                    <a:lnT w="12700" cap="flat" cmpd="sng" algn="ctr">
+                      <a:solidFill>
+                        <a:srgbClr val="000000"/>
+                      </a:solidFill>
+                      <a:prstDash val="solid"/>
+                      <a:round/>
+                      <a:headEnd type="none" w="med" len="med"/>
+                      <a:tailEnd type="none" w="med" len="med"/>
+                    </a:lnT>
+                    <a:lnB w="12700" cap="flat" cmpd="sng" algn="ctr">
+                      <a:solidFill>
+                        <a:srgbClr val="000000"/>
+                      </a:solidFill>
+                      <a:prstDash val="solid"/>
+                      <a:round/>
+                      <a:headEnd type="none" w="med" len="med"/>
+                      <a:tailEnd type="none" w="med" len="med"/>
+                    </a:lnB>
+                  </a:tcPr>
+                </a:tc>
+                <a:tc>
+                  <a:txBody>
+                    <a:bodyPr/>
+                    <a:lstStyle/>
+                    <a:p>
+                      <a:pPr algn="ctr">
+                        <a:lnSpc>
+                          <a:spcPct val="107000"/>
+                        </a:lnSpc>
+                        <a:spcAft>
+                          <a:spcPts val="0"/>
+                        </a:spcAft>
+                      </a:pPr>
+                      <a:r>
+                        <a:rPr lang="es-ES" sz="1200">
+                          <a:effectLst/>
+                          <a:latin typeface="Century Gothic" panose="020B0502020202020204" pitchFamily="34" charset="0"/>
+                          <a:ea typeface="Calibri" panose="020F0502020204030204" pitchFamily="34" charset="0"/>
+                          <a:cs typeface="Times New Roman" panose="02020603050405020304" pitchFamily="18" charset="0"/>
+                        </a:rPr>
+                        <a:t>4 horas</a:t>
+                      </a:r>
+                    </a:p>
+                  </a:txBody>
+                  <a:tcPr marL="68580" marR="68580" marT="0" marB="0">
+                    <a:lnL w="12700" cap="flat" cmpd="sng" algn="ctr">
+                      <a:solidFill>
+                        <a:srgbClr val="000000"/>
+                      </a:solidFill>
+                      <a:prstDash val="solid"/>
+                      <a:round/>
+                      <a:headEnd type="none" w="med" len="med"/>
+                      <a:tailEnd type="none" w="med" len="med"/>
+                    </a:lnL>
+                    <a:lnR w="12700" cap="flat" cmpd="sng" algn="ctr">
+                      <a:solidFill>
+                        <a:srgbClr val="000000"/>
+                      </a:solidFill>
+                      <a:prstDash val="solid"/>
+                      <a:round/>
+                      <a:headEnd type="none" w="med" len="med"/>
+                      <a:tailEnd type="none" w="med" len="med"/>
+                    </a:lnR>
+                    <a:lnT w="12700" cap="flat" cmpd="sng" algn="ctr">
+                      <a:solidFill>
+                        <a:srgbClr val="000000"/>
+                      </a:solidFill>
+                      <a:prstDash val="solid"/>
+                      <a:round/>
+                      <a:headEnd type="none" w="med" len="med"/>
+                      <a:tailEnd type="none" w="med" len="med"/>
+                    </a:lnT>
+                    <a:lnB w="12700" cap="flat" cmpd="sng" algn="ctr">
+                      <a:solidFill>
+                        <a:srgbClr val="000000"/>
+                      </a:solidFill>
+                      <a:prstDash val="solid"/>
+                      <a:round/>
+                      <a:headEnd type="none" w="med" len="med"/>
+                      <a:tailEnd type="none" w="med" len="med"/>
+                    </a:lnB>
+                  </a:tcPr>
+                </a:tc>
+                <a:tc>
+                  <a:txBody>
+                    <a:bodyPr/>
+                    <a:lstStyle/>
+                    <a:p>
+                      <a:pPr algn="ctr">
+                        <a:lnSpc>
+                          <a:spcPct val="107000"/>
+                        </a:lnSpc>
+                        <a:spcAft>
+                          <a:spcPts val="0"/>
+                        </a:spcAft>
+                      </a:pPr>
+                      <a:r>
+                        <a:rPr lang="es-ES" sz="1200">
+                          <a:effectLst/>
+                          <a:latin typeface="Century Gothic" panose="020B0502020202020204" pitchFamily="34" charset="0"/>
+                          <a:ea typeface="Calibri" panose="020F0502020204030204" pitchFamily="34" charset="0"/>
+                          <a:cs typeface="Times New Roman" panose="02020603050405020304" pitchFamily="18" charset="0"/>
+                        </a:rPr>
+                        <a:t>4 horas (no finalizado)</a:t>
+                      </a:r>
+                    </a:p>
+                  </a:txBody>
+                  <a:tcPr marL="68580" marR="68580" marT="0" marB="0">
+                    <a:lnL w="12700" cap="flat" cmpd="sng" algn="ctr">
+                      <a:solidFill>
+                        <a:srgbClr val="000000"/>
+                      </a:solidFill>
+                      <a:prstDash val="solid"/>
+                      <a:round/>
+                      <a:headEnd type="none" w="med" len="med"/>
+                      <a:tailEnd type="none" w="med" len="med"/>
+                    </a:lnL>
+                    <a:lnR w="12700" cap="flat" cmpd="sng" algn="ctr">
+                      <a:solidFill>
+                        <a:srgbClr val="000000"/>
+                      </a:solidFill>
+                      <a:prstDash val="solid"/>
+                      <a:round/>
+                      <a:headEnd type="none" w="med" len="med"/>
+                      <a:tailEnd type="none" w="med" len="med"/>
+                    </a:lnR>
+                    <a:lnT w="12700" cap="flat" cmpd="sng" algn="ctr">
+                      <a:solidFill>
+                        <a:srgbClr val="000000"/>
+                      </a:solidFill>
+                      <a:prstDash val="solid"/>
+                      <a:round/>
+                      <a:headEnd type="none" w="med" len="med"/>
+                      <a:tailEnd type="none" w="med" len="med"/>
+                    </a:lnT>
+                    <a:lnB w="12700" cap="flat" cmpd="sng" algn="ctr">
+                      <a:solidFill>
+                        <a:srgbClr val="000000"/>
+                      </a:solidFill>
+                      <a:prstDash val="solid"/>
+                      <a:round/>
+                      <a:headEnd type="none" w="med" len="med"/>
+                      <a:tailEnd type="none" w="med" len="med"/>
+                    </a:lnB>
+                  </a:tcPr>
+                </a:tc>
+                <a:tc>
+                  <a:txBody>
+                    <a:bodyPr/>
+                    <a:lstStyle/>
+                    <a:p>
+                      <a:pPr algn="ctr">
+                        <a:lnSpc>
+                          <a:spcPct val="107000"/>
+                        </a:lnSpc>
+                        <a:spcAft>
+                          <a:spcPts val="0"/>
+                        </a:spcAft>
+                      </a:pPr>
+                      <a:r>
+                        <a:rPr lang="es-ES" sz="1200">
+                          <a:effectLst/>
+                          <a:latin typeface="Century Gothic" panose="020B0502020202020204" pitchFamily="34" charset="0"/>
+                          <a:ea typeface="Calibri" panose="020F0502020204030204" pitchFamily="34" charset="0"/>
+                          <a:cs typeface="Times New Roman" panose="02020603050405020304" pitchFamily="18" charset="0"/>
+                        </a:rPr>
+                        <a:t>Aún utilizando las mismas horas se pueden implementar más cosas en Yii2 que en Laravel</a:t>
+                      </a:r>
+                    </a:p>
+                  </a:txBody>
+                  <a:tcPr marL="68580" marR="68580" marT="0" marB="0">
+                    <a:lnL w="12700" cap="flat" cmpd="sng" algn="ctr">
+                      <a:solidFill>
+                        <a:srgbClr val="000000"/>
+                      </a:solidFill>
+                      <a:prstDash val="solid"/>
+                      <a:round/>
+                      <a:headEnd type="none" w="med" len="med"/>
+                      <a:tailEnd type="none" w="med" len="med"/>
+                    </a:lnL>
+                    <a:lnR w="12700" cap="flat" cmpd="sng" algn="ctr">
+                      <a:solidFill>
+                        <a:srgbClr val="000000"/>
+                      </a:solidFill>
+                      <a:prstDash val="solid"/>
+                      <a:round/>
+                      <a:headEnd type="none" w="med" len="med"/>
+                      <a:tailEnd type="none" w="med" len="med"/>
+                    </a:lnR>
+                    <a:lnT w="12700" cap="flat" cmpd="sng" algn="ctr">
+                      <a:solidFill>
+                        <a:srgbClr val="000000"/>
+                      </a:solidFill>
+                      <a:prstDash val="solid"/>
+                      <a:round/>
+                      <a:headEnd type="none" w="med" len="med"/>
+                      <a:tailEnd type="none" w="med" len="med"/>
+                    </a:lnT>
+                    <a:lnB w="12700" cap="flat" cmpd="sng" algn="ctr">
+                      <a:solidFill>
+                        <a:srgbClr val="000000"/>
+                      </a:solidFill>
+                      <a:prstDash val="solid"/>
+                      <a:round/>
+                      <a:headEnd type="none" w="med" len="med"/>
+                      <a:tailEnd type="none" w="med" len="med"/>
+                    </a:lnB>
+                  </a:tcPr>
+                </a:tc>
+                <a:extLst>
+                  <a:ext uri="{0D108BD9-81ED-4DB2-BD59-A6C34878D82A}">
+                    <a16:rowId xmlns:a16="http://schemas.microsoft.com/office/drawing/2014/main" val="1075110326"/>
+                  </a:ext>
+                </a:extLst>
+              </a:tr>
+              <a:tr h="215656">
+                <a:tc>
+                  <a:txBody>
+                    <a:bodyPr/>
+                    <a:lstStyle/>
+                    <a:p>
+                      <a:pPr algn="ctr">
+                        <a:lnSpc>
+                          <a:spcPct val="107000"/>
+                        </a:lnSpc>
+                        <a:spcAft>
+                          <a:spcPts val="0"/>
+                        </a:spcAft>
+                      </a:pPr>
+                      <a:r>
+                        <a:rPr lang="es-ES" sz="1600" b="1" dirty="0">
+                          <a:effectLst/>
+                          <a:latin typeface="Century Gothic" panose="020B0502020202020204" pitchFamily="34" charset="0"/>
+                          <a:ea typeface="Calibri" panose="020F0502020204030204" pitchFamily="34" charset="0"/>
+                          <a:cs typeface="Times New Roman" panose="02020603050405020304" pitchFamily="18" charset="0"/>
+                        </a:rPr>
+                        <a:t>7</a:t>
+                      </a:r>
+                    </a:p>
+                  </a:txBody>
+                  <a:tcPr marL="68580" marR="68580" marT="0" marB="0">
+                    <a:lnL w="12700" cap="flat" cmpd="sng" algn="ctr">
+                      <a:solidFill>
+                        <a:srgbClr val="000000"/>
+                      </a:solidFill>
+                      <a:prstDash val="solid"/>
+                      <a:round/>
+                      <a:headEnd type="none" w="med" len="med"/>
+                      <a:tailEnd type="none" w="med" len="med"/>
+                    </a:lnL>
+                    <a:lnR w="12700" cap="flat" cmpd="sng" algn="ctr">
+                      <a:solidFill>
+                        <a:srgbClr val="000000"/>
+                      </a:solidFill>
+                      <a:prstDash val="solid"/>
+                      <a:round/>
+                      <a:headEnd type="none" w="med" len="med"/>
+                      <a:tailEnd type="none" w="med" len="med"/>
+                    </a:lnR>
+                    <a:lnT w="12700" cap="flat" cmpd="sng" algn="ctr">
+                      <a:solidFill>
+                        <a:srgbClr val="000000"/>
+                      </a:solidFill>
+                      <a:prstDash val="solid"/>
+                      <a:round/>
+                      <a:headEnd type="none" w="med" len="med"/>
+                      <a:tailEnd type="none" w="med" len="med"/>
+                    </a:lnT>
+                    <a:lnB w="12700" cap="flat" cmpd="sng" algn="ctr">
+                      <a:solidFill>
+                        <a:srgbClr val="000000"/>
+                      </a:solidFill>
+                      <a:prstDash val="solid"/>
+                      <a:round/>
+                      <a:headEnd type="none" w="med" len="med"/>
+                      <a:tailEnd type="none" w="med" len="med"/>
+                    </a:lnB>
+                  </a:tcPr>
+                </a:tc>
+                <a:tc>
+                  <a:txBody>
+                    <a:bodyPr/>
+                    <a:lstStyle/>
+                    <a:p>
+                      <a:pPr algn="ctr">
+                        <a:lnSpc>
+                          <a:spcPct val="107000"/>
+                        </a:lnSpc>
+                        <a:spcAft>
+                          <a:spcPts val="0"/>
+                        </a:spcAft>
+                      </a:pPr>
+                      <a:r>
+                        <a:rPr lang="es-ES" sz="1200">
+                          <a:effectLst/>
+                          <a:latin typeface="Century Gothic" panose="020B0502020202020204" pitchFamily="34" charset="0"/>
+                          <a:ea typeface="Calibri" panose="020F0502020204030204" pitchFamily="34" charset="0"/>
+                          <a:cs typeface="Times New Roman" panose="02020603050405020304" pitchFamily="18" charset="0"/>
+                        </a:rPr>
+                        <a:t>75</a:t>
+                      </a:r>
+                    </a:p>
+                  </a:txBody>
+                  <a:tcPr marL="68580" marR="68580" marT="0" marB="0">
+                    <a:lnL w="12700" cap="flat" cmpd="sng" algn="ctr">
+                      <a:solidFill>
+                        <a:srgbClr val="000000"/>
+                      </a:solidFill>
+                      <a:prstDash val="solid"/>
+                      <a:round/>
+                      <a:headEnd type="none" w="med" len="med"/>
+                      <a:tailEnd type="none" w="med" len="med"/>
+                    </a:lnL>
+                    <a:lnR w="12700" cap="flat" cmpd="sng" algn="ctr">
+                      <a:solidFill>
+                        <a:srgbClr val="000000"/>
+                      </a:solidFill>
+                      <a:prstDash val="solid"/>
+                      <a:round/>
+                      <a:headEnd type="none" w="med" len="med"/>
+                      <a:tailEnd type="none" w="med" len="med"/>
+                    </a:lnR>
+                    <a:lnT w="12700" cap="flat" cmpd="sng" algn="ctr">
+                      <a:solidFill>
+                        <a:srgbClr val="000000"/>
+                      </a:solidFill>
+                      <a:prstDash val="solid"/>
+                      <a:round/>
+                      <a:headEnd type="none" w="med" len="med"/>
+                      <a:tailEnd type="none" w="med" len="med"/>
+                    </a:lnT>
+                    <a:lnB w="12700" cap="flat" cmpd="sng" algn="ctr">
+                      <a:solidFill>
+                        <a:srgbClr val="000000"/>
+                      </a:solidFill>
+                      <a:prstDash val="solid"/>
+                      <a:round/>
+                      <a:headEnd type="none" w="med" len="med"/>
+                      <a:tailEnd type="none" w="med" len="med"/>
+                    </a:lnB>
+                  </a:tcPr>
+                </a:tc>
+                <a:tc>
+                  <a:txBody>
+                    <a:bodyPr/>
+                    <a:lstStyle/>
+                    <a:p>
+                      <a:pPr algn="ctr">
+                        <a:lnSpc>
+                          <a:spcPct val="107000"/>
+                        </a:lnSpc>
+                        <a:spcAft>
+                          <a:spcPts val="0"/>
+                        </a:spcAft>
+                      </a:pPr>
+                      <a:r>
+                        <a:rPr lang="es-ES" sz="1200">
+                          <a:effectLst/>
+                          <a:latin typeface="Century Gothic" panose="020B0502020202020204" pitchFamily="34" charset="0"/>
+                          <a:ea typeface="Calibri" panose="020F0502020204030204" pitchFamily="34" charset="0"/>
+                          <a:cs typeface="Times New Roman" panose="02020603050405020304" pitchFamily="18" charset="0"/>
+                        </a:rPr>
+                        <a:t>60</a:t>
+                      </a:r>
+                    </a:p>
+                  </a:txBody>
+                  <a:tcPr marL="68580" marR="68580" marT="0" marB="0">
+                    <a:lnL w="12700" cap="flat" cmpd="sng" algn="ctr">
+                      <a:solidFill>
+                        <a:srgbClr val="000000"/>
+                      </a:solidFill>
+                      <a:prstDash val="solid"/>
+                      <a:round/>
+                      <a:headEnd type="none" w="med" len="med"/>
+                      <a:tailEnd type="none" w="med" len="med"/>
+                    </a:lnL>
+                    <a:lnR w="12700" cap="flat" cmpd="sng" algn="ctr">
+                      <a:solidFill>
+                        <a:srgbClr val="000000"/>
+                      </a:solidFill>
+                      <a:prstDash val="solid"/>
+                      <a:round/>
+                      <a:headEnd type="none" w="med" len="med"/>
+                      <a:tailEnd type="none" w="med" len="med"/>
+                    </a:lnR>
+                    <a:lnT w="12700" cap="flat" cmpd="sng" algn="ctr">
+                      <a:solidFill>
+                        <a:srgbClr val="000000"/>
+                      </a:solidFill>
+                      <a:prstDash val="solid"/>
+                      <a:round/>
+                      <a:headEnd type="none" w="med" len="med"/>
+                      <a:tailEnd type="none" w="med" len="med"/>
+                    </a:lnT>
+                    <a:lnB w="12700" cap="flat" cmpd="sng" algn="ctr">
+                      <a:solidFill>
+                        <a:srgbClr val="000000"/>
+                      </a:solidFill>
+                      <a:prstDash val="solid"/>
+                      <a:round/>
+                      <a:headEnd type="none" w="med" len="med"/>
+                      <a:tailEnd type="none" w="med" len="med"/>
+                    </a:lnB>
+                  </a:tcPr>
+                </a:tc>
+                <a:tc>
+                  <a:txBody>
+                    <a:bodyPr/>
+                    <a:lstStyle/>
+                    <a:p>
+                      <a:pPr algn="ctr">
+                        <a:lnSpc>
+                          <a:spcPct val="107000"/>
+                        </a:lnSpc>
+                        <a:spcAft>
+                          <a:spcPts val="0"/>
+                        </a:spcAft>
+                      </a:pPr>
+                      <a:r>
+                        <a:rPr lang="es-ES" sz="1200">
+                          <a:effectLst/>
+                          <a:latin typeface="Century Gothic" panose="020B0502020202020204" pitchFamily="34" charset="0"/>
+                          <a:ea typeface="Calibri" panose="020F0502020204030204" pitchFamily="34" charset="0"/>
+                          <a:cs typeface="Times New Roman" panose="02020603050405020304" pitchFamily="18" charset="0"/>
+                        </a:rPr>
+                        <a:t>Yii2 es más rápido que Laravel</a:t>
+                      </a:r>
+                    </a:p>
+                  </a:txBody>
+                  <a:tcPr marL="68580" marR="68580" marT="0" marB="0">
+                    <a:lnL w="12700" cap="flat" cmpd="sng" algn="ctr">
+                      <a:solidFill>
+                        <a:srgbClr val="000000"/>
+                      </a:solidFill>
+                      <a:prstDash val="solid"/>
+                      <a:round/>
+                      <a:headEnd type="none" w="med" len="med"/>
+                      <a:tailEnd type="none" w="med" len="med"/>
+                    </a:lnL>
+                    <a:lnR w="12700" cap="flat" cmpd="sng" algn="ctr">
+                      <a:solidFill>
+                        <a:srgbClr val="000000"/>
+                      </a:solidFill>
+                      <a:prstDash val="solid"/>
+                      <a:round/>
+                      <a:headEnd type="none" w="med" len="med"/>
+                      <a:tailEnd type="none" w="med" len="med"/>
+                    </a:lnR>
+                    <a:lnT w="12700" cap="flat" cmpd="sng" algn="ctr">
+                      <a:solidFill>
+                        <a:srgbClr val="000000"/>
+                      </a:solidFill>
+                      <a:prstDash val="solid"/>
+                      <a:round/>
+                      <a:headEnd type="none" w="med" len="med"/>
+                      <a:tailEnd type="none" w="med" len="med"/>
+                    </a:lnT>
+                    <a:lnB w="12700" cap="flat" cmpd="sng" algn="ctr">
+                      <a:solidFill>
+                        <a:srgbClr val="000000"/>
+                      </a:solidFill>
+                      <a:prstDash val="solid"/>
+                      <a:round/>
+                      <a:headEnd type="none" w="med" len="med"/>
+                      <a:tailEnd type="none" w="med" len="med"/>
+                    </a:lnB>
+                  </a:tcPr>
+                </a:tc>
+                <a:extLst>
+                  <a:ext uri="{0D108BD9-81ED-4DB2-BD59-A6C34878D82A}">
+                    <a16:rowId xmlns:a16="http://schemas.microsoft.com/office/drawing/2014/main" val="724997094"/>
+                  </a:ext>
+                </a:extLst>
+              </a:tr>
+              <a:tr h="680716">
+                <a:tc>
+                  <a:txBody>
+                    <a:bodyPr/>
+                    <a:lstStyle/>
+                    <a:p>
+                      <a:pPr algn="ctr">
+                        <a:lnSpc>
+                          <a:spcPct val="107000"/>
+                        </a:lnSpc>
+                        <a:spcAft>
+                          <a:spcPts val="0"/>
+                        </a:spcAft>
+                      </a:pPr>
+                      <a:r>
+                        <a:rPr lang="es-ES" sz="1600" b="1" dirty="0">
+                          <a:effectLst/>
+                          <a:latin typeface="Century Gothic" panose="020B0502020202020204" pitchFamily="34" charset="0"/>
+                          <a:ea typeface="Calibri" panose="020F0502020204030204" pitchFamily="34" charset="0"/>
+                          <a:cs typeface="Times New Roman" panose="02020603050405020304" pitchFamily="18" charset="0"/>
+                        </a:rPr>
+                        <a:t>8</a:t>
+                      </a:r>
+                    </a:p>
+                  </a:txBody>
+                  <a:tcPr marL="68580" marR="68580" marT="0" marB="0">
+                    <a:lnL w="12700" cap="flat" cmpd="sng" algn="ctr">
+                      <a:solidFill>
+                        <a:srgbClr val="000000"/>
+                      </a:solidFill>
+                      <a:prstDash val="solid"/>
+                      <a:round/>
+                      <a:headEnd type="none" w="med" len="med"/>
+                      <a:tailEnd type="none" w="med" len="med"/>
+                    </a:lnL>
+                    <a:lnR w="12700" cap="flat" cmpd="sng" algn="ctr">
+                      <a:solidFill>
+                        <a:srgbClr val="000000"/>
+                      </a:solidFill>
+                      <a:prstDash val="solid"/>
+                      <a:round/>
+                      <a:headEnd type="none" w="med" len="med"/>
+                      <a:tailEnd type="none" w="med" len="med"/>
+                    </a:lnR>
+                    <a:lnT w="12700" cap="flat" cmpd="sng" algn="ctr">
+                      <a:solidFill>
+                        <a:srgbClr val="000000"/>
+                      </a:solidFill>
+                      <a:prstDash val="solid"/>
+                      <a:round/>
+                      <a:headEnd type="none" w="med" len="med"/>
+                      <a:tailEnd type="none" w="med" len="med"/>
+                    </a:lnT>
+                    <a:lnB w="12700" cap="flat" cmpd="sng" algn="ctr">
+                      <a:solidFill>
+                        <a:srgbClr val="000000"/>
+                      </a:solidFill>
+                      <a:prstDash val="solid"/>
+                      <a:round/>
+                      <a:headEnd type="none" w="med" len="med"/>
+                      <a:tailEnd type="none" w="med" len="med"/>
+                    </a:lnB>
+                  </a:tcPr>
+                </a:tc>
+                <a:tc>
+                  <a:txBody>
+                    <a:bodyPr/>
+                    <a:lstStyle/>
+                    <a:p>
+                      <a:pPr algn="ctr">
+                        <a:lnSpc>
+                          <a:spcPct val="107000"/>
+                        </a:lnSpc>
+                        <a:spcAft>
+                          <a:spcPts val="0"/>
+                        </a:spcAft>
+                      </a:pPr>
+                      <a:r>
+                        <a:rPr lang="es-ES" sz="1200">
+                          <a:effectLst/>
+                          <a:latin typeface="Century Gothic" panose="020B0502020202020204" pitchFamily="34" charset="0"/>
+                          <a:ea typeface="Calibri" panose="020F0502020204030204" pitchFamily="34" charset="0"/>
+                          <a:cs typeface="Times New Roman" panose="02020603050405020304" pitchFamily="18" charset="0"/>
+                        </a:rPr>
+                        <a:t>PC, Internet, navegador, composer, documentación, editor de código</a:t>
+                      </a:r>
+                    </a:p>
+                  </a:txBody>
+                  <a:tcPr marL="68580" marR="68580" marT="0" marB="0">
+                    <a:lnL w="12700" cap="flat" cmpd="sng" algn="ctr">
+                      <a:solidFill>
+                        <a:srgbClr val="000000"/>
+                      </a:solidFill>
+                      <a:prstDash val="solid"/>
+                      <a:round/>
+                      <a:headEnd type="none" w="med" len="med"/>
+                      <a:tailEnd type="none" w="med" len="med"/>
+                    </a:lnL>
+                    <a:lnR w="12700" cap="flat" cmpd="sng" algn="ctr">
+                      <a:solidFill>
+                        <a:srgbClr val="000000"/>
+                      </a:solidFill>
+                      <a:prstDash val="solid"/>
+                      <a:round/>
+                      <a:headEnd type="none" w="med" len="med"/>
+                      <a:tailEnd type="none" w="med" len="med"/>
+                    </a:lnR>
+                    <a:lnT w="12700" cap="flat" cmpd="sng" algn="ctr">
+                      <a:solidFill>
+                        <a:srgbClr val="000000"/>
+                      </a:solidFill>
+                      <a:prstDash val="solid"/>
+                      <a:round/>
+                      <a:headEnd type="none" w="med" len="med"/>
+                      <a:tailEnd type="none" w="med" len="med"/>
+                    </a:lnT>
+                    <a:lnB w="12700" cap="flat" cmpd="sng" algn="ctr">
+                      <a:solidFill>
+                        <a:srgbClr val="000000"/>
+                      </a:solidFill>
+                      <a:prstDash val="solid"/>
+                      <a:round/>
+                      <a:headEnd type="none" w="med" len="med"/>
+                      <a:tailEnd type="none" w="med" len="med"/>
+                    </a:lnB>
+                  </a:tcPr>
+                </a:tc>
+                <a:tc>
+                  <a:txBody>
+                    <a:bodyPr/>
+                    <a:lstStyle/>
+                    <a:p>
+                      <a:pPr algn="ctr">
+                        <a:lnSpc>
+                          <a:spcPct val="107000"/>
+                        </a:lnSpc>
+                        <a:spcAft>
+                          <a:spcPts val="0"/>
+                        </a:spcAft>
+                      </a:pPr>
+                      <a:r>
+                        <a:rPr lang="es-ES" sz="1200">
+                          <a:effectLst/>
+                          <a:latin typeface="Century Gothic" panose="020B0502020202020204" pitchFamily="34" charset="0"/>
+                          <a:ea typeface="Calibri" panose="020F0502020204030204" pitchFamily="34" charset="0"/>
+                          <a:cs typeface="Times New Roman" panose="02020603050405020304" pitchFamily="18" charset="0"/>
+                        </a:rPr>
+                        <a:t>PC, Internet, navegador, composer, documentación, editor de código</a:t>
+                      </a:r>
+                    </a:p>
+                  </a:txBody>
+                  <a:tcPr marL="68580" marR="68580" marT="0" marB="0">
+                    <a:lnL w="12700" cap="flat" cmpd="sng" algn="ctr">
+                      <a:solidFill>
+                        <a:srgbClr val="000000"/>
+                      </a:solidFill>
+                      <a:prstDash val="solid"/>
+                      <a:round/>
+                      <a:headEnd type="none" w="med" len="med"/>
+                      <a:tailEnd type="none" w="med" len="med"/>
+                    </a:lnL>
+                    <a:lnR w="12700" cap="flat" cmpd="sng" algn="ctr">
+                      <a:solidFill>
+                        <a:srgbClr val="000000"/>
+                      </a:solidFill>
+                      <a:prstDash val="solid"/>
+                      <a:round/>
+                      <a:headEnd type="none" w="med" len="med"/>
+                      <a:tailEnd type="none" w="med" len="med"/>
+                    </a:lnR>
+                    <a:lnT w="12700" cap="flat" cmpd="sng" algn="ctr">
+                      <a:solidFill>
+                        <a:srgbClr val="000000"/>
+                      </a:solidFill>
+                      <a:prstDash val="solid"/>
+                      <a:round/>
+                      <a:headEnd type="none" w="med" len="med"/>
+                      <a:tailEnd type="none" w="med" len="med"/>
+                    </a:lnT>
+                    <a:lnB w="12700" cap="flat" cmpd="sng" algn="ctr">
+                      <a:solidFill>
+                        <a:srgbClr val="000000"/>
+                      </a:solidFill>
+                      <a:prstDash val="solid"/>
+                      <a:round/>
+                      <a:headEnd type="none" w="med" len="med"/>
+                      <a:tailEnd type="none" w="med" len="med"/>
+                    </a:lnB>
+                  </a:tcPr>
+                </a:tc>
+                <a:tc>
+                  <a:txBody>
+                    <a:bodyPr/>
+                    <a:lstStyle/>
+                    <a:p>
+                      <a:pPr algn="ctr">
+                        <a:lnSpc>
+                          <a:spcPct val="107000"/>
+                        </a:lnSpc>
+                        <a:spcAft>
+                          <a:spcPts val="0"/>
+                        </a:spcAft>
+                      </a:pPr>
+                      <a:r>
+                        <a:rPr lang="es-ES" sz="1200">
+                          <a:effectLst/>
+                          <a:latin typeface="Century Gothic" panose="020B0502020202020204" pitchFamily="34" charset="0"/>
+                          <a:ea typeface="Calibri" panose="020F0502020204030204" pitchFamily="34" charset="0"/>
+                          <a:cs typeface="Times New Roman" panose="02020603050405020304" pitchFamily="18" charset="0"/>
+                        </a:rPr>
+                        <a:t>Los dos necesitan los mismos recursos</a:t>
+                      </a:r>
+                    </a:p>
+                  </a:txBody>
+                  <a:tcPr marL="68580" marR="68580" marT="0" marB="0">
+                    <a:lnL w="12700" cap="flat" cmpd="sng" algn="ctr">
+                      <a:solidFill>
+                        <a:srgbClr val="000000"/>
+                      </a:solidFill>
+                      <a:prstDash val="solid"/>
+                      <a:round/>
+                      <a:headEnd type="none" w="med" len="med"/>
+                      <a:tailEnd type="none" w="med" len="med"/>
+                    </a:lnL>
+                    <a:lnR w="12700" cap="flat" cmpd="sng" algn="ctr">
+                      <a:solidFill>
+                        <a:srgbClr val="000000"/>
+                      </a:solidFill>
+                      <a:prstDash val="solid"/>
+                      <a:round/>
+                      <a:headEnd type="none" w="med" len="med"/>
+                      <a:tailEnd type="none" w="med" len="med"/>
+                    </a:lnR>
+                    <a:lnT w="12700" cap="flat" cmpd="sng" algn="ctr">
+                      <a:solidFill>
+                        <a:srgbClr val="000000"/>
+                      </a:solidFill>
+                      <a:prstDash val="solid"/>
+                      <a:round/>
+                      <a:headEnd type="none" w="med" len="med"/>
+                      <a:tailEnd type="none" w="med" len="med"/>
+                    </a:lnT>
+                    <a:lnB w="12700" cap="flat" cmpd="sng" algn="ctr">
+                      <a:solidFill>
+                        <a:srgbClr val="000000"/>
+                      </a:solidFill>
+                      <a:prstDash val="solid"/>
+                      <a:round/>
+                      <a:headEnd type="none" w="med" len="med"/>
+                      <a:tailEnd type="none" w="med" len="med"/>
+                    </a:lnB>
+                  </a:tcPr>
+                </a:tc>
+                <a:extLst>
+                  <a:ext uri="{0D108BD9-81ED-4DB2-BD59-A6C34878D82A}">
+                    <a16:rowId xmlns:a16="http://schemas.microsoft.com/office/drawing/2014/main" val="3962144863"/>
+                  </a:ext>
+                </a:extLst>
+              </a:tr>
+              <a:tr h="268336">
+                <a:tc>
+                  <a:txBody>
+                    <a:bodyPr/>
+                    <a:lstStyle/>
+                    <a:p>
+                      <a:pPr algn="ctr">
+                        <a:lnSpc>
+                          <a:spcPct val="107000"/>
+                        </a:lnSpc>
+                        <a:spcAft>
+                          <a:spcPts val="0"/>
+                        </a:spcAft>
+                      </a:pPr>
+                      <a:r>
+                        <a:rPr lang="es-ES" sz="1600" b="1" dirty="0">
+                          <a:effectLst/>
+                          <a:latin typeface="Century Gothic" panose="020B0502020202020204" pitchFamily="34" charset="0"/>
+                          <a:ea typeface="Calibri" panose="020F0502020204030204" pitchFamily="34" charset="0"/>
+                          <a:cs typeface="Times New Roman" panose="02020603050405020304" pitchFamily="18" charset="0"/>
+                        </a:rPr>
+                        <a:t>9</a:t>
+                      </a:r>
+                    </a:p>
+                  </a:txBody>
+                  <a:tcPr marL="68580" marR="68580" marT="0" marB="0">
+                    <a:lnL w="12700" cap="flat" cmpd="sng" algn="ctr">
+                      <a:solidFill>
+                        <a:srgbClr val="000000"/>
+                      </a:solidFill>
+                      <a:prstDash val="solid"/>
+                      <a:round/>
+                      <a:headEnd type="none" w="med" len="med"/>
+                      <a:tailEnd type="none" w="med" len="med"/>
+                    </a:lnL>
+                    <a:lnR w="12700" cap="flat" cmpd="sng" algn="ctr">
+                      <a:solidFill>
+                        <a:srgbClr val="000000"/>
+                      </a:solidFill>
+                      <a:prstDash val="solid"/>
+                      <a:round/>
+                      <a:headEnd type="none" w="med" len="med"/>
+                      <a:tailEnd type="none" w="med" len="med"/>
+                    </a:lnR>
+                    <a:lnT w="12700" cap="flat" cmpd="sng" algn="ctr">
+                      <a:solidFill>
+                        <a:srgbClr val="000000"/>
+                      </a:solidFill>
+                      <a:prstDash val="solid"/>
+                      <a:round/>
+                      <a:headEnd type="none" w="med" len="med"/>
+                      <a:tailEnd type="none" w="med" len="med"/>
+                    </a:lnT>
+                    <a:lnB w="12700" cap="flat" cmpd="sng" algn="ctr">
+                      <a:solidFill>
+                        <a:srgbClr val="000000"/>
+                      </a:solidFill>
+                      <a:prstDash val="solid"/>
+                      <a:round/>
+                      <a:headEnd type="none" w="med" len="med"/>
+                      <a:tailEnd type="none" w="med" len="med"/>
+                    </a:lnB>
+                  </a:tcPr>
+                </a:tc>
+                <a:tc>
+                  <a:txBody>
+                    <a:bodyPr/>
+                    <a:lstStyle/>
+                    <a:p>
+                      <a:pPr algn="ctr">
+                        <a:lnSpc>
+                          <a:spcPct val="107000"/>
+                        </a:lnSpc>
+                        <a:spcAft>
+                          <a:spcPts val="0"/>
+                        </a:spcAft>
+                      </a:pPr>
+                      <a:r>
+                        <a:rPr lang="es-ES" sz="1200" dirty="0">
+                          <a:effectLst/>
+                          <a:latin typeface="Century Gothic" panose="020B0502020202020204" pitchFamily="34" charset="0"/>
+                          <a:ea typeface="Calibri" panose="020F0502020204030204" pitchFamily="34" charset="0"/>
+                          <a:cs typeface="Times New Roman" panose="02020603050405020304" pitchFamily="18" charset="0"/>
+                        </a:rPr>
+                        <a:t>7</a:t>
+                      </a:r>
+                    </a:p>
+                  </a:txBody>
+                  <a:tcPr marL="68580" marR="68580" marT="0" marB="0">
+                    <a:lnL w="12700" cap="flat" cmpd="sng" algn="ctr">
+                      <a:solidFill>
+                        <a:srgbClr val="000000"/>
+                      </a:solidFill>
+                      <a:prstDash val="solid"/>
+                      <a:round/>
+                      <a:headEnd type="none" w="med" len="med"/>
+                      <a:tailEnd type="none" w="med" len="med"/>
+                    </a:lnL>
+                    <a:lnR w="12700" cap="flat" cmpd="sng" algn="ctr">
+                      <a:solidFill>
+                        <a:srgbClr val="000000"/>
+                      </a:solidFill>
+                      <a:prstDash val="solid"/>
+                      <a:round/>
+                      <a:headEnd type="none" w="med" len="med"/>
+                      <a:tailEnd type="none" w="med" len="med"/>
+                    </a:lnR>
+                    <a:lnT w="12700" cap="flat" cmpd="sng" algn="ctr">
+                      <a:solidFill>
+                        <a:srgbClr val="000000"/>
+                      </a:solidFill>
+                      <a:prstDash val="solid"/>
+                      <a:round/>
+                      <a:headEnd type="none" w="med" len="med"/>
+                      <a:tailEnd type="none" w="med" len="med"/>
+                    </a:lnT>
+                    <a:lnB w="12700" cap="flat" cmpd="sng" algn="ctr">
+                      <a:solidFill>
+                        <a:srgbClr val="000000"/>
+                      </a:solidFill>
+                      <a:prstDash val="solid"/>
+                      <a:round/>
+                      <a:headEnd type="none" w="med" len="med"/>
+                      <a:tailEnd type="none" w="med" len="med"/>
+                    </a:lnB>
+                  </a:tcPr>
+                </a:tc>
+                <a:tc>
+                  <a:txBody>
+                    <a:bodyPr/>
+                    <a:lstStyle/>
+                    <a:p>
+                      <a:pPr algn="ctr">
+                        <a:lnSpc>
+                          <a:spcPct val="107000"/>
+                        </a:lnSpc>
+                        <a:spcAft>
+                          <a:spcPts val="0"/>
+                        </a:spcAft>
+                      </a:pPr>
+                      <a:r>
+                        <a:rPr lang="es-ES" sz="1200">
+                          <a:effectLst/>
+                          <a:latin typeface="Century Gothic" panose="020B0502020202020204" pitchFamily="34" charset="0"/>
+                          <a:ea typeface="Calibri" panose="020F0502020204030204" pitchFamily="34" charset="0"/>
+                          <a:cs typeface="Times New Roman" panose="02020603050405020304" pitchFamily="18" charset="0"/>
+                        </a:rPr>
+                        <a:t>7</a:t>
+                      </a:r>
+                    </a:p>
+                  </a:txBody>
+                  <a:tcPr marL="68580" marR="68580" marT="0" marB="0">
+                    <a:lnL w="12700" cap="flat" cmpd="sng" algn="ctr">
+                      <a:solidFill>
+                        <a:srgbClr val="000000"/>
+                      </a:solidFill>
+                      <a:prstDash val="solid"/>
+                      <a:round/>
+                      <a:headEnd type="none" w="med" len="med"/>
+                      <a:tailEnd type="none" w="med" len="med"/>
+                    </a:lnL>
+                    <a:lnR w="12700" cap="flat" cmpd="sng" algn="ctr">
+                      <a:solidFill>
+                        <a:srgbClr val="000000"/>
+                      </a:solidFill>
+                      <a:prstDash val="solid"/>
+                      <a:round/>
+                      <a:headEnd type="none" w="med" len="med"/>
+                      <a:tailEnd type="none" w="med" len="med"/>
+                    </a:lnR>
+                    <a:lnT w="12700" cap="flat" cmpd="sng" algn="ctr">
+                      <a:solidFill>
+                        <a:srgbClr val="000000"/>
+                      </a:solidFill>
+                      <a:prstDash val="solid"/>
+                      <a:round/>
+                      <a:headEnd type="none" w="med" len="med"/>
+                      <a:tailEnd type="none" w="med" len="med"/>
+                    </a:lnT>
+                    <a:lnB w="12700" cap="flat" cmpd="sng" algn="ctr">
+                      <a:solidFill>
+                        <a:srgbClr val="000000"/>
+                      </a:solidFill>
+                      <a:prstDash val="solid"/>
+                      <a:round/>
+                      <a:headEnd type="none" w="med" len="med"/>
+                      <a:tailEnd type="none" w="med" len="med"/>
+                    </a:lnB>
+                  </a:tcPr>
+                </a:tc>
+                <a:tc>
+                  <a:txBody>
+                    <a:bodyPr/>
+                    <a:lstStyle/>
+                    <a:p>
+                      <a:pPr algn="ctr">
+                        <a:lnSpc>
+                          <a:spcPct val="107000"/>
+                        </a:lnSpc>
+                        <a:spcAft>
+                          <a:spcPts val="0"/>
+                        </a:spcAft>
+                      </a:pPr>
+                      <a:r>
+                        <a:rPr lang="es-ES" sz="1200" dirty="0">
+                          <a:effectLst/>
+                          <a:latin typeface="Century Gothic" panose="020B0502020202020204" pitchFamily="34" charset="0"/>
+                          <a:ea typeface="Calibri" panose="020F0502020204030204" pitchFamily="34" charset="0"/>
+                          <a:cs typeface="Times New Roman" panose="02020603050405020304" pitchFamily="18" charset="0"/>
+                        </a:rPr>
+                        <a:t>Yii2 es más fácil de usar que Laravel</a:t>
+                      </a:r>
+                    </a:p>
+                  </a:txBody>
+                  <a:tcPr marL="68580" marR="68580" marT="0" marB="0">
+                    <a:lnL w="12700" cap="flat" cmpd="sng" algn="ctr">
+                      <a:solidFill>
+                        <a:srgbClr val="000000"/>
+                      </a:solidFill>
+                      <a:prstDash val="solid"/>
+                      <a:round/>
+                      <a:headEnd type="none" w="med" len="med"/>
+                      <a:tailEnd type="none" w="med" len="med"/>
+                    </a:lnL>
+                    <a:lnR w="12700" cap="flat" cmpd="sng" algn="ctr">
+                      <a:solidFill>
+                        <a:srgbClr val="000000"/>
+                      </a:solidFill>
+                      <a:prstDash val="solid"/>
+                      <a:round/>
+                      <a:headEnd type="none" w="med" len="med"/>
+                      <a:tailEnd type="none" w="med" len="med"/>
+                    </a:lnR>
+                    <a:lnT w="12700" cap="flat" cmpd="sng" algn="ctr">
+                      <a:solidFill>
+                        <a:srgbClr val="000000"/>
+                      </a:solidFill>
+                      <a:prstDash val="solid"/>
+                      <a:round/>
+                      <a:headEnd type="none" w="med" len="med"/>
+                      <a:tailEnd type="none" w="med" len="med"/>
+                    </a:lnT>
+                    <a:lnB w="12700" cap="flat" cmpd="sng" algn="ctr">
+                      <a:solidFill>
+                        <a:srgbClr val="000000"/>
+                      </a:solidFill>
+                      <a:prstDash val="solid"/>
+                      <a:round/>
+                      <a:headEnd type="none" w="med" len="med"/>
+                      <a:tailEnd type="none" w="med" len="med"/>
+                    </a:lnB>
+                  </a:tcPr>
+                </a:tc>
+                <a:extLst>
+                  <a:ext uri="{0D108BD9-81ED-4DB2-BD59-A6C34878D82A}">
+                    <a16:rowId xmlns:a16="http://schemas.microsoft.com/office/drawing/2014/main" val="3153829384"/>
+                  </a:ext>
+                </a:extLst>
+              </a:tr>
+            </a:tbl>
+          </a:graphicData>
+        </a:graphic>
+      </p:graphicFrame>
+      <p:pic>
+        <p:nvPicPr>
+          <p:cNvPr id="4" name="Imagen 3">
+            <a:extLst>
+              <a:ext uri="{FF2B5EF4-FFF2-40B4-BE49-F238E27FC236}">
+                <a16:creationId xmlns:a16="http://schemas.microsoft.com/office/drawing/2014/main" id="{F799EF45-0D74-470F-8A93-CED81A3534AC}"/>
+              </a:ext>
+            </a:extLst>
+          </p:cNvPr>
+          <p:cNvPicPr>
+            <a:picLocks noChangeAspect="1"/>
+          </p:cNvPicPr>
+          <p:nvPr/>
+        </p:nvPicPr>
+        <p:blipFill>
+          <a:blip r:embed="rId2"/>
+          <a:stretch>
+            <a:fillRect/>
+          </a:stretch>
+        </p:blipFill>
+        <p:spPr>
+          <a:xfrm>
+            <a:off x="5831676" y="1756064"/>
+            <a:ext cx="992590" cy="992590"/>
+          </a:xfrm>
+          <a:prstGeom prst="rect">
+            <a:avLst/>
+          </a:prstGeom>
+        </p:spPr>
+      </p:pic>
+      <p:pic>
+        <p:nvPicPr>
+          <p:cNvPr id="5" name="Imagen 4">
+            <a:extLst>
+              <a:ext uri="{FF2B5EF4-FFF2-40B4-BE49-F238E27FC236}">
+                <a16:creationId xmlns:a16="http://schemas.microsoft.com/office/drawing/2014/main" id="{EA5B8F7D-2C50-44D8-92DC-6186FD98A770}"/>
+              </a:ext>
+            </a:extLst>
+          </p:cNvPr>
+          <p:cNvPicPr>
+            <a:picLocks noChangeAspect="1"/>
+          </p:cNvPicPr>
+          <p:nvPr/>
+        </p:nvPicPr>
+        <p:blipFill>
+          <a:blip r:embed="rId3"/>
+          <a:stretch>
+            <a:fillRect/>
+          </a:stretch>
+        </p:blipFill>
+        <p:spPr>
+          <a:xfrm>
+            <a:off x="3737129" y="1756064"/>
+            <a:ext cx="989574" cy="992591"/>
+          </a:xfrm>
+          <a:prstGeom prst="rect">
+            <a:avLst/>
+          </a:prstGeom>
+        </p:spPr>
+      </p:pic>
     </p:spTree>
     <p:extLst>
       <p:ext uri="{BB962C8B-B14F-4D97-AF65-F5344CB8AC3E}">
-        <p14:creationId xmlns:p14="http://schemas.microsoft.com/office/powerpoint/2010/main" val="1699970657"/>
+        <p14:creationId xmlns:p14="http://schemas.microsoft.com/office/powerpoint/2010/main" val="1306241248"/>
       </p:ext>
     </p:extLst>
   </p:cSld>
@@ -5812,99 +11454,6 @@
 </file>
 
 <file path=ppt/slides/slide20.xml><?xml version="1.0" encoding="utf-8"?>
-<p:sld xmlns:a="http://schemas.openxmlformats.org/drawingml/2006/main" xmlns:r="http://schemas.openxmlformats.org/officeDocument/2006/relationships" xmlns:p="http://schemas.openxmlformats.org/presentationml/2006/main">
-  <p:cSld>
-    <p:bg>
-      <p:bgPr>
-        <a:solidFill>
-          <a:srgbClr val="EBF1F5"/>
-        </a:solidFill>
-        <a:effectLst/>
-      </p:bgPr>
-    </p:bg>
-    <p:spTree>
-      <p:nvGrpSpPr>
-        <p:cNvPr id="1" name=""/>
-        <p:cNvGrpSpPr/>
-        <p:nvPr/>
-      </p:nvGrpSpPr>
-      <p:grpSpPr>
-        <a:xfrm>
-          <a:off x="0" y="0"/>
-          <a:ext cx="0" cy="0"/>
-          <a:chOff x="0" y="0"/>
-          <a:chExt cx="0" cy="0"/>
-        </a:xfrm>
-      </p:grpSpPr>
-      <p:sp>
-        <p:nvSpPr>
-          <p:cNvPr id="2" name="Título 1">
-            <a:extLst>
-              <a:ext uri="{FF2B5EF4-FFF2-40B4-BE49-F238E27FC236}">
-                <a16:creationId xmlns:a16="http://schemas.microsoft.com/office/drawing/2014/main" id="{0C7E543A-8DFC-45E7-A715-ABC32566D44D}"/>
-              </a:ext>
-            </a:extLst>
-          </p:cNvPr>
-          <p:cNvSpPr>
-            <a:spLocks noGrp="1"/>
-          </p:cNvSpPr>
-          <p:nvPr>
-            <p:ph type="title"/>
-          </p:nvPr>
-        </p:nvSpPr>
-        <p:spPr>
-          <a:xfrm>
-            <a:off x="982979" y="571500"/>
-            <a:ext cx="11209021" cy="1485900"/>
-          </a:xfrm>
-        </p:spPr>
-        <p:txBody>
-          <a:bodyPr>
-            <a:normAutofit fontScale="90000"/>
-          </a:bodyPr>
-          <a:lstStyle/>
-          <a:p>
-            <a:r>
-              <a:rPr lang="es-ES" b="1" dirty="0">
-                <a:latin typeface="Century Gothic" panose="020B0502020202020204" pitchFamily="34" charset="0"/>
-              </a:rPr>
-              <a:t>Comparación de la implementación de las tecnologías</a:t>
-            </a:r>
-            <a:br>
-              <a:rPr lang="es-ES" b="1" dirty="0">
-                <a:latin typeface="Century Gothic" panose="020B0502020202020204" pitchFamily="34" charset="0"/>
-              </a:rPr>
-            </a:br>
-            <a:br>
-              <a:rPr lang="es-ES" b="1" dirty="0">
-                <a:latin typeface="Century Gothic" panose="020B0502020202020204" pitchFamily="34" charset="0"/>
-              </a:rPr>
-            </a:br>
-            <a:br>
-              <a:rPr lang="es-ES" b="1" dirty="0">
-                <a:latin typeface="Century Gothic" panose="020B0502020202020204" pitchFamily="34" charset="0"/>
-              </a:rPr>
-            </a:br>
-            <a:endParaRPr lang="es-ES_tradnl" b="1" dirty="0">
-              <a:latin typeface="Century Gothic" panose="020B0502020202020204" pitchFamily="34" charset="0"/>
-            </a:endParaRPr>
-          </a:p>
-        </p:txBody>
-      </p:sp>
-    </p:spTree>
-    <p:extLst>
-      <p:ext uri="{BB962C8B-B14F-4D97-AF65-F5344CB8AC3E}">
-        <p14:creationId xmlns:p14="http://schemas.microsoft.com/office/powerpoint/2010/main" val="1306241248"/>
-      </p:ext>
-    </p:extLst>
-  </p:cSld>
-  <p:clrMapOvr>
-    <a:masterClrMapping/>
-  </p:clrMapOvr>
-</p:sld>
-</file>
-
-<file path=ppt/slides/slide21.xml><?xml version="1.0" encoding="utf-8"?>
 <p:sld xmlns:a="http://schemas.openxmlformats.org/drawingml/2006/main" xmlns:r="http://schemas.openxmlformats.org/officeDocument/2006/relationships" xmlns:p="http://schemas.openxmlformats.org/presentationml/2006/main">
   <p:cSld>
     <p:bg>

--- a/TG3_plantilla primera parteppt.pptx
+++ b/TG3_plantilla primera parteppt.pptx
@@ -20,11 +20,14 @@
     <p:sldId id="311" r:id="rId14"/>
     <p:sldId id="312" r:id="rId15"/>
     <p:sldId id="296" r:id="rId16"/>
-    <p:sldId id="297" r:id="rId17"/>
-    <p:sldId id="300" r:id="rId18"/>
-    <p:sldId id="301" r:id="rId19"/>
-    <p:sldId id="303" r:id="rId20"/>
-    <p:sldId id="277" r:id="rId21"/>
+    <p:sldId id="315" r:id="rId17"/>
+    <p:sldId id="314" r:id="rId18"/>
+    <p:sldId id="297" r:id="rId19"/>
+    <p:sldId id="313" r:id="rId20"/>
+    <p:sldId id="300" r:id="rId21"/>
+    <p:sldId id="301" r:id="rId22"/>
+    <p:sldId id="303" r:id="rId23"/>
+    <p:sldId id="277" r:id="rId24"/>
   </p:sldIdLst>
   <p:sldSz cx="12192000" cy="6858000"/>
   <p:notesSz cx="6858000" cy="9144000"/>
@@ -5206,8 +5209,8 @@
         </p:nvSpPr>
         <p:spPr>
           <a:xfrm>
-            <a:off x="982979" y="571500"/>
-            <a:ext cx="9618759" cy="1485900"/>
+            <a:off x="982980" y="571500"/>
+            <a:ext cx="9154934" cy="1485900"/>
           </a:xfrm>
         </p:spPr>
         <p:txBody>
@@ -5262,6 +5265,96 @@
           <a:xfrm>
             <a:off x="10045147" y="197126"/>
             <a:ext cx="1860274" cy="1860274"/>
+          </a:xfrm>
+          <a:prstGeom prst="rect">
+            <a:avLst/>
+          </a:prstGeom>
+        </p:spPr>
+      </p:pic>
+      <p:pic>
+        <p:nvPicPr>
+          <p:cNvPr id="6" name="Imagen 5">
+            <a:extLst>
+              <a:ext uri="{FF2B5EF4-FFF2-40B4-BE49-F238E27FC236}">
+                <a16:creationId xmlns:a16="http://schemas.microsoft.com/office/drawing/2014/main" id="{68FAAEE8-EDD2-4498-A9AD-BC6EB0268B45}"/>
+              </a:ext>
+            </a:extLst>
+          </p:cNvPr>
+          <p:cNvPicPr>
+            <a:picLocks noChangeAspect="1"/>
+          </p:cNvPicPr>
+          <p:nvPr/>
+        </p:nvPicPr>
+        <p:blipFill>
+          <a:blip r:embed="rId3"/>
+          <a:stretch>
+            <a:fillRect/>
+          </a:stretch>
+        </p:blipFill>
+        <p:spPr>
+          <a:xfrm>
+            <a:off x="1897399" y="2124075"/>
+            <a:ext cx="2266950" cy="4733925"/>
+          </a:xfrm>
+          <a:prstGeom prst="rect">
+            <a:avLst/>
+          </a:prstGeom>
+        </p:spPr>
+      </p:pic>
+      <p:pic>
+        <p:nvPicPr>
+          <p:cNvPr id="7" name="Imagen 6">
+            <a:extLst>
+              <a:ext uri="{FF2B5EF4-FFF2-40B4-BE49-F238E27FC236}">
+                <a16:creationId xmlns:a16="http://schemas.microsoft.com/office/drawing/2014/main" id="{2C7F1C4A-A1DD-40BE-B0F2-2BB903DD46DA}"/>
+              </a:ext>
+            </a:extLst>
+          </p:cNvPr>
+          <p:cNvPicPr>
+            <a:picLocks noChangeAspect="1"/>
+          </p:cNvPicPr>
+          <p:nvPr/>
+        </p:nvPicPr>
+        <p:blipFill>
+          <a:blip r:embed="rId4"/>
+          <a:stretch>
+            <a:fillRect/>
+          </a:stretch>
+        </p:blipFill>
+        <p:spPr>
+          <a:xfrm>
+            <a:off x="4708731" y="3383225"/>
+            <a:ext cx="4322296" cy="1417376"/>
+          </a:xfrm>
+          <a:prstGeom prst="rect">
+            <a:avLst/>
+          </a:prstGeom>
+        </p:spPr>
+      </p:pic>
+      <p:pic>
+        <p:nvPicPr>
+          <p:cNvPr id="8" name="Imagen 7">
+            <a:extLst>
+              <a:ext uri="{FF2B5EF4-FFF2-40B4-BE49-F238E27FC236}">
+                <a16:creationId xmlns:a16="http://schemas.microsoft.com/office/drawing/2014/main" id="{997C016A-A695-45AF-9D7D-724ECC0C1A0C}"/>
+              </a:ext>
+            </a:extLst>
+          </p:cNvPr>
+          <p:cNvPicPr>
+            <a:picLocks noChangeAspect="1"/>
+          </p:cNvPicPr>
+          <p:nvPr/>
+        </p:nvPicPr>
+        <p:blipFill>
+          <a:blip r:embed="rId5"/>
+          <a:stretch>
+            <a:fillRect/>
+          </a:stretch>
+        </p:blipFill>
+        <p:spPr>
+          <a:xfrm>
+            <a:off x="9257357" y="2124075"/>
+            <a:ext cx="2472543" cy="4521221"/>
           </a:xfrm>
           <a:prstGeom prst="rect">
             <a:avLst/>
@@ -5324,8 +5417,8 @@
         </p:nvSpPr>
         <p:spPr>
           <a:xfrm>
-            <a:off x="982979" y="571500"/>
-            <a:ext cx="9618759" cy="1485900"/>
+            <a:off x="982980" y="571500"/>
+            <a:ext cx="9154934" cy="1485900"/>
           </a:xfrm>
         </p:spPr>
         <p:txBody>
@@ -5378,8 +5471,96 @@
         </p:blipFill>
         <p:spPr>
           <a:xfrm>
-            <a:off x="10177669" y="197126"/>
+            <a:off x="10045147" y="197126"/>
             <a:ext cx="1860274" cy="1860274"/>
+          </a:xfrm>
+          <a:prstGeom prst="rect">
+            <a:avLst/>
+          </a:prstGeom>
+        </p:spPr>
+      </p:pic>
+      <p:pic>
+        <p:nvPicPr>
+          <p:cNvPr id="4" name="Imagen 3">
+            <a:extLst>
+              <a:ext uri="{FF2B5EF4-FFF2-40B4-BE49-F238E27FC236}">
+                <a16:creationId xmlns:a16="http://schemas.microsoft.com/office/drawing/2014/main" id="{8F514EB1-2148-4E09-BA2C-E8EF1EB5BE35}"/>
+              </a:ext>
+            </a:extLst>
+          </p:cNvPr>
+          <p:cNvPicPr>
+            <a:picLocks noChangeAspect="1"/>
+          </p:cNvPicPr>
+          <p:nvPr/>
+        </p:nvPicPr>
+        <p:blipFill rotWithShape="1">
+          <a:blip r:embed="rId3"/>
+          <a:srcRect r="66361"/>
+          <a:stretch/>
+        </p:blipFill>
+        <p:spPr>
+          <a:xfrm>
+            <a:off x="982980" y="2431774"/>
+            <a:ext cx="3406016" cy="2952750"/>
+          </a:xfrm>
+          <a:prstGeom prst="rect">
+            <a:avLst/>
+          </a:prstGeom>
+        </p:spPr>
+      </p:pic>
+      <p:pic>
+        <p:nvPicPr>
+          <p:cNvPr id="5" name="Imagen 4">
+            <a:extLst>
+              <a:ext uri="{FF2B5EF4-FFF2-40B4-BE49-F238E27FC236}">
+                <a16:creationId xmlns:a16="http://schemas.microsoft.com/office/drawing/2014/main" id="{1DC9978D-2745-4900-B0BC-C5CE0C66AAB4}"/>
+              </a:ext>
+            </a:extLst>
+          </p:cNvPr>
+          <p:cNvPicPr>
+            <a:picLocks noChangeAspect="1"/>
+          </p:cNvPicPr>
+          <p:nvPr/>
+        </p:nvPicPr>
+        <p:blipFill rotWithShape="1">
+          <a:blip r:embed="rId4"/>
+          <a:srcRect l="9318" r="13045"/>
+          <a:stretch/>
+        </p:blipFill>
+        <p:spPr>
+          <a:xfrm>
+            <a:off x="7433413" y="2615233"/>
+            <a:ext cx="4243958" cy="3265062"/>
+          </a:xfrm>
+          <a:prstGeom prst="rect">
+            <a:avLst/>
+          </a:prstGeom>
+        </p:spPr>
+      </p:pic>
+      <p:pic>
+        <p:nvPicPr>
+          <p:cNvPr id="9" name="Imagen 8">
+            <a:extLst>
+              <a:ext uri="{FF2B5EF4-FFF2-40B4-BE49-F238E27FC236}">
+                <a16:creationId xmlns:a16="http://schemas.microsoft.com/office/drawing/2014/main" id="{51EDBBE5-02FE-4656-A862-3CE071293D0F}"/>
+              </a:ext>
+            </a:extLst>
+          </p:cNvPr>
+          <p:cNvPicPr>
+            <a:picLocks noChangeAspect="1"/>
+          </p:cNvPicPr>
+          <p:nvPr/>
+        </p:nvPicPr>
+        <p:blipFill>
+          <a:blip r:embed="rId5"/>
+          <a:stretch>
+            <a:fillRect/>
+          </a:stretch>
+        </p:blipFill>
+        <p:spPr>
+          <a:xfrm>
+            <a:off x="4615804" y="2324427"/>
+            <a:ext cx="2590800" cy="4181475"/>
           </a:xfrm>
           <a:prstGeom prst="rect">
             <a:avLst/>
@@ -5389,7 +5570,7 @@
     </p:spTree>
     <p:extLst>
       <p:ext uri="{BB962C8B-B14F-4D97-AF65-F5344CB8AC3E}">
-        <p14:creationId xmlns:p14="http://schemas.microsoft.com/office/powerpoint/2010/main" val="1704991126"/>
+        <p14:creationId xmlns:p14="http://schemas.microsoft.com/office/powerpoint/2010/main" val="3865300246"/>
       </p:ext>
     </p:extLst>
   </p:cSld>
@@ -5443,7 +5624,7 @@
         <p:spPr>
           <a:xfrm>
             <a:off x="982979" y="571500"/>
-            <a:ext cx="11209021" cy="1485900"/>
+            <a:ext cx="9618759" cy="1485900"/>
           </a:xfrm>
         </p:spPr>
         <p:txBody>
@@ -5456,13 +5637,8 @@
               <a:rPr lang="es-ES" b="1" dirty="0">
                 <a:latin typeface="Century Gothic" panose="020B0502020202020204" pitchFamily="34" charset="0"/>
               </a:rPr>
-              <a:t>Comparación de las dos implementaciones</a:t>
-            </a:r>
-            <a:br>
-              <a:rPr lang="es-ES" b="1" dirty="0">
-                <a:latin typeface="Century Gothic" panose="020B0502020202020204" pitchFamily="34" charset="0"/>
-              </a:rPr>
-            </a:br>
+              <a:t>Proyecto de implementación de un prototipo del sistema utilizando Laravel</a:t>
+            </a:r>
             <a:br>
               <a:rPr lang="es-ES" b="1" dirty="0">
                 <a:latin typeface="Century Gothic" panose="020B0502020202020204" pitchFamily="34" charset="0"/>
@@ -5479,1447 +5655,70 @@
           </a:p>
         </p:txBody>
       </p:sp>
-      <p:graphicFrame>
-        <p:nvGraphicFramePr>
-          <p:cNvPr id="3" name="Tabla 2">
+      <p:pic>
+        <p:nvPicPr>
+          <p:cNvPr id="3" name="Imagen 2">
             <a:extLst>
               <a:ext uri="{FF2B5EF4-FFF2-40B4-BE49-F238E27FC236}">
-                <a16:creationId xmlns:a16="http://schemas.microsoft.com/office/drawing/2014/main" id="{1E508B38-B6A8-4688-9139-C18101E210D9}"/>
-              </a:ext>
-            </a:extLst>
-          </p:cNvPr>
-          <p:cNvGraphicFramePr>
-            <a:graphicFrameLocks noGrp="1"/>
-          </p:cNvGraphicFramePr>
-          <p:nvPr>
-            <p:extLst>
-              <p:ext uri="{D42A27DB-BD31-4B8C-83A1-F6EECF244321}">
-                <p14:modId xmlns:p14="http://schemas.microsoft.com/office/powerpoint/2010/main" val="3379790181"/>
-              </p:ext>
-            </p:extLst>
-          </p:nvPr>
-        </p:nvGraphicFramePr>
-        <p:xfrm>
-          <a:off x="2379518" y="2410691"/>
-          <a:ext cx="8042564" cy="3779780"/>
-        </p:xfrm>
-        <a:graphic>
-          <a:graphicData uri="http://schemas.openxmlformats.org/drawingml/2006/table">
-            <a:tbl>
-              <a:tblPr firstRow="1" firstCol="1" bandRow="1"/>
-              <a:tblGrid>
-                <a:gridCol w="1874767">
-                  <a:extLst>
-                    <a:ext uri="{9D8B030D-6E8A-4147-A177-3AD203B41FA5}">
-                      <a16:colId xmlns:a16="http://schemas.microsoft.com/office/drawing/2014/main" val="274569297"/>
-                    </a:ext>
-                  </a:extLst>
-                </a:gridCol>
-                <a:gridCol w="6167797">
-                  <a:extLst>
-                    <a:ext uri="{9D8B030D-6E8A-4147-A177-3AD203B41FA5}">
-                      <a16:colId xmlns:a16="http://schemas.microsoft.com/office/drawing/2014/main" val="3420508181"/>
-                    </a:ext>
-                  </a:extLst>
-                </a:gridCol>
-              </a:tblGrid>
-              <a:tr h="347044">
-                <a:tc>
-                  <a:txBody>
-                    <a:bodyPr/>
-                    <a:lstStyle/>
-                    <a:p>
-                      <a:pPr algn="ctr">
-                        <a:lnSpc>
-                          <a:spcPct val="107000"/>
-                        </a:lnSpc>
-                        <a:spcAft>
-                          <a:spcPts val="0"/>
-                        </a:spcAft>
-                      </a:pPr>
-                      <a:r>
-                        <a:rPr lang="es-ES" sz="1800" b="1">
-                          <a:effectLst/>
-                          <a:latin typeface="Century Gothic" panose="020B0502020202020204" pitchFamily="34" charset="0"/>
-                          <a:ea typeface="Calibri" panose="020F0502020204030204" pitchFamily="34" charset="0"/>
-                          <a:cs typeface="Times New Roman" panose="02020603050405020304" pitchFamily="18" charset="0"/>
-                        </a:rPr>
-                        <a:t>CRITERIO</a:t>
-                      </a:r>
-                      <a:endParaRPr lang="es-ES" sz="1800">
-                        <a:effectLst/>
-                        <a:latin typeface="Century Gothic" panose="020B0502020202020204" pitchFamily="34" charset="0"/>
-                        <a:ea typeface="Calibri" panose="020F0502020204030204" pitchFamily="34" charset="0"/>
-                        <a:cs typeface="Times New Roman" panose="02020603050405020304" pitchFamily="18" charset="0"/>
-                      </a:endParaRPr>
-                    </a:p>
-                  </a:txBody>
-                  <a:tcPr marL="68580" marR="68580" marT="0" marB="0">
-                    <a:lnL w="12700" cap="flat" cmpd="sng" algn="ctr">
-                      <a:solidFill>
-                        <a:srgbClr val="000000"/>
-                      </a:solidFill>
-                      <a:prstDash val="solid"/>
-                      <a:round/>
-                      <a:headEnd type="none" w="med" len="med"/>
-                      <a:tailEnd type="none" w="med" len="med"/>
-                    </a:lnL>
-                    <a:lnR w="12700" cap="flat" cmpd="sng" algn="ctr">
-                      <a:solidFill>
-                        <a:srgbClr val="000000"/>
-                      </a:solidFill>
-                      <a:prstDash val="solid"/>
-                      <a:round/>
-                      <a:headEnd type="none" w="med" len="med"/>
-                      <a:tailEnd type="none" w="med" len="med"/>
-                    </a:lnR>
-                    <a:lnT w="12700" cap="flat" cmpd="sng" algn="ctr">
-                      <a:solidFill>
-                        <a:srgbClr val="000000"/>
-                      </a:solidFill>
-                      <a:prstDash val="solid"/>
-                      <a:round/>
-                      <a:headEnd type="none" w="med" len="med"/>
-                      <a:tailEnd type="none" w="med" len="med"/>
-                    </a:lnT>
-                    <a:lnB w="12700" cap="flat" cmpd="sng" algn="ctr">
-                      <a:solidFill>
-                        <a:srgbClr val="000000"/>
-                      </a:solidFill>
-                      <a:prstDash val="solid"/>
-                      <a:round/>
-                      <a:headEnd type="none" w="med" len="med"/>
-                      <a:tailEnd type="none" w="med" len="med"/>
-                    </a:lnB>
-                  </a:tcPr>
-                </a:tc>
-                <a:tc>
-                  <a:txBody>
-                    <a:bodyPr/>
-                    <a:lstStyle/>
-                    <a:p>
-                      <a:pPr algn="ctr">
-                        <a:lnSpc>
-                          <a:spcPct val="107000"/>
-                        </a:lnSpc>
-                        <a:spcAft>
-                          <a:spcPts val="0"/>
-                        </a:spcAft>
-                      </a:pPr>
-                      <a:r>
-                        <a:rPr lang="es-ES" sz="1800" b="1" dirty="0">
-                          <a:effectLst/>
-                          <a:latin typeface="Century Gothic" panose="020B0502020202020204" pitchFamily="34" charset="0"/>
-                          <a:ea typeface="Calibri" panose="020F0502020204030204" pitchFamily="34" charset="0"/>
-                          <a:cs typeface="Times New Roman" panose="02020603050405020304" pitchFamily="18" charset="0"/>
-                        </a:rPr>
-                        <a:t>EVALUACIÓN</a:t>
-                      </a:r>
-                      <a:endParaRPr lang="es-ES" sz="1800" dirty="0">
-                        <a:effectLst/>
-                        <a:latin typeface="Century Gothic" panose="020B0502020202020204" pitchFamily="34" charset="0"/>
-                        <a:ea typeface="Calibri" panose="020F0502020204030204" pitchFamily="34" charset="0"/>
-                        <a:cs typeface="Times New Roman" panose="02020603050405020304" pitchFamily="18" charset="0"/>
-                      </a:endParaRPr>
-                    </a:p>
-                  </a:txBody>
-                  <a:tcPr marL="68580" marR="68580" marT="0" marB="0">
-                    <a:lnL w="12700" cap="flat" cmpd="sng" algn="ctr">
-                      <a:solidFill>
-                        <a:srgbClr val="000000"/>
-                      </a:solidFill>
-                      <a:prstDash val="solid"/>
-                      <a:round/>
-                      <a:headEnd type="none" w="med" len="med"/>
-                      <a:tailEnd type="none" w="med" len="med"/>
-                    </a:lnL>
-                    <a:lnR w="12700" cap="flat" cmpd="sng" algn="ctr">
-                      <a:solidFill>
-                        <a:srgbClr val="000000"/>
-                      </a:solidFill>
-                      <a:prstDash val="solid"/>
-                      <a:round/>
-                      <a:headEnd type="none" w="med" len="med"/>
-                      <a:tailEnd type="none" w="med" len="med"/>
-                    </a:lnR>
-                    <a:lnT w="12700" cap="flat" cmpd="sng" algn="ctr">
-                      <a:solidFill>
-                        <a:srgbClr val="000000"/>
-                      </a:solidFill>
-                      <a:prstDash val="solid"/>
-                      <a:round/>
-                      <a:headEnd type="none" w="med" len="med"/>
-                      <a:tailEnd type="none" w="med" len="med"/>
-                    </a:lnT>
-                    <a:lnB w="12700" cap="flat" cmpd="sng" algn="ctr">
-                      <a:solidFill>
-                        <a:srgbClr val="000000"/>
-                      </a:solidFill>
-                      <a:prstDash val="solid"/>
-                      <a:round/>
-                      <a:headEnd type="none" w="med" len="med"/>
-                      <a:tailEnd type="none" w="med" len="med"/>
-                    </a:lnB>
-                  </a:tcPr>
-                </a:tc>
-                <a:extLst>
-                  <a:ext uri="{0D108BD9-81ED-4DB2-BD59-A6C34878D82A}">
-                    <a16:rowId xmlns:a16="http://schemas.microsoft.com/office/drawing/2014/main" val="2802450688"/>
-                  </a:ext>
-                </a:extLst>
-              </a:tr>
-              <a:tr h="347044">
-                <a:tc>
-                  <a:txBody>
-                    <a:bodyPr/>
-                    <a:lstStyle/>
-                    <a:p>
-                      <a:pPr algn="just">
-                        <a:lnSpc>
-                          <a:spcPct val="107000"/>
-                        </a:lnSpc>
-                        <a:spcAft>
-                          <a:spcPts val="0"/>
-                        </a:spcAft>
-                      </a:pPr>
-                      <a:r>
-                        <a:rPr lang="es-ES" sz="1600">
-                          <a:effectLst/>
-                          <a:latin typeface="Century Gothic" panose="020B0502020202020204" pitchFamily="34" charset="0"/>
-                          <a:ea typeface="Calibri" panose="020F0502020204030204" pitchFamily="34" charset="0"/>
-                          <a:cs typeface="Times New Roman" panose="02020603050405020304" pitchFamily="18" charset="0"/>
-                        </a:rPr>
-                        <a:t>Criterio 1</a:t>
-                      </a:r>
-                    </a:p>
-                  </a:txBody>
-                  <a:tcPr marL="68580" marR="68580" marT="0" marB="0">
-                    <a:lnL w="12700" cap="flat" cmpd="sng" algn="ctr">
-                      <a:solidFill>
-                        <a:srgbClr val="000000"/>
-                      </a:solidFill>
-                      <a:prstDash val="solid"/>
-                      <a:round/>
-                      <a:headEnd type="none" w="med" len="med"/>
-                      <a:tailEnd type="none" w="med" len="med"/>
-                    </a:lnL>
-                    <a:lnR w="12700" cap="flat" cmpd="sng" algn="ctr">
-                      <a:solidFill>
-                        <a:srgbClr val="000000"/>
-                      </a:solidFill>
-                      <a:prstDash val="solid"/>
-                      <a:round/>
-                      <a:headEnd type="none" w="med" len="med"/>
-                      <a:tailEnd type="none" w="med" len="med"/>
-                    </a:lnR>
-                    <a:lnT w="12700" cap="flat" cmpd="sng" algn="ctr">
-                      <a:solidFill>
-                        <a:srgbClr val="000000"/>
-                      </a:solidFill>
-                      <a:prstDash val="solid"/>
-                      <a:round/>
-                      <a:headEnd type="none" w="med" len="med"/>
-                      <a:tailEnd type="none" w="med" len="med"/>
-                    </a:lnT>
-                    <a:lnB w="12700" cap="flat" cmpd="sng" algn="ctr">
-                      <a:solidFill>
-                        <a:srgbClr val="000000"/>
-                      </a:solidFill>
-                      <a:prstDash val="solid"/>
-                      <a:round/>
-                      <a:headEnd type="none" w="med" len="med"/>
-                      <a:tailEnd type="none" w="med" len="med"/>
-                    </a:lnB>
-                  </a:tcPr>
-                </a:tc>
-                <a:tc>
-                  <a:txBody>
-                    <a:bodyPr/>
-                    <a:lstStyle/>
-                    <a:p>
-                      <a:pPr algn="just">
-                        <a:lnSpc>
-                          <a:spcPct val="107000"/>
-                        </a:lnSpc>
-                        <a:spcAft>
-                          <a:spcPts val="0"/>
-                        </a:spcAft>
-                      </a:pPr>
-                      <a:r>
-                        <a:rPr lang="es-ES" sz="1600">
-                          <a:effectLst/>
-                          <a:latin typeface="Century Gothic" panose="020B0502020202020204" pitchFamily="34" charset="0"/>
-                          <a:ea typeface="Calibri" panose="020F0502020204030204" pitchFamily="34" charset="0"/>
-                          <a:cs typeface="Times New Roman" panose="02020603050405020304" pitchFamily="18" charset="0"/>
-                        </a:rPr>
-                        <a:t>6 horas, un poco complejo, pero lo que necesitamos es sencillo.</a:t>
-                      </a:r>
-                    </a:p>
-                  </a:txBody>
-                  <a:tcPr marL="68580" marR="68580" marT="0" marB="0">
-                    <a:lnL w="12700" cap="flat" cmpd="sng" algn="ctr">
-                      <a:solidFill>
-                        <a:srgbClr val="000000"/>
-                      </a:solidFill>
-                      <a:prstDash val="solid"/>
-                      <a:round/>
-                      <a:headEnd type="none" w="med" len="med"/>
-                      <a:tailEnd type="none" w="med" len="med"/>
-                    </a:lnL>
-                    <a:lnR w="12700" cap="flat" cmpd="sng" algn="ctr">
-                      <a:solidFill>
-                        <a:srgbClr val="000000"/>
-                      </a:solidFill>
-                      <a:prstDash val="solid"/>
-                      <a:round/>
-                      <a:headEnd type="none" w="med" len="med"/>
-                      <a:tailEnd type="none" w="med" len="med"/>
-                    </a:lnR>
-                    <a:lnT w="12700" cap="flat" cmpd="sng" algn="ctr">
-                      <a:solidFill>
-                        <a:srgbClr val="000000"/>
-                      </a:solidFill>
-                      <a:prstDash val="solid"/>
-                      <a:round/>
-                      <a:headEnd type="none" w="med" len="med"/>
-                      <a:tailEnd type="none" w="med" len="med"/>
-                    </a:lnT>
-                    <a:lnB w="12700" cap="flat" cmpd="sng" algn="ctr">
-                      <a:solidFill>
-                        <a:srgbClr val="000000"/>
-                      </a:solidFill>
-                      <a:prstDash val="solid"/>
-                      <a:round/>
-                      <a:headEnd type="none" w="med" len="med"/>
-                      <a:tailEnd type="none" w="med" len="med"/>
-                    </a:lnB>
-                  </a:tcPr>
-                </a:tc>
-                <a:extLst>
-                  <a:ext uri="{0D108BD9-81ED-4DB2-BD59-A6C34878D82A}">
-                    <a16:rowId xmlns:a16="http://schemas.microsoft.com/office/drawing/2014/main" val="1477922633"/>
-                  </a:ext>
-                </a:extLst>
-              </a:tr>
-              <a:tr h="347044">
-                <a:tc>
-                  <a:txBody>
-                    <a:bodyPr/>
-                    <a:lstStyle/>
-                    <a:p>
-                      <a:pPr algn="just">
-                        <a:lnSpc>
-                          <a:spcPct val="107000"/>
-                        </a:lnSpc>
-                        <a:spcAft>
-                          <a:spcPts val="0"/>
-                        </a:spcAft>
-                      </a:pPr>
-                      <a:r>
-                        <a:rPr lang="es-ES" sz="1600">
-                          <a:effectLst/>
-                          <a:latin typeface="Century Gothic" panose="020B0502020202020204" pitchFamily="34" charset="0"/>
-                          <a:ea typeface="Calibri" panose="020F0502020204030204" pitchFamily="34" charset="0"/>
-                          <a:cs typeface="Times New Roman" panose="02020603050405020304" pitchFamily="18" charset="0"/>
-                        </a:rPr>
-                        <a:t>Criterio 2</a:t>
-                      </a:r>
-                    </a:p>
-                  </a:txBody>
-                  <a:tcPr marL="68580" marR="68580" marT="0" marB="0">
-                    <a:lnL w="12700" cap="flat" cmpd="sng" algn="ctr">
-                      <a:solidFill>
-                        <a:srgbClr val="000000"/>
-                      </a:solidFill>
-                      <a:prstDash val="solid"/>
-                      <a:round/>
-                      <a:headEnd type="none" w="med" len="med"/>
-                      <a:tailEnd type="none" w="med" len="med"/>
-                    </a:lnL>
-                    <a:lnR w="12700" cap="flat" cmpd="sng" algn="ctr">
-                      <a:solidFill>
-                        <a:srgbClr val="000000"/>
-                      </a:solidFill>
-                      <a:prstDash val="solid"/>
-                      <a:round/>
-                      <a:headEnd type="none" w="med" len="med"/>
-                      <a:tailEnd type="none" w="med" len="med"/>
-                    </a:lnR>
-                    <a:lnT w="12700" cap="flat" cmpd="sng" algn="ctr">
-                      <a:solidFill>
-                        <a:srgbClr val="000000"/>
-                      </a:solidFill>
-                      <a:prstDash val="solid"/>
-                      <a:round/>
-                      <a:headEnd type="none" w="med" len="med"/>
-                      <a:tailEnd type="none" w="med" len="med"/>
-                    </a:lnT>
-                    <a:lnB w="12700" cap="flat" cmpd="sng" algn="ctr">
-                      <a:solidFill>
-                        <a:srgbClr val="000000"/>
-                      </a:solidFill>
-                      <a:prstDash val="solid"/>
-                      <a:round/>
-                      <a:headEnd type="none" w="med" len="med"/>
-                      <a:tailEnd type="none" w="med" len="med"/>
-                    </a:lnB>
-                  </a:tcPr>
-                </a:tc>
-                <a:tc>
-                  <a:txBody>
-                    <a:bodyPr/>
-                    <a:lstStyle/>
-                    <a:p>
-                      <a:pPr algn="just">
-                        <a:lnSpc>
-                          <a:spcPct val="107000"/>
-                        </a:lnSpc>
-                        <a:spcAft>
-                          <a:spcPts val="0"/>
-                        </a:spcAft>
-                      </a:pPr>
-                      <a:r>
-                        <a:rPr lang="es-ES" sz="1600">
-                          <a:effectLst/>
-                          <a:latin typeface="Century Gothic" panose="020B0502020202020204" pitchFamily="34" charset="0"/>
-                          <a:ea typeface="Calibri" panose="020F0502020204030204" pitchFamily="34" charset="0"/>
-                          <a:cs typeface="Times New Roman" panose="02020603050405020304" pitchFamily="18" charset="0"/>
-                        </a:rPr>
-                        <a:t>3 horas.</a:t>
-                      </a:r>
-                    </a:p>
-                  </a:txBody>
-                  <a:tcPr marL="68580" marR="68580" marT="0" marB="0">
-                    <a:lnL w="12700" cap="flat" cmpd="sng" algn="ctr">
-                      <a:solidFill>
-                        <a:srgbClr val="000000"/>
-                      </a:solidFill>
-                      <a:prstDash val="solid"/>
-                      <a:round/>
-                      <a:headEnd type="none" w="med" len="med"/>
-                      <a:tailEnd type="none" w="med" len="med"/>
-                    </a:lnL>
-                    <a:lnR w="12700" cap="flat" cmpd="sng" algn="ctr">
-                      <a:solidFill>
-                        <a:srgbClr val="000000"/>
-                      </a:solidFill>
-                      <a:prstDash val="solid"/>
-                      <a:round/>
-                      <a:headEnd type="none" w="med" len="med"/>
-                      <a:tailEnd type="none" w="med" len="med"/>
-                    </a:lnR>
-                    <a:lnT w="12700" cap="flat" cmpd="sng" algn="ctr">
-                      <a:solidFill>
-                        <a:srgbClr val="000000"/>
-                      </a:solidFill>
-                      <a:prstDash val="solid"/>
-                      <a:round/>
-                      <a:headEnd type="none" w="med" len="med"/>
-                      <a:tailEnd type="none" w="med" len="med"/>
-                    </a:lnT>
-                    <a:lnB w="12700" cap="flat" cmpd="sng" algn="ctr">
-                      <a:solidFill>
-                        <a:srgbClr val="000000"/>
-                      </a:solidFill>
-                      <a:prstDash val="solid"/>
-                      <a:round/>
-                      <a:headEnd type="none" w="med" len="med"/>
-                      <a:tailEnd type="none" w="med" len="med"/>
-                    </a:lnB>
-                  </a:tcPr>
-                </a:tc>
-                <a:extLst>
-                  <a:ext uri="{0D108BD9-81ED-4DB2-BD59-A6C34878D82A}">
-                    <a16:rowId xmlns:a16="http://schemas.microsoft.com/office/drawing/2014/main" val="650985604"/>
-                  </a:ext>
-                </a:extLst>
-              </a:tr>
-              <a:tr h="347044">
-                <a:tc>
-                  <a:txBody>
-                    <a:bodyPr/>
-                    <a:lstStyle/>
-                    <a:p>
-                      <a:pPr algn="just">
-                        <a:lnSpc>
-                          <a:spcPct val="107000"/>
-                        </a:lnSpc>
-                        <a:spcAft>
-                          <a:spcPts val="0"/>
-                        </a:spcAft>
-                      </a:pPr>
-                      <a:r>
-                        <a:rPr lang="es-ES" sz="1600">
-                          <a:effectLst/>
-                          <a:latin typeface="Century Gothic" panose="020B0502020202020204" pitchFamily="34" charset="0"/>
-                          <a:ea typeface="Calibri" panose="020F0502020204030204" pitchFamily="34" charset="0"/>
-                          <a:cs typeface="Times New Roman" panose="02020603050405020304" pitchFamily="18" charset="0"/>
-                        </a:rPr>
-                        <a:t>Criterio 3</a:t>
-                      </a:r>
-                    </a:p>
-                  </a:txBody>
-                  <a:tcPr marL="68580" marR="68580" marT="0" marB="0">
-                    <a:lnL w="12700" cap="flat" cmpd="sng" algn="ctr">
-                      <a:solidFill>
-                        <a:srgbClr val="000000"/>
-                      </a:solidFill>
-                      <a:prstDash val="solid"/>
-                      <a:round/>
-                      <a:headEnd type="none" w="med" len="med"/>
-                      <a:tailEnd type="none" w="med" len="med"/>
-                    </a:lnL>
-                    <a:lnR w="12700" cap="flat" cmpd="sng" algn="ctr">
-                      <a:solidFill>
-                        <a:srgbClr val="000000"/>
-                      </a:solidFill>
-                      <a:prstDash val="solid"/>
-                      <a:round/>
-                      <a:headEnd type="none" w="med" len="med"/>
-                      <a:tailEnd type="none" w="med" len="med"/>
-                    </a:lnR>
-                    <a:lnT w="12700" cap="flat" cmpd="sng" algn="ctr">
-                      <a:solidFill>
-                        <a:srgbClr val="000000"/>
-                      </a:solidFill>
-                      <a:prstDash val="solid"/>
-                      <a:round/>
-                      <a:headEnd type="none" w="med" len="med"/>
-                      <a:tailEnd type="none" w="med" len="med"/>
-                    </a:lnT>
-                    <a:lnB w="12700" cap="flat" cmpd="sng" algn="ctr">
-                      <a:solidFill>
-                        <a:srgbClr val="000000"/>
-                      </a:solidFill>
-                      <a:prstDash val="solid"/>
-                      <a:round/>
-                      <a:headEnd type="none" w="med" len="med"/>
-                      <a:tailEnd type="none" w="med" len="med"/>
-                    </a:lnB>
-                  </a:tcPr>
-                </a:tc>
-                <a:tc>
-                  <a:txBody>
-                    <a:bodyPr/>
-                    <a:lstStyle/>
-                    <a:p>
-                      <a:pPr algn="just">
-                        <a:lnSpc>
-                          <a:spcPct val="107000"/>
-                        </a:lnSpc>
-                        <a:spcAft>
-                          <a:spcPts val="0"/>
-                        </a:spcAft>
-                      </a:pPr>
-                      <a:r>
-                        <a:rPr lang="es-ES" sz="1600">
-                          <a:effectLst/>
-                          <a:latin typeface="Century Gothic" panose="020B0502020202020204" pitchFamily="34" charset="0"/>
-                          <a:ea typeface="Calibri" panose="020F0502020204030204" pitchFamily="34" charset="0"/>
-                          <a:cs typeface="Times New Roman" panose="02020603050405020304" pitchFamily="18" charset="0"/>
-                        </a:rPr>
-                        <a:t>5, solo hemos implementado dos roles.</a:t>
-                      </a:r>
-                    </a:p>
-                  </a:txBody>
-                  <a:tcPr marL="68580" marR="68580" marT="0" marB="0">
-                    <a:lnL w="12700" cap="flat" cmpd="sng" algn="ctr">
-                      <a:solidFill>
-                        <a:srgbClr val="000000"/>
-                      </a:solidFill>
-                      <a:prstDash val="solid"/>
-                      <a:round/>
-                      <a:headEnd type="none" w="med" len="med"/>
-                      <a:tailEnd type="none" w="med" len="med"/>
-                    </a:lnL>
-                    <a:lnR w="12700" cap="flat" cmpd="sng" algn="ctr">
-                      <a:solidFill>
-                        <a:srgbClr val="000000"/>
-                      </a:solidFill>
-                      <a:prstDash val="solid"/>
-                      <a:round/>
-                      <a:headEnd type="none" w="med" len="med"/>
-                      <a:tailEnd type="none" w="med" len="med"/>
-                    </a:lnR>
-                    <a:lnT w="12700" cap="flat" cmpd="sng" algn="ctr">
-                      <a:solidFill>
-                        <a:srgbClr val="000000"/>
-                      </a:solidFill>
-                      <a:prstDash val="solid"/>
-                      <a:round/>
-                      <a:headEnd type="none" w="med" len="med"/>
-                      <a:tailEnd type="none" w="med" len="med"/>
-                    </a:lnT>
-                    <a:lnB w="12700" cap="flat" cmpd="sng" algn="ctr">
-                      <a:solidFill>
-                        <a:srgbClr val="000000"/>
-                      </a:solidFill>
-                      <a:prstDash val="solid"/>
-                      <a:round/>
-                      <a:headEnd type="none" w="med" len="med"/>
-                      <a:tailEnd type="none" w="med" len="med"/>
-                    </a:lnB>
-                  </a:tcPr>
-                </a:tc>
-                <a:extLst>
-                  <a:ext uri="{0D108BD9-81ED-4DB2-BD59-A6C34878D82A}">
-                    <a16:rowId xmlns:a16="http://schemas.microsoft.com/office/drawing/2014/main" val="2196047733"/>
-                  </a:ext>
-                </a:extLst>
-              </a:tr>
-              <a:tr h="347044">
-                <a:tc>
-                  <a:txBody>
-                    <a:bodyPr/>
-                    <a:lstStyle/>
-                    <a:p>
-                      <a:pPr algn="just">
-                        <a:lnSpc>
-                          <a:spcPct val="107000"/>
-                        </a:lnSpc>
-                        <a:spcAft>
-                          <a:spcPts val="0"/>
-                        </a:spcAft>
-                      </a:pPr>
-                      <a:r>
-                        <a:rPr lang="es-ES" sz="1600">
-                          <a:effectLst/>
-                          <a:latin typeface="Century Gothic" panose="020B0502020202020204" pitchFamily="34" charset="0"/>
-                          <a:ea typeface="Calibri" panose="020F0502020204030204" pitchFamily="34" charset="0"/>
-                          <a:cs typeface="Times New Roman" panose="02020603050405020304" pitchFamily="18" charset="0"/>
-                        </a:rPr>
-                        <a:t>Criterio 4</a:t>
-                      </a:r>
-                    </a:p>
-                  </a:txBody>
-                  <a:tcPr marL="68580" marR="68580" marT="0" marB="0">
-                    <a:lnL w="12700" cap="flat" cmpd="sng" algn="ctr">
-                      <a:solidFill>
-                        <a:srgbClr val="000000"/>
-                      </a:solidFill>
-                      <a:prstDash val="solid"/>
-                      <a:round/>
-                      <a:headEnd type="none" w="med" len="med"/>
-                      <a:tailEnd type="none" w="med" len="med"/>
-                    </a:lnL>
-                    <a:lnR w="12700" cap="flat" cmpd="sng" algn="ctr">
-                      <a:solidFill>
-                        <a:srgbClr val="000000"/>
-                      </a:solidFill>
-                      <a:prstDash val="solid"/>
-                      <a:round/>
-                      <a:headEnd type="none" w="med" len="med"/>
-                      <a:tailEnd type="none" w="med" len="med"/>
-                    </a:lnR>
-                    <a:lnT w="12700" cap="flat" cmpd="sng" algn="ctr">
-                      <a:solidFill>
-                        <a:srgbClr val="000000"/>
-                      </a:solidFill>
-                      <a:prstDash val="solid"/>
-                      <a:round/>
-                      <a:headEnd type="none" w="med" len="med"/>
-                      <a:tailEnd type="none" w="med" len="med"/>
-                    </a:lnT>
-                    <a:lnB w="12700" cap="flat" cmpd="sng" algn="ctr">
-                      <a:solidFill>
-                        <a:srgbClr val="000000"/>
-                      </a:solidFill>
-                      <a:prstDash val="solid"/>
-                      <a:round/>
-                      <a:headEnd type="none" w="med" len="med"/>
-                      <a:tailEnd type="none" w="med" len="med"/>
-                    </a:lnB>
-                  </a:tcPr>
-                </a:tc>
-                <a:tc>
-                  <a:txBody>
-                    <a:bodyPr/>
-                    <a:lstStyle/>
-                    <a:p>
-                      <a:pPr algn="just">
-                        <a:lnSpc>
-                          <a:spcPct val="107000"/>
-                        </a:lnSpc>
-                        <a:spcAft>
-                          <a:spcPts val="0"/>
-                        </a:spcAft>
-                      </a:pPr>
-                      <a:r>
-                        <a:rPr lang="es-ES" sz="1600">
-                          <a:effectLst/>
-                          <a:latin typeface="Century Gothic" panose="020B0502020202020204" pitchFamily="34" charset="0"/>
-                          <a:ea typeface="Calibri" panose="020F0502020204030204" pitchFamily="34" charset="0"/>
-                          <a:cs typeface="Times New Roman" panose="02020603050405020304" pitchFamily="18" charset="0"/>
-                        </a:rPr>
-                        <a:t>Si</a:t>
-                      </a:r>
-                    </a:p>
-                  </a:txBody>
-                  <a:tcPr marL="68580" marR="68580" marT="0" marB="0">
-                    <a:lnL w="12700" cap="flat" cmpd="sng" algn="ctr">
-                      <a:solidFill>
-                        <a:srgbClr val="000000"/>
-                      </a:solidFill>
-                      <a:prstDash val="solid"/>
-                      <a:round/>
-                      <a:headEnd type="none" w="med" len="med"/>
-                      <a:tailEnd type="none" w="med" len="med"/>
-                    </a:lnL>
-                    <a:lnR w="12700" cap="flat" cmpd="sng" algn="ctr">
-                      <a:solidFill>
-                        <a:srgbClr val="000000"/>
-                      </a:solidFill>
-                      <a:prstDash val="solid"/>
-                      <a:round/>
-                      <a:headEnd type="none" w="med" len="med"/>
-                      <a:tailEnd type="none" w="med" len="med"/>
-                    </a:lnR>
-                    <a:lnT w="12700" cap="flat" cmpd="sng" algn="ctr">
-                      <a:solidFill>
-                        <a:srgbClr val="000000"/>
-                      </a:solidFill>
-                      <a:prstDash val="solid"/>
-                      <a:round/>
-                      <a:headEnd type="none" w="med" len="med"/>
-                      <a:tailEnd type="none" w="med" len="med"/>
-                    </a:lnT>
-                    <a:lnB w="12700" cap="flat" cmpd="sng" algn="ctr">
-                      <a:solidFill>
-                        <a:srgbClr val="000000"/>
-                      </a:solidFill>
-                      <a:prstDash val="solid"/>
-                      <a:round/>
-                      <a:headEnd type="none" w="med" len="med"/>
-                      <a:tailEnd type="none" w="med" len="med"/>
-                    </a:lnB>
-                  </a:tcPr>
-                </a:tc>
-                <a:extLst>
-                  <a:ext uri="{0D108BD9-81ED-4DB2-BD59-A6C34878D82A}">
-                    <a16:rowId xmlns:a16="http://schemas.microsoft.com/office/drawing/2014/main" val="3220072175"/>
-                  </a:ext>
-                </a:extLst>
-              </a:tr>
-              <a:tr h="347044">
-                <a:tc>
-                  <a:txBody>
-                    <a:bodyPr/>
-                    <a:lstStyle/>
-                    <a:p>
-                      <a:pPr algn="just">
-                        <a:lnSpc>
-                          <a:spcPct val="107000"/>
-                        </a:lnSpc>
-                        <a:spcAft>
-                          <a:spcPts val="0"/>
-                        </a:spcAft>
-                      </a:pPr>
-                      <a:r>
-                        <a:rPr lang="es-ES" sz="1600">
-                          <a:effectLst/>
-                          <a:latin typeface="Century Gothic" panose="020B0502020202020204" pitchFamily="34" charset="0"/>
-                          <a:ea typeface="Calibri" panose="020F0502020204030204" pitchFamily="34" charset="0"/>
-                          <a:cs typeface="Times New Roman" panose="02020603050405020304" pitchFamily="18" charset="0"/>
-                        </a:rPr>
-                        <a:t>Criterio 5</a:t>
-                      </a:r>
-                    </a:p>
-                  </a:txBody>
-                  <a:tcPr marL="68580" marR="68580" marT="0" marB="0">
-                    <a:lnL w="12700" cap="flat" cmpd="sng" algn="ctr">
-                      <a:solidFill>
-                        <a:srgbClr val="000000"/>
-                      </a:solidFill>
-                      <a:prstDash val="solid"/>
-                      <a:round/>
-                      <a:headEnd type="none" w="med" len="med"/>
-                      <a:tailEnd type="none" w="med" len="med"/>
-                    </a:lnL>
-                    <a:lnR w="12700" cap="flat" cmpd="sng" algn="ctr">
-                      <a:solidFill>
-                        <a:srgbClr val="000000"/>
-                      </a:solidFill>
-                      <a:prstDash val="solid"/>
-                      <a:round/>
-                      <a:headEnd type="none" w="med" len="med"/>
-                      <a:tailEnd type="none" w="med" len="med"/>
-                    </a:lnR>
-                    <a:lnT w="12700" cap="flat" cmpd="sng" algn="ctr">
-                      <a:solidFill>
-                        <a:srgbClr val="000000"/>
-                      </a:solidFill>
-                      <a:prstDash val="solid"/>
-                      <a:round/>
-                      <a:headEnd type="none" w="med" len="med"/>
-                      <a:tailEnd type="none" w="med" len="med"/>
-                    </a:lnT>
-                    <a:lnB w="12700" cap="flat" cmpd="sng" algn="ctr">
-                      <a:solidFill>
-                        <a:srgbClr val="000000"/>
-                      </a:solidFill>
-                      <a:prstDash val="solid"/>
-                      <a:round/>
-                      <a:headEnd type="none" w="med" len="med"/>
-                      <a:tailEnd type="none" w="med" len="med"/>
-                    </a:lnB>
-                  </a:tcPr>
-                </a:tc>
-                <a:tc>
-                  <a:txBody>
-                    <a:bodyPr/>
-                    <a:lstStyle/>
-                    <a:p>
-                      <a:pPr algn="just">
-                        <a:lnSpc>
-                          <a:spcPct val="107000"/>
-                        </a:lnSpc>
-                        <a:spcAft>
-                          <a:spcPts val="0"/>
-                        </a:spcAft>
-                      </a:pPr>
-                      <a:r>
-                        <a:rPr lang="es-ES" sz="1600">
-                          <a:effectLst/>
-                          <a:latin typeface="Century Gothic" panose="020B0502020202020204" pitchFamily="34" charset="0"/>
-                          <a:ea typeface="Calibri" panose="020F0502020204030204" pitchFamily="34" charset="0"/>
-                          <a:cs typeface="Times New Roman" panose="02020603050405020304" pitchFamily="18" charset="0"/>
-                        </a:rPr>
-                        <a:t>No</a:t>
-                      </a:r>
-                    </a:p>
-                  </a:txBody>
-                  <a:tcPr marL="68580" marR="68580" marT="0" marB="0">
-                    <a:lnL w="12700" cap="flat" cmpd="sng" algn="ctr">
-                      <a:solidFill>
-                        <a:srgbClr val="000000"/>
-                      </a:solidFill>
-                      <a:prstDash val="solid"/>
-                      <a:round/>
-                      <a:headEnd type="none" w="med" len="med"/>
-                      <a:tailEnd type="none" w="med" len="med"/>
-                    </a:lnL>
-                    <a:lnR w="12700" cap="flat" cmpd="sng" algn="ctr">
-                      <a:solidFill>
-                        <a:srgbClr val="000000"/>
-                      </a:solidFill>
-                      <a:prstDash val="solid"/>
-                      <a:round/>
-                      <a:headEnd type="none" w="med" len="med"/>
-                      <a:tailEnd type="none" w="med" len="med"/>
-                    </a:lnR>
-                    <a:lnT w="12700" cap="flat" cmpd="sng" algn="ctr">
-                      <a:solidFill>
-                        <a:srgbClr val="000000"/>
-                      </a:solidFill>
-                      <a:prstDash val="solid"/>
-                      <a:round/>
-                      <a:headEnd type="none" w="med" len="med"/>
-                      <a:tailEnd type="none" w="med" len="med"/>
-                    </a:lnT>
-                    <a:lnB w="12700" cap="flat" cmpd="sng" algn="ctr">
-                      <a:solidFill>
-                        <a:srgbClr val="000000"/>
-                      </a:solidFill>
-                      <a:prstDash val="solid"/>
-                      <a:round/>
-                      <a:headEnd type="none" w="med" len="med"/>
-                      <a:tailEnd type="none" w="med" len="med"/>
-                    </a:lnB>
-                  </a:tcPr>
-                </a:tc>
-                <a:extLst>
-                  <a:ext uri="{0D108BD9-81ED-4DB2-BD59-A6C34878D82A}">
-                    <a16:rowId xmlns:a16="http://schemas.microsoft.com/office/drawing/2014/main" val="2412690105"/>
-                  </a:ext>
-                </a:extLst>
-              </a:tr>
-              <a:tr h="347044">
-                <a:tc>
-                  <a:txBody>
-                    <a:bodyPr/>
-                    <a:lstStyle/>
-                    <a:p>
-                      <a:pPr algn="just">
-                        <a:lnSpc>
-                          <a:spcPct val="107000"/>
-                        </a:lnSpc>
-                        <a:spcAft>
-                          <a:spcPts val="0"/>
-                        </a:spcAft>
-                      </a:pPr>
-                      <a:r>
-                        <a:rPr lang="es-ES" sz="1600">
-                          <a:effectLst/>
-                          <a:latin typeface="Century Gothic" panose="020B0502020202020204" pitchFamily="34" charset="0"/>
-                          <a:ea typeface="Calibri" panose="020F0502020204030204" pitchFamily="34" charset="0"/>
-                          <a:cs typeface="Times New Roman" panose="02020603050405020304" pitchFamily="18" charset="0"/>
-                        </a:rPr>
-                        <a:t>Criterio 6</a:t>
-                      </a:r>
-                    </a:p>
-                  </a:txBody>
-                  <a:tcPr marL="68580" marR="68580" marT="0" marB="0">
-                    <a:lnL w="12700" cap="flat" cmpd="sng" algn="ctr">
-                      <a:solidFill>
-                        <a:srgbClr val="000000"/>
-                      </a:solidFill>
-                      <a:prstDash val="solid"/>
-                      <a:round/>
-                      <a:headEnd type="none" w="med" len="med"/>
-                      <a:tailEnd type="none" w="med" len="med"/>
-                    </a:lnL>
-                    <a:lnR w="12700" cap="flat" cmpd="sng" algn="ctr">
-                      <a:solidFill>
-                        <a:srgbClr val="000000"/>
-                      </a:solidFill>
-                      <a:prstDash val="solid"/>
-                      <a:round/>
-                      <a:headEnd type="none" w="med" len="med"/>
-                      <a:tailEnd type="none" w="med" len="med"/>
-                    </a:lnR>
-                    <a:lnT w="12700" cap="flat" cmpd="sng" algn="ctr">
-                      <a:solidFill>
-                        <a:srgbClr val="000000"/>
-                      </a:solidFill>
-                      <a:prstDash val="solid"/>
-                      <a:round/>
-                      <a:headEnd type="none" w="med" len="med"/>
-                      <a:tailEnd type="none" w="med" len="med"/>
-                    </a:lnT>
-                    <a:lnB w="12700" cap="flat" cmpd="sng" algn="ctr">
-                      <a:solidFill>
-                        <a:srgbClr val="000000"/>
-                      </a:solidFill>
-                      <a:prstDash val="solid"/>
-                      <a:round/>
-                      <a:headEnd type="none" w="med" len="med"/>
-                      <a:tailEnd type="none" w="med" len="med"/>
-                    </a:lnB>
-                  </a:tcPr>
-                </a:tc>
-                <a:tc>
-                  <a:txBody>
-                    <a:bodyPr/>
-                    <a:lstStyle/>
-                    <a:p>
-                      <a:pPr algn="just">
-                        <a:lnSpc>
-                          <a:spcPct val="107000"/>
-                        </a:lnSpc>
-                        <a:spcAft>
-                          <a:spcPts val="0"/>
-                        </a:spcAft>
-                      </a:pPr>
-                      <a:r>
-                        <a:rPr lang="es-ES" sz="1600">
-                          <a:effectLst/>
-                          <a:latin typeface="Century Gothic" panose="020B0502020202020204" pitchFamily="34" charset="0"/>
-                          <a:ea typeface="Calibri" panose="020F0502020204030204" pitchFamily="34" charset="0"/>
-                          <a:cs typeface="Times New Roman" panose="02020603050405020304" pitchFamily="18" charset="0"/>
-                        </a:rPr>
-                        <a:t>4 horas.</a:t>
-                      </a:r>
-                    </a:p>
-                  </a:txBody>
-                  <a:tcPr marL="68580" marR="68580" marT="0" marB="0">
-                    <a:lnL w="12700" cap="flat" cmpd="sng" algn="ctr">
-                      <a:solidFill>
-                        <a:srgbClr val="000000"/>
-                      </a:solidFill>
-                      <a:prstDash val="solid"/>
-                      <a:round/>
-                      <a:headEnd type="none" w="med" len="med"/>
-                      <a:tailEnd type="none" w="med" len="med"/>
-                    </a:lnL>
-                    <a:lnR w="12700" cap="flat" cmpd="sng" algn="ctr">
-                      <a:solidFill>
-                        <a:srgbClr val="000000"/>
-                      </a:solidFill>
-                      <a:prstDash val="solid"/>
-                      <a:round/>
-                      <a:headEnd type="none" w="med" len="med"/>
-                      <a:tailEnd type="none" w="med" len="med"/>
-                    </a:lnR>
-                    <a:lnT w="12700" cap="flat" cmpd="sng" algn="ctr">
-                      <a:solidFill>
-                        <a:srgbClr val="000000"/>
-                      </a:solidFill>
-                      <a:prstDash val="solid"/>
-                      <a:round/>
-                      <a:headEnd type="none" w="med" len="med"/>
-                      <a:tailEnd type="none" w="med" len="med"/>
-                    </a:lnT>
-                    <a:lnB w="12700" cap="flat" cmpd="sng" algn="ctr">
-                      <a:solidFill>
-                        <a:srgbClr val="000000"/>
-                      </a:solidFill>
-                      <a:prstDash val="solid"/>
-                      <a:round/>
-                      <a:headEnd type="none" w="med" len="med"/>
-                      <a:tailEnd type="none" w="med" len="med"/>
-                    </a:lnB>
-                  </a:tcPr>
-                </a:tc>
-                <a:extLst>
-                  <a:ext uri="{0D108BD9-81ED-4DB2-BD59-A6C34878D82A}">
-                    <a16:rowId xmlns:a16="http://schemas.microsoft.com/office/drawing/2014/main" val="2362418830"/>
-                  </a:ext>
-                </a:extLst>
-              </a:tr>
-              <a:tr h="347044">
-                <a:tc>
-                  <a:txBody>
-                    <a:bodyPr/>
-                    <a:lstStyle/>
-                    <a:p>
-                      <a:pPr algn="just">
-                        <a:lnSpc>
-                          <a:spcPct val="107000"/>
-                        </a:lnSpc>
-                        <a:spcAft>
-                          <a:spcPts val="0"/>
-                        </a:spcAft>
-                      </a:pPr>
-                      <a:r>
-                        <a:rPr lang="es-ES" sz="1600">
-                          <a:effectLst/>
-                          <a:latin typeface="Century Gothic" panose="020B0502020202020204" pitchFamily="34" charset="0"/>
-                          <a:ea typeface="Calibri" panose="020F0502020204030204" pitchFamily="34" charset="0"/>
-                          <a:cs typeface="Times New Roman" panose="02020603050405020304" pitchFamily="18" charset="0"/>
-                        </a:rPr>
-                        <a:t>Criterio 7</a:t>
-                      </a:r>
-                    </a:p>
-                  </a:txBody>
-                  <a:tcPr marL="68580" marR="68580" marT="0" marB="0">
-                    <a:lnL w="12700" cap="flat" cmpd="sng" algn="ctr">
-                      <a:solidFill>
-                        <a:srgbClr val="000000"/>
-                      </a:solidFill>
-                      <a:prstDash val="solid"/>
-                      <a:round/>
-                      <a:headEnd type="none" w="med" len="med"/>
-                      <a:tailEnd type="none" w="med" len="med"/>
-                    </a:lnL>
-                    <a:lnR w="12700" cap="flat" cmpd="sng" algn="ctr">
-                      <a:solidFill>
-                        <a:srgbClr val="000000"/>
-                      </a:solidFill>
-                      <a:prstDash val="solid"/>
-                      <a:round/>
-                      <a:headEnd type="none" w="med" len="med"/>
-                      <a:tailEnd type="none" w="med" len="med"/>
-                    </a:lnR>
-                    <a:lnT w="12700" cap="flat" cmpd="sng" algn="ctr">
-                      <a:solidFill>
-                        <a:srgbClr val="000000"/>
-                      </a:solidFill>
-                      <a:prstDash val="solid"/>
-                      <a:round/>
-                      <a:headEnd type="none" w="med" len="med"/>
-                      <a:tailEnd type="none" w="med" len="med"/>
-                    </a:lnT>
-                    <a:lnB w="12700" cap="flat" cmpd="sng" algn="ctr">
-                      <a:solidFill>
-                        <a:srgbClr val="000000"/>
-                      </a:solidFill>
-                      <a:prstDash val="solid"/>
-                      <a:round/>
-                      <a:headEnd type="none" w="med" len="med"/>
-                      <a:tailEnd type="none" w="med" len="med"/>
-                    </a:lnB>
-                  </a:tcPr>
-                </a:tc>
-                <a:tc>
-                  <a:txBody>
-                    <a:bodyPr/>
-                    <a:lstStyle/>
-                    <a:p>
-                      <a:pPr algn="just">
-                        <a:lnSpc>
-                          <a:spcPct val="107000"/>
-                        </a:lnSpc>
-                        <a:spcAft>
-                          <a:spcPts val="0"/>
-                        </a:spcAft>
-                      </a:pPr>
-                      <a:r>
-                        <a:rPr lang="es-ES" sz="1600">
-                          <a:effectLst/>
-                          <a:latin typeface="Century Gothic" panose="020B0502020202020204" pitchFamily="34" charset="0"/>
-                          <a:ea typeface="Calibri" panose="020F0502020204030204" pitchFamily="34" charset="0"/>
-                          <a:cs typeface="Times New Roman" panose="02020603050405020304" pitchFamily="18" charset="0"/>
-                        </a:rPr>
-                        <a:t>75</a:t>
-                      </a:r>
-                    </a:p>
-                  </a:txBody>
-                  <a:tcPr marL="68580" marR="68580" marT="0" marB="0">
-                    <a:lnL w="12700" cap="flat" cmpd="sng" algn="ctr">
-                      <a:solidFill>
-                        <a:srgbClr val="000000"/>
-                      </a:solidFill>
-                      <a:prstDash val="solid"/>
-                      <a:round/>
-                      <a:headEnd type="none" w="med" len="med"/>
-                      <a:tailEnd type="none" w="med" len="med"/>
-                    </a:lnL>
-                    <a:lnR w="12700" cap="flat" cmpd="sng" algn="ctr">
-                      <a:solidFill>
-                        <a:srgbClr val="000000"/>
-                      </a:solidFill>
-                      <a:prstDash val="solid"/>
-                      <a:round/>
-                      <a:headEnd type="none" w="med" len="med"/>
-                      <a:tailEnd type="none" w="med" len="med"/>
-                    </a:lnR>
-                    <a:lnT w="12700" cap="flat" cmpd="sng" algn="ctr">
-                      <a:solidFill>
-                        <a:srgbClr val="000000"/>
-                      </a:solidFill>
-                      <a:prstDash val="solid"/>
-                      <a:round/>
-                      <a:headEnd type="none" w="med" len="med"/>
-                      <a:tailEnd type="none" w="med" len="med"/>
-                    </a:lnT>
-                    <a:lnB w="12700" cap="flat" cmpd="sng" algn="ctr">
-                      <a:solidFill>
-                        <a:srgbClr val="000000"/>
-                      </a:solidFill>
-                      <a:prstDash val="solid"/>
-                      <a:round/>
-                      <a:headEnd type="none" w="med" len="med"/>
-                      <a:tailEnd type="none" w="med" len="med"/>
-                    </a:lnB>
-                  </a:tcPr>
-                </a:tc>
-                <a:extLst>
-                  <a:ext uri="{0D108BD9-81ED-4DB2-BD59-A6C34878D82A}">
-                    <a16:rowId xmlns:a16="http://schemas.microsoft.com/office/drawing/2014/main" val="3872613692"/>
-                  </a:ext>
-                </a:extLst>
-              </a:tr>
-              <a:tr h="434439">
-                <a:tc>
-                  <a:txBody>
-                    <a:bodyPr/>
-                    <a:lstStyle/>
-                    <a:p>
-                      <a:pPr algn="just">
-                        <a:lnSpc>
-                          <a:spcPct val="107000"/>
-                        </a:lnSpc>
-                        <a:spcAft>
-                          <a:spcPts val="0"/>
-                        </a:spcAft>
-                      </a:pPr>
-                      <a:r>
-                        <a:rPr lang="es-ES" sz="1600">
-                          <a:effectLst/>
-                          <a:latin typeface="Century Gothic" panose="020B0502020202020204" pitchFamily="34" charset="0"/>
-                          <a:ea typeface="Calibri" panose="020F0502020204030204" pitchFamily="34" charset="0"/>
-                          <a:cs typeface="Times New Roman" panose="02020603050405020304" pitchFamily="18" charset="0"/>
-                        </a:rPr>
-                        <a:t>Criterio 8</a:t>
-                      </a:r>
-                    </a:p>
-                  </a:txBody>
-                  <a:tcPr marL="68580" marR="68580" marT="0" marB="0">
-                    <a:lnL w="12700" cap="flat" cmpd="sng" algn="ctr">
-                      <a:solidFill>
-                        <a:srgbClr val="000000"/>
-                      </a:solidFill>
-                      <a:prstDash val="solid"/>
-                      <a:round/>
-                      <a:headEnd type="none" w="med" len="med"/>
-                      <a:tailEnd type="none" w="med" len="med"/>
-                    </a:lnL>
-                    <a:lnR w="12700" cap="flat" cmpd="sng" algn="ctr">
-                      <a:solidFill>
-                        <a:srgbClr val="000000"/>
-                      </a:solidFill>
-                      <a:prstDash val="solid"/>
-                      <a:round/>
-                      <a:headEnd type="none" w="med" len="med"/>
-                      <a:tailEnd type="none" w="med" len="med"/>
-                    </a:lnR>
-                    <a:lnT w="12700" cap="flat" cmpd="sng" algn="ctr">
-                      <a:solidFill>
-                        <a:srgbClr val="000000"/>
-                      </a:solidFill>
-                      <a:prstDash val="solid"/>
-                      <a:round/>
-                      <a:headEnd type="none" w="med" len="med"/>
-                      <a:tailEnd type="none" w="med" len="med"/>
-                    </a:lnT>
-                    <a:lnB w="12700" cap="flat" cmpd="sng" algn="ctr">
-                      <a:solidFill>
-                        <a:srgbClr val="000000"/>
-                      </a:solidFill>
-                      <a:prstDash val="solid"/>
-                      <a:round/>
-                      <a:headEnd type="none" w="med" len="med"/>
-                      <a:tailEnd type="none" w="med" len="med"/>
-                    </a:lnB>
-                  </a:tcPr>
-                </a:tc>
-                <a:tc>
-                  <a:txBody>
-                    <a:bodyPr/>
-                    <a:lstStyle/>
-                    <a:p>
-                      <a:pPr algn="just">
-                        <a:lnSpc>
-                          <a:spcPct val="107000"/>
-                        </a:lnSpc>
-                        <a:spcAft>
-                          <a:spcPts val="0"/>
-                        </a:spcAft>
-                      </a:pPr>
-                      <a:r>
-                        <a:rPr lang="es-ES" sz="1600">
-                          <a:effectLst/>
-                          <a:latin typeface="Century Gothic" panose="020B0502020202020204" pitchFamily="34" charset="0"/>
-                          <a:ea typeface="Calibri" panose="020F0502020204030204" pitchFamily="34" charset="0"/>
-                          <a:cs typeface="Times New Roman" panose="02020603050405020304" pitchFamily="18" charset="0"/>
-                        </a:rPr>
-                        <a:t>Un pc, internet, un navegador, composer, documentación y un editor de código</a:t>
-                      </a:r>
-                    </a:p>
-                  </a:txBody>
-                  <a:tcPr marL="68580" marR="68580" marT="0" marB="0">
-                    <a:lnL w="12700" cap="flat" cmpd="sng" algn="ctr">
-                      <a:solidFill>
-                        <a:srgbClr val="000000"/>
-                      </a:solidFill>
-                      <a:prstDash val="solid"/>
-                      <a:round/>
-                      <a:headEnd type="none" w="med" len="med"/>
-                      <a:tailEnd type="none" w="med" len="med"/>
-                    </a:lnL>
-                    <a:lnR w="12700" cap="flat" cmpd="sng" algn="ctr">
-                      <a:solidFill>
-                        <a:srgbClr val="000000"/>
-                      </a:solidFill>
-                      <a:prstDash val="solid"/>
-                      <a:round/>
-                      <a:headEnd type="none" w="med" len="med"/>
-                      <a:tailEnd type="none" w="med" len="med"/>
-                    </a:lnR>
-                    <a:lnT w="12700" cap="flat" cmpd="sng" algn="ctr">
-                      <a:solidFill>
-                        <a:srgbClr val="000000"/>
-                      </a:solidFill>
-                      <a:prstDash val="solid"/>
-                      <a:round/>
-                      <a:headEnd type="none" w="med" len="med"/>
-                      <a:tailEnd type="none" w="med" len="med"/>
-                    </a:lnT>
-                    <a:lnB w="12700" cap="flat" cmpd="sng" algn="ctr">
-                      <a:solidFill>
-                        <a:srgbClr val="000000"/>
-                      </a:solidFill>
-                      <a:prstDash val="solid"/>
-                      <a:round/>
-                      <a:headEnd type="none" w="med" len="med"/>
-                      <a:tailEnd type="none" w="med" len="med"/>
-                    </a:lnB>
-                  </a:tcPr>
-                </a:tc>
-                <a:extLst>
-                  <a:ext uri="{0D108BD9-81ED-4DB2-BD59-A6C34878D82A}">
-                    <a16:rowId xmlns:a16="http://schemas.microsoft.com/office/drawing/2014/main" val="2118735945"/>
-                  </a:ext>
-                </a:extLst>
-              </a:tr>
-              <a:tr h="347044">
-                <a:tc>
-                  <a:txBody>
-                    <a:bodyPr/>
-                    <a:lstStyle/>
-                    <a:p>
-                      <a:pPr algn="just">
-                        <a:lnSpc>
-                          <a:spcPct val="107000"/>
-                        </a:lnSpc>
-                        <a:spcAft>
-                          <a:spcPts val="0"/>
-                        </a:spcAft>
-                      </a:pPr>
-                      <a:r>
-                        <a:rPr lang="es-ES" sz="1600">
-                          <a:effectLst/>
-                          <a:latin typeface="Century Gothic" panose="020B0502020202020204" pitchFamily="34" charset="0"/>
-                          <a:ea typeface="Calibri" panose="020F0502020204030204" pitchFamily="34" charset="0"/>
-                          <a:cs typeface="Times New Roman" panose="02020603050405020304" pitchFamily="18" charset="0"/>
-                        </a:rPr>
-                        <a:t>Criterio 9</a:t>
-                      </a:r>
-                    </a:p>
-                  </a:txBody>
-                  <a:tcPr marL="68580" marR="68580" marT="0" marB="0">
-                    <a:lnL w="12700" cap="flat" cmpd="sng" algn="ctr">
-                      <a:solidFill>
-                        <a:srgbClr val="000000"/>
-                      </a:solidFill>
-                      <a:prstDash val="solid"/>
-                      <a:round/>
-                      <a:headEnd type="none" w="med" len="med"/>
-                      <a:tailEnd type="none" w="med" len="med"/>
-                    </a:lnL>
-                    <a:lnR w="12700" cap="flat" cmpd="sng" algn="ctr">
-                      <a:solidFill>
-                        <a:srgbClr val="000000"/>
-                      </a:solidFill>
-                      <a:prstDash val="solid"/>
-                      <a:round/>
-                      <a:headEnd type="none" w="med" len="med"/>
-                      <a:tailEnd type="none" w="med" len="med"/>
-                    </a:lnR>
-                    <a:lnT w="12700" cap="flat" cmpd="sng" algn="ctr">
-                      <a:solidFill>
-                        <a:srgbClr val="000000"/>
-                      </a:solidFill>
-                      <a:prstDash val="solid"/>
-                      <a:round/>
-                      <a:headEnd type="none" w="med" len="med"/>
-                      <a:tailEnd type="none" w="med" len="med"/>
-                    </a:lnT>
-                    <a:lnB w="12700" cap="flat" cmpd="sng" algn="ctr">
-                      <a:solidFill>
-                        <a:srgbClr val="000000"/>
-                      </a:solidFill>
-                      <a:prstDash val="solid"/>
-                      <a:round/>
-                      <a:headEnd type="none" w="med" len="med"/>
-                      <a:tailEnd type="none" w="med" len="med"/>
-                    </a:lnB>
-                  </a:tcPr>
-                </a:tc>
-                <a:tc>
-                  <a:txBody>
-                    <a:bodyPr/>
-                    <a:lstStyle/>
-                    <a:p>
-                      <a:pPr algn="just">
-                        <a:lnSpc>
-                          <a:spcPct val="107000"/>
-                        </a:lnSpc>
-                        <a:spcAft>
-                          <a:spcPts val="0"/>
-                        </a:spcAft>
-                      </a:pPr>
-                      <a:r>
-                        <a:rPr lang="es-ES" sz="1600" dirty="0">
-                          <a:effectLst/>
-                          <a:latin typeface="Century Gothic" panose="020B0502020202020204" pitchFamily="34" charset="0"/>
-                          <a:ea typeface="Calibri" panose="020F0502020204030204" pitchFamily="34" charset="0"/>
-                          <a:cs typeface="Times New Roman" panose="02020603050405020304" pitchFamily="18" charset="0"/>
-                        </a:rPr>
-                        <a:t>7</a:t>
-                      </a:r>
-                    </a:p>
-                  </a:txBody>
-                  <a:tcPr marL="68580" marR="68580" marT="0" marB="0">
-                    <a:lnL w="12700" cap="flat" cmpd="sng" algn="ctr">
-                      <a:solidFill>
-                        <a:srgbClr val="000000"/>
-                      </a:solidFill>
-                      <a:prstDash val="solid"/>
-                      <a:round/>
-                      <a:headEnd type="none" w="med" len="med"/>
-                      <a:tailEnd type="none" w="med" len="med"/>
-                    </a:lnL>
-                    <a:lnR w="12700" cap="flat" cmpd="sng" algn="ctr">
-                      <a:solidFill>
-                        <a:srgbClr val="000000"/>
-                      </a:solidFill>
-                      <a:prstDash val="solid"/>
-                      <a:round/>
-                      <a:headEnd type="none" w="med" len="med"/>
-                      <a:tailEnd type="none" w="med" len="med"/>
-                    </a:lnR>
-                    <a:lnT w="12700" cap="flat" cmpd="sng" algn="ctr">
-                      <a:solidFill>
-                        <a:srgbClr val="000000"/>
-                      </a:solidFill>
-                      <a:prstDash val="solid"/>
-                      <a:round/>
-                      <a:headEnd type="none" w="med" len="med"/>
-                      <a:tailEnd type="none" w="med" len="med"/>
-                    </a:lnT>
-                    <a:lnB w="12700" cap="flat" cmpd="sng" algn="ctr">
-                      <a:solidFill>
-                        <a:srgbClr val="000000"/>
-                      </a:solidFill>
-                      <a:prstDash val="solid"/>
-                      <a:round/>
-                      <a:headEnd type="none" w="med" len="med"/>
-                      <a:tailEnd type="none" w="med" len="med"/>
-                    </a:lnB>
-                  </a:tcPr>
-                </a:tc>
-                <a:extLst>
-                  <a:ext uri="{0D108BD9-81ED-4DB2-BD59-A6C34878D82A}">
-                    <a16:rowId xmlns:a16="http://schemas.microsoft.com/office/drawing/2014/main" val="4018931725"/>
-                  </a:ext>
-                </a:extLst>
-              </a:tr>
-            </a:tbl>
-          </a:graphicData>
-        </a:graphic>
-      </p:graphicFrame>
-      <p:pic>
-        <p:nvPicPr>
-          <p:cNvPr id="4" name="Picture 2" descr="Resultado de imagen de yii png">
-            <a:extLst>
-              <a:ext uri="{FF2B5EF4-FFF2-40B4-BE49-F238E27FC236}">
-                <a16:creationId xmlns:a16="http://schemas.microsoft.com/office/drawing/2014/main" id="{9F51FB63-58DA-477D-A2A5-151EC93293DF}"/>
+                <a16:creationId xmlns:a16="http://schemas.microsoft.com/office/drawing/2014/main" id="{E58F8676-6B27-4826-AE88-C262203EBA0D}"/>
               </a:ext>
             </a:extLst>
           </p:cNvPr>
           <p:cNvPicPr>
-            <a:picLocks noChangeAspect="1" noChangeArrowheads="1"/>
+            <a:picLocks noChangeAspect="1"/>
           </p:cNvPicPr>
           <p:nvPr/>
         </p:nvPicPr>
         <p:blipFill>
-          <a:blip r:embed="rId2">
-            <a:extLst>
-              <a:ext uri="{28A0092B-C50C-407E-A947-70E740481C1C}">
-                <a14:useLocalDpi xmlns:a14="http://schemas.microsoft.com/office/drawing/2010/main" val="0"/>
-              </a:ext>
-            </a:extLst>
-          </a:blip>
-          <a:srcRect/>
+          <a:blip r:embed="rId2"/>
           <a:stretch>
             <a:fillRect/>
           </a:stretch>
         </p:blipFill>
-        <p:spPr bwMode="auto">
+        <p:spPr>
           <a:xfrm>
-            <a:off x="5513988" y="1204982"/>
-            <a:ext cx="1164024" cy="1164024"/>
+            <a:off x="10045147" y="197126"/>
+            <a:ext cx="1860274" cy="1860274"/>
           </a:xfrm>
           <a:prstGeom prst="rect">
             <a:avLst/>
           </a:prstGeom>
-          <a:noFill/>
-          <a:extLst>
-            <a:ext uri="{909E8E84-426E-40DD-AFC4-6F175D3DCCD1}">
-              <a14:hiddenFill xmlns:a14="http://schemas.microsoft.com/office/drawing/2010/main">
-                <a:solidFill>
-                  <a:srgbClr val="FFFFFF"/>
-                </a:solidFill>
-              </a14:hiddenFill>
-            </a:ext>
-          </a:extLst>
+        </p:spPr>
+      </p:pic>
+      <p:pic>
+        <p:nvPicPr>
+          <p:cNvPr id="5" name="Imagen 4">
+            <a:extLst>
+              <a:ext uri="{FF2B5EF4-FFF2-40B4-BE49-F238E27FC236}">
+                <a16:creationId xmlns:a16="http://schemas.microsoft.com/office/drawing/2014/main" id="{AACF49A3-9DDA-4979-80A3-6F07B10D2611}"/>
+              </a:ext>
+            </a:extLst>
+          </p:cNvPr>
+          <p:cNvPicPr>
+            <a:picLocks noChangeAspect="1"/>
+          </p:cNvPicPr>
+          <p:nvPr/>
+        </p:nvPicPr>
+        <p:blipFill>
+          <a:blip r:embed="rId3"/>
+          <a:stretch>
+            <a:fillRect/>
+          </a:stretch>
+        </p:blipFill>
+        <p:spPr>
+          <a:xfrm>
+            <a:off x="1434903" y="2187275"/>
+            <a:ext cx="10350893" cy="4660175"/>
+          </a:xfrm>
+          <a:prstGeom prst="rect">
+            <a:avLst/>
+          </a:prstGeom>
         </p:spPr>
       </p:pic>
     </p:spTree>
     <p:extLst>
       <p:ext uri="{BB962C8B-B14F-4D97-AF65-F5344CB8AC3E}">
-        <p14:creationId xmlns:p14="http://schemas.microsoft.com/office/powerpoint/2010/main" val="3475164297"/>
+        <p14:creationId xmlns:p14="http://schemas.microsoft.com/office/powerpoint/2010/main" val="484683693"/>
       </p:ext>
     </p:extLst>
   </p:cSld>
@@ -6973,7 +5772,7 @@
         <p:spPr>
           <a:xfrm>
             <a:off x="982979" y="571500"/>
-            <a:ext cx="11209021" cy="1485900"/>
+            <a:ext cx="9618759" cy="1485900"/>
           </a:xfrm>
         </p:spPr>
         <p:txBody>
@@ -6986,13 +5785,8 @@
               <a:rPr lang="es-ES" b="1" dirty="0">
                 <a:latin typeface="Century Gothic" panose="020B0502020202020204" pitchFamily="34" charset="0"/>
               </a:rPr>
-              <a:t>Comparación de las dos implementaciones</a:t>
-            </a:r>
-            <a:br>
-              <a:rPr lang="es-ES" b="1" dirty="0">
-                <a:latin typeface="Century Gothic" panose="020B0502020202020204" pitchFamily="34" charset="0"/>
-              </a:rPr>
-            </a:br>
+              <a:t>Proyecto de implementación de un prototipo del sistema utilizando Laravel</a:t>
+            </a:r>
             <a:br>
               <a:rPr lang="es-ES" b="1" dirty="0">
                 <a:latin typeface="Century Gothic" panose="020B0502020202020204" pitchFamily="34" charset="0"/>
@@ -7009,1390 +5803,12 @@
           </a:p>
         </p:txBody>
       </p:sp>
-      <p:graphicFrame>
-        <p:nvGraphicFramePr>
-          <p:cNvPr id="3" name="Tabla 2">
+      <p:pic>
+        <p:nvPicPr>
+          <p:cNvPr id="3" name="Imagen 2">
             <a:extLst>
               <a:ext uri="{FF2B5EF4-FFF2-40B4-BE49-F238E27FC236}">
-                <a16:creationId xmlns:a16="http://schemas.microsoft.com/office/drawing/2014/main" id="{32866736-3B89-42E2-AEEB-B574A51F4E8E}"/>
-              </a:ext>
-            </a:extLst>
-          </p:cNvPr>
-          <p:cNvGraphicFramePr>
-            <a:graphicFrameLocks noGrp="1"/>
-          </p:cNvGraphicFramePr>
-          <p:nvPr>
-            <p:extLst>
-              <p:ext uri="{D42A27DB-BD31-4B8C-83A1-F6EECF244321}">
-                <p14:modId xmlns:p14="http://schemas.microsoft.com/office/powerpoint/2010/main" val="2713463954"/>
-              </p:ext>
-            </p:extLst>
-          </p:nvPr>
-        </p:nvGraphicFramePr>
-        <p:xfrm>
-          <a:off x="2639291" y="2553205"/>
-          <a:ext cx="7307261" cy="3733295"/>
-        </p:xfrm>
-        <a:graphic>
-          <a:graphicData uri="http://schemas.openxmlformats.org/drawingml/2006/table">
-            <a:tbl>
-              <a:tblPr firstRow="1" firstCol="1" bandRow="1"/>
-              <a:tblGrid>
-                <a:gridCol w="1703365">
-                  <a:extLst>
-                    <a:ext uri="{9D8B030D-6E8A-4147-A177-3AD203B41FA5}">
-                      <a16:colId xmlns:a16="http://schemas.microsoft.com/office/drawing/2014/main" val="3650934917"/>
-                    </a:ext>
-                  </a:extLst>
-                </a:gridCol>
-                <a:gridCol w="5603896">
-                  <a:extLst>
-                    <a:ext uri="{9D8B030D-6E8A-4147-A177-3AD203B41FA5}">
-                      <a16:colId xmlns:a16="http://schemas.microsoft.com/office/drawing/2014/main" val="2183597844"/>
-                    </a:ext>
-                  </a:extLst>
-                </a:gridCol>
-              </a:tblGrid>
-              <a:tr h="282083">
-                <a:tc>
-                  <a:txBody>
-                    <a:bodyPr/>
-                    <a:lstStyle/>
-                    <a:p>
-                      <a:pPr algn="ctr">
-                        <a:lnSpc>
-                          <a:spcPct val="107000"/>
-                        </a:lnSpc>
-                        <a:spcAft>
-                          <a:spcPts val="0"/>
-                        </a:spcAft>
-                      </a:pPr>
-                      <a:r>
-                        <a:rPr lang="es-ES" sz="1600" b="1" dirty="0">
-                          <a:effectLst/>
-                          <a:latin typeface="Century Gothic" panose="020B0502020202020204" pitchFamily="34" charset="0"/>
-                          <a:ea typeface="Calibri" panose="020F0502020204030204" pitchFamily="34" charset="0"/>
-                          <a:cs typeface="Times New Roman" panose="02020603050405020304" pitchFamily="18" charset="0"/>
-                        </a:rPr>
-                        <a:t>CRITERIO</a:t>
-                      </a:r>
-                    </a:p>
-                  </a:txBody>
-                  <a:tcPr marL="68580" marR="68580" marT="0" marB="0">
-                    <a:lnL w="12700" cap="flat" cmpd="sng" algn="ctr">
-                      <a:solidFill>
-                        <a:srgbClr val="000000"/>
-                      </a:solidFill>
-                      <a:prstDash val="solid"/>
-                      <a:round/>
-                      <a:headEnd type="none" w="med" len="med"/>
-                      <a:tailEnd type="none" w="med" len="med"/>
-                    </a:lnL>
-                    <a:lnR w="12700" cap="flat" cmpd="sng" algn="ctr">
-                      <a:solidFill>
-                        <a:srgbClr val="000000"/>
-                      </a:solidFill>
-                      <a:prstDash val="solid"/>
-                      <a:round/>
-                      <a:headEnd type="none" w="med" len="med"/>
-                      <a:tailEnd type="none" w="med" len="med"/>
-                    </a:lnR>
-                    <a:lnT w="12700" cap="flat" cmpd="sng" algn="ctr">
-                      <a:solidFill>
-                        <a:srgbClr val="000000"/>
-                      </a:solidFill>
-                      <a:prstDash val="solid"/>
-                      <a:round/>
-                      <a:headEnd type="none" w="med" len="med"/>
-                      <a:tailEnd type="none" w="med" len="med"/>
-                    </a:lnT>
-                    <a:lnB w="12700" cap="flat" cmpd="sng" algn="ctr">
-                      <a:solidFill>
-                        <a:srgbClr val="000000"/>
-                      </a:solidFill>
-                      <a:prstDash val="solid"/>
-                      <a:round/>
-                      <a:headEnd type="none" w="med" len="med"/>
-                      <a:tailEnd type="none" w="med" len="med"/>
-                    </a:lnB>
-                  </a:tcPr>
-                </a:tc>
-                <a:tc>
-                  <a:txBody>
-                    <a:bodyPr/>
-                    <a:lstStyle/>
-                    <a:p>
-                      <a:pPr algn="ctr">
-                        <a:lnSpc>
-                          <a:spcPct val="107000"/>
-                        </a:lnSpc>
-                        <a:spcAft>
-                          <a:spcPts val="0"/>
-                        </a:spcAft>
-                      </a:pPr>
-                      <a:r>
-                        <a:rPr lang="es-ES" sz="1600" b="1" dirty="0">
-                          <a:effectLst/>
-                          <a:latin typeface="Century Gothic" panose="020B0502020202020204" pitchFamily="34" charset="0"/>
-                          <a:ea typeface="Calibri" panose="020F0502020204030204" pitchFamily="34" charset="0"/>
-                          <a:cs typeface="Times New Roman" panose="02020603050405020304" pitchFamily="18" charset="0"/>
-                        </a:rPr>
-                        <a:t>EVALUACIÓN</a:t>
-                      </a:r>
-                    </a:p>
-                  </a:txBody>
-                  <a:tcPr marL="68580" marR="68580" marT="0" marB="0">
-                    <a:lnL w="12700" cap="flat" cmpd="sng" algn="ctr">
-                      <a:solidFill>
-                        <a:srgbClr val="000000"/>
-                      </a:solidFill>
-                      <a:prstDash val="solid"/>
-                      <a:round/>
-                      <a:headEnd type="none" w="med" len="med"/>
-                      <a:tailEnd type="none" w="med" len="med"/>
-                    </a:lnL>
-                    <a:lnR w="12700" cap="flat" cmpd="sng" algn="ctr">
-                      <a:solidFill>
-                        <a:srgbClr val="000000"/>
-                      </a:solidFill>
-                      <a:prstDash val="solid"/>
-                      <a:round/>
-                      <a:headEnd type="none" w="med" len="med"/>
-                      <a:tailEnd type="none" w="med" len="med"/>
-                    </a:lnR>
-                    <a:lnT w="12700" cap="flat" cmpd="sng" algn="ctr">
-                      <a:solidFill>
-                        <a:srgbClr val="000000"/>
-                      </a:solidFill>
-                      <a:prstDash val="solid"/>
-                      <a:round/>
-                      <a:headEnd type="none" w="med" len="med"/>
-                      <a:tailEnd type="none" w="med" len="med"/>
-                    </a:lnT>
-                    <a:lnB w="12700" cap="flat" cmpd="sng" algn="ctr">
-                      <a:solidFill>
-                        <a:srgbClr val="000000"/>
-                      </a:solidFill>
-                      <a:prstDash val="solid"/>
-                      <a:round/>
-                      <a:headEnd type="none" w="med" len="med"/>
-                      <a:tailEnd type="none" w="med" len="med"/>
-                    </a:lnB>
-                  </a:tcPr>
-                </a:tc>
-                <a:extLst>
-                  <a:ext uri="{0D108BD9-81ED-4DB2-BD59-A6C34878D82A}">
-                    <a16:rowId xmlns:a16="http://schemas.microsoft.com/office/drawing/2014/main" val="3150751624"/>
-                  </a:ext>
-                </a:extLst>
-              </a:tr>
-              <a:tr h="586238">
-                <a:tc>
-                  <a:txBody>
-                    <a:bodyPr/>
-                    <a:lstStyle/>
-                    <a:p>
-                      <a:pPr algn="just">
-                        <a:lnSpc>
-                          <a:spcPct val="107000"/>
-                        </a:lnSpc>
-                        <a:spcAft>
-                          <a:spcPts val="0"/>
-                        </a:spcAft>
-                      </a:pPr>
-                      <a:r>
-                        <a:rPr lang="es-ES" sz="1600">
-                          <a:effectLst/>
-                          <a:latin typeface="Century Gothic" panose="020B0502020202020204" pitchFamily="34" charset="0"/>
-                          <a:ea typeface="Calibri" panose="020F0502020204030204" pitchFamily="34" charset="0"/>
-                          <a:cs typeface="Times New Roman" panose="02020603050405020304" pitchFamily="18" charset="0"/>
-                        </a:rPr>
-                        <a:t>Criterio 1</a:t>
-                      </a:r>
-                    </a:p>
-                  </a:txBody>
-                  <a:tcPr marL="68580" marR="68580" marT="0" marB="0">
-                    <a:lnL w="12700" cap="flat" cmpd="sng" algn="ctr">
-                      <a:solidFill>
-                        <a:srgbClr val="000000"/>
-                      </a:solidFill>
-                      <a:prstDash val="solid"/>
-                      <a:round/>
-                      <a:headEnd type="none" w="med" len="med"/>
-                      <a:tailEnd type="none" w="med" len="med"/>
-                    </a:lnL>
-                    <a:lnR w="12700" cap="flat" cmpd="sng" algn="ctr">
-                      <a:solidFill>
-                        <a:srgbClr val="000000"/>
-                      </a:solidFill>
-                      <a:prstDash val="solid"/>
-                      <a:round/>
-                      <a:headEnd type="none" w="med" len="med"/>
-                      <a:tailEnd type="none" w="med" len="med"/>
-                    </a:lnR>
-                    <a:lnT w="12700" cap="flat" cmpd="sng" algn="ctr">
-                      <a:solidFill>
-                        <a:srgbClr val="000000"/>
-                      </a:solidFill>
-                      <a:prstDash val="solid"/>
-                      <a:round/>
-                      <a:headEnd type="none" w="med" len="med"/>
-                      <a:tailEnd type="none" w="med" len="med"/>
-                    </a:lnT>
-                    <a:lnB w="12700" cap="flat" cmpd="sng" algn="ctr">
-                      <a:solidFill>
-                        <a:srgbClr val="000000"/>
-                      </a:solidFill>
-                      <a:prstDash val="solid"/>
-                      <a:round/>
-                      <a:headEnd type="none" w="med" len="med"/>
-                      <a:tailEnd type="none" w="med" len="med"/>
-                    </a:lnB>
-                  </a:tcPr>
-                </a:tc>
-                <a:tc>
-                  <a:txBody>
-                    <a:bodyPr/>
-                    <a:lstStyle/>
-                    <a:p>
-                      <a:pPr algn="just">
-                        <a:lnSpc>
-                          <a:spcPct val="107000"/>
-                        </a:lnSpc>
-                        <a:spcAft>
-                          <a:spcPts val="0"/>
-                        </a:spcAft>
-                      </a:pPr>
-                      <a:r>
-                        <a:rPr lang="es-ES" sz="1600">
-                          <a:effectLst/>
-                          <a:latin typeface="Century Gothic" panose="020B0502020202020204" pitchFamily="34" charset="0"/>
-                          <a:ea typeface="Calibri" panose="020F0502020204030204" pitchFamily="34" charset="0"/>
-                          <a:cs typeface="Times New Roman" panose="02020603050405020304" pitchFamily="18" charset="0"/>
-                        </a:rPr>
-                        <a:t>15 horas, un poco complejo, pero hemos realizado los requisitos necesarios.</a:t>
-                      </a:r>
-                    </a:p>
-                  </a:txBody>
-                  <a:tcPr marL="68580" marR="68580" marT="0" marB="0">
-                    <a:lnL w="12700" cap="flat" cmpd="sng" algn="ctr">
-                      <a:solidFill>
-                        <a:srgbClr val="000000"/>
-                      </a:solidFill>
-                      <a:prstDash val="solid"/>
-                      <a:round/>
-                      <a:headEnd type="none" w="med" len="med"/>
-                      <a:tailEnd type="none" w="med" len="med"/>
-                    </a:lnL>
-                    <a:lnR w="12700" cap="flat" cmpd="sng" algn="ctr">
-                      <a:solidFill>
-                        <a:srgbClr val="000000"/>
-                      </a:solidFill>
-                      <a:prstDash val="solid"/>
-                      <a:round/>
-                      <a:headEnd type="none" w="med" len="med"/>
-                      <a:tailEnd type="none" w="med" len="med"/>
-                    </a:lnR>
-                    <a:lnT w="12700" cap="flat" cmpd="sng" algn="ctr">
-                      <a:solidFill>
-                        <a:srgbClr val="000000"/>
-                      </a:solidFill>
-                      <a:prstDash val="solid"/>
-                      <a:round/>
-                      <a:headEnd type="none" w="med" len="med"/>
-                      <a:tailEnd type="none" w="med" len="med"/>
-                    </a:lnT>
-                    <a:lnB w="12700" cap="flat" cmpd="sng" algn="ctr">
-                      <a:solidFill>
-                        <a:srgbClr val="000000"/>
-                      </a:solidFill>
-                      <a:prstDash val="solid"/>
-                      <a:round/>
-                      <a:headEnd type="none" w="med" len="med"/>
-                      <a:tailEnd type="none" w="med" len="med"/>
-                    </a:lnB>
-                  </a:tcPr>
-                </a:tc>
-                <a:extLst>
-                  <a:ext uri="{0D108BD9-81ED-4DB2-BD59-A6C34878D82A}">
-                    <a16:rowId xmlns:a16="http://schemas.microsoft.com/office/drawing/2014/main" val="951465619"/>
-                  </a:ext>
-                </a:extLst>
-              </a:tr>
-              <a:tr h="282083">
-                <a:tc>
-                  <a:txBody>
-                    <a:bodyPr/>
-                    <a:lstStyle/>
-                    <a:p>
-                      <a:pPr algn="just">
-                        <a:lnSpc>
-                          <a:spcPct val="107000"/>
-                        </a:lnSpc>
-                        <a:spcAft>
-                          <a:spcPts val="0"/>
-                        </a:spcAft>
-                      </a:pPr>
-                      <a:r>
-                        <a:rPr lang="es-ES" sz="1600">
-                          <a:effectLst/>
-                          <a:latin typeface="Century Gothic" panose="020B0502020202020204" pitchFamily="34" charset="0"/>
-                          <a:ea typeface="Calibri" panose="020F0502020204030204" pitchFamily="34" charset="0"/>
-                          <a:cs typeface="Times New Roman" panose="02020603050405020304" pitchFamily="18" charset="0"/>
-                        </a:rPr>
-                        <a:t>Criterio 2</a:t>
-                      </a:r>
-                    </a:p>
-                  </a:txBody>
-                  <a:tcPr marL="68580" marR="68580" marT="0" marB="0">
-                    <a:lnL w="12700" cap="flat" cmpd="sng" algn="ctr">
-                      <a:solidFill>
-                        <a:srgbClr val="000000"/>
-                      </a:solidFill>
-                      <a:prstDash val="solid"/>
-                      <a:round/>
-                      <a:headEnd type="none" w="med" len="med"/>
-                      <a:tailEnd type="none" w="med" len="med"/>
-                    </a:lnL>
-                    <a:lnR w="12700" cap="flat" cmpd="sng" algn="ctr">
-                      <a:solidFill>
-                        <a:srgbClr val="000000"/>
-                      </a:solidFill>
-                      <a:prstDash val="solid"/>
-                      <a:round/>
-                      <a:headEnd type="none" w="med" len="med"/>
-                      <a:tailEnd type="none" w="med" len="med"/>
-                    </a:lnR>
-                    <a:lnT w="12700" cap="flat" cmpd="sng" algn="ctr">
-                      <a:solidFill>
-                        <a:srgbClr val="000000"/>
-                      </a:solidFill>
-                      <a:prstDash val="solid"/>
-                      <a:round/>
-                      <a:headEnd type="none" w="med" len="med"/>
-                      <a:tailEnd type="none" w="med" len="med"/>
-                    </a:lnT>
-                    <a:lnB w="12700" cap="flat" cmpd="sng" algn="ctr">
-                      <a:solidFill>
-                        <a:srgbClr val="000000"/>
-                      </a:solidFill>
-                      <a:prstDash val="solid"/>
-                      <a:round/>
-                      <a:headEnd type="none" w="med" len="med"/>
-                      <a:tailEnd type="none" w="med" len="med"/>
-                    </a:lnB>
-                  </a:tcPr>
-                </a:tc>
-                <a:tc>
-                  <a:txBody>
-                    <a:bodyPr/>
-                    <a:lstStyle/>
-                    <a:p>
-                      <a:pPr algn="just">
-                        <a:lnSpc>
-                          <a:spcPct val="107000"/>
-                        </a:lnSpc>
-                        <a:spcAft>
-                          <a:spcPts val="0"/>
-                        </a:spcAft>
-                      </a:pPr>
-                      <a:r>
-                        <a:rPr lang="es-ES" sz="1600" dirty="0">
-                          <a:effectLst/>
-                          <a:latin typeface="Century Gothic" panose="020B0502020202020204" pitchFamily="34" charset="0"/>
-                          <a:ea typeface="Calibri" panose="020F0502020204030204" pitchFamily="34" charset="0"/>
-                          <a:cs typeface="Times New Roman" panose="02020603050405020304" pitchFamily="18" charset="0"/>
-                        </a:rPr>
-                        <a:t>5 horas.</a:t>
-                      </a:r>
-                    </a:p>
-                  </a:txBody>
-                  <a:tcPr marL="68580" marR="68580" marT="0" marB="0">
-                    <a:lnL w="12700" cap="flat" cmpd="sng" algn="ctr">
-                      <a:solidFill>
-                        <a:srgbClr val="000000"/>
-                      </a:solidFill>
-                      <a:prstDash val="solid"/>
-                      <a:round/>
-                      <a:headEnd type="none" w="med" len="med"/>
-                      <a:tailEnd type="none" w="med" len="med"/>
-                    </a:lnL>
-                    <a:lnR w="12700" cap="flat" cmpd="sng" algn="ctr">
-                      <a:solidFill>
-                        <a:srgbClr val="000000"/>
-                      </a:solidFill>
-                      <a:prstDash val="solid"/>
-                      <a:round/>
-                      <a:headEnd type="none" w="med" len="med"/>
-                      <a:tailEnd type="none" w="med" len="med"/>
-                    </a:lnR>
-                    <a:lnT w="12700" cap="flat" cmpd="sng" algn="ctr">
-                      <a:solidFill>
-                        <a:srgbClr val="000000"/>
-                      </a:solidFill>
-                      <a:prstDash val="solid"/>
-                      <a:round/>
-                      <a:headEnd type="none" w="med" len="med"/>
-                      <a:tailEnd type="none" w="med" len="med"/>
-                    </a:lnT>
-                    <a:lnB w="12700" cap="flat" cmpd="sng" algn="ctr">
-                      <a:solidFill>
-                        <a:srgbClr val="000000"/>
-                      </a:solidFill>
-                      <a:prstDash val="solid"/>
-                      <a:round/>
-                      <a:headEnd type="none" w="med" len="med"/>
-                      <a:tailEnd type="none" w="med" len="med"/>
-                    </a:lnB>
-                  </a:tcPr>
-                </a:tc>
-                <a:extLst>
-                  <a:ext uri="{0D108BD9-81ED-4DB2-BD59-A6C34878D82A}">
-                    <a16:rowId xmlns:a16="http://schemas.microsoft.com/office/drawing/2014/main" val="2351721027"/>
-                  </a:ext>
-                </a:extLst>
-              </a:tr>
-              <a:tr h="586238">
-                <a:tc>
-                  <a:txBody>
-                    <a:bodyPr/>
-                    <a:lstStyle/>
-                    <a:p>
-                      <a:pPr algn="just">
-                        <a:lnSpc>
-                          <a:spcPct val="107000"/>
-                        </a:lnSpc>
-                        <a:spcAft>
-                          <a:spcPts val="0"/>
-                        </a:spcAft>
-                      </a:pPr>
-                      <a:r>
-                        <a:rPr lang="es-ES" sz="1600" dirty="0">
-                          <a:effectLst/>
-                          <a:latin typeface="Century Gothic" panose="020B0502020202020204" pitchFamily="34" charset="0"/>
-                          <a:ea typeface="Calibri" panose="020F0502020204030204" pitchFamily="34" charset="0"/>
-                          <a:cs typeface="Times New Roman" panose="02020603050405020304" pitchFamily="18" charset="0"/>
-                        </a:rPr>
-                        <a:t>Criterio 3</a:t>
-                      </a:r>
-                    </a:p>
-                  </a:txBody>
-                  <a:tcPr marL="68580" marR="68580" marT="0" marB="0">
-                    <a:lnL w="12700" cap="flat" cmpd="sng" algn="ctr">
-                      <a:solidFill>
-                        <a:srgbClr val="000000"/>
-                      </a:solidFill>
-                      <a:prstDash val="solid"/>
-                      <a:round/>
-                      <a:headEnd type="none" w="med" len="med"/>
-                      <a:tailEnd type="none" w="med" len="med"/>
-                    </a:lnL>
-                    <a:lnR w="12700" cap="flat" cmpd="sng" algn="ctr">
-                      <a:solidFill>
-                        <a:srgbClr val="000000"/>
-                      </a:solidFill>
-                      <a:prstDash val="solid"/>
-                      <a:round/>
-                      <a:headEnd type="none" w="med" len="med"/>
-                      <a:tailEnd type="none" w="med" len="med"/>
-                    </a:lnR>
-                    <a:lnT w="12700" cap="flat" cmpd="sng" algn="ctr">
-                      <a:solidFill>
-                        <a:srgbClr val="000000"/>
-                      </a:solidFill>
-                      <a:prstDash val="solid"/>
-                      <a:round/>
-                      <a:headEnd type="none" w="med" len="med"/>
-                      <a:tailEnd type="none" w="med" len="med"/>
-                    </a:lnT>
-                    <a:lnB w="12700" cap="flat" cmpd="sng" algn="ctr">
-                      <a:solidFill>
-                        <a:srgbClr val="000000"/>
-                      </a:solidFill>
-                      <a:prstDash val="solid"/>
-                      <a:round/>
-                      <a:headEnd type="none" w="med" len="med"/>
-                      <a:tailEnd type="none" w="med" len="med"/>
-                    </a:lnB>
-                  </a:tcPr>
-                </a:tc>
-                <a:tc>
-                  <a:txBody>
-                    <a:bodyPr/>
-                    <a:lstStyle/>
-                    <a:p>
-                      <a:pPr algn="just">
-                        <a:lnSpc>
-                          <a:spcPct val="107000"/>
-                        </a:lnSpc>
-                        <a:spcAft>
-                          <a:spcPts val="0"/>
-                        </a:spcAft>
-                      </a:pPr>
-                      <a:r>
-                        <a:rPr lang="es-ES" sz="1600">
-                          <a:effectLst/>
-                          <a:latin typeface="Century Gothic" panose="020B0502020202020204" pitchFamily="34" charset="0"/>
-                          <a:ea typeface="Calibri" panose="020F0502020204030204" pitchFamily="34" charset="0"/>
-                          <a:cs typeface="Times New Roman" panose="02020603050405020304" pitchFamily="18" charset="0"/>
-                        </a:rPr>
-                        <a:t>7, solo hemos implementado dos roles, (administrador y empleado)</a:t>
-                      </a:r>
-                    </a:p>
-                  </a:txBody>
-                  <a:tcPr marL="68580" marR="68580" marT="0" marB="0">
-                    <a:lnL w="12700" cap="flat" cmpd="sng" algn="ctr">
-                      <a:solidFill>
-                        <a:srgbClr val="000000"/>
-                      </a:solidFill>
-                      <a:prstDash val="solid"/>
-                      <a:round/>
-                      <a:headEnd type="none" w="med" len="med"/>
-                      <a:tailEnd type="none" w="med" len="med"/>
-                    </a:lnL>
-                    <a:lnR w="12700" cap="flat" cmpd="sng" algn="ctr">
-                      <a:solidFill>
-                        <a:srgbClr val="000000"/>
-                      </a:solidFill>
-                      <a:prstDash val="solid"/>
-                      <a:round/>
-                      <a:headEnd type="none" w="med" len="med"/>
-                      <a:tailEnd type="none" w="med" len="med"/>
-                    </a:lnR>
-                    <a:lnT w="12700" cap="flat" cmpd="sng" algn="ctr">
-                      <a:solidFill>
-                        <a:srgbClr val="000000"/>
-                      </a:solidFill>
-                      <a:prstDash val="solid"/>
-                      <a:round/>
-                      <a:headEnd type="none" w="med" len="med"/>
-                      <a:tailEnd type="none" w="med" len="med"/>
-                    </a:lnT>
-                    <a:lnB w="12700" cap="flat" cmpd="sng" algn="ctr">
-                      <a:solidFill>
-                        <a:srgbClr val="000000"/>
-                      </a:solidFill>
-                      <a:prstDash val="solid"/>
-                      <a:round/>
-                      <a:headEnd type="none" w="med" len="med"/>
-                      <a:tailEnd type="none" w="med" len="med"/>
-                    </a:lnB>
-                  </a:tcPr>
-                </a:tc>
-                <a:extLst>
-                  <a:ext uri="{0D108BD9-81ED-4DB2-BD59-A6C34878D82A}">
-                    <a16:rowId xmlns:a16="http://schemas.microsoft.com/office/drawing/2014/main" val="867421434"/>
-                  </a:ext>
-                </a:extLst>
-              </a:tr>
-              <a:tr h="282083">
-                <a:tc>
-                  <a:txBody>
-                    <a:bodyPr/>
-                    <a:lstStyle/>
-                    <a:p>
-                      <a:pPr algn="just">
-                        <a:lnSpc>
-                          <a:spcPct val="107000"/>
-                        </a:lnSpc>
-                        <a:spcAft>
-                          <a:spcPts val="0"/>
-                        </a:spcAft>
-                      </a:pPr>
-                      <a:r>
-                        <a:rPr lang="es-ES" sz="1600">
-                          <a:effectLst/>
-                          <a:latin typeface="Century Gothic" panose="020B0502020202020204" pitchFamily="34" charset="0"/>
-                          <a:ea typeface="Calibri" panose="020F0502020204030204" pitchFamily="34" charset="0"/>
-                          <a:cs typeface="Times New Roman" panose="02020603050405020304" pitchFamily="18" charset="0"/>
-                        </a:rPr>
-                        <a:t>Criterio 4</a:t>
-                      </a:r>
-                    </a:p>
-                  </a:txBody>
-                  <a:tcPr marL="68580" marR="68580" marT="0" marB="0">
-                    <a:lnL w="12700" cap="flat" cmpd="sng" algn="ctr">
-                      <a:solidFill>
-                        <a:srgbClr val="000000"/>
-                      </a:solidFill>
-                      <a:prstDash val="solid"/>
-                      <a:round/>
-                      <a:headEnd type="none" w="med" len="med"/>
-                      <a:tailEnd type="none" w="med" len="med"/>
-                    </a:lnL>
-                    <a:lnR w="12700" cap="flat" cmpd="sng" algn="ctr">
-                      <a:solidFill>
-                        <a:srgbClr val="000000"/>
-                      </a:solidFill>
-                      <a:prstDash val="solid"/>
-                      <a:round/>
-                      <a:headEnd type="none" w="med" len="med"/>
-                      <a:tailEnd type="none" w="med" len="med"/>
-                    </a:lnR>
-                    <a:lnT w="12700" cap="flat" cmpd="sng" algn="ctr">
-                      <a:solidFill>
-                        <a:srgbClr val="000000"/>
-                      </a:solidFill>
-                      <a:prstDash val="solid"/>
-                      <a:round/>
-                      <a:headEnd type="none" w="med" len="med"/>
-                      <a:tailEnd type="none" w="med" len="med"/>
-                    </a:lnT>
-                    <a:lnB w="12700" cap="flat" cmpd="sng" algn="ctr">
-                      <a:solidFill>
-                        <a:srgbClr val="000000"/>
-                      </a:solidFill>
-                      <a:prstDash val="solid"/>
-                      <a:round/>
-                      <a:headEnd type="none" w="med" len="med"/>
-                      <a:tailEnd type="none" w="med" len="med"/>
-                    </a:lnB>
-                  </a:tcPr>
-                </a:tc>
-                <a:tc>
-                  <a:txBody>
-                    <a:bodyPr/>
-                    <a:lstStyle/>
-                    <a:p>
-                      <a:pPr algn="just">
-                        <a:lnSpc>
-                          <a:spcPct val="107000"/>
-                        </a:lnSpc>
-                        <a:spcAft>
-                          <a:spcPts val="0"/>
-                        </a:spcAft>
-                      </a:pPr>
-                      <a:r>
-                        <a:rPr lang="es-ES" sz="1600">
-                          <a:effectLst/>
-                          <a:latin typeface="Century Gothic" panose="020B0502020202020204" pitchFamily="34" charset="0"/>
-                          <a:ea typeface="Calibri" panose="020F0502020204030204" pitchFamily="34" charset="0"/>
-                          <a:cs typeface="Times New Roman" panose="02020603050405020304" pitchFamily="18" charset="0"/>
-                        </a:rPr>
-                        <a:t>Si</a:t>
-                      </a:r>
-                    </a:p>
-                  </a:txBody>
-                  <a:tcPr marL="68580" marR="68580" marT="0" marB="0">
-                    <a:lnL w="12700" cap="flat" cmpd="sng" algn="ctr">
-                      <a:solidFill>
-                        <a:srgbClr val="000000"/>
-                      </a:solidFill>
-                      <a:prstDash val="solid"/>
-                      <a:round/>
-                      <a:headEnd type="none" w="med" len="med"/>
-                      <a:tailEnd type="none" w="med" len="med"/>
-                    </a:lnL>
-                    <a:lnR w="12700" cap="flat" cmpd="sng" algn="ctr">
-                      <a:solidFill>
-                        <a:srgbClr val="000000"/>
-                      </a:solidFill>
-                      <a:prstDash val="solid"/>
-                      <a:round/>
-                      <a:headEnd type="none" w="med" len="med"/>
-                      <a:tailEnd type="none" w="med" len="med"/>
-                    </a:lnR>
-                    <a:lnT w="12700" cap="flat" cmpd="sng" algn="ctr">
-                      <a:solidFill>
-                        <a:srgbClr val="000000"/>
-                      </a:solidFill>
-                      <a:prstDash val="solid"/>
-                      <a:round/>
-                      <a:headEnd type="none" w="med" len="med"/>
-                      <a:tailEnd type="none" w="med" len="med"/>
-                    </a:lnT>
-                    <a:lnB w="12700" cap="flat" cmpd="sng" algn="ctr">
-                      <a:solidFill>
-                        <a:srgbClr val="000000"/>
-                      </a:solidFill>
-                      <a:prstDash val="solid"/>
-                      <a:round/>
-                      <a:headEnd type="none" w="med" len="med"/>
-                      <a:tailEnd type="none" w="med" len="med"/>
-                    </a:lnB>
-                  </a:tcPr>
-                </a:tc>
-                <a:extLst>
-                  <a:ext uri="{0D108BD9-81ED-4DB2-BD59-A6C34878D82A}">
-                    <a16:rowId xmlns:a16="http://schemas.microsoft.com/office/drawing/2014/main" val="3059981949"/>
-                  </a:ext>
-                </a:extLst>
-              </a:tr>
-              <a:tr h="282083">
-                <a:tc>
-                  <a:txBody>
-                    <a:bodyPr/>
-                    <a:lstStyle/>
-                    <a:p>
-                      <a:pPr algn="just">
-                        <a:lnSpc>
-                          <a:spcPct val="107000"/>
-                        </a:lnSpc>
-                        <a:spcAft>
-                          <a:spcPts val="0"/>
-                        </a:spcAft>
-                      </a:pPr>
-                      <a:r>
-                        <a:rPr lang="es-ES" sz="1600">
-                          <a:effectLst/>
-                          <a:latin typeface="Century Gothic" panose="020B0502020202020204" pitchFamily="34" charset="0"/>
-                          <a:ea typeface="Calibri" panose="020F0502020204030204" pitchFamily="34" charset="0"/>
-                          <a:cs typeface="Times New Roman" panose="02020603050405020304" pitchFamily="18" charset="0"/>
-                        </a:rPr>
-                        <a:t>Criterio 5</a:t>
-                      </a:r>
-                    </a:p>
-                  </a:txBody>
-                  <a:tcPr marL="68580" marR="68580" marT="0" marB="0">
-                    <a:lnL w="12700" cap="flat" cmpd="sng" algn="ctr">
-                      <a:solidFill>
-                        <a:srgbClr val="000000"/>
-                      </a:solidFill>
-                      <a:prstDash val="solid"/>
-                      <a:round/>
-                      <a:headEnd type="none" w="med" len="med"/>
-                      <a:tailEnd type="none" w="med" len="med"/>
-                    </a:lnL>
-                    <a:lnR w="12700" cap="flat" cmpd="sng" algn="ctr">
-                      <a:solidFill>
-                        <a:srgbClr val="000000"/>
-                      </a:solidFill>
-                      <a:prstDash val="solid"/>
-                      <a:round/>
-                      <a:headEnd type="none" w="med" len="med"/>
-                      <a:tailEnd type="none" w="med" len="med"/>
-                    </a:lnR>
-                    <a:lnT w="12700" cap="flat" cmpd="sng" algn="ctr">
-                      <a:solidFill>
-                        <a:srgbClr val="000000"/>
-                      </a:solidFill>
-                      <a:prstDash val="solid"/>
-                      <a:round/>
-                      <a:headEnd type="none" w="med" len="med"/>
-                      <a:tailEnd type="none" w="med" len="med"/>
-                    </a:lnT>
-                    <a:lnB w="12700" cap="flat" cmpd="sng" algn="ctr">
-                      <a:solidFill>
-                        <a:srgbClr val="000000"/>
-                      </a:solidFill>
-                      <a:prstDash val="solid"/>
-                      <a:round/>
-                      <a:headEnd type="none" w="med" len="med"/>
-                      <a:tailEnd type="none" w="med" len="med"/>
-                    </a:lnB>
-                  </a:tcPr>
-                </a:tc>
-                <a:tc>
-                  <a:txBody>
-                    <a:bodyPr/>
-                    <a:lstStyle/>
-                    <a:p>
-                      <a:pPr algn="just">
-                        <a:lnSpc>
-                          <a:spcPct val="107000"/>
-                        </a:lnSpc>
-                        <a:spcAft>
-                          <a:spcPts val="0"/>
-                        </a:spcAft>
-                      </a:pPr>
-                      <a:r>
-                        <a:rPr lang="es-ES" sz="1600">
-                          <a:effectLst/>
-                          <a:latin typeface="Century Gothic" panose="020B0502020202020204" pitchFamily="34" charset="0"/>
-                          <a:ea typeface="Calibri" panose="020F0502020204030204" pitchFamily="34" charset="0"/>
-                          <a:cs typeface="Times New Roman" panose="02020603050405020304" pitchFamily="18" charset="0"/>
-                        </a:rPr>
-                        <a:t>No</a:t>
-                      </a:r>
-                    </a:p>
-                  </a:txBody>
-                  <a:tcPr marL="68580" marR="68580" marT="0" marB="0">
-                    <a:lnL w="12700" cap="flat" cmpd="sng" algn="ctr">
-                      <a:solidFill>
-                        <a:srgbClr val="000000"/>
-                      </a:solidFill>
-                      <a:prstDash val="solid"/>
-                      <a:round/>
-                      <a:headEnd type="none" w="med" len="med"/>
-                      <a:tailEnd type="none" w="med" len="med"/>
-                    </a:lnL>
-                    <a:lnR w="12700" cap="flat" cmpd="sng" algn="ctr">
-                      <a:solidFill>
-                        <a:srgbClr val="000000"/>
-                      </a:solidFill>
-                      <a:prstDash val="solid"/>
-                      <a:round/>
-                      <a:headEnd type="none" w="med" len="med"/>
-                      <a:tailEnd type="none" w="med" len="med"/>
-                    </a:lnR>
-                    <a:lnT w="12700" cap="flat" cmpd="sng" algn="ctr">
-                      <a:solidFill>
-                        <a:srgbClr val="000000"/>
-                      </a:solidFill>
-                      <a:prstDash val="solid"/>
-                      <a:round/>
-                      <a:headEnd type="none" w="med" len="med"/>
-                      <a:tailEnd type="none" w="med" len="med"/>
-                    </a:lnT>
-                    <a:lnB w="12700" cap="flat" cmpd="sng" algn="ctr">
-                      <a:solidFill>
-                        <a:srgbClr val="000000"/>
-                      </a:solidFill>
-                      <a:prstDash val="solid"/>
-                      <a:round/>
-                      <a:headEnd type="none" w="med" len="med"/>
-                      <a:tailEnd type="none" w="med" len="med"/>
-                    </a:lnB>
-                  </a:tcPr>
-                </a:tc>
-                <a:extLst>
-                  <a:ext uri="{0D108BD9-81ED-4DB2-BD59-A6C34878D82A}">
-                    <a16:rowId xmlns:a16="http://schemas.microsoft.com/office/drawing/2014/main" val="1837094557"/>
-                  </a:ext>
-                </a:extLst>
-              </a:tr>
-              <a:tr h="282083">
-                <a:tc>
-                  <a:txBody>
-                    <a:bodyPr/>
-                    <a:lstStyle/>
-                    <a:p>
-                      <a:pPr algn="just">
-                        <a:lnSpc>
-                          <a:spcPct val="107000"/>
-                        </a:lnSpc>
-                        <a:spcAft>
-                          <a:spcPts val="0"/>
-                        </a:spcAft>
-                      </a:pPr>
-                      <a:r>
-                        <a:rPr lang="es-ES" sz="1600">
-                          <a:effectLst/>
-                          <a:latin typeface="Century Gothic" panose="020B0502020202020204" pitchFamily="34" charset="0"/>
-                          <a:ea typeface="Calibri" panose="020F0502020204030204" pitchFamily="34" charset="0"/>
-                          <a:cs typeface="Times New Roman" panose="02020603050405020304" pitchFamily="18" charset="0"/>
-                        </a:rPr>
-                        <a:t>Criterio 6</a:t>
-                      </a:r>
-                    </a:p>
-                  </a:txBody>
-                  <a:tcPr marL="68580" marR="68580" marT="0" marB="0">
-                    <a:lnL w="12700" cap="flat" cmpd="sng" algn="ctr">
-                      <a:solidFill>
-                        <a:srgbClr val="000000"/>
-                      </a:solidFill>
-                      <a:prstDash val="solid"/>
-                      <a:round/>
-                      <a:headEnd type="none" w="med" len="med"/>
-                      <a:tailEnd type="none" w="med" len="med"/>
-                    </a:lnL>
-                    <a:lnR w="12700" cap="flat" cmpd="sng" algn="ctr">
-                      <a:solidFill>
-                        <a:srgbClr val="000000"/>
-                      </a:solidFill>
-                      <a:prstDash val="solid"/>
-                      <a:round/>
-                      <a:headEnd type="none" w="med" len="med"/>
-                      <a:tailEnd type="none" w="med" len="med"/>
-                    </a:lnR>
-                    <a:lnT w="12700" cap="flat" cmpd="sng" algn="ctr">
-                      <a:solidFill>
-                        <a:srgbClr val="000000"/>
-                      </a:solidFill>
-                      <a:prstDash val="solid"/>
-                      <a:round/>
-                      <a:headEnd type="none" w="med" len="med"/>
-                      <a:tailEnd type="none" w="med" len="med"/>
-                    </a:lnT>
-                    <a:lnB w="12700" cap="flat" cmpd="sng" algn="ctr">
-                      <a:solidFill>
-                        <a:srgbClr val="000000"/>
-                      </a:solidFill>
-                      <a:prstDash val="solid"/>
-                      <a:round/>
-                      <a:headEnd type="none" w="med" len="med"/>
-                      <a:tailEnd type="none" w="med" len="med"/>
-                    </a:lnB>
-                  </a:tcPr>
-                </a:tc>
-                <a:tc>
-                  <a:txBody>
-                    <a:bodyPr/>
-                    <a:lstStyle/>
-                    <a:p>
-                      <a:pPr algn="just">
-                        <a:lnSpc>
-                          <a:spcPct val="107000"/>
-                        </a:lnSpc>
-                        <a:spcAft>
-                          <a:spcPts val="0"/>
-                        </a:spcAft>
-                      </a:pPr>
-                      <a:r>
-                        <a:rPr lang="es-ES" sz="1600">
-                          <a:effectLst/>
-                          <a:latin typeface="Century Gothic" panose="020B0502020202020204" pitchFamily="34" charset="0"/>
-                          <a:ea typeface="Calibri" panose="020F0502020204030204" pitchFamily="34" charset="0"/>
-                          <a:cs typeface="Times New Roman" panose="02020603050405020304" pitchFamily="18" charset="0"/>
-                        </a:rPr>
-                        <a:t>4 horas (no finalizados).</a:t>
-                      </a:r>
-                    </a:p>
-                  </a:txBody>
-                  <a:tcPr marL="68580" marR="68580" marT="0" marB="0">
-                    <a:lnL w="12700" cap="flat" cmpd="sng" algn="ctr">
-                      <a:solidFill>
-                        <a:srgbClr val="000000"/>
-                      </a:solidFill>
-                      <a:prstDash val="solid"/>
-                      <a:round/>
-                      <a:headEnd type="none" w="med" len="med"/>
-                      <a:tailEnd type="none" w="med" len="med"/>
-                    </a:lnL>
-                    <a:lnR w="12700" cap="flat" cmpd="sng" algn="ctr">
-                      <a:solidFill>
-                        <a:srgbClr val="000000"/>
-                      </a:solidFill>
-                      <a:prstDash val="solid"/>
-                      <a:round/>
-                      <a:headEnd type="none" w="med" len="med"/>
-                      <a:tailEnd type="none" w="med" len="med"/>
-                    </a:lnR>
-                    <a:lnT w="12700" cap="flat" cmpd="sng" algn="ctr">
-                      <a:solidFill>
-                        <a:srgbClr val="000000"/>
-                      </a:solidFill>
-                      <a:prstDash val="solid"/>
-                      <a:round/>
-                      <a:headEnd type="none" w="med" len="med"/>
-                      <a:tailEnd type="none" w="med" len="med"/>
-                    </a:lnT>
-                    <a:lnB w="12700" cap="flat" cmpd="sng" algn="ctr">
-                      <a:solidFill>
-                        <a:srgbClr val="000000"/>
-                      </a:solidFill>
-                      <a:prstDash val="solid"/>
-                      <a:round/>
-                      <a:headEnd type="none" w="med" len="med"/>
-                      <a:tailEnd type="none" w="med" len="med"/>
-                    </a:lnB>
-                  </a:tcPr>
-                </a:tc>
-                <a:extLst>
-                  <a:ext uri="{0D108BD9-81ED-4DB2-BD59-A6C34878D82A}">
-                    <a16:rowId xmlns:a16="http://schemas.microsoft.com/office/drawing/2014/main" val="3538999327"/>
-                  </a:ext>
-                </a:extLst>
-              </a:tr>
-              <a:tr h="282083">
-                <a:tc>
-                  <a:txBody>
-                    <a:bodyPr/>
-                    <a:lstStyle/>
-                    <a:p>
-                      <a:pPr algn="just">
-                        <a:lnSpc>
-                          <a:spcPct val="107000"/>
-                        </a:lnSpc>
-                        <a:spcAft>
-                          <a:spcPts val="0"/>
-                        </a:spcAft>
-                      </a:pPr>
-                      <a:r>
-                        <a:rPr lang="es-ES" sz="1600">
-                          <a:effectLst/>
-                          <a:latin typeface="Century Gothic" panose="020B0502020202020204" pitchFamily="34" charset="0"/>
-                          <a:ea typeface="Calibri" panose="020F0502020204030204" pitchFamily="34" charset="0"/>
-                          <a:cs typeface="Times New Roman" panose="02020603050405020304" pitchFamily="18" charset="0"/>
-                        </a:rPr>
-                        <a:t>Criterio 7</a:t>
-                      </a:r>
-                    </a:p>
-                  </a:txBody>
-                  <a:tcPr marL="68580" marR="68580" marT="0" marB="0">
-                    <a:lnL w="12700" cap="flat" cmpd="sng" algn="ctr">
-                      <a:solidFill>
-                        <a:srgbClr val="000000"/>
-                      </a:solidFill>
-                      <a:prstDash val="solid"/>
-                      <a:round/>
-                      <a:headEnd type="none" w="med" len="med"/>
-                      <a:tailEnd type="none" w="med" len="med"/>
-                    </a:lnL>
-                    <a:lnR w="12700" cap="flat" cmpd="sng" algn="ctr">
-                      <a:solidFill>
-                        <a:srgbClr val="000000"/>
-                      </a:solidFill>
-                      <a:prstDash val="solid"/>
-                      <a:round/>
-                      <a:headEnd type="none" w="med" len="med"/>
-                      <a:tailEnd type="none" w="med" len="med"/>
-                    </a:lnR>
-                    <a:lnT w="12700" cap="flat" cmpd="sng" algn="ctr">
-                      <a:solidFill>
-                        <a:srgbClr val="000000"/>
-                      </a:solidFill>
-                      <a:prstDash val="solid"/>
-                      <a:round/>
-                      <a:headEnd type="none" w="med" len="med"/>
-                      <a:tailEnd type="none" w="med" len="med"/>
-                    </a:lnT>
-                    <a:lnB w="12700" cap="flat" cmpd="sng" algn="ctr">
-                      <a:solidFill>
-                        <a:srgbClr val="000000"/>
-                      </a:solidFill>
-                      <a:prstDash val="solid"/>
-                      <a:round/>
-                      <a:headEnd type="none" w="med" len="med"/>
-                      <a:tailEnd type="none" w="med" len="med"/>
-                    </a:lnB>
-                  </a:tcPr>
-                </a:tc>
-                <a:tc>
-                  <a:txBody>
-                    <a:bodyPr/>
-                    <a:lstStyle/>
-                    <a:p>
-                      <a:pPr algn="just">
-                        <a:lnSpc>
-                          <a:spcPct val="107000"/>
-                        </a:lnSpc>
-                        <a:spcAft>
-                          <a:spcPts val="0"/>
-                        </a:spcAft>
-                      </a:pPr>
-                      <a:r>
-                        <a:rPr lang="es-ES" sz="1600">
-                          <a:effectLst/>
-                          <a:latin typeface="Century Gothic" panose="020B0502020202020204" pitchFamily="34" charset="0"/>
-                          <a:ea typeface="Calibri" panose="020F0502020204030204" pitchFamily="34" charset="0"/>
-                          <a:cs typeface="Times New Roman" panose="02020603050405020304" pitchFamily="18" charset="0"/>
-                        </a:rPr>
-                        <a:t>60</a:t>
-                      </a:r>
-                    </a:p>
-                  </a:txBody>
-                  <a:tcPr marL="68580" marR="68580" marT="0" marB="0">
-                    <a:lnL w="12700" cap="flat" cmpd="sng" algn="ctr">
-                      <a:solidFill>
-                        <a:srgbClr val="000000"/>
-                      </a:solidFill>
-                      <a:prstDash val="solid"/>
-                      <a:round/>
-                      <a:headEnd type="none" w="med" len="med"/>
-                      <a:tailEnd type="none" w="med" len="med"/>
-                    </a:lnL>
-                    <a:lnR w="12700" cap="flat" cmpd="sng" algn="ctr">
-                      <a:solidFill>
-                        <a:srgbClr val="000000"/>
-                      </a:solidFill>
-                      <a:prstDash val="solid"/>
-                      <a:round/>
-                      <a:headEnd type="none" w="med" len="med"/>
-                      <a:tailEnd type="none" w="med" len="med"/>
-                    </a:lnR>
-                    <a:lnT w="12700" cap="flat" cmpd="sng" algn="ctr">
-                      <a:solidFill>
-                        <a:srgbClr val="000000"/>
-                      </a:solidFill>
-                      <a:prstDash val="solid"/>
-                      <a:round/>
-                      <a:headEnd type="none" w="med" len="med"/>
-                      <a:tailEnd type="none" w="med" len="med"/>
-                    </a:lnT>
-                    <a:lnB w="12700" cap="flat" cmpd="sng" algn="ctr">
-                      <a:solidFill>
-                        <a:srgbClr val="000000"/>
-                      </a:solidFill>
-                      <a:prstDash val="solid"/>
-                      <a:round/>
-                      <a:headEnd type="none" w="med" len="med"/>
-                      <a:tailEnd type="none" w="med" len="med"/>
-                    </a:lnB>
-                  </a:tcPr>
-                </a:tc>
-                <a:extLst>
-                  <a:ext uri="{0D108BD9-81ED-4DB2-BD59-A6C34878D82A}">
-                    <a16:rowId xmlns:a16="http://schemas.microsoft.com/office/drawing/2014/main" val="3277169600"/>
-                  </a:ext>
-                </a:extLst>
-              </a:tr>
-              <a:tr h="586238">
-                <a:tc>
-                  <a:txBody>
-                    <a:bodyPr/>
-                    <a:lstStyle/>
-                    <a:p>
-                      <a:pPr algn="just">
-                        <a:lnSpc>
-                          <a:spcPct val="107000"/>
-                        </a:lnSpc>
-                        <a:spcAft>
-                          <a:spcPts val="0"/>
-                        </a:spcAft>
-                      </a:pPr>
-                      <a:r>
-                        <a:rPr lang="es-ES" sz="1600">
-                          <a:effectLst/>
-                          <a:latin typeface="Century Gothic" panose="020B0502020202020204" pitchFamily="34" charset="0"/>
-                          <a:ea typeface="Calibri" panose="020F0502020204030204" pitchFamily="34" charset="0"/>
-                          <a:cs typeface="Times New Roman" panose="02020603050405020304" pitchFamily="18" charset="0"/>
-                        </a:rPr>
-                        <a:t>Criterio 8</a:t>
-                      </a:r>
-                    </a:p>
-                  </a:txBody>
-                  <a:tcPr marL="68580" marR="68580" marT="0" marB="0">
-                    <a:lnL w="12700" cap="flat" cmpd="sng" algn="ctr">
-                      <a:solidFill>
-                        <a:srgbClr val="000000"/>
-                      </a:solidFill>
-                      <a:prstDash val="solid"/>
-                      <a:round/>
-                      <a:headEnd type="none" w="med" len="med"/>
-                      <a:tailEnd type="none" w="med" len="med"/>
-                    </a:lnL>
-                    <a:lnR w="12700" cap="flat" cmpd="sng" algn="ctr">
-                      <a:solidFill>
-                        <a:srgbClr val="000000"/>
-                      </a:solidFill>
-                      <a:prstDash val="solid"/>
-                      <a:round/>
-                      <a:headEnd type="none" w="med" len="med"/>
-                      <a:tailEnd type="none" w="med" len="med"/>
-                    </a:lnR>
-                    <a:lnT w="12700" cap="flat" cmpd="sng" algn="ctr">
-                      <a:solidFill>
-                        <a:srgbClr val="000000"/>
-                      </a:solidFill>
-                      <a:prstDash val="solid"/>
-                      <a:round/>
-                      <a:headEnd type="none" w="med" len="med"/>
-                      <a:tailEnd type="none" w="med" len="med"/>
-                    </a:lnT>
-                    <a:lnB w="12700" cap="flat" cmpd="sng" algn="ctr">
-                      <a:solidFill>
-                        <a:srgbClr val="000000"/>
-                      </a:solidFill>
-                      <a:prstDash val="solid"/>
-                      <a:round/>
-                      <a:headEnd type="none" w="med" len="med"/>
-                      <a:tailEnd type="none" w="med" len="med"/>
-                    </a:lnB>
-                  </a:tcPr>
-                </a:tc>
-                <a:tc>
-                  <a:txBody>
-                    <a:bodyPr/>
-                    <a:lstStyle/>
-                    <a:p>
-                      <a:pPr algn="just">
-                        <a:lnSpc>
-                          <a:spcPct val="107000"/>
-                        </a:lnSpc>
-                        <a:spcAft>
-                          <a:spcPts val="0"/>
-                        </a:spcAft>
-                      </a:pPr>
-                      <a:r>
-                        <a:rPr lang="es-ES" sz="1600">
-                          <a:effectLst/>
-                          <a:latin typeface="Century Gothic" panose="020B0502020202020204" pitchFamily="34" charset="0"/>
-                          <a:ea typeface="Calibri" panose="020F0502020204030204" pitchFamily="34" charset="0"/>
-                          <a:cs typeface="Times New Roman" panose="02020603050405020304" pitchFamily="18" charset="0"/>
-                        </a:rPr>
-                        <a:t>Un pc, internet, un navegador, composer, documentación y un editor de código</a:t>
-                      </a:r>
-                    </a:p>
-                  </a:txBody>
-                  <a:tcPr marL="68580" marR="68580" marT="0" marB="0">
-                    <a:lnL w="12700" cap="flat" cmpd="sng" algn="ctr">
-                      <a:solidFill>
-                        <a:srgbClr val="000000"/>
-                      </a:solidFill>
-                      <a:prstDash val="solid"/>
-                      <a:round/>
-                      <a:headEnd type="none" w="med" len="med"/>
-                      <a:tailEnd type="none" w="med" len="med"/>
-                    </a:lnL>
-                    <a:lnR w="12700" cap="flat" cmpd="sng" algn="ctr">
-                      <a:solidFill>
-                        <a:srgbClr val="000000"/>
-                      </a:solidFill>
-                      <a:prstDash val="solid"/>
-                      <a:round/>
-                      <a:headEnd type="none" w="med" len="med"/>
-                      <a:tailEnd type="none" w="med" len="med"/>
-                    </a:lnR>
-                    <a:lnT w="12700" cap="flat" cmpd="sng" algn="ctr">
-                      <a:solidFill>
-                        <a:srgbClr val="000000"/>
-                      </a:solidFill>
-                      <a:prstDash val="solid"/>
-                      <a:round/>
-                      <a:headEnd type="none" w="med" len="med"/>
-                      <a:tailEnd type="none" w="med" len="med"/>
-                    </a:lnT>
-                    <a:lnB w="12700" cap="flat" cmpd="sng" algn="ctr">
-                      <a:solidFill>
-                        <a:srgbClr val="000000"/>
-                      </a:solidFill>
-                      <a:prstDash val="solid"/>
-                      <a:round/>
-                      <a:headEnd type="none" w="med" len="med"/>
-                      <a:tailEnd type="none" w="med" len="med"/>
-                    </a:lnB>
-                  </a:tcPr>
-                </a:tc>
-                <a:extLst>
-                  <a:ext uri="{0D108BD9-81ED-4DB2-BD59-A6C34878D82A}">
-                    <a16:rowId xmlns:a16="http://schemas.microsoft.com/office/drawing/2014/main" val="3894498318"/>
-                  </a:ext>
-                </a:extLst>
-              </a:tr>
-              <a:tr h="282083">
-                <a:tc>
-                  <a:txBody>
-                    <a:bodyPr/>
-                    <a:lstStyle/>
-                    <a:p>
-                      <a:pPr algn="just">
-                        <a:lnSpc>
-                          <a:spcPct val="107000"/>
-                        </a:lnSpc>
-                        <a:spcAft>
-                          <a:spcPts val="0"/>
-                        </a:spcAft>
-                      </a:pPr>
-                      <a:r>
-                        <a:rPr lang="es-ES" sz="1600">
-                          <a:effectLst/>
-                          <a:latin typeface="Century Gothic" panose="020B0502020202020204" pitchFamily="34" charset="0"/>
-                          <a:ea typeface="Calibri" panose="020F0502020204030204" pitchFamily="34" charset="0"/>
-                          <a:cs typeface="Times New Roman" panose="02020603050405020304" pitchFamily="18" charset="0"/>
-                        </a:rPr>
-                        <a:t>Criterio 9</a:t>
-                      </a:r>
-                    </a:p>
-                  </a:txBody>
-                  <a:tcPr marL="68580" marR="68580" marT="0" marB="0">
-                    <a:lnL w="12700" cap="flat" cmpd="sng" algn="ctr">
-                      <a:solidFill>
-                        <a:srgbClr val="000000"/>
-                      </a:solidFill>
-                      <a:prstDash val="solid"/>
-                      <a:round/>
-                      <a:headEnd type="none" w="med" len="med"/>
-                      <a:tailEnd type="none" w="med" len="med"/>
-                    </a:lnL>
-                    <a:lnR w="12700" cap="flat" cmpd="sng" algn="ctr">
-                      <a:solidFill>
-                        <a:srgbClr val="000000"/>
-                      </a:solidFill>
-                      <a:prstDash val="solid"/>
-                      <a:round/>
-                      <a:headEnd type="none" w="med" len="med"/>
-                      <a:tailEnd type="none" w="med" len="med"/>
-                    </a:lnR>
-                    <a:lnT w="12700" cap="flat" cmpd="sng" algn="ctr">
-                      <a:solidFill>
-                        <a:srgbClr val="000000"/>
-                      </a:solidFill>
-                      <a:prstDash val="solid"/>
-                      <a:round/>
-                      <a:headEnd type="none" w="med" len="med"/>
-                      <a:tailEnd type="none" w="med" len="med"/>
-                    </a:lnT>
-                    <a:lnB w="12700" cap="flat" cmpd="sng" algn="ctr">
-                      <a:solidFill>
-                        <a:srgbClr val="000000"/>
-                      </a:solidFill>
-                      <a:prstDash val="solid"/>
-                      <a:round/>
-                      <a:headEnd type="none" w="med" len="med"/>
-                      <a:tailEnd type="none" w="med" len="med"/>
-                    </a:lnB>
-                  </a:tcPr>
-                </a:tc>
-                <a:tc>
-                  <a:txBody>
-                    <a:bodyPr/>
-                    <a:lstStyle/>
-                    <a:p>
-                      <a:pPr algn="just">
-                        <a:lnSpc>
-                          <a:spcPct val="107000"/>
-                        </a:lnSpc>
-                        <a:spcAft>
-                          <a:spcPts val="0"/>
-                        </a:spcAft>
-                      </a:pPr>
-                      <a:r>
-                        <a:rPr lang="es-ES" sz="1600" dirty="0">
-                          <a:effectLst/>
-                          <a:latin typeface="Century Gothic" panose="020B0502020202020204" pitchFamily="34" charset="0"/>
-                          <a:ea typeface="Calibri" panose="020F0502020204030204" pitchFamily="34" charset="0"/>
-                          <a:cs typeface="Times New Roman" panose="02020603050405020304" pitchFamily="18" charset="0"/>
-                        </a:rPr>
-                        <a:t>7</a:t>
-                      </a:r>
-                    </a:p>
-                  </a:txBody>
-                  <a:tcPr marL="68580" marR="68580" marT="0" marB="0">
-                    <a:lnL w="12700" cap="flat" cmpd="sng" algn="ctr">
-                      <a:solidFill>
-                        <a:srgbClr val="000000"/>
-                      </a:solidFill>
-                      <a:prstDash val="solid"/>
-                      <a:round/>
-                      <a:headEnd type="none" w="med" len="med"/>
-                      <a:tailEnd type="none" w="med" len="med"/>
-                    </a:lnL>
-                    <a:lnR w="12700" cap="flat" cmpd="sng" algn="ctr">
-                      <a:solidFill>
-                        <a:srgbClr val="000000"/>
-                      </a:solidFill>
-                      <a:prstDash val="solid"/>
-                      <a:round/>
-                      <a:headEnd type="none" w="med" len="med"/>
-                      <a:tailEnd type="none" w="med" len="med"/>
-                    </a:lnR>
-                    <a:lnT w="12700" cap="flat" cmpd="sng" algn="ctr">
-                      <a:solidFill>
-                        <a:srgbClr val="000000"/>
-                      </a:solidFill>
-                      <a:prstDash val="solid"/>
-                      <a:round/>
-                      <a:headEnd type="none" w="med" len="med"/>
-                      <a:tailEnd type="none" w="med" len="med"/>
-                    </a:lnT>
-                    <a:lnB w="12700" cap="flat" cmpd="sng" algn="ctr">
-                      <a:solidFill>
-                        <a:srgbClr val="000000"/>
-                      </a:solidFill>
-                      <a:prstDash val="solid"/>
-                      <a:round/>
-                      <a:headEnd type="none" w="med" len="med"/>
-                      <a:tailEnd type="none" w="med" len="med"/>
-                    </a:lnB>
-                  </a:tcPr>
-                </a:tc>
-                <a:extLst>
-                  <a:ext uri="{0D108BD9-81ED-4DB2-BD59-A6C34878D82A}">
-                    <a16:rowId xmlns:a16="http://schemas.microsoft.com/office/drawing/2014/main" val="435280175"/>
-                  </a:ext>
-                </a:extLst>
-              </a:tr>
-            </a:tbl>
-          </a:graphicData>
-        </a:graphic>
-      </p:graphicFrame>
-      <p:pic>
-        <p:nvPicPr>
-          <p:cNvPr id="4" name="Imagen 3">
-            <a:extLst>
-              <a:ext uri="{FF2B5EF4-FFF2-40B4-BE49-F238E27FC236}">
-                <a16:creationId xmlns:a16="http://schemas.microsoft.com/office/drawing/2014/main" id="{21E86AF2-547A-4980-84B4-ADDAA6BABF23}"/>
+                <a16:creationId xmlns:a16="http://schemas.microsoft.com/office/drawing/2014/main" id="{E58F8676-6B27-4826-AE88-C262203EBA0D}"/>
               </a:ext>
             </a:extLst>
           </p:cNvPr>
@@ -8409,8 +5825,38 @@
         </p:blipFill>
         <p:spPr>
           <a:xfrm>
-            <a:off x="5355478" y="1010525"/>
-            <a:ext cx="1481044" cy="1485900"/>
+            <a:off x="10177669" y="197126"/>
+            <a:ext cx="1860274" cy="1860274"/>
+          </a:xfrm>
+          <a:prstGeom prst="rect">
+            <a:avLst/>
+          </a:prstGeom>
+        </p:spPr>
+      </p:pic>
+      <p:pic>
+        <p:nvPicPr>
+          <p:cNvPr id="5" name="Imagen 4">
+            <a:extLst>
+              <a:ext uri="{FF2B5EF4-FFF2-40B4-BE49-F238E27FC236}">
+                <a16:creationId xmlns:a16="http://schemas.microsoft.com/office/drawing/2014/main" id="{1295AC0C-27F1-44BA-ABF1-B2C61B80F8EF}"/>
+              </a:ext>
+            </a:extLst>
+          </p:cNvPr>
+          <p:cNvPicPr>
+            <a:picLocks noChangeAspect="1"/>
+          </p:cNvPicPr>
+          <p:nvPr/>
+        </p:nvPicPr>
+        <p:blipFill>
+          <a:blip r:embed="rId3"/>
+          <a:stretch>
+            <a:fillRect/>
+          </a:stretch>
+        </p:blipFill>
+        <p:spPr>
+          <a:xfrm>
+            <a:off x="982979" y="2365951"/>
+            <a:ext cx="10929532" cy="3920549"/>
           </a:xfrm>
           <a:prstGeom prst="rect">
             <a:avLst/>
@@ -8420,7 +5866,7 @@
     </p:spTree>
     <p:extLst>
       <p:ext uri="{BB962C8B-B14F-4D97-AF65-F5344CB8AC3E}">
-        <p14:creationId xmlns:p14="http://schemas.microsoft.com/office/powerpoint/2010/main" val="1864762238"/>
+        <p14:creationId xmlns:p14="http://schemas.microsoft.com/office/powerpoint/2010/main" val="1704991126"/>
       </p:ext>
     </p:extLst>
   </p:cSld>
@@ -8474,7 +5920,7 @@
         <p:spPr>
           <a:xfrm>
             <a:off x="982979" y="571500"/>
-            <a:ext cx="11209021" cy="1485900"/>
+            <a:ext cx="9618759" cy="1485900"/>
           </a:xfrm>
         </p:spPr>
         <p:txBody>
@@ -8487,13 +5933,8 @@
               <a:rPr lang="es-ES" b="1" dirty="0">
                 <a:latin typeface="Century Gothic" panose="020B0502020202020204" pitchFamily="34" charset="0"/>
               </a:rPr>
-              <a:t>Comparación de la implementación de las tecnologías</a:t>
-            </a:r>
-            <a:br>
-              <a:rPr lang="es-ES" b="1" dirty="0">
-                <a:latin typeface="Century Gothic" panose="020B0502020202020204" pitchFamily="34" charset="0"/>
-              </a:rPr>
-            </a:br>
+              <a:t>Proyecto de implementación de un prototipo del sistema utilizando Laravel</a:t>
+            </a:r>
             <a:br>
               <a:rPr lang="es-ES" b="1" dirty="0">
                 <a:latin typeface="Century Gothic" panose="020B0502020202020204" pitchFamily="34" charset="0"/>
@@ -8510,2750 +5951,12 @@
           </a:p>
         </p:txBody>
       </p:sp>
-      <p:graphicFrame>
-        <p:nvGraphicFramePr>
-          <p:cNvPr id="3" name="Tabla 2">
+      <p:pic>
+        <p:nvPicPr>
+          <p:cNvPr id="3" name="Imagen 2">
             <a:extLst>
               <a:ext uri="{FF2B5EF4-FFF2-40B4-BE49-F238E27FC236}">
-                <a16:creationId xmlns:a16="http://schemas.microsoft.com/office/drawing/2014/main" id="{90AF0836-7534-40EA-8689-5496CAA3160B}"/>
-              </a:ext>
-            </a:extLst>
-          </p:cNvPr>
-          <p:cNvGraphicFramePr>
-            <a:graphicFrameLocks noGrp="1"/>
-          </p:cNvGraphicFramePr>
-          <p:nvPr>
-            <p:extLst>
-              <p:ext uri="{D42A27DB-BD31-4B8C-83A1-F6EECF244321}">
-                <p14:modId xmlns:p14="http://schemas.microsoft.com/office/powerpoint/2010/main" val="1051067443"/>
-              </p:ext>
-            </p:extLst>
-          </p:nvPr>
-        </p:nvGraphicFramePr>
-        <p:xfrm>
-          <a:off x="1835754" y="1831032"/>
-          <a:ext cx="9503469" cy="4305366"/>
-        </p:xfrm>
-        <a:graphic>
-          <a:graphicData uri="http://schemas.openxmlformats.org/drawingml/2006/table">
-            <a:tbl>
-              <a:tblPr firstRow="1" firstCol="1" bandRow="1"/>
-              <a:tblGrid>
-                <a:gridCol w="1248205">
-                  <a:extLst>
-                    <a:ext uri="{9D8B030D-6E8A-4147-A177-3AD203B41FA5}">
-                      <a16:colId xmlns:a16="http://schemas.microsoft.com/office/drawing/2014/main" val="2961097060"/>
-                    </a:ext>
-                  </a:extLst>
-                </a:gridCol>
-                <a:gridCol w="2213899">
-                  <a:extLst>
-                    <a:ext uri="{9D8B030D-6E8A-4147-A177-3AD203B41FA5}">
-                      <a16:colId xmlns:a16="http://schemas.microsoft.com/office/drawing/2014/main" val="2196392461"/>
-                    </a:ext>
-                  </a:extLst>
-                </a:gridCol>
-                <a:gridCol w="2118145">
-                  <a:extLst>
-                    <a:ext uri="{9D8B030D-6E8A-4147-A177-3AD203B41FA5}">
-                      <a16:colId xmlns:a16="http://schemas.microsoft.com/office/drawing/2014/main" val="3411475817"/>
-                    </a:ext>
-                  </a:extLst>
-                </a:gridCol>
-                <a:gridCol w="3923220">
-                  <a:extLst>
-                    <a:ext uri="{9D8B030D-6E8A-4147-A177-3AD203B41FA5}">
-                      <a16:colId xmlns:a16="http://schemas.microsoft.com/office/drawing/2014/main" val="3553067338"/>
-                    </a:ext>
-                  </a:extLst>
-                </a:gridCol>
-              </a:tblGrid>
-              <a:tr h="901777">
-                <a:tc>
-                  <a:txBody>
-                    <a:bodyPr/>
-                    <a:lstStyle/>
-                    <a:p>
-                      <a:pPr algn="ctr">
-                        <a:lnSpc>
-                          <a:spcPct val="107000"/>
-                        </a:lnSpc>
-                        <a:spcAft>
-                          <a:spcPts val="0"/>
-                        </a:spcAft>
-                      </a:pPr>
-                      <a:endParaRPr lang="es-ES" sz="1100" b="1" dirty="0">
-                        <a:effectLst/>
-                        <a:latin typeface="Century Gothic" panose="020B0502020202020204" pitchFamily="34" charset="0"/>
-                        <a:ea typeface="Calibri" panose="020F0502020204030204" pitchFamily="34" charset="0"/>
-                        <a:cs typeface="Times New Roman" panose="02020603050405020304" pitchFamily="18" charset="0"/>
-                      </a:endParaRPr>
-                    </a:p>
-                    <a:p>
-                      <a:pPr algn="ctr">
-                        <a:lnSpc>
-                          <a:spcPct val="107000"/>
-                        </a:lnSpc>
-                        <a:spcAft>
-                          <a:spcPts val="0"/>
-                        </a:spcAft>
-                      </a:pPr>
-                      <a:endParaRPr lang="es-ES" sz="1100" b="1" dirty="0">
-                        <a:effectLst/>
-                        <a:latin typeface="Century Gothic" panose="020B0502020202020204" pitchFamily="34" charset="0"/>
-                        <a:ea typeface="Calibri" panose="020F0502020204030204" pitchFamily="34" charset="0"/>
-                        <a:cs typeface="Times New Roman" panose="02020603050405020304" pitchFamily="18" charset="0"/>
-                      </a:endParaRPr>
-                    </a:p>
-                    <a:p>
-                      <a:pPr algn="ctr">
-                        <a:lnSpc>
-                          <a:spcPct val="107000"/>
-                        </a:lnSpc>
-                        <a:spcAft>
-                          <a:spcPts val="0"/>
-                        </a:spcAft>
-                      </a:pPr>
-                      <a:r>
-                        <a:rPr lang="es-ES" sz="1600" b="1" dirty="0">
-                          <a:effectLst/>
-                          <a:latin typeface="Century Gothic" panose="020B0502020202020204" pitchFamily="34" charset="0"/>
-                          <a:ea typeface="Calibri" panose="020F0502020204030204" pitchFamily="34" charset="0"/>
-                          <a:cs typeface="Times New Roman" panose="02020603050405020304" pitchFamily="18" charset="0"/>
-                        </a:rPr>
-                        <a:t>CRITERIOS</a:t>
-                      </a:r>
-                      <a:endParaRPr lang="es-ES" sz="1600" dirty="0">
-                        <a:effectLst/>
-                        <a:latin typeface="Century Gothic" panose="020B0502020202020204" pitchFamily="34" charset="0"/>
-                        <a:ea typeface="Calibri" panose="020F0502020204030204" pitchFamily="34" charset="0"/>
-                        <a:cs typeface="Times New Roman" panose="02020603050405020304" pitchFamily="18" charset="0"/>
-                      </a:endParaRPr>
-                    </a:p>
-                  </a:txBody>
-                  <a:tcPr marL="68580" marR="68580" marT="0" marB="0">
-                    <a:lnL w="12700" cap="flat" cmpd="sng" algn="ctr">
-                      <a:solidFill>
-                        <a:srgbClr val="000000"/>
-                      </a:solidFill>
-                      <a:prstDash val="solid"/>
-                      <a:round/>
-                      <a:headEnd type="none" w="med" len="med"/>
-                      <a:tailEnd type="none" w="med" len="med"/>
-                    </a:lnL>
-                    <a:lnR w="12700" cap="flat" cmpd="sng" algn="ctr">
-                      <a:solidFill>
-                        <a:srgbClr val="000000"/>
-                      </a:solidFill>
-                      <a:prstDash val="solid"/>
-                      <a:round/>
-                      <a:headEnd type="none" w="med" len="med"/>
-                      <a:tailEnd type="none" w="med" len="med"/>
-                    </a:lnR>
-                    <a:lnT w="12700" cap="flat" cmpd="sng" algn="ctr">
-                      <a:solidFill>
-                        <a:srgbClr val="000000"/>
-                      </a:solidFill>
-                      <a:prstDash val="solid"/>
-                      <a:round/>
-                      <a:headEnd type="none" w="med" len="med"/>
-                      <a:tailEnd type="none" w="med" len="med"/>
-                    </a:lnT>
-                    <a:lnB w="12700" cap="flat" cmpd="sng" algn="ctr">
-                      <a:solidFill>
-                        <a:srgbClr val="000000"/>
-                      </a:solidFill>
-                      <a:prstDash val="solid"/>
-                      <a:round/>
-                      <a:headEnd type="none" w="med" len="med"/>
-                      <a:tailEnd type="none" w="med" len="med"/>
-                    </a:lnB>
-                  </a:tcPr>
-                </a:tc>
-                <a:tc>
-                  <a:txBody>
-                    <a:bodyPr/>
-                    <a:lstStyle/>
-                    <a:p>
-                      <a:pPr algn="ctr">
-                        <a:lnSpc>
-                          <a:spcPct val="107000"/>
-                        </a:lnSpc>
-                        <a:spcAft>
-                          <a:spcPts val="0"/>
-                        </a:spcAft>
-                      </a:pPr>
-                      <a:endParaRPr lang="es-ES" sz="1100" dirty="0">
-                        <a:effectLst/>
-                        <a:latin typeface="Century Gothic" panose="020B0502020202020204" pitchFamily="34" charset="0"/>
-                        <a:ea typeface="Calibri" panose="020F0502020204030204" pitchFamily="34" charset="0"/>
-                        <a:cs typeface="Times New Roman" panose="02020603050405020304" pitchFamily="18" charset="0"/>
-                      </a:endParaRPr>
-                    </a:p>
-                  </a:txBody>
-                  <a:tcPr marL="68580" marR="68580" marT="0" marB="0">
-                    <a:lnL w="12700" cap="flat" cmpd="sng" algn="ctr">
-                      <a:solidFill>
-                        <a:srgbClr val="000000"/>
-                      </a:solidFill>
-                      <a:prstDash val="solid"/>
-                      <a:round/>
-                      <a:headEnd type="none" w="med" len="med"/>
-                      <a:tailEnd type="none" w="med" len="med"/>
-                    </a:lnL>
-                    <a:lnR w="12700" cap="flat" cmpd="sng" algn="ctr">
-                      <a:solidFill>
-                        <a:srgbClr val="000000"/>
-                      </a:solidFill>
-                      <a:prstDash val="solid"/>
-                      <a:round/>
-                      <a:headEnd type="none" w="med" len="med"/>
-                      <a:tailEnd type="none" w="med" len="med"/>
-                    </a:lnR>
-                    <a:lnT w="12700" cap="flat" cmpd="sng" algn="ctr">
-                      <a:solidFill>
-                        <a:srgbClr val="000000"/>
-                      </a:solidFill>
-                      <a:prstDash val="solid"/>
-                      <a:round/>
-                      <a:headEnd type="none" w="med" len="med"/>
-                      <a:tailEnd type="none" w="med" len="med"/>
-                    </a:lnT>
-                    <a:lnB w="12700" cap="flat" cmpd="sng" algn="ctr">
-                      <a:solidFill>
-                        <a:srgbClr val="000000"/>
-                      </a:solidFill>
-                      <a:prstDash val="solid"/>
-                      <a:round/>
-                      <a:headEnd type="none" w="med" len="med"/>
-                      <a:tailEnd type="none" w="med" len="med"/>
-                    </a:lnB>
-                  </a:tcPr>
-                </a:tc>
-                <a:tc>
-                  <a:txBody>
-                    <a:bodyPr/>
-                    <a:lstStyle/>
-                    <a:p>
-                      <a:pPr algn="ctr">
-                        <a:lnSpc>
-                          <a:spcPct val="107000"/>
-                        </a:lnSpc>
-                        <a:spcAft>
-                          <a:spcPts val="0"/>
-                        </a:spcAft>
-                      </a:pPr>
-                      <a:endParaRPr lang="es-ES" sz="1100" dirty="0">
-                        <a:effectLst/>
-                        <a:latin typeface="Century Gothic" panose="020B0502020202020204" pitchFamily="34" charset="0"/>
-                        <a:ea typeface="Calibri" panose="020F0502020204030204" pitchFamily="34" charset="0"/>
-                        <a:cs typeface="Times New Roman" panose="02020603050405020304" pitchFamily="18" charset="0"/>
-                      </a:endParaRPr>
-                    </a:p>
-                  </a:txBody>
-                  <a:tcPr marL="68580" marR="68580" marT="0" marB="0">
-                    <a:lnL w="12700" cap="flat" cmpd="sng" algn="ctr">
-                      <a:solidFill>
-                        <a:srgbClr val="000000"/>
-                      </a:solidFill>
-                      <a:prstDash val="solid"/>
-                      <a:round/>
-                      <a:headEnd type="none" w="med" len="med"/>
-                      <a:tailEnd type="none" w="med" len="med"/>
-                    </a:lnL>
-                    <a:lnR w="12700" cap="flat" cmpd="sng" algn="ctr">
-                      <a:solidFill>
-                        <a:srgbClr val="000000"/>
-                      </a:solidFill>
-                      <a:prstDash val="solid"/>
-                      <a:round/>
-                      <a:headEnd type="none" w="med" len="med"/>
-                      <a:tailEnd type="none" w="med" len="med"/>
-                    </a:lnR>
-                    <a:lnT w="12700" cap="flat" cmpd="sng" algn="ctr">
-                      <a:solidFill>
-                        <a:srgbClr val="000000"/>
-                      </a:solidFill>
-                      <a:prstDash val="solid"/>
-                      <a:round/>
-                      <a:headEnd type="none" w="med" len="med"/>
-                      <a:tailEnd type="none" w="med" len="med"/>
-                    </a:lnT>
-                    <a:lnB w="12700" cap="flat" cmpd="sng" algn="ctr">
-                      <a:solidFill>
-                        <a:srgbClr val="000000"/>
-                      </a:solidFill>
-                      <a:prstDash val="solid"/>
-                      <a:round/>
-                      <a:headEnd type="none" w="med" len="med"/>
-                      <a:tailEnd type="none" w="med" len="med"/>
-                    </a:lnB>
-                  </a:tcPr>
-                </a:tc>
-                <a:tc>
-                  <a:txBody>
-                    <a:bodyPr/>
-                    <a:lstStyle/>
-                    <a:p>
-                      <a:pPr algn="ctr">
-                        <a:lnSpc>
-                          <a:spcPct val="107000"/>
-                        </a:lnSpc>
-                        <a:spcAft>
-                          <a:spcPts val="0"/>
-                        </a:spcAft>
-                      </a:pPr>
-                      <a:endParaRPr lang="es-ES" sz="1100" b="1" dirty="0">
-                        <a:effectLst/>
-                        <a:latin typeface="Century Gothic" panose="020B0502020202020204" pitchFamily="34" charset="0"/>
-                        <a:ea typeface="Calibri" panose="020F0502020204030204" pitchFamily="34" charset="0"/>
-                        <a:cs typeface="Times New Roman" panose="02020603050405020304" pitchFamily="18" charset="0"/>
-                      </a:endParaRPr>
-                    </a:p>
-                    <a:p>
-                      <a:pPr algn="ctr">
-                        <a:lnSpc>
-                          <a:spcPct val="107000"/>
-                        </a:lnSpc>
-                        <a:spcAft>
-                          <a:spcPts val="0"/>
-                        </a:spcAft>
-                      </a:pPr>
-                      <a:endParaRPr lang="es-ES" sz="1100" b="1" dirty="0">
-                        <a:effectLst/>
-                        <a:latin typeface="Century Gothic" panose="020B0502020202020204" pitchFamily="34" charset="0"/>
-                        <a:ea typeface="Calibri" panose="020F0502020204030204" pitchFamily="34" charset="0"/>
-                        <a:cs typeface="Times New Roman" panose="02020603050405020304" pitchFamily="18" charset="0"/>
-                      </a:endParaRPr>
-                    </a:p>
-                    <a:p>
-                      <a:pPr algn="ctr">
-                        <a:lnSpc>
-                          <a:spcPct val="107000"/>
-                        </a:lnSpc>
-                        <a:spcAft>
-                          <a:spcPts val="0"/>
-                        </a:spcAft>
-                      </a:pPr>
-                      <a:r>
-                        <a:rPr lang="es-ES" sz="2000" b="1" dirty="0">
-                          <a:effectLst/>
-                          <a:latin typeface="Century Gothic" panose="020B0502020202020204" pitchFamily="34" charset="0"/>
-                          <a:ea typeface="Calibri" panose="020F0502020204030204" pitchFamily="34" charset="0"/>
-                          <a:cs typeface="Times New Roman" panose="02020603050405020304" pitchFamily="18" charset="0"/>
-                        </a:rPr>
-                        <a:t>COMENTARIOS</a:t>
-                      </a:r>
-                      <a:endParaRPr lang="es-ES" sz="2000" dirty="0">
-                        <a:effectLst/>
-                        <a:latin typeface="Century Gothic" panose="020B0502020202020204" pitchFamily="34" charset="0"/>
-                        <a:ea typeface="Calibri" panose="020F0502020204030204" pitchFamily="34" charset="0"/>
-                        <a:cs typeface="Times New Roman" panose="02020603050405020304" pitchFamily="18" charset="0"/>
-                      </a:endParaRPr>
-                    </a:p>
-                  </a:txBody>
-                  <a:tcPr marL="68580" marR="68580" marT="0" marB="0">
-                    <a:lnL w="12700" cap="flat" cmpd="sng" algn="ctr">
-                      <a:solidFill>
-                        <a:srgbClr val="000000"/>
-                      </a:solidFill>
-                      <a:prstDash val="solid"/>
-                      <a:round/>
-                      <a:headEnd type="none" w="med" len="med"/>
-                      <a:tailEnd type="none" w="med" len="med"/>
-                    </a:lnL>
-                    <a:lnR w="12700" cap="flat" cmpd="sng" algn="ctr">
-                      <a:solidFill>
-                        <a:srgbClr val="000000"/>
-                      </a:solidFill>
-                      <a:prstDash val="solid"/>
-                      <a:round/>
-                      <a:headEnd type="none" w="med" len="med"/>
-                      <a:tailEnd type="none" w="med" len="med"/>
-                    </a:lnR>
-                    <a:lnT w="12700" cap="flat" cmpd="sng" algn="ctr">
-                      <a:solidFill>
-                        <a:srgbClr val="000000"/>
-                      </a:solidFill>
-                      <a:prstDash val="solid"/>
-                      <a:round/>
-                      <a:headEnd type="none" w="med" len="med"/>
-                      <a:tailEnd type="none" w="med" len="med"/>
-                    </a:lnT>
-                    <a:lnB w="12700" cap="flat" cmpd="sng" algn="ctr">
-                      <a:solidFill>
-                        <a:srgbClr val="000000"/>
-                      </a:solidFill>
-                      <a:prstDash val="solid"/>
-                      <a:round/>
-                      <a:headEnd type="none" w="med" len="med"/>
-                      <a:tailEnd type="none" w="med" len="med"/>
-                    </a:lnB>
-                  </a:tcPr>
-                </a:tc>
-                <a:extLst>
-                  <a:ext uri="{0D108BD9-81ED-4DB2-BD59-A6C34878D82A}">
-                    <a16:rowId xmlns:a16="http://schemas.microsoft.com/office/drawing/2014/main" val="629945664"/>
-                  </a:ext>
-                </a:extLst>
-              </a:tr>
-              <a:tr h="448187">
-                <a:tc>
-                  <a:txBody>
-                    <a:bodyPr/>
-                    <a:lstStyle/>
-                    <a:p>
-                      <a:pPr algn="ctr">
-                        <a:lnSpc>
-                          <a:spcPct val="107000"/>
-                        </a:lnSpc>
-                        <a:spcAft>
-                          <a:spcPts val="0"/>
-                        </a:spcAft>
-                      </a:pPr>
-                      <a:r>
-                        <a:rPr lang="es-ES" sz="1600" b="1" dirty="0">
-                          <a:effectLst/>
-                          <a:latin typeface="Century Gothic" panose="020B0502020202020204" pitchFamily="34" charset="0"/>
-                          <a:ea typeface="Calibri" panose="020F0502020204030204" pitchFamily="34" charset="0"/>
-                          <a:cs typeface="Times New Roman" panose="02020603050405020304" pitchFamily="18" charset="0"/>
-                        </a:rPr>
-                        <a:t>1</a:t>
-                      </a:r>
-                    </a:p>
-                  </a:txBody>
-                  <a:tcPr marL="68580" marR="68580" marT="0" marB="0">
-                    <a:lnL w="12700" cap="flat" cmpd="sng" algn="ctr">
-                      <a:solidFill>
-                        <a:srgbClr val="000000"/>
-                      </a:solidFill>
-                      <a:prstDash val="solid"/>
-                      <a:round/>
-                      <a:headEnd type="none" w="med" len="med"/>
-                      <a:tailEnd type="none" w="med" len="med"/>
-                    </a:lnL>
-                    <a:lnR w="12700" cap="flat" cmpd="sng" algn="ctr">
-                      <a:solidFill>
-                        <a:srgbClr val="000000"/>
-                      </a:solidFill>
-                      <a:prstDash val="solid"/>
-                      <a:round/>
-                      <a:headEnd type="none" w="med" len="med"/>
-                      <a:tailEnd type="none" w="med" len="med"/>
-                    </a:lnR>
-                    <a:lnT w="12700" cap="flat" cmpd="sng" algn="ctr">
-                      <a:solidFill>
-                        <a:srgbClr val="000000"/>
-                      </a:solidFill>
-                      <a:prstDash val="solid"/>
-                      <a:round/>
-                      <a:headEnd type="none" w="med" len="med"/>
-                      <a:tailEnd type="none" w="med" len="med"/>
-                    </a:lnT>
-                    <a:lnB w="12700" cap="flat" cmpd="sng" algn="ctr">
-                      <a:solidFill>
-                        <a:srgbClr val="000000"/>
-                      </a:solidFill>
-                      <a:prstDash val="solid"/>
-                      <a:round/>
-                      <a:headEnd type="none" w="med" len="med"/>
-                      <a:tailEnd type="none" w="med" len="med"/>
-                    </a:lnB>
-                  </a:tcPr>
-                </a:tc>
-                <a:tc>
-                  <a:txBody>
-                    <a:bodyPr/>
-                    <a:lstStyle/>
-                    <a:p>
-                      <a:pPr algn="ctr">
-                        <a:lnSpc>
-                          <a:spcPct val="107000"/>
-                        </a:lnSpc>
-                        <a:spcAft>
-                          <a:spcPts val="0"/>
-                        </a:spcAft>
-                      </a:pPr>
-                      <a:endParaRPr lang="es-ES" sz="1200" dirty="0">
-                        <a:effectLst/>
-                        <a:latin typeface="Century Gothic" panose="020B0502020202020204" pitchFamily="34" charset="0"/>
-                        <a:ea typeface="Calibri" panose="020F0502020204030204" pitchFamily="34" charset="0"/>
-                        <a:cs typeface="Times New Roman" panose="02020603050405020304" pitchFamily="18" charset="0"/>
-                      </a:endParaRPr>
-                    </a:p>
-                    <a:p>
-                      <a:pPr algn="ctr">
-                        <a:lnSpc>
-                          <a:spcPct val="107000"/>
-                        </a:lnSpc>
-                        <a:spcAft>
-                          <a:spcPts val="0"/>
-                        </a:spcAft>
-                      </a:pPr>
-                      <a:r>
-                        <a:rPr lang="es-ES" sz="1200" dirty="0">
-                          <a:effectLst/>
-                          <a:latin typeface="Century Gothic" panose="020B0502020202020204" pitchFamily="34" charset="0"/>
-                          <a:ea typeface="Calibri" panose="020F0502020204030204" pitchFamily="34" charset="0"/>
-                          <a:cs typeface="Times New Roman" panose="02020603050405020304" pitchFamily="18" charset="0"/>
-                        </a:rPr>
-                        <a:t>6 horas</a:t>
-                      </a:r>
-                    </a:p>
-                  </a:txBody>
-                  <a:tcPr marL="68580" marR="68580" marT="0" marB="0">
-                    <a:lnL w="12700" cap="flat" cmpd="sng" algn="ctr">
-                      <a:solidFill>
-                        <a:srgbClr val="000000"/>
-                      </a:solidFill>
-                      <a:prstDash val="solid"/>
-                      <a:round/>
-                      <a:headEnd type="none" w="med" len="med"/>
-                      <a:tailEnd type="none" w="med" len="med"/>
-                    </a:lnL>
-                    <a:lnR w="12700" cap="flat" cmpd="sng" algn="ctr">
-                      <a:solidFill>
-                        <a:srgbClr val="000000"/>
-                      </a:solidFill>
-                      <a:prstDash val="solid"/>
-                      <a:round/>
-                      <a:headEnd type="none" w="med" len="med"/>
-                      <a:tailEnd type="none" w="med" len="med"/>
-                    </a:lnR>
-                    <a:lnT w="12700" cap="flat" cmpd="sng" algn="ctr">
-                      <a:solidFill>
-                        <a:srgbClr val="000000"/>
-                      </a:solidFill>
-                      <a:prstDash val="solid"/>
-                      <a:round/>
-                      <a:headEnd type="none" w="med" len="med"/>
-                      <a:tailEnd type="none" w="med" len="med"/>
-                    </a:lnT>
-                    <a:lnB w="12700" cap="flat" cmpd="sng" algn="ctr">
-                      <a:solidFill>
-                        <a:srgbClr val="000000"/>
-                      </a:solidFill>
-                      <a:prstDash val="solid"/>
-                      <a:round/>
-                      <a:headEnd type="none" w="med" len="med"/>
-                      <a:tailEnd type="none" w="med" len="med"/>
-                    </a:lnB>
-                  </a:tcPr>
-                </a:tc>
-                <a:tc>
-                  <a:txBody>
-                    <a:bodyPr/>
-                    <a:lstStyle/>
-                    <a:p>
-                      <a:pPr algn="ctr">
-                        <a:lnSpc>
-                          <a:spcPct val="107000"/>
-                        </a:lnSpc>
-                        <a:spcAft>
-                          <a:spcPts val="0"/>
-                        </a:spcAft>
-                      </a:pPr>
-                      <a:r>
-                        <a:rPr lang="es-ES" sz="1200">
-                          <a:effectLst/>
-                          <a:latin typeface="Century Gothic" panose="020B0502020202020204" pitchFamily="34" charset="0"/>
-                          <a:ea typeface="Calibri" panose="020F0502020204030204" pitchFamily="34" charset="0"/>
-                          <a:cs typeface="Times New Roman" panose="02020603050405020304" pitchFamily="18" charset="0"/>
-                        </a:rPr>
-                        <a:t>15 horas</a:t>
-                      </a:r>
-                    </a:p>
-                  </a:txBody>
-                  <a:tcPr marL="68580" marR="68580" marT="0" marB="0">
-                    <a:lnL w="12700" cap="flat" cmpd="sng" algn="ctr">
-                      <a:solidFill>
-                        <a:srgbClr val="000000"/>
-                      </a:solidFill>
-                      <a:prstDash val="solid"/>
-                      <a:round/>
-                      <a:headEnd type="none" w="med" len="med"/>
-                      <a:tailEnd type="none" w="med" len="med"/>
-                    </a:lnL>
-                    <a:lnR w="12700" cap="flat" cmpd="sng" algn="ctr">
-                      <a:solidFill>
-                        <a:srgbClr val="000000"/>
-                      </a:solidFill>
-                      <a:prstDash val="solid"/>
-                      <a:round/>
-                      <a:headEnd type="none" w="med" len="med"/>
-                      <a:tailEnd type="none" w="med" len="med"/>
-                    </a:lnR>
-                    <a:lnT w="12700" cap="flat" cmpd="sng" algn="ctr">
-                      <a:solidFill>
-                        <a:srgbClr val="000000"/>
-                      </a:solidFill>
-                      <a:prstDash val="solid"/>
-                      <a:round/>
-                      <a:headEnd type="none" w="med" len="med"/>
-                      <a:tailEnd type="none" w="med" len="med"/>
-                    </a:lnT>
-                    <a:lnB w="12700" cap="flat" cmpd="sng" algn="ctr">
-                      <a:solidFill>
-                        <a:srgbClr val="000000"/>
-                      </a:solidFill>
-                      <a:prstDash val="solid"/>
-                      <a:round/>
-                      <a:headEnd type="none" w="med" len="med"/>
-                      <a:tailEnd type="none" w="med" len="med"/>
-                    </a:lnB>
-                  </a:tcPr>
-                </a:tc>
-                <a:tc>
-                  <a:txBody>
-                    <a:bodyPr/>
-                    <a:lstStyle/>
-                    <a:p>
-                      <a:pPr algn="ctr">
-                        <a:lnSpc>
-                          <a:spcPct val="107000"/>
-                        </a:lnSpc>
-                        <a:spcAft>
-                          <a:spcPts val="0"/>
-                        </a:spcAft>
-                      </a:pPr>
-                      <a:r>
-                        <a:rPr lang="es-ES" sz="1200">
-                          <a:effectLst/>
-                          <a:latin typeface="Century Gothic" panose="020B0502020202020204" pitchFamily="34" charset="0"/>
-                          <a:ea typeface="Calibri" panose="020F0502020204030204" pitchFamily="34" charset="0"/>
-                          <a:cs typeface="Times New Roman" panose="02020603050405020304" pitchFamily="18" charset="0"/>
-                        </a:rPr>
-                        <a:t>Yii2 es más fácil de aprender, aunque hay menos manuales.</a:t>
-                      </a:r>
-                    </a:p>
-                  </a:txBody>
-                  <a:tcPr marL="68580" marR="68580" marT="0" marB="0">
-                    <a:lnL w="12700" cap="flat" cmpd="sng" algn="ctr">
-                      <a:solidFill>
-                        <a:srgbClr val="000000"/>
-                      </a:solidFill>
-                      <a:prstDash val="solid"/>
-                      <a:round/>
-                      <a:headEnd type="none" w="med" len="med"/>
-                      <a:tailEnd type="none" w="med" len="med"/>
-                    </a:lnL>
-                    <a:lnR w="12700" cap="flat" cmpd="sng" algn="ctr">
-                      <a:solidFill>
-                        <a:srgbClr val="000000"/>
-                      </a:solidFill>
-                      <a:prstDash val="solid"/>
-                      <a:round/>
-                      <a:headEnd type="none" w="med" len="med"/>
-                      <a:tailEnd type="none" w="med" len="med"/>
-                    </a:lnR>
-                    <a:lnT w="12700" cap="flat" cmpd="sng" algn="ctr">
-                      <a:solidFill>
-                        <a:srgbClr val="000000"/>
-                      </a:solidFill>
-                      <a:prstDash val="solid"/>
-                      <a:round/>
-                      <a:headEnd type="none" w="med" len="med"/>
-                      <a:tailEnd type="none" w="med" len="med"/>
-                    </a:lnT>
-                    <a:lnB w="12700" cap="flat" cmpd="sng" algn="ctr">
-                      <a:solidFill>
-                        <a:srgbClr val="000000"/>
-                      </a:solidFill>
-                      <a:prstDash val="solid"/>
-                      <a:round/>
-                      <a:headEnd type="none" w="med" len="med"/>
-                      <a:tailEnd type="none" w="med" len="med"/>
-                    </a:lnB>
-                  </a:tcPr>
-                </a:tc>
-                <a:extLst>
-                  <a:ext uri="{0D108BD9-81ED-4DB2-BD59-A6C34878D82A}">
-                    <a16:rowId xmlns:a16="http://schemas.microsoft.com/office/drawing/2014/main" val="2638596494"/>
-                  </a:ext>
-                </a:extLst>
-              </a:tr>
-              <a:tr h="215656">
-                <a:tc>
-                  <a:txBody>
-                    <a:bodyPr/>
-                    <a:lstStyle/>
-                    <a:p>
-                      <a:pPr algn="ctr">
-                        <a:lnSpc>
-                          <a:spcPct val="107000"/>
-                        </a:lnSpc>
-                        <a:spcAft>
-                          <a:spcPts val="0"/>
-                        </a:spcAft>
-                      </a:pPr>
-                      <a:r>
-                        <a:rPr lang="es-ES" sz="1600" b="1" dirty="0">
-                          <a:effectLst/>
-                          <a:latin typeface="Century Gothic" panose="020B0502020202020204" pitchFamily="34" charset="0"/>
-                          <a:ea typeface="Calibri" panose="020F0502020204030204" pitchFamily="34" charset="0"/>
-                          <a:cs typeface="Times New Roman" panose="02020603050405020304" pitchFamily="18" charset="0"/>
-                        </a:rPr>
-                        <a:t>2</a:t>
-                      </a:r>
-                    </a:p>
-                  </a:txBody>
-                  <a:tcPr marL="68580" marR="68580" marT="0" marB="0">
-                    <a:lnL w="12700" cap="flat" cmpd="sng" algn="ctr">
-                      <a:solidFill>
-                        <a:srgbClr val="000000"/>
-                      </a:solidFill>
-                      <a:prstDash val="solid"/>
-                      <a:round/>
-                      <a:headEnd type="none" w="med" len="med"/>
-                      <a:tailEnd type="none" w="med" len="med"/>
-                    </a:lnL>
-                    <a:lnR w="12700" cap="flat" cmpd="sng" algn="ctr">
-                      <a:solidFill>
-                        <a:srgbClr val="000000"/>
-                      </a:solidFill>
-                      <a:prstDash val="solid"/>
-                      <a:round/>
-                      <a:headEnd type="none" w="med" len="med"/>
-                      <a:tailEnd type="none" w="med" len="med"/>
-                    </a:lnR>
-                    <a:lnT w="12700" cap="flat" cmpd="sng" algn="ctr">
-                      <a:solidFill>
-                        <a:srgbClr val="000000"/>
-                      </a:solidFill>
-                      <a:prstDash val="solid"/>
-                      <a:round/>
-                      <a:headEnd type="none" w="med" len="med"/>
-                      <a:tailEnd type="none" w="med" len="med"/>
-                    </a:lnT>
-                    <a:lnB w="12700" cap="flat" cmpd="sng" algn="ctr">
-                      <a:solidFill>
-                        <a:srgbClr val="000000"/>
-                      </a:solidFill>
-                      <a:prstDash val="solid"/>
-                      <a:round/>
-                      <a:headEnd type="none" w="med" len="med"/>
-                      <a:tailEnd type="none" w="med" len="med"/>
-                    </a:lnB>
-                  </a:tcPr>
-                </a:tc>
-                <a:tc>
-                  <a:txBody>
-                    <a:bodyPr/>
-                    <a:lstStyle/>
-                    <a:p>
-                      <a:pPr algn="ctr">
-                        <a:lnSpc>
-                          <a:spcPct val="107000"/>
-                        </a:lnSpc>
-                        <a:spcAft>
-                          <a:spcPts val="0"/>
-                        </a:spcAft>
-                      </a:pPr>
-                      <a:r>
-                        <a:rPr lang="es-ES" sz="1200">
-                          <a:effectLst/>
-                          <a:latin typeface="Century Gothic" panose="020B0502020202020204" pitchFamily="34" charset="0"/>
-                          <a:ea typeface="Calibri" panose="020F0502020204030204" pitchFamily="34" charset="0"/>
-                          <a:cs typeface="Times New Roman" panose="02020603050405020304" pitchFamily="18" charset="0"/>
-                        </a:rPr>
-                        <a:t>3 horas</a:t>
-                      </a:r>
-                    </a:p>
-                  </a:txBody>
-                  <a:tcPr marL="68580" marR="68580" marT="0" marB="0">
-                    <a:lnL w="12700" cap="flat" cmpd="sng" algn="ctr">
-                      <a:solidFill>
-                        <a:srgbClr val="000000"/>
-                      </a:solidFill>
-                      <a:prstDash val="solid"/>
-                      <a:round/>
-                      <a:headEnd type="none" w="med" len="med"/>
-                      <a:tailEnd type="none" w="med" len="med"/>
-                    </a:lnL>
-                    <a:lnR w="12700" cap="flat" cmpd="sng" algn="ctr">
-                      <a:solidFill>
-                        <a:srgbClr val="000000"/>
-                      </a:solidFill>
-                      <a:prstDash val="solid"/>
-                      <a:round/>
-                      <a:headEnd type="none" w="med" len="med"/>
-                      <a:tailEnd type="none" w="med" len="med"/>
-                    </a:lnR>
-                    <a:lnT w="12700" cap="flat" cmpd="sng" algn="ctr">
-                      <a:solidFill>
-                        <a:srgbClr val="000000"/>
-                      </a:solidFill>
-                      <a:prstDash val="solid"/>
-                      <a:round/>
-                      <a:headEnd type="none" w="med" len="med"/>
-                      <a:tailEnd type="none" w="med" len="med"/>
-                    </a:lnT>
-                    <a:lnB w="12700" cap="flat" cmpd="sng" algn="ctr">
-                      <a:solidFill>
-                        <a:srgbClr val="000000"/>
-                      </a:solidFill>
-                      <a:prstDash val="solid"/>
-                      <a:round/>
-                      <a:headEnd type="none" w="med" len="med"/>
-                      <a:tailEnd type="none" w="med" len="med"/>
-                    </a:lnB>
-                  </a:tcPr>
-                </a:tc>
-                <a:tc>
-                  <a:txBody>
-                    <a:bodyPr/>
-                    <a:lstStyle/>
-                    <a:p>
-                      <a:pPr algn="ctr">
-                        <a:lnSpc>
-                          <a:spcPct val="107000"/>
-                        </a:lnSpc>
-                        <a:spcAft>
-                          <a:spcPts val="0"/>
-                        </a:spcAft>
-                      </a:pPr>
-                      <a:r>
-                        <a:rPr lang="es-ES" sz="1200">
-                          <a:effectLst/>
-                          <a:latin typeface="Century Gothic" panose="020B0502020202020204" pitchFamily="34" charset="0"/>
-                          <a:ea typeface="Calibri" panose="020F0502020204030204" pitchFamily="34" charset="0"/>
-                          <a:cs typeface="Times New Roman" panose="02020603050405020304" pitchFamily="18" charset="0"/>
-                        </a:rPr>
-                        <a:t>5 horas</a:t>
-                      </a:r>
-                    </a:p>
-                  </a:txBody>
-                  <a:tcPr marL="68580" marR="68580" marT="0" marB="0">
-                    <a:lnL w="12700" cap="flat" cmpd="sng" algn="ctr">
-                      <a:solidFill>
-                        <a:srgbClr val="000000"/>
-                      </a:solidFill>
-                      <a:prstDash val="solid"/>
-                      <a:round/>
-                      <a:headEnd type="none" w="med" len="med"/>
-                      <a:tailEnd type="none" w="med" len="med"/>
-                    </a:lnL>
-                    <a:lnR w="12700" cap="flat" cmpd="sng" algn="ctr">
-                      <a:solidFill>
-                        <a:srgbClr val="000000"/>
-                      </a:solidFill>
-                      <a:prstDash val="solid"/>
-                      <a:round/>
-                      <a:headEnd type="none" w="med" len="med"/>
-                      <a:tailEnd type="none" w="med" len="med"/>
-                    </a:lnR>
-                    <a:lnT w="12700" cap="flat" cmpd="sng" algn="ctr">
-                      <a:solidFill>
-                        <a:srgbClr val="000000"/>
-                      </a:solidFill>
-                      <a:prstDash val="solid"/>
-                      <a:round/>
-                      <a:headEnd type="none" w="med" len="med"/>
-                      <a:tailEnd type="none" w="med" len="med"/>
-                    </a:lnT>
-                    <a:lnB w="12700" cap="flat" cmpd="sng" algn="ctr">
-                      <a:solidFill>
-                        <a:srgbClr val="000000"/>
-                      </a:solidFill>
-                      <a:prstDash val="solid"/>
-                      <a:round/>
-                      <a:headEnd type="none" w="med" len="med"/>
-                      <a:tailEnd type="none" w="med" len="med"/>
-                    </a:lnB>
-                  </a:tcPr>
-                </a:tc>
-                <a:tc>
-                  <a:txBody>
-                    <a:bodyPr/>
-                    <a:lstStyle/>
-                    <a:p>
-                      <a:pPr algn="ctr">
-                        <a:lnSpc>
-                          <a:spcPct val="107000"/>
-                        </a:lnSpc>
-                        <a:spcAft>
-                          <a:spcPts val="0"/>
-                        </a:spcAft>
-                      </a:pPr>
-                      <a:r>
-                        <a:rPr lang="es-ES" sz="1200">
-                          <a:effectLst/>
-                          <a:latin typeface="Century Gothic" panose="020B0502020202020204" pitchFamily="34" charset="0"/>
-                          <a:ea typeface="Calibri" panose="020F0502020204030204" pitchFamily="34" charset="0"/>
-                          <a:cs typeface="Times New Roman" panose="02020603050405020304" pitchFamily="18" charset="0"/>
-                        </a:rPr>
-                        <a:t>Yii2 es más fácil de configurar que Laravel</a:t>
-                      </a:r>
-                    </a:p>
-                  </a:txBody>
-                  <a:tcPr marL="68580" marR="68580" marT="0" marB="0">
-                    <a:lnL w="12700" cap="flat" cmpd="sng" algn="ctr">
-                      <a:solidFill>
-                        <a:srgbClr val="000000"/>
-                      </a:solidFill>
-                      <a:prstDash val="solid"/>
-                      <a:round/>
-                      <a:headEnd type="none" w="med" len="med"/>
-                      <a:tailEnd type="none" w="med" len="med"/>
-                    </a:lnL>
-                    <a:lnR w="12700" cap="flat" cmpd="sng" algn="ctr">
-                      <a:solidFill>
-                        <a:srgbClr val="000000"/>
-                      </a:solidFill>
-                      <a:prstDash val="solid"/>
-                      <a:round/>
-                      <a:headEnd type="none" w="med" len="med"/>
-                      <a:tailEnd type="none" w="med" len="med"/>
-                    </a:lnR>
-                    <a:lnT w="12700" cap="flat" cmpd="sng" algn="ctr">
-                      <a:solidFill>
-                        <a:srgbClr val="000000"/>
-                      </a:solidFill>
-                      <a:prstDash val="solid"/>
-                      <a:round/>
-                      <a:headEnd type="none" w="med" len="med"/>
-                      <a:tailEnd type="none" w="med" len="med"/>
-                    </a:lnT>
-                    <a:lnB w="12700" cap="flat" cmpd="sng" algn="ctr">
-                      <a:solidFill>
-                        <a:srgbClr val="000000"/>
-                      </a:solidFill>
-                      <a:prstDash val="solid"/>
-                      <a:round/>
-                      <a:headEnd type="none" w="med" len="med"/>
-                      <a:tailEnd type="none" w="med" len="med"/>
-                    </a:lnB>
-                  </a:tcPr>
-                </a:tc>
-                <a:extLst>
-                  <a:ext uri="{0D108BD9-81ED-4DB2-BD59-A6C34878D82A}">
-                    <a16:rowId xmlns:a16="http://schemas.microsoft.com/office/drawing/2014/main" val="2992829836"/>
-                  </a:ext>
-                </a:extLst>
-              </a:tr>
-              <a:tr h="374645">
-                <a:tc>
-                  <a:txBody>
-                    <a:bodyPr/>
-                    <a:lstStyle/>
-                    <a:p>
-                      <a:pPr algn="ctr">
-                        <a:lnSpc>
-                          <a:spcPct val="107000"/>
-                        </a:lnSpc>
-                        <a:spcAft>
-                          <a:spcPts val="0"/>
-                        </a:spcAft>
-                      </a:pPr>
-                      <a:r>
-                        <a:rPr lang="es-ES" sz="1600" b="1" dirty="0">
-                          <a:effectLst/>
-                          <a:latin typeface="Century Gothic" panose="020B0502020202020204" pitchFamily="34" charset="0"/>
-                          <a:ea typeface="Calibri" panose="020F0502020204030204" pitchFamily="34" charset="0"/>
-                          <a:cs typeface="Times New Roman" panose="02020603050405020304" pitchFamily="18" charset="0"/>
-                        </a:rPr>
-                        <a:t>3</a:t>
-                      </a:r>
-                    </a:p>
-                  </a:txBody>
-                  <a:tcPr marL="68580" marR="68580" marT="0" marB="0">
-                    <a:lnL w="12700" cap="flat" cmpd="sng" algn="ctr">
-                      <a:solidFill>
-                        <a:srgbClr val="000000"/>
-                      </a:solidFill>
-                      <a:prstDash val="solid"/>
-                      <a:round/>
-                      <a:headEnd type="none" w="med" len="med"/>
-                      <a:tailEnd type="none" w="med" len="med"/>
-                    </a:lnL>
-                    <a:lnR w="12700" cap="flat" cmpd="sng" algn="ctr">
-                      <a:solidFill>
-                        <a:srgbClr val="000000"/>
-                      </a:solidFill>
-                      <a:prstDash val="solid"/>
-                      <a:round/>
-                      <a:headEnd type="none" w="med" len="med"/>
-                      <a:tailEnd type="none" w="med" len="med"/>
-                    </a:lnR>
-                    <a:lnT w="12700" cap="flat" cmpd="sng" algn="ctr">
-                      <a:solidFill>
-                        <a:srgbClr val="000000"/>
-                      </a:solidFill>
-                      <a:prstDash val="solid"/>
-                      <a:round/>
-                      <a:headEnd type="none" w="med" len="med"/>
-                      <a:tailEnd type="none" w="med" len="med"/>
-                    </a:lnT>
-                    <a:lnB w="12700" cap="flat" cmpd="sng" algn="ctr">
-                      <a:solidFill>
-                        <a:srgbClr val="000000"/>
-                      </a:solidFill>
-                      <a:prstDash val="solid"/>
-                      <a:round/>
-                      <a:headEnd type="none" w="med" len="med"/>
-                      <a:tailEnd type="none" w="med" len="med"/>
-                    </a:lnB>
-                  </a:tcPr>
-                </a:tc>
-                <a:tc>
-                  <a:txBody>
-                    <a:bodyPr/>
-                    <a:lstStyle/>
-                    <a:p>
-                      <a:pPr algn="ctr">
-                        <a:lnSpc>
-                          <a:spcPct val="107000"/>
-                        </a:lnSpc>
-                        <a:spcAft>
-                          <a:spcPts val="0"/>
-                        </a:spcAft>
-                      </a:pPr>
-                      <a:r>
-                        <a:rPr lang="es-ES" sz="1200" dirty="0">
-                          <a:effectLst/>
-                          <a:latin typeface="Century Gothic" panose="020B0502020202020204" pitchFamily="34" charset="0"/>
-                          <a:ea typeface="Calibri" panose="020F0502020204030204" pitchFamily="34" charset="0"/>
-                          <a:cs typeface="Times New Roman" panose="02020603050405020304" pitchFamily="18" charset="0"/>
-                        </a:rPr>
-                        <a:t>5</a:t>
-                      </a:r>
-                    </a:p>
-                  </a:txBody>
-                  <a:tcPr marL="68580" marR="68580" marT="0" marB="0">
-                    <a:lnL w="12700" cap="flat" cmpd="sng" algn="ctr">
-                      <a:solidFill>
-                        <a:srgbClr val="000000"/>
-                      </a:solidFill>
-                      <a:prstDash val="solid"/>
-                      <a:round/>
-                      <a:headEnd type="none" w="med" len="med"/>
-                      <a:tailEnd type="none" w="med" len="med"/>
-                    </a:lnL>
-                    <a:lnR w="12700" cap="flat" cmpd="sng" algn="ctr">
-                      <a:solidFill>
-                        <a:srgbClr val="000000"/>
-                      </a:solidFill>
-                      <a:prstDash val="solid"/>
-                      <a:round/>
-                      <a:headEnd type="none" w="med" len="med"/>
-                      <a:tailEnd type="none" w="med" len="med"/>
-                    </a:lnR>
-                    <a:lnT w="12700" cap="flat" cmpd="sng" algn="ctr">
-                      <a:solidFill>
-                        <a:srgbClr val="000000"/>
-                      </a:solidFill>
-                      <a:prstDash val="solid"/>
-                      <a:round/>
-                      <a:headEnd type="none" w="med" len="med"/>
-                      <a:tailEnd type="none" w="med" len="med"/>
-                    </a:lnT>
-                    <a:lnB w="12700" cap="flat" cmpd="sng" algn="ctr">
-                      <a:solidFill>
-                        <a:srgbClr val="000000"/>
-                      </a:solidFill>
-                      <a:prstDash val="solid"/>
-                      <a:round/>
-                      <a:headEnd type="none" w="med" len="med"/>
-                      <a:tailEnd type="none" w="med" len="med"/>
-                    </a:lnB>
-                  </a:tcPr>
-                </a:tc>
-                <a:tc>
-                  <a:txBody>
-                    <a:bodyPr/>
-                    <a:lstStyle/>
-                    <a:p>
-                      <a:pPr algn="ctr">
-                        <a:lnSpc>
-                          <a:spcPct val="107000"/>
-                        </a:lnSpc>
-                        <a:spcAft>
-                          <a:spcPts val="0"/>
-                        </a:spcAft>
-                      </a:pPr>
-                      <a:r>
-                        <a:rPr lang="es-ES" sz="1200">
-                          <a:effectLst/>
-                          <a:latin typeface="Century Gothic" panose="020B0502020202020204" pitchFamily="34" charset="0"/>
-                          <a:ea typeface="Calibri" panose="020F0502020204030204" pitchFamily="34" charset="0"/>
-                          <a:cs typeface="Times New Roman" panose="02020603050405020304" pitchFamily="18" charset="0"/>
-                        </a:rPr>
-                        <a:t>7</a:t>
-                      </a:r>
-                    </a:p>
-                  </a:txBody>
-                  <a:tcPr marL="68580" marR="68580" marT="0" marB="0">
-                    <a:lnL w="12700" cap="flat" cmpd="sng" algn="ctr">
-                      <a:solidFill>
-                        <a:srgbClr val="000000"/>
-                      </a:solidFill>
-                      <a:prstDash val="solid"/>
-                      <a:round/>
-                      <a:headEnd type="none" w="med" len="med"/>
-                      <a:tailEnd type="none" w="med" len="med"/>
-                    </a:lnL>
-                    <a:lnR w="12700" cap="flat" cmpd="sng" algn="ctr">
-                      <a:solidFill>
-                        <a:srgbClr val="000000"/>
-                      </a:solidFill>
-                      <a:prstDash val="solid"/>
-                      <a:round/>
-                      <a:headEnd type="none" w="med" len="med"/>
-                      <a:tailEnd type="none" w="med" len="med"/>
-                    </a:lnR>
-                    <a:lnT w="12700" cap="flat" cmpd="sng" algn="ctr">
-                      <a:solidFill>
-                        <a:srgbClr val="000000"/>
-                      </a:solidFill>
-                      <a:prstDash val="solid"/>
-                      <a:round/>
-                      <a:headEnd type="none" w="med" len="med"/>
-                      <a:tailEnd type="none" w="med" len="med"/>
-                    </a:lnT>
-                    <a:lnB w="12700" cap="flat" cmpd="sng" algn="ctr">
-                      <a:solidFill>
-                        <a:srgbClr val="000000"/>
-                      </a:solidFill>
-                      <a:prstDash val="solid"/>
-                      <a:round/>
-                      <a:headEnd type="none" w="med" len="med"/>
-                      <a:tailEnd type="none" w="med" len="med"/>
-                    </a:lnB>
-                  </a:tcPr>
-                </a:tc>
-                <a:tc>
-                  <a:txBody>
-                    <a:bodyPr/>
-                    <a:lstStyle/>
-                    <a:p>
-                      <a:pPr algn="ctr">
-                        <a:lnSpc>
-                          <a:spcPct val="107000"/>
-                        </a:lnSpc>
-                        <a:spcAft>
-                          <a:spcPts val="0"/>
-                        </a:spcAft>
-                      </a:pPr>
-                      <a:r>
-                        <a:rPr lang="es-ES" sz="1200">
-                          <a:effectLst/>
-                          <a:latin typeface="Century Gothic" panose="020B0502020202020204" pitchFamily="34" charset="0"/>
-                          <a:ea typeface="Calibri" panose="020F0502020204030204" pitchFamily="34" charset="0"/>
-                          <a:cs typeface="Times New Roman" panose="02020603050405020304" pitchFamily="18" charset="0"/>
-                        </a:rPr>
-                        <a:t>Laravel permite más manejo de usuario que Yii2</a:t>
-                      </a:r>
-                    </a:p>
-                  </a:txBody>
-                  <a:tcPr marL="68580" marR="68580" marT="0" marB="0">
-                    <a:lnL w="12700" cap="flat" cmpd="sng" algn="ctr">
-                      <a:solidFill>
-                        <a:srgbClr val="000000"/>
-                      </a:solidFill>
-                      <a:prstDash val="solid"/>
-                      <a:round/>
-                      <a:headEnd type="none" w="med" len="med"/>
-                      <a:tailEnd type="none" w="med" len="med"/>
-                    </a:lnL>
-                    <a:lnR w="12700" cap="flat" cmpd="sng" algn="ctr">
-                      <a:solidFill>
-                        <a:srgbClr val="000000"/>
-                      </a:solidFill>
-                      <a:prstDash val="solid"/>
-                      <a:round/>
-                      <a:headEnd type="none" w="med" len="med"/>
-                      <a:tailEnd type="none" w="med" len="med"/>
-                    </a:lnR>
-                    <a:lnT w="12700" cap="flat" cmpd="sng" algn="ctr">
-                      <a:solidFill>
-                        <a:srgbClr val="000000"/>
-                      </a:solidFill>
-                      <a:prstDash val="solid"/>
-                      <a:round/>
-                      <a:headEnd type="none" w="med" len="med"/>
-                      <a:tailEnd type="none" w="med" len="med"/>
-                    </a:lnT>
-                    <a:lnB w="12700" cap="flat" cmpd="sng" algn="ctr">
-                      <a:solidFill>
-                        <a:srgbClr val="000000"/>
-                      </a:solidFill>
-                      <a:prstDash val="solid"/>
-                      <a:round/>
-                      <a:headEnd type="none" w="med" len="med"/>
-                      <a:tailEnd type="none" w="med" len="med"/>
-                    </a:lnB>
-                  </a:tcPr>
-                </a:tc>
-                <a:extLst>
-                  <a:ext uri="{0D108BD9-81ED-4DB2-BD59-A6C34878D82A}">
-                    <a16:rowId xmlns:a16="http://schemas.microsoft.com/office/drawing/2014/main" val="3332821917"/>
-                  </a:ext>
-                </a:extLst>
-              </a:tr>
-              <a:tr h="317224">
-                <a:tc>
-                  <a:txBody>
-                    <a:bodyPr/>
-                    <a:lstStyle/>
-                    <a:p>
-                      <a:pPr algn="ctr">
-                        <a:lnSpc>
-                          <a:spcPct val="107000"/>
-                        </a:lnSpc>
-                        <a:spcAft>
-                          <a:spcPts val="0"/>
-                        </a:spcAft>
-                      </a:pPr>
-                      <a:r>
-                        <a:rPr lang="es-ES" sz="1600" b="1" dirty="0">
-                          <a:effectLst/>
-                          <a:latin typeface="Century Gothic" panose="020B0502020202020204" pitchFamily="34" charset="0"/>
-                          <a:ea typeface="Calibri" panose="020F0502020204030204" pitchFamily="34" charset="0"/>
-                          <a:cs typeface="Times New Roman" panose="02020603050405020304" pitchFamily="18" charset="0"/>
-                        </a:rPr>
-                        <a:t>4</a:t>
-                      </a:r>
-                    </a:p>
-                  </a:txBody>
-                  <a:tcPr marL="68580" marR="68580" marT="0" marB="0">
-                    <a:lnL w="12700" cap="flat" cmpd="sng" algn="ctr">
-                      <a:solidFill>
-                        <a:srgbClr val="000000"/>
-                      </a:solidFill>
-                      <a:prstDash val="solid"/>
-                      <a:round/>
-                      <a:headEnd type="none" w="med" len="med"/>
-                      <a:tailEnd type="none" w="med" len="med"/>
-                    </a:lnL>
-                    <a:lnR w="12700" cap="flat" cmpd="sng" algn="ctr">
-                      <a:solidFill>
-                        <a:srgbClr val="000000"/>
-                      </a:solidFill>
-                      <a:prstDash val="solid"/>
-                      <a:round/>
-                      <a:headEnd type="none" w="med" len="med"/>
-                      <a:tailEnd type="none" w="med" len="med"/>
-                    </a:lnR>
-                    <a:lnT w="12700" cap="flat" cmpd="sng" algn="ctr">
-                      <a:solidFill>
-                        <a:srgbClr val="000000"/>
-                      </a:solidFill>
-                      <a:prstDash val="solid"/>
-                      <a:round/>
-                      <a:headEnd type="none" w="med" len="med"/>
-                      <a:tailEnd type="none" w="med" len="med"/>
-                    </a:lnT>
-                    <a:lnB w="12700" cap="flat" cmpd="sng" algn="ctr">
-                      <a:solidFill>
-                        <a:srgbClr val="000000"/>
-                      </a:solidFill>
-                      <a:prstDash val="solid"/>
-                      <a:round/>
-                      <a:headEnd type="none" w="med" len="med"/>
-                      <a:tailEnd type="none" w="med" len="med"/>
-                    </a:lnB>
-                  </a:tcPr>
-                </a:tc>
-                <a:tc>
-                  <a:txBody>
-                    <a:bodyPr/>
-                    <a:lstStyle/>
-                    <a:p>
-                      <a:pPr algn="ctr">
-                        <a:lnSpc>
-                          <a:spcPct val="107000"/>
-                        </a:lnSpc>
-                        <a:spcAft>
-                          <a:spcPts val="0"/>
-                        </a:spcAft>
-                      </a:pPr>
-                      <a:r>
-                        <a:rPr lang="es-ES" sz="1200">
-                          <a:effectLst/>
-                          <a:latin typeface="Century Gothic" panose="020B0502020202020204" pitchFamily="34" charset="0"/>
-                          <a:ea typeface="Calibri" panose="020F0502020204030204" pitchFamily="34" charset="0"/>
-                          <a:cs typeface="Times New Roman" panose="02020603050405020304" pitchFamily="18" charset="0"/>
-                        </a:rPr>
-                        <a:t>Si</a:t>
-                      </a:r>
-                    </a:p>
-                  </a:txBody>
-                  <a:tcPr marL="68580" marR="68580" marT="0" marB="0">
-                    <a:lnL w="12700" cap="flat" cmpd="sng" algn="ctr">
-                      <a:solidFill>
-                        <a:srgbClr val="000000"/>
-                      </a:solidFill>
-                      <a:prstDash val="solid"/>
-                      <a:round/>
-                      <a:headEnd type="none" w="med" len="med"/>
-                      <a:tailEnd type="none" w="med" len="med"/>
-                    </a:lnL>
-                    <a:lnR w="12700" cap="flat" cmpd="sng" algn="ctr">
-                      <a:solidFill>
-                        <a:srgbClr val="000000"/>
-                      </a:solidFill>
-                      <a:prstDash val="solid"/>
-                      <a:round/>
-                      <a:headEnd type="none" w="med" len="med"/>
-                      <a:tailEnd type="none" w="med" len="med"/>
-                    </a:lnR>
-                    <a:lnT w="12700" cap="flat" cmpd="sng" algn="ctr">
-                      <a:solidFill>
-                        <a:srgbClr val="000000"/>
-                      </a:solidFill>
-                      <a:prstDash val="solid"/>
-                      <a:round/>
-                      <a:headEnd type="none" w="med" len="med"/>
-                      <a:tailEnd type="none" w="med" len="med"/>
-                    </a:lnT>
-                    <a:lnB w="12700" cap="flat" cmpd="sng" algn="ctr">
-                      <a:solidFill>
-                        <a:srgbClr val="000000"/>
-                      </a:solidFill>
-                      <a:prstDash val="solid"/>
-                      <a:round/>
-                      <a:headEnd type="none" w="med" len="med"/>
-                      <a:tailEnd type="none" w="med" len="med"/>
-                    </a:lnB>
-                  </a:tcPr>
-                </a:tc>
-                <a:tc>
-                  <a:txBody>
-                    <a:bodyPr/>
-                    <a:lstStyle/>
-                    <a:p>
-                      <a:pPr algn="ctr">
-                        <a:lnSpc>
-                          <a:spcPct val="107000"/>
-                        </a:lnSpc>
-                        <a:spcAft>
-                          <a:spcPts val="0"/>
-                        </a:spcAft>
-                      </a:pPr>
-                      <a:r>
-                        <a:rPr lang="es-ES" sz="1200">
-                          <a:effectLst/>
-                          <a:latin typeface="Century Gothic" panose="020B0502020202020204" pitchFamily="34" charset="0"/>
-                          <a:ea typeface="Calibri" panose="020F0502020204030204" pitchFamily="34" charset="0"/>
-                          <a:cs typeface="Times New Roman" panose="02020603050405020304" pitchFamily="18" charset="0"/>
-                        </a:rPr>
-                        <a:t>Si</a:t>
-                      </a:r>
-                    </a:p>
-                  </a:txBody>
-                  <a:tcPr marL="68580" marR="68580" marT="0" marB="0">
-                    <a:lnL w="12700" cap="flat" cmpd="sng" algn="ctr">
-                      <a:solidFill>
-                        <a:srgbClr val="000000"/>
-                      </a:solidFill>
-                      <a:prstDash val="solid"/>
-                      <a:round/>
-                      <a:headEnd type="none" w="med" len="med"/>
-                      <a:tailEnd type="none" w="med" len="med"/>
-                    </a:lnL>
-                    <a:lnR w="12700" cap="flat" cmpd="sng" algn="ctr">
-                      <a:solidFill>
-                        <a:srgbClr val="000000"/>
-                      </a:solidFill>
-                      <a:prstDash val="solid"/>
-                      <a:round/>
-                      <a:headEnd type="none" w="med" len="med"/>
-                      <a:tailEnd type="none" w="med" len="med"/>
-                    </a:lnR>
-                    <a:lnT w="12700" cap="flat" cmpd="sng" algn="ctr">
-                      <a:solidFill>
-                        <a:srgbClr val="000000"/>
-                      </a:solidFill>
-                      <a:prstDash val="solid"/>
-                      <a:round/>
-                      <a:headEnd type="none" w="med" len="med"/>
-                      <a:tailEnd type="none" w="med" len="med"/>
-                    </a:lnT>
-                    <a:lnB w="12700" cap="flat" cmpd="sng" algn="ctr">
-                      <a:solidFill>
-                        <a:srgbClr val="000000"/>
-                      </a:solidFill>
-                      <a:prstDash val="solid"/>
-                      <a:round/>
-                      <a:headEnd type="none" w="med" len="med"/>
-                      <a:tailEnd type="none" w="med" len="med"/>
-                    </a:lnB>
-                  </a:tcPr>
-                </a:tc>
-                <a:tc>
-                  <a:txBody>
-                    <a:bodyPr/>
-                    <a:lstStyle/>
-                    <a:p>
-                      <a:pPr algn="ctr">
-                        <a:lnSpc>
-                          <a:spcPct val="107000"/>
-                        </a:lnSpc>
-                        <a:spcAft>
-                          <a:spcPts val="0"/>
-                        </a:spcAft>
-                      </a:pPr>
-                      <a:r>
-                        <a:rPr lang="es-ES" sz="1200">
-                          <a:effectLst/>
-                          <a:latin typeface="Century Gothic" panose="020B0502020202020204" pitchFamily="34" charset="0"/>
-                          <a:ea typeface="Calibri" panose="020F0502020204030204" pitchFamily="34" charset="0"/>
-                          <a:cs typeface="Times New Roman" panose="02020603050405020304" pitchFamily="18" charset="0"/>
-                        </a:rPr>
-                        <a:t>Los dos funcionan por igual en los navegadores modernos</a:t>
-                      </a:r>
-                    </a:p>
-                  </a:txBody>
-                  <a:tcPr marL="68580" marR="68580" marT="0" marB="0">
-                    <a:lnL w="12700" cap="flat" cmpd="sng" algn="ctr">
-                      <a:solidFill>
-                        <a:srgbClr val="000000"/>
-                      </a:solidFill>
-                      <a:prstDash val="solid"/>
-                      <a:round/>
-                      <a:headEnd type="none" w="med" len="med"/>
-                      <a:tailEnd type="none" w="med" len="med"/>
-                    </a:lnL>
-                    <a:lnR w="12700" cap="flat" cmpd="sng" algn="ctr">
-                      <a:solidFill>
-                        <a:srgbClr val="000000"/>
-                      </a:solidFill>
-                      <a:prstDash val="solid"/>
-                      <a:round/>
-                      <a:headEnd type="none" w="med" len="med"/>
-                      <a:tailEnd type="none" w="med" len="med"/>
-                    </a:lnR>
-                    <a:lnT w="12700" cap="flat" cmpd="sng" algn="ctr">
-                      <a:solidFill>
-                        <a:srgbClr val="000000"/>
-                      </a:solidFill>
-                      <a:prstDash val="solid"/>
-                      <a:round/>
-                      <a:headEnd type="none" w="med" len="med"/>
-                      <a:tailEnd type="none" w="med" len="med"/>
-                    </a:lnT>
-                    <a:lnB w="12700" cap="flat" cmpd="sng" algn="ctr">
-                      <a:solidFill>
-                        <a:srgbClr val="000000"/>
-                      </a:solidFill>
-                      <a:prstDash val="solid"/>
-                      <a:round/>
-                      <a:headEnd type="none" w="med" len="med"/>
-                      <a:tailEnd type="none" w="med" len="med"/>
-                    </a:lnB>
-                  </a:tcPr>
-                </a:tc>
-                <a:extLst>
-                  <a:ext uri="{0D108BD9-81ED-4DB2-BD59-A6C34878D82A}">
-                    <a16:rowId xmlns:a16="http://schemas.microsoft.com/office/drawing/2014/main" val="1511771178"/>
-                  </a:ext>
-                </a:extLst>
-              </a:tr>
-              <a:tr h="215656">
-                <a:tc>
-                  <a:txBody>
-                    <a:bodyPr/>
-                    <a:lstStyle/>
-                    <a:p>
-                      <a:pPr algn="ctr">
-                        <a:lnSpc>
-                          <a:spcPct val="107000"/>
-                        </a:lnSpc>
-                        <a:spcAft>
-                          <a:spcPts val="0"/>
-                        </a:spcAft>
-                      </a:pPr>
-                      <a:r>
-                        <a:rPr lang="es-ES" sz="1600" b="1" dirty="0">
-                          <a:effectLst/>
-                          <a:latin typeface="Century Gothic" panose="020B0502020202020204" pitchFamily="34" charset="0"/>
-                          <a:ea typeface="Calibri" panose="020F0502020204030204" pitchFamily="34" charset="0"/>
-                          <a:cs typeface="Times New Roman" panose="02020603050405020304" pitchFamily="18" charset="0"/>
-                        </a:rPr>
-                        <a:t>5</a:t>
-                      </a:r>
-                    </a:p>
-                  </a:txBody>
-                  <a:tcPr marL="68580" marR="68580" marT="0" marB="0">
-                    <a:lnL w="12700" cap="flat" cmpd="sng" algn="ctr">
-                      <a:solidFill>
-                        <a:srgbClr val="000000"/>
-                      </a:solidFill>
-                      <a:prstDash val="solid"/>
-                      <a:round/>
-                      <a:headEnd type="none" w="med" len="med"/>
-                      <a:tailEnd type="none" w="med" len="med"/>
-                    </a:lnL>
-                    <a:lnR w="12700" cap="flat" cmpd="sng" algn="ctr">
-                      <a:solidFill>
-                        <a:srgbClr val="000000"/>
-                      </a:solidFill>
-                      <a:prstDash val="solid"/>
-                      <a:round/>
-                      <a:headEnd type="none" w="med" len="med"/>
-                      <a:tailEnd type="none" w="med" len="med"/>
-                    </a:lnR>
-                    <a:lnT w="12700" cap="flat" cmpd="sng" algn="ctr">
-                      <a:solidFill>
-                        <a:srgbClr val="000000"/>
-                      </a:solidFill>
-                      <a:prstDash val="solid"/>
-                      <a:round/>
-                      <a:headEnd type="none" w="med" len="med"/>
-                      <a:tailEnd type="none" w="med" len="med"/>
-                    </a:lnT>
-                    <a:lnB w="12700" cap="flat" cmpd="sng" algn="ctr">
-                      <a:solidFill>
-                        <a:srgbClr val="000000"/>
-                      </a:solidFill>
-                      <a:prstDash val="solid"/>
-                      <a:round/>
-                      <a:headEnd type="none" w="med" len="med"/>
-                      <a:tailEnd type="none" w="med" len="med"/>
-                    </a:lnB>
-                  </a:tcPr>
-                </a:tc>
-                <a:tc>
-                  <a:txBody>
-                    <a:bodyPr/>
-                    <a:lstStyle/>
-                    <a:p>
-                      <a:pPr algn="ctr">
-                        <a:lnSpc>
-                          <a:spcPct val="107000"/>
-                        </a:lnSpc>
-                        <a:spcAft>
-                          <a:spcPts val="0"/>
-                        </a:spcAft>
-                      </a:pPr>
-                      <a:r>
-                        <a:rPr lang="es-ES" sz="1200">
-                          <a:effectLst/>
-                          <a:latin typeface="Century Gothic" panose="020B0502020202020204" pitchFamily="34" charset="0"/>
-                          <a:ea typeface="Calibri" panose="020F0502020204030204" pitchFamily="34" charset="0"/>
-                          <a:cs typeface="Times New Roman" panose="02020603050405020304" pitchFamily="18" charset="0"/>
-                        </a:rPr>
-                        <a:t>No</a:t>
-                      </a:r>
-                    </a:p>
-                  </a:txBody>
-                  <a:tcPr marL="68580" marR="68580" marT="0" marB="0">
-                    <a:lnL w="12700" cap="flat" cmpd="sng" algn="ctr">
-                      <a:solidFill>
-                        <a:srgbClr val="000000"/>
-                      </a:solidFill>
-                      <a:prstDash val="solid"/>
-                      <a:round/>
-                      <a:headEnd type="none" w="med" len="med"/>
-                      <a:tailEnd type="none" w="med" len="med"/>
-                    </a:lnL>
-                    <a:lnR w="12700" cap="flat" cmpd="sng" algn="ctr">
-                      <a:solidFill>
-                        <a:srgbClr val="000000"/>
-                      </a:solidFill>
-                      <a:prstDash val="solid"/>
-                      <a:round/>
-                      <a:headEnd type="none" w="med" len="med"/>
-                      <a:tailEnd type="none" w="med" len="med"/>
-                    </a:lnR>
-                    <a:lnT w="12700" cap="flat" cmpd="sng" algn="ctr">
-                      <a:solidFill>
-                        <a:srgbClr val="000000"/>
-                      </a:solidFill>
-                      <a:prstDash val="solid"/>
-                      <a:round/>
-                      <a:headEnd type="none" w="med" len="med"/>
-                      <a:tailEnd type="none" w="med" len="med"/>
-                    </a:lnT>
-                    <a:lnB w="12700" cap="flat" cmpd="sng" algn="ctr">
-                      <a:solidFill>
-                        <a:srgbClr val="000000"/>
-                      </a:solidFill>
-                      <a:prstDash val="solid"/>
-                      <a:round/>
-                      <a:headEnd type="none" w="med" len="med"/>
-                      <a:tailEnd type="none" w="med" len="med"/>
-                    </a:lnB>
-                  </a:tcPr>
-                </a:tc>
-                <a:tc>
-                  <a:txBody>
-                    <a:bodyPr/>
-                    <a:lstStyle/>
-                    <a:p>
-                      <a:pPr algn="ctr">
-                        <a:lnSpc>
-                          <a:spcPct val="107000"/>
-                        </a:lnSpc>
-                        <a:spcAft>
-                          <a:spcPts val="0"/>
-                        </a:spcAft>
-                      </a:pPr>
-                      <a:r>
-                        <a:rPr lang="es-ES" sz="1200">
-                          <a:effectLst/>
-                          <a:latin typeface="Century Gothic" panose="020B0502020202020204" pitchFamily="34" charset="0"/>
-                          <a:ea typeface="Calibri" panose="020F0502020204030204" pitchFamily="34" charset="0"/>
-                          <a:cs typeface="Times New Roman" panose="02020603050405020304" pitchFamily="18" charset="0"/>
-                        </a:rPr>
-                        <a:t>No</a:t>
-                      </a:r>
-                    </a:p>
-                  </a:txBody>
-                  <a:tcPr marL="68580" marR="68580" marT="0" marB="0">
-                    <a:lnL w="12700" cap="flat" cmpd="sng" algn="ctr">
-                      <a:solidFill>
-                        <a:srgbClr val="000000"/>
-                      </a:solidFill>
-                      <a:prstDash val="solid"/>
-                      <a:round/>
-                      <a:headEnd type="none" w="med" len="med"/>
-                      <a:tailEnd type="none" w="med" len="med"/>
-                    </a:lnL>
-                    <a:lnR w="12700" cap="flat" cmpd="sng" algn="ctr">
-                      <a:solidFill>
-                        <a:srgbClr val="000000"/>
-                      </a:solidFill>
-                      <a:prstDash val="solid"/>
-                      <a:round/>
-                      <a:headEnd type="none" w="med" len="med"/>
-                      <a:tailEnd type="none" w="med" len="med"/>
-                    </a:lnR>
-                    <a:lnT w="12700" cap="flat" cmpd="sng" algn="ctr">
-                      <a:solidFill>
-                        <a:srgbClr val="000000"/>
-                      </a:solidFill>
-                      <a:prstDash val="solid"/>
-                      <a:round/>
-                      <a:headEnd type="none" w="med" len="med"/>
-                      <a:tailEnd type="none" w="med" len="med"/>
-                    </a:lnT>
-                    <a:lnB w="12700" cap="flat" cmpd="sng" algn="ctr">
-                      <a:solidFill>
-                        <a:srgbClr val="000000"/>
-                      </a:solidFill>
-                      <a:prstDash val="solid"/>
-                      <a:round/>
-                      <a:headEnd type="none" w="med" len="med"/>
-                      <a:tailEnd type="none" w="med" len="med"/>
-                    </a:lnB>
-                  </a:tcPr>
-                </a:tc>
-                <a:tc>
-                  <a:txBody>
-                    <a:bodyPr/>
-                    <a:lstStyle/>
-                    <a:p>
-                      <a:pPr algn="ctr">
-                        <a:lnSpc>
-                          <a:spcPct val="107000"/>
-                        </a:lnSpc>
-                        <a:spcAft>
-                          <a:spcPts val="0"/>
-                        </a:spcAft>
-                      </a:pPr>
-                      <a:r>
-                        <a:rPr lang="es-ES" sz="1200">
-                          <a:effectLst/>
-                          <a:latin typeface="Century Gothic" panose="020B0502020202020204" pitchFamily="34" charset="0"/>
-                          <a:ea typeface="Calibri" panose="020F0502020204030204" pitchFamily="34" charset="0"/>
-                          <a:cs typeface="Times New Roman" panose="02020603050405020304" pitchFamily="18" charset="0"/>
-                        </a:rPr>
-                        <a:t>No necesitan extensiones para su funcionalidad</a:t>
-                      </a:r>
-                    </a:p>
-                  </a:txBody>
-                  <a:tcPr marL="68580" marR="68580" marT="0" marB="0">
-                    <a:lnL w="12700" cap="flat" cmpd="sng" algn="ctr">
-                      <a:solidFill>
-                        <a:srgbClr val="000000"/>
-                      </a:solidFill>
-                      <a:prstDash val="solid"/>
-                      <a:round/>
-                      <a:headEnd type="none" w="med" len="med"/>
-                      <a:tailEnd type="none" w="med" len="med"/>
-                    </a:lnL>
-                    <a:lnR w="12700" cap="flat" cmpd="sng" algn="ctr">
-                      <a:solidFill>
-                        <a:srgbClr val="000000"/>
-                      </a:solidFill>
-                      <a:prstDash val="solid"/>
-                      <a:round/>
-                      <a:headEnd type="none" w="med" len="med"/>
-                      <a:tailEnd type="none" w="med" len="med"/>
-                    </a:lnR>
-                    <a:lnT w="12700" cap="flat" cmpd="sng" algn="ctr">
-                      <a:solidFill>
-                        <a:srgbClr val="000000"/>
-                      </a:solidFill>
-                      <a:prstDash val="solid"/>
-                      <a:round/>
-                      <a:headEnd type="none" w="med" len="med"/>
-                      <a:tailEnd type="none" w="med" len="med"/>
-                    </a:lnT>
-                    <a:lnB w="12700" cap="flat" cmpd="sng" algn="ctr">
-                      <a:solidFill>
-                        <a:srgbClr val="000000"/>
-                      </a:solidFill>
-                      <a:prstDash val="solid"/>
-                      <a:round/>
-                      <a:headEnd type="none" w="med" len="med"/>
-                      <a:tailEnd type="none" w="med" len="med"/>
-                    </a:lnB>
-                  </a:tcPr>
-                </a:tc>
-                <a:extLst>
-                  <a:ext uri="{0D108BD9-81ED-4DB2-BD59-A6C34878D82A}">
-                    <a16:rowId xmlns:a16="http://schemas.microsoft.com/office/drawing/2014/main" val="642096529"/>
-                  </a:ext>
-                </a:extLst>
-              </a:tr>
-              <a:tr h="448187">
-                <a:tc>
-                  <a:txBody>
-                    <a:bodyPr/>
-                    <a:lstStyle/>
-                    <a:p>
-                      <a:pPr algn="ctr">
-                        <a:lnSpc>
-                          <a:spcPct val="107000"/>
-                        </a:lnSpc>
-                        <a:spcAft>
-                          <a:spcPts val="0"/>
-                        </a:spcAft>
-                      </a:pPr>
-                      <a:r>
-                        <a:rPr lang="es-ES" sz="1600" b="1" dirty="0">
-                          <a:effectLst/>
-                          <a:latin typeface="Century Gothic" panose="020B0502020202020204" pitchFamily="34" charset="0"/>
-                          <a:ea typeface="Calibri" panose="020F0502020204030204" pitchFamily="34" charset="0"/>
-                          <a:cs typeface="Times New Roman" panose="02020603050405020304" pitchFamily="18" charset="0"/>
-                        </a:rPr>
-                        <a:t>6</a:t>
-                      </a:r>
-                    </a:p>
-                  </a:txBody>
-                  <a:tcPr marL="68580" marR="68580" marT="0" marB="0">
-                    <a:lnL w="12700" cap="flat" cmpd="sng" algn="ctr">
-                      <a:solidFill>
-                        <a:srgbClr val="000000"/>
-                      </a:solidFill>
-                      <a:prstDash val="solid"/>
-                      <a:round/>
-                      <a:headEnd type="none" w="med" len="med"/>
-                      <a:tailEnd type="none" w="med" len="med"/>
-                    </a:lnL>
-                    <a:lnR w="12700" cap="flat" cmpd="sng" algn="ctr">
-                      <a:solidFill>
-                        <a:srgbClr val="000000"/>
-                      </a:solidFill>
-                      <a:prstDash val="solid"/>
-                      <a:round/>
-                      <a:headEnd type="none" w="med" len="med"/>
-                      <a:tailEnd type="none" w="med" len="med"/>
-                    </a:lnR>
-                    <a:lnT w="12700" cap="flat" cmpd="sng" algn="ctr">
-                      <a:solidFill>
-                        <a:srgbClr val="000000"/>
-                      </a:solidFill>
-                      <a:prstDash val="solid"/>
-                      <a:round/>
-                      <a:headEnd type="none" w="med" len="med"/>
-                      <a:tailEnd type="none" w="med" len="med"/>
-                    </a:lnT>
-                    <a:lnB w="12700" cap="flat" cmpd="sng" algn="ctr">
-                      <a:solidFill>
-                        <a:srgbClr val="000000"/>
-                      </a:solidFill>
-                      <a:prstDash val="solid"/>
-                      <a:round/>
-                      <a:headEnd type="none" w="med" len="med"/>
-                      <a:tailEnd type="none" w="med" len="med"/>
-                    </a:lnB>
-                  </a:tcPr>
-                </a:tc>
-                <a:tc>
-                  <a:txBody>
-                    <a:bodyPr/>
-                    <a:lstStyle/>
-                    <a:p>
-                      <a:pPr algn="ctr">
-                        <a:lnSpc>
-                          <a:spcPct val="107000"/>
-                        </a:lnSpc>
-                        <a:spcAft>
-                          <a:spcPts val="0"/>
-                        </a:spcAft>
-                      </a:pPr>
-                      <a:r>
-                        <a:rPr lang="es-ES" sz="1200">
-                          <a:effectLst/>
-                          <a:latin typeface="Century Gothic" panose="020B0502020202020204" pitchFamily="34" charset="0"/>
-                          <a:ea typeface="Calibri" panose="020F0502020204030204" pitchFamily="34" charset="0"/>
-                          <a:cs typeface="Times New Roman" panose="02020603050405020304" pitchFamily="18" charset="0"/>
-                        </a:rPr>
-                        <a:t>4 horas</a:t>
-                      </a:r>
-                    </a:p>
-                  </a:txBody>
-                  <a:tcPr marL="68580" marR="68580" marT="0" marB="0">
-                    <a:lnL w="12700" cap="flat" cmpd="sng" algn="ctr">
-                      <a:solidFill>
-                        <a:srgbClr val="000000"/>
-                      </a:solidFill>
-                      <a:prstDash val="solid"/>
-                      <a:round/>
-                      <a:headEnd type="none" w="med" len="med"/>
-                      <a:tailEnd type="none" w="med" len="med"/>
-                    </a:lnL>
-                    <a:lnR w="12700" cap="flat" cmpd="sng" algn="ctr">
-                      <a:solidFill>
-                        <a:srgbClr val="000000"/>
-                      </a:solidFill>
-                      <a:prstDash val="solid"/>
-                      <a:round/>
-                      <a:headEnd type="none" w="med" len="med"/>
-                      <a:tailEnd type="none" w="med" len="med"/>
-                    </a:lnR>
-                    <a:lnT w="12700" cap="flat" cmpd="sng" algn="ctr">
-                      <a:solidFill>
-                        <a:srgbClr val="000000"/>
-                      </a:solidFill>
-                      <a:prstDash val="solid"/>
-                      <a:round/>
-                      <a:headEnd type="none" w="med" len="med"/>
-                      <a:tailEnd type="none" w="med" len="med"/>
-                    </a:lnT>
-                    <a:lnB w="12700" cap="flat" cmpd="sng" algn="ctr">
-                      <a:solidFill>
-                        <a:srgbClr val="000000"/>
-                      </a:solidFill>
-                      <a:prstDash val="solid"/>
-                      <a:round/>
-                      <a:headEnd type="none" w="med" len="med"/>
-                      <a:tailEnd type="none" w="med" len="med"/>
-                    </a:lnB>
-                  </a:tcPr>
-                </a:tc>
-                <a:tc>
-                  <a:txBody>
-                    <a:bodyPr/>
-                    <a:lstStyle/>
-                    <a:p>
-                      <a:pPr algn="ctr">
-                        <a:lnSpc>
-                          <a:spcPct val="107000"/>
-                        </a:lnSpc>
-                        <a:spcAft>
-                          <a:spcPts val="0"/>
-                        </a:spcAft>
-                      </a:pPr>
-                      <a:r>
-                        <a:rPr lang="es-ES" sz="1200">
-                          <a:effectLst/>
-                          <a:latin typeface="Century Gothic" panose="020B0502020202020204" pitchFamily="34" charset="0"/>
-                          <a:ea typeface="Calibri" panose="020F0502020204030204" pitchFamily="34" charset="0"/>
-                          <a:cs typeface="Times New Roman" panose="02020603050405020304" pitchFamily="18" charset="0"/>
-                        </a:rPr>
-                        <a:t>4 horas (no finalizado)</a:t>
-                      </a:r>
-                    </a:p>
-                  </a:txBody>
-                  <a:tcPr marL="68580" marR="68580" marT="0" marB="0">
-                    <a:lnL w="12700" cap="flat" cmpd="sng" algn="ctr">
-                      <a:solidFill>
-                        <a:srgbClr val="000000"/>
-                      </a:solidFill>
-                      <a:prstDash val="solid"/>
-                      <a:round/>
-                      <a:headEnd type="none" w="med" len="med"/>
-                      <a:tailEnd type="none" w="med" len="med"/>
-                    </a:lnL>
-                    <a:lnR w="12700" cap="flat" cmpd="sng" algn="ctr">
-                      <a:solidFill>
-                        <a:srgbClr val="000000"/>
-                      </a:solidFill>
-                      <a:prstDash val="solid"/>
-                      <a:round/>
-                      <a:headEnd type="none" w="med" len="med"/>
-                      <a:tailEnd type="none" w="med" len="med"/>
-                    </a:lnR>
-                    <a:lnT w="12700" cap="flat" cmpd="sng" algn="ctr">
-                      <a:solidFill>
-                        <a:srgbClr val="000000"/>
-                      </a:solidFill>
-                      <a:prstDash val="solid"/>
-                      <a:round/>
-                      <a:headEnd type="none" w="med" len="med"/>
-                      <a:tailEnd type="none" w="med" len="med"/>
-                    </a:lnT>
-                    <a:lnB w="12700" cap="flat" cmpd="sng" algn="ctr">
-                      <a:solidFill>
-                        <a:srgbClr val="000000"/>
-                      </a:solidFill>
-                      <a:prstDash val="solid"/>
-                      <a:round/>
-                      <a:headEnd type="none" w="med" len="med"/>
-                      <a:tailEnd type="none" w="med" len="med"/>
-                    </a:lnB>
-                  </a:tcPr>
-                </a:tc>
-                <a:tc>
-                  <a:txBody>
-                    <a:bodyPr/>
-                    <a:lstStyle/>
-                    <a:p>
-                      <a:pPr algn="ctr">
-                        <a:lnSpc>
-                          <a:spcPct val="107000"/>
-                        </a:lnSpc>
-                        <a:spcAft>
-                          <a:spcPts val="0"/>
-                        </a:spcAft>
-                      </a:pPr>
-                      <a:r>
-                        <a:rPr lang="es-ES" sz="1200">
-                          <a:effectLst/>
-                          <a:latin typeface="Century Gothic" panose="020B0502020202020204" pitchFamily="34" charset="0"/>
-                          <a:ea typeface="Calibri" panose="020F0502020204030204" pitchFamily="34" charset="0"/>
-                          <a:cs typeface="Times New Roman" panose="02020603050405020304" pitchFamily="18" charset="0"/>
-                        </a:rPr>
-                        <a:t>Aún utilizando las mismas horas se pueden implementar más cosas en Yii2 que en Laravel</a:t>
-                      </a:r>
-                    </a:p>
-                  </a:txBody>
-                  <a:tcPr marL="68580" marR="68580" marT="0" marB="0">
-                    <a:lnL w="12700" cap="flat" cmpd="sng" algn="ctr">
-                      <a:solidFill>
-                        <a:srgbClr val="000000"/>
-                      </a:solidFill>
-                      <a:prstDash val="solid"/>
-                      <a:round/>
-                      <a:headEnd type="none" w="med" len="med"/>
-                      <a:tailEnd type="none" w="med" len="med"/>
-                    </a:lnL>
-                    <a:lnR w="12700" cap="flat" cmpd="sng" algn="ctr">
-                      <a:solidFill>
-                        <a:srgbClr val="000000"/>
-                      </a:solidFill>
-                      <a:prstDash val="solid"/>
-                      <a:round/>
-                      <a:headEnd type="none" w="med" len="med"/>
-                      <a:tailEnd type="none" w="med" len="med"/>
-                    </a:lnR>
-                    <a:lnT w="12700" cap="flat" cmpd="sng" algn="ctr">
-                      <a:solidFill>
-                        <a:srgbClr val="000000"/>
-                      </a:solidFill>
-                      <a:prstDash val="solid"/>
-                      <a:round/>
-                      <a:headEnd type="none" w="med" len="med"/>
-                      <a:tailEnd type="none" w="med" len="med"/>
-                    </a:lnT>
-                    <a:lnB w="12700" cap="flat" cmpd="sng" algn="ctr">
-                      <a:solidFill>
-                        <a:srgbClr val="000000"/>
-                      </a:solidFill>
-                      <a:prstDash val="solid"/>
-                      <a:round/>
-                      <a:headEnd type="none" w="med" len="med"/>
-                      <a:tailEnd type="none" w="med" len="med"/>
-                    </a:lnB>
-                  </a:tcPr>
-                </a:tc>
-                <a:extLst>
-                  <a:ext uri="{0D108BD9-81ED-4DB2-BD59-A6C34878D82A}">
-                    <a16:rowId xmlns:a16="http://schemas.microsoft.com/office/drawing/2014/main" val="1075110326"/>
-                  </a:ext>
-                </a:extLst>
-              </a:tr>
-              <a:tr h="215656">
-                <a:tc>
-                  <a:txBody>
-                    <a:bodyPr/>
-                    <a:lstStyle/>
-                    <a:p>
-                      <a:pPr algn="ctr">
-                        <a:lnSpc>
-                          <a:spcPct val="107000"/>
-                        </a:lnSpc>
-                        <a:spcAft>
-                          <a:spcPts val="0"/>
-                        </a:spcAft>
-                      </a:pPr>
-                      <a:r>
-                        <a:rPr lang="es-ES" sz="1600" b="1" dirty="0">
-                          <a:effectLst/>
-                          <a:latin typeface="Century Gothic" panose="020B0502020202020204" pitchFamily="34" charset="0"/>
-                          <a:ea typeface="Calibri" panose="020F0502020204030204" pitchFamily="34" charset="0"/>
-                          <a:cs typeface="Times New Roman" panose="02020603050405020304" pitchFamily="18" charset="0"/>
-                        </a:rPr>
-                        <a:t>7</a:t>
-                      </a:r>
-                    </a:p>
-                  </a:txBody>
-                  <a:tcPr marL="68580" marR="68580" marT="0" marB="0">
-                    <a:lnL w="12700" cap="flat" cmpd="sng" algn="ctr">
-                      <a:solidFill>
-                        <a:srgbClr val="000000"/>
-                      </a:solidFill>
-                      <a:prstDash val="solid"/>
-                      <a:round/>
-                      <a:headEnd type="none" w="med" len="med"/>
-                      <a:tailEnd type="none" w="med" len="med"/>
-                    </a:lnL>
-                    <a:lnR w="12700" cap="flat" cmpd="sng" algn="ctr">
-                      <a:solidFill>
-                        <a:srgbClr val="000000"/>
-                      </a:solidFill>
-                      <a:prstDash val="solid"/>
-                      <a:round/>
-                      <a:headEnd type="none" w="med" len="med"/>
-                      <a:tailEnd type="none" w="med" len="med"/>
-                    </a:lnR>
-                    <a:lnT w="12700" cap="flat" cmpd="sng" algn="ctr">
-                      <a:solidFill>
-                        <a:srgbClr val="000000"/>
-                      </a:solidFill>
-                      <a:prstDash val="solid"/>
-                      <a:round/>
-                      <a:headEnd type="none" w="med" len="med"/>
-                      <a:tailEnd type="none" w="med" len="med"/>
-                    </a:lnT>
-                    <a:lnB w="12700" cap="flat" cmpd="sng" algn="ctr">
-                      <a:solidFill>
-                        <a:srgbClr val="000000"/>
-                      </a:solidFill>
-                      <a:prstDash val="solid"/>
-                      <a:round/>
-                      <a:headEnd type="none" w="med" len="med"/>
-                      <a:tailEnd type="none" w="med" len="med"/>
-                    </a:lnB>
-                  </a:tcPr>
-                </a:tc>
-                <a:tc>
-                  <a:txBody>
-                    <a:bodyPr/>
-                    <a:lstStyle/>
-                    <a:p>
-                      <a:pPr algn="ctr">
-                        <a:lnSpc>
-                          <a:spcPct val="107000"/>
-                        </a:lnSpc>
-                        <a:spcAft>
-                          <a:spcPts val="0"/>
-                        </a:spcAft>
-                      </a:pPr>
-                      <a:r>
-                        <a:rPr lang="es-ES" sz="1200">
-                          <a:effectLst/>
-                          <a:latin typeface="Century Gothic" panose="020B0502020202020204" pitchFamily="34" charset="0"/>
-                          <a:ea typeface="Calibri" panose="020F0502020204030204" pitchFamily="34" charset="0"/>
-                          <a:cs typeface="Times New Roman" panose="02020603050405020304" pitchFamily="18" charset="0"/>
-                        </a:rPr>
-                        <a:t>75</a:t>
-                      </a:r>
-                    </a:p>
-                  </a:txBody>
-                  <a:tcPr marL="68580" marR="68580" marT="0" marB="0">
-                    <a:lnL w="12700" cap="flat" cmpd="sng" algn="ctr">
-                      <a:solidFill>
-                        <a:srgbClr val="000000"/>
-                      </a:solidFill>
-                      <a:prstDash val="solid"/>
-                      <a:round/>
-                      <a:headEnd type="none" w="med" len="med"/>
-                      <a:tailEnd type="none" w="med" len="med"/>
-                    </a:lnL>
-                    <a:lnR w="12700" cap="flat" cmpd="sng" algn="ctr">
-                      <a:solidFill>
-                        <a:srgbClr val="000000"/>
-                      </a:solidFill>
-                      <a:prstDash val="solid"/>
-                      <a:round/>
-                      <a:headEnd type="none" w="med" len="med"/>
-                      <a:tailEnd type="none" w="med" len="med"/>
-                    </a:lnR>
-                    <a:lnT w="12700" cap="flat" cmpd="sng" algn="ctr">
-                      <a:solidFill>
-                        <a:srgbClr val="000000"/>
-                      </a:solidFill>
-                      <a:prstDash val="solid"/>
-                      <a:round/>
-                      <a:headEnd type="none" w="med" len="med"/>
-                      <a:tailEnd type="none" w="med" len="med"/>
-                    </a:lnT>
-                    <a:lnB w="12700" cap="flat" cmpd="sng" algn="ctr">
-                      <a:solidFill>
-                        <a:srgbClr val="000000"/>
-                      </a:solidFill>
-                      <a:prstDash val="solid"/>
-                      <a:round/>
-                      <a:headEnd type="none" w="med" len="med"/>
-                      <a:tailEnd type="none" w="med" len="med"/>
-                    </a:lnB>
-                  </a:tcPr>
-                </a:tc>
-                <a:tc>
-                  <a:txBody>
-                    <a:bodyPr/>
-                    <a:lstStyle/>
-                    <a:p>
-                      <a:pPr algn="ctr">
-                        <a:lnSpc>
-                          <a:spcPct val="107000"/>
-                        </a:lnSpc>
-                        <a:spcAft>
-                          <a:spcPts val="0"/>
-                        </a:spcAft>
-                      </a:pPr>
-                      <a:r>
-                        <a:rPr lang="es-ES" sz="1200">
-                          <a:effectLst/>
-                          <a:latin typeface="Century Gothic" panose="020B0502020202020204" pitchFamily="34" charset="0"/>
-                          <a:ea typeface="Calibri" panose="020F0502020204030204" pitchFamily="34" charset="0"/>
-                          <a:cs typeface="Times New Roman" panose="02020603050405020304" pitchFamily="18" charset="0"/>
-                        </a:rPr>
-                        <a:t>60</a:t>
-                      </a:r>
-                    </a:p>
-                  </a:txBody>
-                  <a:tcPr marL="68580" marR="68580" marT="0" marB="0">
-                    <a:lnL w="12700" cap="flat" cmpd="sng" algn="ctr">
-                      <a:solidFill>
-                        <a:srgbClr val="000000"/>
-                      </a:solidFill>
-                      <a:prstDash val="solid"/>
-                      <a:round/>
-                      <a:headEnd type="none" w="med" len="med"/>
-                      <a:tailEnd type="none" w="med" len="med"/>
-                    </a:lnL>
-                    <a:lnR w="12700" cap="flat" cmpd="sng" algn="ctr">
-                      <a:solidFill>
-                        <a:srgbClr val="000000"/>
-                      </a:solidFill>
-                      <a:prstDash val="solid"/>
-                      <a:round/>
-                      <a:headEnd type="none" w="med" len="med"/>
-                      <a:tailEnd type="none" w="med" len="med"/>
-                    </a:lnR>
-                    <a:lnT w="12700" cap="flat" cmpd="sng" algn="ctr">
-                      <a:solidFill>
-                        <a:srgbClr val="000000"/>
-                      </a:solidFill>
-                      <a:prstDash val="solid"/>
-                      <a:round/>
-                      <a:headEnd type="none" w="med" len="med"/>
-                      <a:tailEnd type="none" w="med" len="med"/>
-                    </a:lnT>
-                    <a:lnB w="12700" cap="flat" cmpd="sng" algn="ctr">
-                      <a:solidFill>
-                        <a:srgbClr val="000000"/>
-                      </a:solidFill>
-                      <a:prstDash val="solid"/>
-                      <a:round/>
-                      <a:headEnd type="none" w="med" len="med"/>
-                      <a:tailEnd type="none" w="med" len="med"/>
-                    </a:lnB>
-                  </a:tcPr>
-                </a:tc>
-                <a:tc>
-                  <a:txBody>
-                    <a:bodyPr/>
-                    <a:lstStyle/>
-                    <a:p>
-                      <a:pPr algn="ctr">
-                        <a:lnSpc>
-                          <a:spcPct val="107000"/>
-                        </a:lnSpc>
-                        <a:spcAft>
-                          <a:spcPts val="0"/>
-                        </a:spcAft>
-                      </a:pPr>
-                      <a:r>
-                        <a:rPr lang="es-ES" sz="1200">
-                          <a:effectLst/>
-                          <a:latin typeface="Century Gothic" panose="020B0502020202020204" pitchFamily="34" charset="0"/>
-                          <a:ea typeface="Calibri" panose="020F0502020204030204" pitchFamily="34" charset="0"/>
-                          <a:cs typeface="Times New Roman" panose="02020603050405020304" pitchFamily="18" charset="0"/>
-                        </a:rPr>
-                        <a:t>Yii2 es más rápido que Laravel</a:t>
-                      </a:r>
-                    </a:p>
-                  </a:txBody>
-                  <a:tcPr marL="68580" marR="68580" marT="0" marB="0">
-                    <a:lnL w="12700" cap="flat" cmpd="sng" algn="ctr">
-                      <a:solidFill>
-                        <a:srgbClr val="000000"/>
-                      </a:solidFill>
-                      <a:prstDash val="solid"/>
-                      <a:round/>
-                      <a:headEnd type="none" w="med" len="med"/>
-                      <a:tailEnd type="none" w="med" len="med"/>
-                    </a:lnL>
-                    <a:lnR w="12700" cap="flat" cmpd="sng" algn="ctr">
-                      <a:solidFill>
-                        <a:srgbClr val="000000"/>
-                      </a:solidFill>
-                      <a:prstDash val="solid"/>
-                      <a:round/>
-                      <a:headEnd type="none" w="med" len="med"/>
-                      <a:tailEnd type="none" w="med" len="med"/>
-                    </a:lnR>
-                    <a:lnT w="12700" cap="flat" cmpd="sng" algn="ctr">
-                      <a:solidFill>
-                        <a:srgbClr val="000000"/>
-                      </a:solidFill>
-                      <a:prstDash val="solid"/>
-                      <a:round/>
-                      <a:headEnd type="none" w="med" len="med"/>
-                      <a:tailEnd type="none" w="med" len="med"/>
-                    </a:lnT>
-                    <a:lnB w="12700" cap="flat" cmpd="sng" algn="ctr">
-                      <a:solidFill>
-                        <a:srgbClr val="000000"/>
-                      </a:solidFill>
-                      <a:prstDash val="solid"/>
-                      <a:round/>
-                      <a:headEnd type="none" w="med" len="med"/>
-                      <a:tailEnd type="none" w="med" len="med"/>
-                    </a:lnB>
-                  </a:tcPr>
-                </a:tc>
-                <a:extLst>
-                  <a:ext uri="{0D108BD9-81ED-4DB2-BD59-A6C34878D82A}">
-                    <a16:rowId xmlns:a16="http://schemas.microsoft.com/office/drawing/2014/main" val="724997094"/>
-                  </a:ext>
-                </a:extLst>
-              </a:tr>
-              <a:tr h="680716">
-                <a:tc>
-                  <a:txBody>
-                    <a:bodyPr/>
-                    <a:lstStyle/>
-                    <a:p>
-                      <a:pPr algn="ctr">
-                        <a:lnSpc>
-                          <a:spcPct val="107000"/>
-                        </a:lnSpc>
-                        <a:spcAft>
-                          <a:spcPts val="0"/>
-                        </a:spcAft>
-                      </a:pPr>
-                      <a:r>
-                        <a:rPr lang="es-ES" sz="1600" b="1" dirty="0">
-                          <a:effectLst/>
-                          <a:latin typeface="Century Gothic" panose="020B0502020202020204" pitchFamily="34" charset="0"/>
-                          <a:ea typeface="Calibri" panose="020F0502020204030204" pitchFamily="34" charset="0"/>
-                          <a:cs typeface="Times New Roman" panose="02020603050405020304" pitchFamily="18" charset="0"/>
-                        </a:rPr>
-                        <a:t>8</a:t>
-                      </a:r>
-                    </a:p>
-                  </a:txBody>
-                  <a:tcPr marL="68580" marR="68580" marT="0" marB="0">
-                    <a:lnL w="12700" cap="flat" cmpd="sng" algn="ctr">
-                      <a:solidFill>
-                        <a:srgbClr val="000000"/>
-                      </a:solidFill>
-                      <a:prstDash val="solid"/>
-                      <a:round/>
-                      <a:headEnd type="none" w="med" len="med"/>
-                      <a:tailEnd type="none" w="med" len="med"/>
-                    </a:lnL>
-                    <a:lnR w="12700" cap="flat" cmpd="sng" algn="ctr">
-                      <a:solidFill>
-                        <a:srgbClr val="000000"/>
-                      </a:solidFill>
-                      <a:prstDash val="solid"/>
-                      <a:round/>
-                      <a:headEnd type="none" w="med" len="med"/>
-                      <a:tailEnd type="none" w="med" len="med"/>
-                    </a:lnR>
-                    <a:lnT w="12700" cap="flat" cmpd="sng" algn="ctr">
-                      <a:solidFill>
-                        <a:srgbClr val="000000"/>
-                      </a:solidFill>
-                      <a:prstDash val="solid"/>
-                      <a:round/>
-                      <a:headEnd type="none" w="med" len="med"/>
-                      <a:tailEnd type="none" w="med" len="med"/>
-                    </a:lnT>
-                    <a:lnB w="12700" cap="flat" cmpd="sng" algn="ctr">
-                      <a:solidFill>
-                        <a:srgbClr val="000000"/>
-                      </a:solidFill>
-                      <a:prstDash val="solid"/>
-                      <a:round/>
-                      <a:headEnd type="none" w="med" len="med"/>
-                      <a:tailEnd type="none" w="med" len="med"/>
-                    </a:lnB>
-                  </a:tcPr>
-                </a:tc>
-                <a:tc>
-                  <a:txBody>
-                    <a:bodyPr/>
-                    <a:lstStyle/>
-                    <a:p>
-                      <a:pPr algn="ctr">
-                        <a:lnSpc>
-                          <a:spcPct val="107000"/>
-                        </a:lnSpc>
-                        <a:spcAft>
-                          <a:spcPts val="0"/>
-                        </a:spcAft>
-                      </a:pPr>
-                      <a:r>
-                        <a:rPr lang="es-ES" sz="1200">
-                          <a:effectLst/>
-                          <a:latin typeface="Century Gothic" panose="020B0502020202020204" pitchFamily="34" charset="0"/>
-                          <a:ea typeface="Calibri" panose="020F0502020204030204" pitchFamily="34" charset="0"/>
-                          <a:cs typeface="Times New Roman" panose="02020603050405020304" pitchFamily="18" charset="0"/>
-                        </a:rPr>
-                        <a:t>PC, Internet, navegador, composer, documentación, editor de código</a:t>
-                      </a:r>
-                    </a:p>
-                  </a:txBody>
-                  <a:tcPr marL="68580" marR="68580" marT="0" marB="0">
-                    <a:lnL w="12700" cap="flat" cmpd="sng" algn="ctr">
-                      <a:solidFill>
-                        <a:srgbClr val="000000"/>
-                      </a:solidFill>
-                      <a:prstDash val="solid"/>
-                      <a:round/>
-                      <a:headEnd type="none" w="med" len="med"/>
-                      <a:tailEnd type="none" w="med" len="med"/>
-                    </a:lnL>
-                    <a:lnR w="12700" cap="flat" cmpd="sng" algn="ctr">
-                      <a:solidFill>
-                        <a:srgbClr val="000000"/>
-                      </a:solidFill>
-                      <a:prstDash val="solid"/>
-                      <a:round/>
-                      <a:headEnd type="none" w="med" len="med"/>
-                      <a:tailEnd type="none" w="med" len="med"/>
-                    </a:lnR>
-                    <a:lnT w="12700" cap="flat" cmpd="sng" algn="ctr">
-                      <a:solidFill>
-                        <a:srgbClr val="000000"/>
-                      </a:solidFill>
-                      <a:prstDash val="solid"/>
-                      <a:round/>
-                      <a:headEnd type="none" w="med" len="med"/>
-                      <a:tailEnd type="none" w="med" len="med"/>
-                    </a:lnT>
-                    <a:lnB w="12700" cap="flat" cmpd="sng" algn="ctr">
-                      <a:solidFill>
-                        <a:srgbClr val="000000"/>
-                      </a:solidFill>
-                      <a:prstDash val="solid"/>
-                      <a:round/>
-                      <a:headEnd type="none" w="med" len="med"/>
-                      <a:tailEnd type="none" w="med" len="med"/>
-                    </a:lnB>
-                  </a:tcPr>
-                </a:tc>
-                <a:tc>
-                  <a:txBody>
-                    <a:bodyPr/>
-                    <a:lstStyle/>
-                    <a:p>
-                      <a:pPr algn="ctr">
-                        <a:lnSpc>
-                          <a:spcPct val="107000"/>
-                        </a:lnSpc>
-                        <a:spcAft>
-                          <a:spcPts val="0"/>
-                        </a:spcAft>
-                      </a:pPr>
-                      <a:r>
-                        <a:rPr lang="es-ES" sz="1200">
-                          <a:effectLst/>
-                          <a:latin typeface="Century Gothic" panose="020B0502020202020204" pitchFamily="34" charset="0"/>
-                          <a:ea typeface="Calibri" panose="020F0502020204030204" pitchFamily="34" charset="0"/>
-                          <a:cs typeface="Times New Roman" panose="02020603050405020304" pitchFamily="18" charset="0"/>
-                        </a:rPr>
-                        <a:t>PC, Internet, navegador, composer, documentación, editor de código</a:t>
-                      </a:r>
-                    </a:p>
-                  </a:txBody>
-                  <a:tcPr marL="68580" marR="68580" marT="0" marB="0">
-                    <a:lnL w="12700" cap="flat" cmpd="sng" algn="ctr">
-                      <a:solidFill>
-                        <a:srgbClr val="000000"/>
-                      </a:solidFill>
-                      <a:prstDash val="solid"/>
-                      <a:round/>
-                      <a:headEnd type="none" w="med" len="med"/>
-                      <a:tailEnd type="none" w="med" len="med"/>
-                    </a:lnL>
-                    <a:lnR w="12700" cap="flat" cmpd="sng" algn="ctr">
-                      <a:solidFill>
-                        <a:srgbClr val="000000"/>
-                      </a:solidFill>
-                      <a:prstDash val="solid"/>
-                      <a:round/>
-                      <a:headEnd type="none" w="med" len="med"/>
-                      <a:tailEnd type="none" w="med" len="med"/>
-                    </a:lnR>
-                    <a:lnT w="12700" cap="flat" cmpd="sng" algn="ctr">
-                      <a:solidFill>
-                        <a:srgbClr val="000000"/>
-                      </a:solidFill>
-                      <a:prstDash val="solid"/>
-                      <a:round/>
-                      <a:headEnd type="none" w="med" len="med"/>
-                      <a:tailEnd type="none" w="med" len="med"/>
-                    </a:lnT>
-                    <a:lnB w="12700" cap="flat" cmpd="sng" algn="ctr">
-                      <a:solidFill>
-                        <a:srgbClr val="000000"/>
-                      </a:solidFill>
-                      <a:prstDash val="solid"/>
-                      <a:round/>
-                      <a:headEnd type="none" w="med" len="med"/>
-                      <a:tailEnd type="none" w="med" len="med"/>
-                    </a:lnB>
-                  </a:tcPr>
-                </a:tc>
-                <a:tc>
-                  <a:txBody>
-                    <a:bodyPr/>
-                    <a:lstStyle/>
-                    <a:p>
-                      <a:pPr algn="ctr">
-                        <a:lnSpc>
-                          <a:spcPct val="107000"/>
-                        </a:lnSpc>
-                        <a:spcAft>
-                          <a:spcPts val="0"/>
-                        </a:spcAft>
-                      </a:pPr>
-                      <a:r>
-                        <a:rPr lang="es-ES" sz="1200">
-                          <a:effectLst/>
-                          <a:latin typeface="Century Gothic" panose="020B0502020202020204" pitchFamily="34" charset="0"/>
-                          <a:ea typeface="Calibri" panose="020F0502020204030204" pitchFamily="34" charset="0"/>
-                          <a:cs typeface="Times New Roman" panose="02020603050405020304" pitchFamily="18" charset="0"/>
-                        </a:rPr>
-                        <a:t>Los dos necesitan los mismos recursos</a:t>
-                      </a:r>
-                    </a:p>
-                  </a:txBody>
-                  <a:tcPr marL="68580" marR="68580" marT="0" marB="0">
-                    <a:lnL w="12700" cap="flat" cmpd="sng" algn="ctr">
-                      <a:solidFill>
-                        <a:srgbClr val="000000"/>
-                      </a:solidFill>
-                      <a:prstDash val="solid"/>
-                      <a:round/>
-                      <a:headEnd type="none" w="med" len="med"/>
-                      <a:tailEnd type="none" w="med" len="med"/>
-                    </a:lnL>
-                    <a:lnR w="12700" cap="flat" cmpd="sng" algn="ctr">
-                      <a:solidFill>
-                        <a:srgbClr val="000000"/>
-                      </a:solidFill>
-                      <a:prstDash val="solid"/>
-                      <a:round/>
-                      <a:headEnd type="none" w="med" len="med"/>
-                      <a:tailEnd type="none" w="med" len="med"/>
-                    </a:lnR>
-                    <a:lnT w="12700" cap="flat" cmpd="sng" algn="ctr">
-                      <a:solidFill>
-                        <a:srgbClr val="000000"/>
-                      </a:solidFill>
-                      <a:prstDash val="solid"/>
-                      <a:round/>
-                      <a:headEnd type="none" w="med" len="med"/>
-                      <a:tailEnd type="none" w="med" len="med"/>
-                    </a:lnT>
-                    <a:lnB w="12700" cap="flat" cmpd="sng" algn="ctr">
-                      <a:solidFill>
-                        <a:srgbClr val="000000"/>
-                      </a:solidFill>
-                      <a:prstDash val="solid"/>
-                      <a:round/>
-                      <a:headEnd type="none" w="med" len="med"/>
-                      <a:tailEnd type="none" w="med" len="med"/>
-                    </a:lnB>
-                  </a:tcPr>
-                </a:tc>
-                <a:extLst>
-                  <a:ext uri="{0D108BD9-81ED-4DB2-BD59-A6C34878D82A}">
-                    <a16:rowId xmlns:a16="http://schemas.microsoft.com/office/drawing/2014/main" val="3962144863"/>
-                  </a:ext>
-                </a:extLst>
-              </a:tr>
-              <a:tr h="268336">
-                <a:tc>
-                  <a:txBody>
-                    <a:bodyPr/>
-                    <a:lstStyle/>
-                    <a:p>
-                      <a:pPr algn="ctr">
-                        <a:lnSpc>
-                          <a:spcPct val="107000"/>
-                        </a:lnSpc>
-                        <a:spcAft>
-                          <a:spcPts val="0"/>
-                        </a:spcAft>
-                      </a:pPr>
-                      <a:r>
-                        <a:rPr lang="es-ES" sz="1600" b="1" dirty="0">
-                          <a:effectLst/>
-                          <a:latin typeface="Century Gothic" panose="020B0502020202020204" pitchFamily="34" charset="0"/>
-                          <a:ea typeface="Calibri" panose="020F0502020204030204" pitchFamily="34" charset="0"/>
-                          <a:cs typeface="Times New Roman" panose="02020603050405020304" pitchFamily="18" charset="0"/>
-                        </a:rPr>
-                        <a:t>9</a:t>
-                      </a:r>
-                    </a:p>
-                  </a:txBody>
-                  <a:tcPr marL="68580" marR="68580" marT="0" marB="0">
-                    <a:lnL w="12700" cap="flat" cmpd="sng" algn="ctr">
-                      <a:solidFill>
-                        <a:srgbClr val="000000"/>
-                      </a:solidFill>
-                      <a:prstDash val="solid"/>
-                      <a:round/>
-                      <a:headEnd type="none" w="med" len="med"/>
-                      <a:tailEnd type="none" w="med" len="med"/>
-                    </a:lnL>
-                    <a:lnR w="12700" cap="flat" cmpd="sng" algn="ctr">
-                      <a:solidFill>
-                        <a:srgbClr val="000000"/>
-                      </a:solidFill>
-                      <a:prstDash val="solid"/>
-                      <a:round/>
-                      <a:headEnd type="none" w="med" len="med"/>
-                      <a:tailEnd type="none" w="med" len="med"/>
-                    </a:lnR>
-                    <a:lnT w="12700" cap="flat" cmpd="sng" algn="ctr">
-                      <a:solidFill>
-                        <a:srgbClr val="000000"/>
-                      </a:solidFill>
-                      <a:prstDash val="solid"/>
-                      <a:round/>
-                      <a:headEnd type="none" w="med" len="med"/>
-                      <a:tailEnd type="none" w="med" len="med"/>
-                    </a:lnT>
-                    <a:lnB w="12700" cap="flat" cmpd="sng" algn="ctr">
-                      <a:solidFill>
-                        <a:srgbClr val="000000"/>
-                      </a:solidFill>
-                      <a:prstDash val="solid"/>
-                      <a:round/>
-                      <a:headEnd type="none" w="med" len="med"/>
-                      <a:tailEnd type="none" w="med" len="med"/>
-                    </a:lnB>
-                  </a:tcPr>
-                </a:tc>
-                <a:tc>
-                  <a:txBody>
-                    <a:bodyPr/>
-                    <a:lstStyle/>
-                    <a:p>
-                      <a:pPr algn="ctr">
-                        <a:lnSpc>
-                          <a:spcPct val="107000"/>
-                        </a:lnSpc>
-                        <a:spcAft>
-                          <a:spcPts val="0"/>
-                        </a:spcAft>
-                      </a:pPr>
-                      <a:r>
-                        <a:rPr lang="es-ES" sz="1200" dirty="0">
-                          <a:effectLst/>
-                          <a:latin typeface="Century Gothic" panose="020B0502020202020204" pitchFamily="34" charset="0"/>
-                          <a:ea typeface="Calibri" panose="020F0502020204030204" pitchFamily="34" charset="0"/>
-                          <a:cs typeface="Times New Roman" panose="02020603050405020304" pitchFamily="18" charset="0"/>
-                        </a:rPr>
-                        <a:t>7</a:t>
-                      </a:r>
-                    </a:p>
-                  </a:txBody>
-                  <a:tcPr marL="68580" marR="68580" marT="0" marB="0">
-                    <a:lnL w="12700" cap="flat" cmpd="sng" algn="ctr">
-                      <a:solidFill>
-                        <a:srgbClr val="000000"/>
-                      </a:solidFill>
-                      <a:prstDash val="solid"/>
-                      <a:round/>
-                      <a:headEnd type="none" w="med" len="med"/>
-                      <a:tailEnd type="none" w="med" len="med"/>
-                    </a:lnL>
-                    <a:lnR w="12700" cap="flat" cmpd="sng" algn="ctr">
-                      <a:solidFill>
-                        <a:srgbClr val="000000"/>
-                      </a:solidFill>
-                      <a:prstDash val="solid"/>
-                      <a:round/>
-                      <a:headEnd type="none" w="med" len="med"/>
-                      <a:tailEnd type="none" w="med" len="med"/>
-                    </a:lnR>
-                    <a:lnT w="12700" cap="flat" cmpd="sng" algn="ctr">
-                      <a:solidFill>
-                        <a:srgbClr val="000000"/>
-                      </a:solidFill>
-                      <a:prstDash val="solid"/>
-                      <a:round/>
-                      <a:headEnd type="none" w="med" len="med"/>
-                      <a:tailEnd type="none" w="med" len="med"/>
-                    </a:lnT>
-                    <a:lnB w="12700" cap="flat" cmpd="sng" algn="ctr">
-                      <a:solidFill>
-                        <a:srgbClr val="000000"/>
-                      </a:solidFill>
-                      <a:prstDash val="solid"/>
-                      <a:round/>
-                      <a:headEnd type="none" w="med" len="med"/>
-                      <a:tailEnd type="none" w="med" len="med"/>
-                    </a:lnB>
-                  </a:tcPr>
-                </a:tc>
-                <a:tc>
-                  <a:txBody>
-                    <a:bodyPr/>
-                    <a:lstStyle/>
-                    <a:p>
-                      <a:pPr algn="ctr">
-                        <a:lnSpc>
-                          <a:spcPct val="107000"/>
-                        </a:lnSpc>
-                        <a:spcAft>
-                          <a:spcPts val="0"/>
-                        </a:spcAft>
-                      </a:pPr>
-                      <a:r>
-                        <a:rPr lang="es-ES" sz="1200">
-                          <a:effectLst/>
-                          <a:latin typeface="Century Gothic" panose="020B0502020202020204" pitchFamily="34" charset="0"/>
-                          <a:ea typeface="Calibri" panose="020F0502020204030204" pitchFamily="34" charset="0"/>
-                          <a:cs typeface="Times New Roman" panose="02020603050405020304" pitchFamily="18" charset="0"/>
-                        </a:rPr>
-                        <a:t>7</a:t>
-                      </a:r>
-                    </a:p>
-                  </a:txBody>
-                  <a:tcPr marL="68580" marR="68580" marT="0" marB="0">
-                    <a:lnL w="12700" cap="flat" cmpd="sng" algn="ctr">
-                      <a:solidFill>
-                        <a:srgbClr val="000000"/>
-                      </a:solidFill>
-                      <a:prstDash val="solid"/>
-                      <a:round/>
-                      <a:headEnd type="none" w="med" len="med"/>
-                      <a:tailEnd type="none" w="med" len="med"/>
-                    </a:lnL>
-                    <a:lnR w="12700" cap="flat" cmpd="sng" algn="ctr">
-                      <a:solidFill>
-                        <a:srgbClr val="000000"/>
-                      </a:solidFill>
-                      <a:prstDash val="solid"/>
-                      <a:round/>
-                      <a:headEnd type="none" w="med" len="med"/>
-                      <a:tailEnd type="none" w="med" len="med"/>
-                    </a:lnR>
-                    <a:lnT w="12700" cap="flat" cmpd="sng" algn="ctr">
-                      <a:solidFill>
-                        <a:srgbClr val="000000"/>
-                      </a:solidFill>
-                      <a:prstDash val="solid"/>
-                      <a:round/>
-                      <a:headEnd type="none" w="med" len="med"/>
-                      <a:tailEnd type="none" w="med" len="med"/>
-                    </a:lnT>
-                    <a:lnB w="12700" cap="flat" cmpd="sng" algn="ctr">
-                      <a:solidFill>
-                        <a:srgbClr val="000000"/>
-                      </a:solidFill>
-                      <a:prstDash val="solid"/>
-                      <a:round/>
-                      <a:headEnd type="none" w="med" len="med"/>
-                      <a:tailEnd type="none" w="med" len="med"/>
-                    </a:lnB>
-                  </a:tcPr>
-                </a:tc>
-                <a:tc>
-                  <a:txBody>
-                    <a:bodyPr/>
-                    <a:lstStyle/>
-                    <a:p>
-                      <a:pPr algn="ctr">
-                        <a:lnSpc>
-                          <a:spcPct val="107000"/>
-                        </a:lnSpc>
-                        <a:spcAft>
-                          <a:spcPts val="0"/>
-                        </a:spcAft>
-                      </a:pPr>
-                      <a:r>
-                        <a:rPr lang="es-ES" sz="1200" dirty="0">
-                          <a:effectLst/>
-                          <a:latin typeface="Century Gothic" panose="020B0502020202020204" pitchFamily="34" charset="0"/>
-                          <a:ea typeface="Calibri" panose="020F0502020204030204" pitchFamily="34" charset="0"/>
-                          <a:cs typeface="Times New Roman" panose="02020603050405020304" pitchFamily="18" charset="0"/>
-                        </a:rPr>
-                        <a:t>Yii2 es más fácil de usar que Laravel</a:t>
-                      </a:r>
-                    </a:p>
-                  </a:txBody>
-                  <a:tcPr marL="68580" marR="68580" marT="0" marB="0">
-                    <a:lnL w="12700" cap="flat" cmpd="sng" algn="ctr">
-                      <a:solidFill>
-                        <a:srgbClr val="000000"/>
-                      </a:solidFill>
-                      <a:prstDash val="solid"/>
-                      <a:round/>
-                      <a:headEnd type="none" w="med" len="med"/>
-                      <a:tailEnd type="none" w="med" len="med"/>
-                    </a:lnL>
-                    <a:lnR w="12700" cap="flat" cmpd="sng" algn="ctr">
-                      <a:solidFill>
-                        <a:srgbClr val="000000"/>
-                      </a:solidFill>
-                      <a:prstDash val="solid"/>
-                      <a:round/>
-                      <a:headEnd type="none" w="med" len="med"/>
-                      <a:tailEnd type="none" w="med" len="med"/>
-                    </a:lnR>
-                    <a:lnT w="12700" cap="flat" cmpd="sng" algn="ctr">
-                      <a:solidFill>
-                        <a:srgbClr val="000000"/>
-                      </a:solidFill>
-                      <a:prstDash val="solid"/>
-                      <a:round/>
-                      <a:headEnd type="none" w="med" len="med"/>
-                      <a:tailEnd type="none" w="med" len="med"/>
-                    </a:lnT>
-                    <a:lnB w="12700" cap="flat" cmpd="sng" algn="ctr">
-                      <a:solidFill>
-                        <a:srgbClr val="000000"/>
-                      </a:solidFill>
-                      <a:prstDash val="solid"/>
-                      <a:round/>
-                      <a:headEnd type="none" w="med" len="med"/>
-                      <a:tailEnd type="none" w="med" len="med"/>
-                    </a:lnB>
-                  </a:tcPr>
-                </a:tc>
-                <a:extLst>
-                  <a:ext uri="{0D108BD9-81ED-4DB2-BD59-A6C34878D82A}">
-                    <a16:rowId xmlns:a16="http://schemas.microsoft.com/office/drawing/2014/main" val="3153829384"/>
-                  </a:ext>
-                </a:extLst>
-              </a:tr>
-            </a:tbl>
-          </a:graphicData>
-        </a:graphic>
-      </p:graphicFrame>
-      <p:pic>
-        <p:nvPicPr>
-          <p:cNvPr id="4" name="Imagen 3">
-            <a:extLst>
-              <a:ext uri="{FF2B5EF4-FFF2-40B4-BE49-F238E27FC236}">
-                <a16:creationId xmlns:a16="http://schemas.microsoft.com/office/drawing/2014/main" id="{F799EF45-0D74-470F-8A93-CED81A3534AC}"/>
+                <a16:creationId xmlns:a16="http://schemas.microsoft.com/office/drawing/2014/main" id="{E58F8676-6B27-4826-AE88-C262203EBA0D}"/>
               </a:ext>
             </a:extLst>
           </p:cNvPr>
@@ -11270,8 +5973,8 @@
         </p:blipFill>
         <p:spPr>
           <a:xfrm>
-            <a:off x="5831676" y="1756064"/>
-            <a:ext cx="992590" cy="992590"/>
+            <a:off x="10177669" y="197126"/>
+            <a:ext cx="1860274" cy="1860274"/>
           </a:xfrm>
           <a:prstGeom prst="rect">
             <a:avLst/>
@@ -11283,13 +5986,11 @@
           <p:cNvPr id="5" name="Imagen 4">
             <a:extLst>
               <a:ext uri="{FF2B5EF4-FFF2-40B4-BE49-F238E27FC236}">
-                <a16:creationId xmlns:a16="http://schemas.microsoft.com/office/drawing/2014/main" id="{EA5B8F7D-2C50-44D8-92DC-6186FD98A770}"/>
+                <a16:creationId xmlns:a16="http://schemas.microsoft.com/office/drawing/2014/main" id="{4428B5DD-8DF0-4F5B-AB55-540DE82B0627}"/>
               </a:ext>
             </a:extLst>
           </p:cNvPr>
-          <p:cNvPicPr>
-            <a:picLocks noChangeAspect="1"/>
-          </p:cNvPicPr>
+          <p:cNvPicPr/>
           <p:nvPr/>
         </p:nvPicPr>
         <p:blipFill>
@@ -11300,8 +6001,8 @@
         </p:blipFill>
         <p:spPr>
           <a:xfrm>
-            <a:off x="3737129" y="1756064"/>
-            <a:ext cx="989574" cy="992591"/>
+            <a:off x="3000071" y="2057400"/>
+            <a:ext cx="8319770" cy="4668879"/>
           </a:xfrm>
           <a:prstGeom prst="rect">
             <a:avLst/>
@@ -11311,7 +6012,7 @@
     </p:spTree>
     <p:extLst>
       <p:ext uri="{BB962C8B-B14F-4D97-AF65-F5344CB8AC3E}">
-        <p14:creationId xmlns:p14="http://schemas.microsoft.com/office/powerpoint/2010/main" val="1306241248"/>
+        <p14:creationId xmlns:p14="http://schemas.microsoft.com/office/powerpoint/2010/main" val="2812627336"/>
       </p:ext>
     </p:extLst>
   </p:cSld>
@@ -11454,6 +6155,3210 @@
 </file>
 
 <file path=ppt/slides/slide20.xml><?xml version="1.0" encoding="utf-8"?>
+<p:sld xmlns:a="http://schemas.openxmlformats.org/drawingml/2006/main" xmlns:r="http://schemas.openxmlformats.org/officeDocument/2006/relationships" xmlns:p="http://schemas.openxmlformats.org/presentationml/2006/main">
+  <p:cSld>
+    <p:bg>
+      <p:bgPr>
+        <a:solidFill>
+          <a:srgbClr val="EBF1F5"/>
+        </a:solidFill>
+        <a:effectLst/>
+      </p:bgPr>
+    </p:bg>
+    <p:spTree>
+      <p:nvGrpSpPr>
+        <p:cNvPr id="1" name=""/>
+        <p:cNvGrpSpPr/>
+        <p:nvPr/>
+      </p:nvGrpSpPr>
+      <p:grpSpPr>
+        <a:xfrm>
+          <a:off x="0" y="0"/>
+          <a:ext cx="0" cy="0"/>
+          <a:chOff x="0" y="0"/>
+          <a:chExt cx="0" cy="0"/>
+        </a:xfrm>
+      </p:grpSpPr>
+      <p:sp>
+        <p:nvSpPr>
+          <p:cNvPr id="2" name="Título 1">
+            <a:extLst>
+              <a:ext uri="{FF2B5EF4-FFF2-40B4-BE49-F238E27FC236}">
+                <a16:creationId xmlns:a16="http://schemas.microsoft.com/office/drawing/2014/main" id="{0C7E543A-8DFC-45E7-A715-ABC32566D44D}"/>
+              </a:ext>
+            </a:extLst>
+          </p:cNvPr>
+          <p:cNvSpPr>
+            <a:spLocks noGrp="1"/>
+          </p:cNvSpPr>
+          <p:nvPr>
+            <p:ph type="title"/>
+          </p:nvPr>
+        </p:nvSpPr>
+        <p:spPr>
+          <a:xfrm>
+            <a:off x="982979" y="571500"/>
+            <a:ext cx="11209021" cy="1485900"/>
+          </a:xfrm>
+        </p:spPr>
+        <p:txBody>
+          <a:bodyPr>
+            <a:normAutofit fontScale="90000"/>
+          </a:bodyPr>
+          <a:lstStyle/>
+          <a:p>
+            <a:r>
+              <a:rPr lang="es-ES" b="1" dirty="0">
+                <a:latin typeface="Century Gothic" panose="020B0502020202020204" pitchFamily="34" charset="0"/>
+              </a:rPr>
+              <a:t>Comparación de las dos implementaciones</a:t>
+            </a:r>
+            <a:br>
+              <a:rPr lang="es-ES" b="1" dirty="0">
+                <a:latin typeface="Century Gothic" panose="020B0502020202020204" pitchFamily="34" charset="0"/>
+              </a:rPr>
+            </a:br>
+            <a:br>
+              <a:rPr lang="es-ES" b="1" dirty="0">
+                <a:latin typeface="Century Gothic" panose="020B0502020202020204" pitchFamily="34" charset="0"/>
+              </a:rPr>
+            </a:br>
+            <a:br>
+              <a:rPr lang="es-ES" b="1" dirty="0">
+                <a:latin typeface="Century Gothic" panose="020B0502020202020204" pitchFamily="34" charset="0"/>
+              </a:rPr>
+            </a:br>
+            <a:endParaRPr lang="es-ES_tradnl" b="1" dirty="0">
+              <a:latin typeface="Century Gothic" panose="020B0502020202020204" pitchFamily="34" charset="0"/>
+            </a:endParaRPr>
+          </a:p>
+        </p:txBody>
+      </p:sp>
+      <p:graphicFrame>
+        <p:nvGraphicFramePr>
+          <p:cNvPr id="3" name="Tabla 2">
+            <a:extLst>
+              <a:ext uri="{FF2B5EF4-FFF2-40B4-BE49-F238E27FC236}">
+                <a16:creationId xmlns:a16="http://schemas.microsoft.com/office/drawing/2014/main" id="{1E508B38-B6A8-4688-9139-C18101E210D9}"/>
+              </a:ext>
+            </a:extLst>
+          </p:cNvPr>
+          <p:cNvGraphicFramePr>
+            <a:graphicFrameLocks noGrp="1"/>
+          </p:cNvGraphicFramePr>
+          <p:nvPr>
+            <p:extLst>
+              <p:ext uri="{D42A27DB-BD31-4B8C-83A1-F6EECF244321}">
+                <p14:modId xmlns:p14="http://schemas.microsoft.com/office/powerpoint/2010/main" val="1858372120"/>
+              </p:ext>
+            </p:extLst>
+          </p:nvPr>
+        </p:nvGraphicFramePr>
+        <p:xfrm>
+          <a:off x="1800664" y="1814732"/>
+          <a:ext cx="8832433" cy="4751639"/>
+        </p:xfrm>
+        <a:graphic>
+          <a:graphicData uri="http://schemas.openxmlformats.org/drawingml/2006/table">
+            <a:tbl>
+              <a:tblPr firstRow="1" firstCol="1" bandRow="1">
+                <a:tableStyleId>{FABFCF23-3B69-468F-B69F-88F6DE6A72F2}</a:tableStyleId>
+              </a:tblPr>
+              <a:tblGrid>
+                <a:gridCol w="2058890">
+                  <a:extLst>
+                    <a:ext uri="{9D8B030D-6E8A-4147-A177-3AD203B41FA5}">
+                      <a16:colId xmlns:a16="http://schemas.microsoft.com/office/drawing/2014/main" val="274569297"/>
+                    </a:ext>
+                  </a:extLst>
+                </a:gridCol>
+                <a:gridCol w="6773543">
+                  <a:extLst>
+                    <a:ext uri="{9D8B030D-6E8A-4147-A177-3AD203B41FA5}">
+                      <a16:colId xmlns:a16="http://schemas.microsoft.com/office/drawing/2014/main" val="3420508181"/>
+                    </a:ext>
+                  </a:extLst>
+                </a:gridCol>
+              </a:tblGrid>
+              <a:tr h="443118">
+                <a:tc>
+                  <a:txBody>
+                    <a:bodyPr/>
+                    <a:lstStyle/>
+                    <a:p>
+                      <a:pPr algn="ctr">
+                        <a:lnSpc>
+                          <a:spcPct val="107000"/>
+                        </a:lnSpc>
+                        <a:spcAft>
+                          <a:spcPts val="0"/>
+                        </a:spcAft>
+                      </a:pPr>
+                      <a:r>
+                        <a:rPr lang="es-ES" sz="1800" dirty="0">
+                          <a:effectLst/>
+                          <a:latin typeface="Century Gothic" panose="020B0502020202020204" pitchFamily="34" charset="0"/>
+                        </a:rPr>
+                        <a:t>CRITERIO</a:t>
+                      </a:r>
+                      <a:endParaRPr lang="es-ES" sz="1800" dirty="0">
+                        <a:effectLst/>
+                        <a:latin typeface="Century Gothic" panose="020B0502020202020204" pitchFamily="34" charset="0"/>
+                        <a:ea typeface="Calibri" panose="020F0502020204030204" pitchFamily="34" charset="0"/>
+                        <a:cs typeface="Times New Roman" panose="02020603050405020304" pitchFamily="18" charset="0"/>
+                      </a:endParaRPr>
+                    </a:p>
+                  </a:txBody>
+                  <a:tcPr marL="68580" marR="68580" marT="0" marB="0" anchor="ctr"/>
+                </a:tc>
+                <a:tc>
+                  <a:txBody>
+                    <a:bodyPr/>
+                    <a:lstStyle/>
+                    <a:p>
+                      <a:pPr algn="ctr">
+                        <a:lnSpc>
+                          <a:spcPct val="107000"/>
+                        </a:lnSpc>
+                        <a:spcAft>
+                          <a:spcPts val="0"/>
+                        </a:spcAft>
+                      </a:pPr>
+                      <a:r>
+                        <a:rPr lang="es-ES" sz="1800" dirty="0">
+                          <a:effectLst/>
+                          <a:latin typeface="Century Gothic" panose="020B0502020202020204" pitchFamily="34" charset="0"/>
+                        </a:rPr>
+                        <a:t>EVALUACIÓN</a:t>
+                      </a:r>
+                      <a:endParaRPr lang="es-ES" sz="1800" dirty="0">
+                        <a:effectLst/>
+                        <a:latin typeface="Century Gothic" panose="020B0502020202020204" pitchFamily="34" charset="0"/>
+                        <a:ea typeface="Calibri" panose="020F0502020204030204" pitchFamily="34" charset="0"/>
+                        <a:cs typeface="Times New Roman" panose="02020603050405020304" pitchFamily="18" charset="0"/>
+                      </a:endParaRPr>
+                    </a:p>
+                  </a:txBody>
+                  <a:tcPr marL="68580" marR="68580" marT="0" marB="0" anchor="ctr"/>
+                </a:tc>
+                <a:extLst>
+                  <a:ext uri="{0D108BD9-81ED-4DB2-BD59-A6C34878D82A}">
+                    <a16:rowId xmlns:a16="http://schemas.microsoft.com/office/drawing/2014/main" val="2802450688"/>
+                  </a:ext>
+                </a:extLst>
+              </a:tr>
+              <a:tr h="443118">
+                <a:tc>
+                  <a:txBody>
+                    <a:bodyPr/>
+                    <a:lstStyle/>
+                    <a:p>
+                      <a:pPr algn="ctr">
+                        <a:lnSpc>
+                          <a:spcPct val="107000"/>
+                        </a:lnSpc>
+                        <a:spcAft>
+                          <a:spcPts val="0"/>
+                        </a:spcAft>
+                      </a:pPr>
+                      <a:r>
+                        <a:rPr lang="es-ES" sz="1800" dirty="0">
+                          <a:effectLst/>
+                          <a:latin typeface="Century Gothic" panose="020B0502020202020204" pitchFamily="34" charset="0"/>
+                        </a:rPr>
+                        <a:t>Criterio 1</a:t>
+                      </a:r>
+                      <a:endParaRPr lang="es-ES" sz="1800" dirty="0">
+                        <a:effectLst/>
+                        <a:latin typeface="Century Gothic" panose="020B0502020202020204" pitchFamily="34" charset="0"/>
+                        <a:ea typeface="Calibri" panose="020F0502020204030204" pitchFamily="34" charset="0"/>
+                        <a:cs typeface="Times New Roman" panose="02020603050405020304" pitchFamily="18" charset="0"/>
+                      </a:endParaRPr>
+                    </a:p>
+                  </a:txBody>
+                  <a:tcPr marL="68580" marR="68580" marT="0" marB="0" anchor="ctr"/>
+                </a:tc>
+                <a:tc>
+                  <a:txBody>
+                    <a:bodyPr/>
+                    <a:lstStyle/>
+                    <a:p>
+                      <a:pPr algn="just">
+                        <a:lnSpc>
+                          <a:spcPct val="107000"/>
+                        </a:lnSpc>
+                        <a:spcAft>
+                          <a:spcPts val="0"/>
+                        </a:spcAft>
+                      </a:pPr>
+                      <a:r>
+                        <a:rPr lang="es-ES" sz="1800" dirty="0">
+                          <a:effectLst/>
+                          <a:latin typeface="Century Gothic" panose="020B0502020202020204" pitchFamily="34" charset="0"/>
+                        </a:rPr>
+                        <a:t>6 horas, un poco complejo, pero lo que necesitamos es sencillo.</a:t>
+                      </a:r>
+                      <a:endParaRPr lang="es-ES" sz="1800" dirty="0">
+                        <a:effectLst/>
+                        <a:latin typeface="Century Gothic" panose="020B0502020202020204" pitchFamily="34" charset="0"/>
+                        <a:ea typeface="Calibri" panose="020F0502020204030204" pitchFamily="34" charset="0"/>
+                        <a:cs typeface="Times New Roman" panose="02020603050405020304" pitchFamily="18" charset="0"/>
+                      </a:endParaRPr>
+                    </a:p>
+                  </a:txBody>
+                  <a:tcPr marL="68580" marR="68580" marT="0" marB="0" anchor="ctr"/>
+                </a:tc>
+                <a:extLst>
+                  <a:ext uri="{0D108BD9-81ED-4DB2-BD59-A6C34878D82A}">
+                    <a16:rowId xmlns:a16="http://schemas.microsoft.com/office/drawing/2014/main" val="1477922633"/>
+                  </a:ext>
+                </a:extLst>
+              </a:tr>
+              <a:tr h="443118">
+                <a:tc>
+                  <a:txBody>
+                    <a:bodyPr/>
+                    <a:lstStyle/>
+                    <a:p>
+                      <a:pPr algn="ctr">
+                        <a:lnSpc>
+                          <a:spcPct val="107000"/>
+                        </a:lnSpc>
+                        <a:spcAft>
+                          <a:spcPts val="0"/>
+                        </a:spcAft>
+                      </a:pPr>
+                      <a:r>
+                        <a:rPr lang="es-ES" sz="1800">
+                          <a:effectLst/>
+                          <a:latin typeface="Century Gothic" panose="020B0502020202020204" pitchFamily="34" charset="0"/>
+                        </a:rPr>
+                        <a:t>Criterio 2</a:t>
+                      </a:r>
+                      <a:endParaRPr lang="es-ES" sz="1800">
+                        <a:effectLst/>
+                        <a:latin typeface="Century Gothic" panose="020B0502020202020204" pitchFamily="34" charset="0"/>
+                        <a:ea typeface="Calibri" panose="020F0502020204030204" pitchFamily="34" charset="0"/>
+                        <a:cs typeface="Times New Roman" panose="02020603050405020304" pitchFamily="18" charset="0"/>
+                      </a:endParaRPr>
+                    </a:p>
+                  </a:txBody>
+                  <a:tcPr marL="68580" marR="68580" marT="0" marB="0" anchor="ctr"/>
+                </a:tc>
+                <a:tc>
+                  <a:txBody>
+                    <a:bodyPr/>
+                    <a:lstStyle/>
+                    <a:p>
+                      <a:pPr algn="just">
+                        <a:lnSpc>
+                          <a:spcPct val="107000"/>
+                        </a:lnSpc>
+                        <a:spcAft>
+                          <a:spcPts val="0"/>
+                        </a:spcAft>
+                      </a:pPr>
+                      <a:r>
+                        <a:rPr lang="es-ES" sz="1800" dirty="0">
+                          <a:effectLst/>
+                          <a:latin typeface="Century Gothic" panose="020B0502020202020204" pitchFamily="34" charset="0"/>
+                        </a:rPr>
+                        <a:t>3 horas.</a:t>
+                      </a:r>
+                      <a:endParaRPr lang="es-ES" sz="1800" dirty="0">
+                        <a:effectLst/>
+                        <a:latin typeface="Century Gothic" panose="020B0502020202020204" pitchFamily="34" charset="0"/>
+                        <a:ea typeface="Calibri" panose="020F0502020204030204" pitchFamily="34" charset="0"/>
+                        <a:cs typeface="Times New Roman" panose="02020603050405020304" pitchFamily="18" charset="0"/>
+                      </a:endParaRPr>
+                    </a:p>
+                  </a:txBody>
+                  <a:tcPr marL="68580" marR="68580" marT="0" marB="0" anchor="ctr"/>
+                </a:tc>
+                <a:extLst>
+                  <a:ext uri="{0D108BD9-81ED-4DB2-BD59-A6C34878D82A}">
+                    <a16:rowId xmlns:a16="http://schemas.microsoft.com/office/drawing/2014/main" val="650985604"/>
+                  </a:ext>
+                </a:extLst>
+              </a:tr>
+              <a:tr h="443118">
+                <a:tc>
+                  <a:txBody>
+                    <a:bodyPr/>
+                    <a:lstStyle/>
+                    <a:p>
+                      <a:pPr algn="ctr">
+                        <a:lnSpc>
+                          <a:spcPct val="107000"/>
+                        </a:lnSpc>
+                        <a:spcAft>
+                          <a:spcPts val="0"/>
+                        </a:spcAft>
+                      </a:pPr>
+                      <a:r>
+                        <a:rPr lang="es-ES" sz="1800" dirty="0">
+                          <a:effectLst/>
+                          <a:latin typeface="Century Gothic" panose="020B0502020202020204" pitchFamily="34" charset="0"/>
+                        </a:rPr>
+                        <a:t>Criterio 3</a:t>
+                      </a:r>
+                      <a:endParaRPr lang="es-ES" sz="1800" dirty="0">
+                        <a:effectLst/>
+                        <a:latin typeface="Century Gothic" panose="020B0502020202020204" pitchFamily="34" charset="0"/>
+                        <a:ea typeface="Calibri" panose="020F0502020204030204" pitchFamily="34" charset="0"/>
+                        <a:cs typeface="Times New Roman" panose="02020603050405020304" pitchFamily="18" charset="0"/>
+                      </a:endParaRPr>
+                    </a:p>
+                  </a:txBody>
+                  <a:tcPr marL="68580" marR="68580" marT="0" marB="0" anchor="ctr"/>
+                </a:tc>
+                <a:tc>
+                  <a:txBody>
+                    <a:bodyPr/>
+                    <a:lstStyle/>
+                    <a:p>
+                      <a:pPr algn="just">
+                        <a:lnSpc>
+                          <a:spcPct val="107000"/>
+                        </a:lnSpc>
+                        <a:spcAft>
+                          <a:spcPts val="0"/>
+                        </a:spcAft>
+                      </a:pPr>
+                      <a:r>
+                        <a:rPr lang="es-ES" sz="1800">
+                          <a:effectLst/>
+                          <a:latin typeface="Century Gothic" panose="020B0502020202020204" pitchFamily="34" charset="0"/>
+                        </a:rPr>
+                        <a:t>5, solo hemos implementado dos roles.</a:t>
+                      </a:r>
+                      <a:endParaRPr lang="es-ES" sz="1800">
+                        <a:effectLst/>
+                        <a:latin typeface="Century Gothic" panose="020B0502020202020204" pitchFamily="34" charset="0"/>
+                        <a:ea typeface="Calibri" panose="020F0502020204030204" pitchFamily="34" charset="0"/>
+                        <a:cs typeface="Times New Roman" panose="02020603050405020304" pitchFamily="18" charset="0"/>
+                      </a:endParaRPr>
+                    </a:p>
+                  </a:txBody>
+                  <a:tcPr marL="68580" marR="68580" marT="0" marB="0" anchor="ctr"/>
+                </a:tc>
+                <a:extLst>
+                  <a:ext uri="{0D108BD9-81ED-4DB2-BD59-A6C34878D82A}">
+                    <a16:rowId xmlns:a16="http://schemas.microsoft.com/office/drawing/2014/main" val="2196047733"/>
+                  </a:ext>
+                </a:extLst>
+              </a:tr>
+              <a:tr h="443118">
+                <a:tc>
+                  <a:txBody>
+                    <a:bodyPr/>
+                    <a:lstStyle/>
+                    <a:p>
+                      <a:pPr algn="ctr">
+                        <a:lnSpc>
+                          <a:spcPct val="107000"/>
+                        </a:lnSpc>
+                        <a:spcAft>
+                          <a:spcPts val="0"/>
+                        </a:spcAft>
+                      </a:pPr>
+                      <a:r>
+                        <a:rPr lang="es-ES" sz="1800">
+                          <a:effectLst/>
+                          <a:latin typeface="Century Gothic" panose="020B0502020202020204" pitchFamily="34" charset="0"/>
+                        </a:rPr>
+                        <a:t>Criterio 4</a:t>
+                      </a:r>
+                      <a:endParaRPr lang="es-ES" sz="1800">
+                        <a:effectLst/>
+                        <a:latin typeface="Century Gothic" panose="020B0502020202020204" pitchFamily="34" charset="0"/>
+                        <a:ea typeface="Calibri" panose="020F0502020204030204" pitchFamily="34" charset="0"/>
+                        <a:cs typeface="Times New Roman" panose="02020603050405020304" pitchFamily="18" charset="0"/>
+                      </a:endParaRPr>
+                    </a:p>
+                  </a:txBody>
+                  <a:tcPr marL="68580" marR="68580" marT="0" marB="0" anchor="ctr"/>
+                </a:tc>
+                <a:tc>
+                  <a:txBody>
+                    <a:bodyPr/>
+                    <a:lstStyle/>
+                    <a:p>
+                      <a:pPr algn="just">
+                        <a:lnSpc>
+                          <a:spcPct val="107000"/>
+                        </a:lnSpc>
+                        <a:spcAft>
+                          <a:spcPts val="0"/>
+                        </a:spcAft>
+                      </a:pPr>
+                      <a:r>
+                        <a:rPr lang="es-ES" sz="1800">
+                          <a:effectLst/>
+                          <a:latin typeface="Century Gothic" panose="020B0502020202020204" pitchFamily="34" charset="0"/>
+                        </a:rPr>
+                        <a:t>Si</a:t>
+                      </a:r>
+                      <a:endParaRPr lang="es-ES" sz="1800">
+                        <a:effectLst/>
+                        <a:latin typeface="Century Gothic" panose="020B0502020202020204" pitchFamily="34" charset="0"/>
+                        <a:ea typeface="Calibri" panose="020F0502020204030204" pitchFamily="34" charset="0"/>
+                        <a:cs typeface="Times New Roman" panose="02020603050405020304" pitchFamily="18" charset="0"/>
+                      </a:endParaRPr>
+                    </a:p>
+                  </a:txBody>
+                  <a:tcPr marL="68580" marR="68580" marT="0" marB="0" anchor="ctr"/>
+                </a:tc>
+                <a:extLst>
+                  <a:ext uri="{0D108BD9-81ED-4DB2-BD59-A6C34878D82A}">
+                    <a16:rowId xmlns:a16="http://schemas.microsoft.com/office/drawing/2014/main" val="3220072175"/>
+                  </a:ext>
+                </a:extLst>
+              </a:tr>
+              <a:tr h="443118">
+                <a:tc>
+                  <a:txBody>
+                    <a:bodyPr/>
+                    <a:lstStyle/>
+                    <a:p>
+                      <a:pPr algn="ctr">
+                        <a:lnSpc>
+                          <a:spcPct val="107000"/>
+                        </a:lnSpc>
+                        <a:spcAft>
+                          <a:spcPts val="0"/>
+                        </a:spcAft>
+                      </a:pPr>
+                      <a:r>
+                        <a:rPr lang="es-ES" sz="1800">
+                          <a:effectLst/>
+                          <a:latin typeface="Century Gothic" panose="020B0502020202020204" pitchFamily="34" charset="0"/>
+                        </a:rPr>
+                        <a:t>Criterio 5</a:t>
+                      </a:r>
+                      <a:endParaRPr lang="es-ES" sz="1800">
+                        <a:effectLst/>
+                        <a:latin typeface="Century Gothic" panose="020B0502020202020204" pitchFamily="34" charset="0"/>
+                        <a:ea typeface="Calibri" panose="020F0502020204030204" pitchFamily="34" charset="0"/>
+                        <a:cs typeface="Times New Roman" panose="02020603050405020304" pitchFamily="18" charset="0"/>
+                      </a:endParaRPr>
+                    </a:p>
+                  </a:txBody>
+                  <a:tcPr marL="68580" marR="68580" marT="0" marB="0" anchor="ctr"/>
+                </a:tc>
+                <a:tc>
+                  <a:txBody>
+                    <a:bodyPr/>
+                    <a:lstStyle/>
+                    <a:p>
+                      <a:pPr algn="just">
+                        <a:lnSpc>
+                          <a:spcPct val="107000"/>
+                        </a:lnSpc>
+                        <a:spcAft>
+                          <a:spcPts val="0"/>
+                        </a:spcAft>
+                      </a:pPr>
+                      <a:r>
+                        <a:rPr lang="es-ES" sz="1800">
+                          <a:effectLst/>
+                          <a:latin typeface="Century Gothic" panose="020B0502020202020204" pitchFamily="34" charset="0"/>
+                        </a:rPr>
+                        <a:t>No</a:t>
+                      </a:r>
+                      <a:endParaRPr lang="es-ES" sz="1800">
+                        <a:effectLst/>
+                        <a:latin typeface="Century Gothic" panose="020B0502020202020204" pitchFamily="34" charset="0"/>
+                        <a:ea typeface="Calibri" panose="020F0502020204030204" pitchFamily="34" charset="0"/>
+                        <a:cs typeface="Times New Roman" panose="02020603050405020304" pitchFamily="18" charset="0"/>
+                      </a:endParaRPr>
+                    </a:p>
+                  </a:txBody>
+                  <a:tcPr marL="68580" marR="68580" marT="0" marB="0" anchor="ctr"/>
+                </a:tc>
+                <a:extLst>
+                  <a:ext uri="{0D108BD9-81ED-4DB2-BD59-A6C34878D82A}">
+                    <a16:rowId xmlns:a16="http://schemas.microsoft.com/office/drawing/2014/main" val="2412690105"/>
+                  </a:ext>
+                </a:extLst>
+              </a:tr>
+              <a:tr h="443118">
+                <a:tc>
+                  <a:txBody>
+                    <a:bodyPr/>
+                    <a:lstStyle/>
+                    <a:p>
+                      <a:pPr algn="ctr">
+                        <a:lnSpc>
+                          <a:spcPct val="107000"/>
+                        </a:lnSpc>
+                        <a:spcAft>
+                          <a:spcPts val="0"/>
+                        </a:spcAft>
+                      </a:pPr>
+                      <a:r>
+                        <a:rPr lang="es-ES" sz="1800">
+                          <a:effectLst/>
+                          <a:latin typeface="Century Gothic" panose="020B0502020202020204" pitchFamily="34" charset="0"/>
+                        </a:rPr>
+                        <a:t>Criterio 6</a:t>
+                      </a:r>
+                      <a:endParaRPr lang="es-ES" sz="1800">
+                        <a:effectLst/>
+                        <a:latin typeface="Century Gothic" panose="020B0502020202020204" pitchFamily="34" charset="0"/>
+                        <a:ea typeface="Calibri" panose="020F0502020204030204" pitchFamily="34" charset="0"/>
+                        <a:cs typeface="Times New Roman" panose="02020603050405020304" pitchFamily="18" charset="0"/>
+                      </a:endParaRPr>
+                    </a:p>
+                  </a:txBody>
+                  <a:tcPr marL="68580" marR="68580" marT="0" marB="0" anchor="ctr"/>
+                </a:tc>
+                <a:tc>
+                  <a:txBody>
+                    <a:bodyPr/>
+                    <a:lstStyle/>
+                    <a:p>
+                      <a:pPr algn="just">
+                        <a:lnSpc>
+                          <a:spcPct val="107000"/>
+                        </a:lnSpc>
+                        <a:spcAft>
+                          <a:spcPts val="0"/>
+                        </a:spcAft>
+                      </a:pPr>
+                      <a:r>
+                        <a:rPr lang="es-ES" sz="1800" dirty="0">
+                          <a:effectLst/>
+                          <a:latin typeface="Century Gothic" panose="020B0502020202020204" pitchFamily="34" charset="0"/>
+                        </a:rPr>
+                        <a:t>4 horas.</a:t>
+                      </a:r>
+                      <a:endParaRPr lang="es-ES" sz="1800" dirty="0">
+                        <a:effectLst/>
+                        <a:latin typeface="Century Gothic" panose="020B0502020202020204" pitchFamily="34" charset="0"/>
+                        <a:ea typeface="Calibri" panose="020F0502020204030204" pitchFamily="34" charset="0"/>
+                        <a:cs typeface="Times New Roman" panose="02020603050405020304" pitchFamily="18" charset="0"/>
+                      </a:endParaRPr>
+                    </a:p>
+                  </a:txBody>
+                  <a:tcPr marL="68580" marR="68580" marT="0" marB="0" anchor="ctr"/>
+                </a:tc>
+                <a:extLst>
+                  <a:ext uri="{0D108BD9-81ED-4DB2-BD59-A6C34878D82A}">
+                    <a16:rowId xmlns:a16="http://schemas.microsoft.com/office/drawing/2014/main" val="2362418830"/>
+                  </a:ext>
+                </a:extLst>
+              </a:tr>
+              <a:tr h="443118">
+                <a:tc>
+                  <a:txBody>
+                    <a:bodyPr/>
+                    <a:lstStyle/>
+                    <a:p>
+                      <a:pPr algn="ctr">
+                        <a:lnSpc>
+                          <a:spcPct val="107000"/>
+                        </a:lnSpc>
+                        <a:spcAft>
+                          <a:spcPts val="0"/>
+                        </a:spcAft>
+                      </a:pPr>
+                      <a:r>
+                        <a:rPr lang="es-ES" sz="1800" dirty="0">
+                          <a:effectLst/>
+                          <a:latin typeface="Century Gothic" panose="020B0502020202020204" pitchFamily="34" charset="0"/>
+                        </a:rPr>
+                        <a:t>Criterio 7</a:t>
+                      </a:r>
+                      <a:endParaRPr lang="es-ES" sz="1800" dirty="0">
+                        <a:effectLst/>
+                        <a:latin typeface="Century Gothic" panose="020B0502020202020204" pitchFamily="34" charset="0"/>
+                        <a:ea typeface="Calibri" panose="020F0502020204030204" pitchFamily="34" charset="0"/>
+                        <a:cs typeface="Times New Roman" panose="02020603050405020304" pitchFamily="18" charset="0"/>
+                      </a:endParaRPr>
+                    </a:p>
+                  </a:txBody>
+                  <a:tcPr marL="68580" marR="68580" marT="0" marB="0" anchor="ctr"/>
+                </a:tc>
+                <a:tc>
+                  <a:txBody>
+                    <a:bodyPr/>
+                    <a:lstStyle/>
+                    <a:p>
+                      <a:pPr algn="just">
+                        <a:lnSpc>
+                          <a:spcPct val="107000"/>
+                        </a:lnSpc>
+                        <a:spcAft>
+                          <a:spcPts val="0"/>
+                        </a:spcAft>
+                      </a:pPr>
+                      <a:r>
+                        <a:rPr lang="es-ES" sz="1800">
+                          <a:effectLst/>
+                          <a:latin typeface="Century Gothic" panose="020B0502020202020204" pitchFamily="34" charset="0"/>
+                        </a:rPr>
+                        <a:t>75</a:t>
+                      </a:r>
+                      <a:endParaRPr lang="es-ES" sz="1800">
+                        <a:effectLst/>
+                        <a:latin typeface="Century Gothic" panose="020B0502020202020204" pitchFamily="34" charset="0"/>
+                        <a:ea typeface="Calibri" panose="020F0502020204030204" pitchFamily="34" charset="0"/>
+                        <a:cs typeface="Times New Roman" panose="02020603050405020304" pitchFamily="18" charset="0"/>
+                      </a:endParaRPr>
+                    </a:p>
+                  </a:txBody>
+                  <a:tcPr marL="68580" marR="68580" marT="0" marB="0" anchor="ctr"/>
+                </a:tc>
+                <a:extLst>
+                  <a:ext uri="{0D108BD9-81ED-4DB2-BD59-A6C34878D82A}">
+                    <a16:rowId xmlns:a16="http://schemas.microsoft.com/office/drawing/2014/main" val="3872613692"/>
+                  </a:ext>
+                </a:extLst>
+              </a:tr>
+              <a:tr h="642307">
+                <a:tc>
+                  <a:txBody>
+                    <a:bodyPr/>
+                    <a:lstStyle/>
+                    <a:p>
+                      <a:pPr algn="ctr">
+                        <a:lnSpc>
+                          <a:spcPct val="107000"/>
+                        </a:lnSpc>
+                        <a:spcAft>
+                          <a:spcPts val="0"/>
+                        </a:spcAft>
+                      </a:pPr>
+                      <a:r>
+                        <a:rPr lang="es-ES" sz="1800" dirty="0">
+                          <a:effectLst/>
+                          <a:latin typeface="Century Gothic" panose="020B0502020202020204" pitchFamily="34" charset="0"/>
+                        </a:rPr>
+                        <a:t>Criterio 8</a:t>
+                      </a:r>
+                      <a:endParaRPr lang="es-ES" sz="1800" dirty="0">
+                        <a:effectLst/>
+                        <a:latin typeface="Century Gothic" panose="020B0502020202020204" pitchFamily="34" charset="0"/>
+                        <a:ea typeface="Calibri" panose="020F0502020204030204" pitchFamily="34" charset="0"/>
+                        <a:cs typeface="Times New Roman" panose="02020603050405020304" pitchFamily="18" charset="0"/>
+                      </a:endParaRPr>
+                    </a:p>
+                  </a:txBody>
+                  <a:tcPr marL="68580" marR="68580" marT="0" marB="0" anchor="ctr"/>
+                </a:tc>
+                <a:tc>
+                  <a:txBody>
+                    <a:bodyPr/>
+                    <a:lstStyle/>
+                    <a:p>
+                      <a:pPr algn="just">
+                        <a:lnSpc>
+                          <a:spcPct val="107000"/>
+                        </a:lnSpc>
+                        <a:spcAft>
+                          <a:spcPts val="0"/>
+                        </a:spcAft>
+                      </a:pPr>
+                      <a:r>
+                        <a:rPr lang="es-ES" sz="1800" dirty="0">
+                          <a:effectLst/>
+                          <a:latin typeface="Century Gothic" panose="020B0502020202020204" pitchFamily="34" charset="0"/>
+                        </a:rPr>
+                        <a:t>Un pc, internet, un navegador, </a:t>
+                      </a:r>
+                      <a:r>
+                        <a:rPr lang="es-ES" sz="1800" dirty="0" err="1">
+                          <a:effectLst/>
+                          <a:latin typeface="Century Gothic" panose="020B0502020202020204" pitchFamily="34" charset="0"/>
+                        </a:rPr>
+                        <a:t>composer</a:t>
+                      </a:r>
+                      <a:r>
+                        <a:rPr lang="es-ES" sz="1800" dirty="0">
+                          <a:effectLst/>
+                          <a:latin typeface="Century Gothic" panose="020B0502020202020204" pitchFamily="34" charset="0"/>
+                        </a:rPr>
+                        <a:t>, documentación y un editor de código</a:t>
+                      </a:r>
+                      <a:endParaRPr lang="es-ES" sz="1800" dirty="0">
+                        <a:effectLst/>
+                        <a:latin typeface="Century Gothic" panose="020B0502020202020204" pitchFamily="34" charset="0"/>
+                        <a:ea typeface="Calibri" panose="020F0502020204030204" pitchFamily="34" charset="0"/>
+                        <a:cs typeface="Times New Roman" panose="02020603050405020304" pitchFamily="18" charset="0"/>
+                      </a:endParaRPr>
+                    </a:p>
+                  </a:txBody>
+                  <a:tcPr marL="68580" marR="68580" marT="0" marB="0" anchor="ctr"/>
+                </a:tc>
+                <a:extLst>
+                  <a:ext uri="{0D108BD9-81ED-4DB2-BD59-A6C34878D82A}">
+                    <a16:rowId xmlns:a16="http://schemas.microsoft.com/office/drawing/2014/main" val="2118735945"/>
+                  </a:ext>
+                </a:extLst>
+              </a:tr>
+              <a:tr h="443118">
+                <a:tc>
+                  <a:txBody>
+                    <a:bodyPr/>
+                    <a:lstStyle/>
+                    <a:p>
+                      <a:pPr algn="ctr">
+                        <a:lnSpc>
+                          <a:spcPct val="107000"/>
+                        </a:lnSpc>
+                        <a:spcAft>
+                          <a:spcPts val="0"/>
+                        </a:spcAft>
+                      </a:pPr>
+                      <a:r>
+                        <a:rPr lang="es-ES" sz="1800" dirty="0">
+                          <a:effectLst/>
+                          <a:latin typeface="Century Gothic" panose="020B0502020202020204" pitchFamily="34" charset="0"/>
+                        </a:rPr>
+                        <a:t>Criterio 9</a:t>
+                      </a:r>
+                      <a:endParaRPr lang="es-ES" sz="1800" dirty="0">
+                        <a:effectLst/>
+                        <a:latin typeface="Century Gothic" panose="020B0502020202020204" pitchFamily="34" charset="0"/>
+                        <a:ea typeface="Calibri" panose="020F0502020204030204" pitchFamily="34" charset="0"/>
+                        <a:cs typeface="Times New Roman" panose="02020603050405020304" pitchFamily="18" charset="0"/>
+                      </a:endParaRPr>
+                    </a:p>
+                  </a:txBody>
+                  <a:tcPr marL="68580" marR="68580" marT="0" marB="0" anchor="ctr"/>
+                </a:tc>
+                <a:tc>
+                  <a:txBody>
+                    <a:bodyPr/>
+                    <a:lstStyle/>
+                    <a:p>
+                      <a:pPr algn="just">
+                        <a:lnSpc>
+                          <a:spcPct val="107000"/>
+                        </a:lnSpc>
+                        <a:spcAft>
+                          <a:spcPts val="0"/>
+                        </a:spcAft>
+                      </a:pPr>
+                      <a:r>
+                        <a:rPr lang="es-ES" sz="1800" dirty="0">
+                          <a:effectLst/>
+                          <a:latin typeface="Century Gothic" panose="020B0502020202020204" pitchFamily="34" charset="0"/>
+                        </a:rPr>
+                        <a:t>7</a:t>
+                      </a:r>
+                      <a:endParaRPr lang="es-ES" sz="1800" dirty="0">
+                        <a:effectLst/>
+                        <a:latin typeface="Century Gothic" panose="020B0502020202020204" pitchFamily="34" charset="0"/>
+                        <a:ea typeface="Calibri" panose="020F0502020204030204" pitchFamily="34" charset="0"/>
+                        <a:cs typeface="Times New Roman" panose="02020603050405020304" pitchFamily="18" charset="0"/>
+                      </a:endParaRPr>
+                    </a:p>
+                  </a:txBody>
+                  <a:tcPr marL="68580" marR="68580" marT="0" marB="0" anchor="ctr"/>
+                </a:tc>
+                <a:extLst>
+                  <a:ext uri="{0D108BD9-81ED-4DB2-BD59-A6C34878D82A}">
+                    <a16:rowId xmlns:a16="http://schemas.microsoft.com/office/drawing/2014/main" val="4018931725"/>
+                  </a:ext>
+                </a:extLst>
+              </a:tr>
+            </a:tbl>
+          </a:graphicData>
+        </a:graphic>
+      </p:graphicFrame>
+      <p:pic>
+        <p:nvPicPr>
+          <p:cNvPr id="4" name="Picture 2" descr="Resultado de imagen de yii png">
+            <a:extLst>
+              <a:ext uri="{FF2B5EF4-FFF2-40B4-BE49-F238E27FC236}">
+                <a16:creationId xmlns:a16="http://schemas.microsoft.com/office/drawing/2014/main" id="{9F51FB63-58DA-477D-A2A5-151EC93293DF}"/>
+              </a:ext>
+            </a:extLst>
+          </p:cNvPr>
+          <p:cNvPicPr>
+            <a:picLocks noChangeAspect="1" noChangeArrowheads="1"/>
+          </p:cNvPicPr>
+          <p:nvPr/>
+        </p:nvPicPr>
+        <p:blipFill>
+          <a:blip r:embed="rId2">
+            <a:extLst>
+              <a:ext uri="{28A0092B-C50C-407E-A947-70E740481C1C}">
+                <a14:useLocalDpi xmlns:a14="http://schemas.microsoft.com/office/drawing/2010/main" val="0"/>
+              </a:ext>
+            </a:extLst>
+          </a:blip>
+          <a:srcRect/>
+          <a:stretch>
+            <a:fillRect/>
+          </a:stretch>
+        </p:blipFill>
+        <p:spPr bwMode="auto">
+          <a:xfrm>
+            <a:off x="10747170" y="1070022"/>
+            <a:ext cx="1164024" cy="1164024"/>
+          </a:xfrm>
+          <a:prstGeom prst="rect">
+            <a:avLst/>
+          </a:prstGeom>
+          <a:noFill/>
+          <a:extLst>
+            <a:ext uri="{909E8E84-426E-40DD-AFC4-6F175D3DCCD1}">
+              <a14:hiddenFill xmlns:a14="http://schemas.microsoft.com/office/drawing/2010/main">
+                <a:solidFill>
+                  <a:srgbClr val="FFFFFF"/>
+                </a:solidFill>
+              </a14:hiddenFill>
+            </a:ext>
+          </a:extLst>
+        </p:spPr>
+      </p:pic>
+    </p:spTree>
+    <p:extLst>
+      <p:ext uri="{BB962C8B-B14F-4D97-AF65-F5344CB8AC3E}">
+        <p14:creationId xmlns:p14="http://schemas.microsoft.com/office/powerpoint/2010/main" val="3475164297"/>
+      </p:ext>
+    </p:extLst>
+  </p:cSld>
+  <p:clrMapOvr>
+    <a:masterClrMapping/>
+  </p:clrMapOvr>
+</p:sld>
+</file>
+
+<file path=ppt/slides/slide21.xml><?xml version="1.0" encoding="utf-8"?>
+<p:sld xmlns:a="http://schemas.openxmlformats.org/drawingml/2006/main" xmlns:r="http://schemas.openxmlformats.org/officeDocument/2006/relationships" xmlns:p="http://schemas.openxmlformats.org/presentationml/2006/main">
+  <p:cSld>
+    <p:bg>
+      <p:bgPr>
+        <a:solidFill>
+          <a:srgbClr val="EBF1F5"/>
+        </a:solidFill>
+        <a:effectLst/>
+      </p:bgPr>
+    </p:bg>
+    <p:spTree>
+      <p:nvGrpSpPr>
+        <p:cNvPr id="1" name=""/>
+        <p:cNvGrpSpPr/>
+        <p:nvPr/>
+      </p:nvGrpSpPr>
+      <p:grpSpPr>
+        <a:xfrm>
+          <a:off x="0" y="0"/>
+          <a:ext cx="0" cy="0"/>
+          <a:chOff x="0" y="0"/>
+          <a:chExt cx="0" cy="0"/>
+        </a:xfrm>
+      </p:grpSpPr>
+      <p:sp>
+        <p:nvSpPr>
+          <p:cNvPr id="2" name="Título 1">
+            <a:extLst>
+              <a:ext uri="{FF2B5EF4-FFF2-40B4-BE49-F238E27FC236}">
+                <a16:creationId xmlns:a16="http://schemas.microsoft.com/office/drawing/2014/main" id="{0C7E543A-8DFC-45E7-A715-ABC32566D44D}"/>
+              </a:ext>
+            </a:extLst>
+          </p:cNvPr>
+          <p:cNvSpPr>
+            <a:spLocks noGrp="1"/>
+          </p:cNvSpPr>
+          <p:nvPr>
+            <p:ph type="title"/>
+          </p:nvPr>
+        </p:nvSpPr>
+        <p:spPr>
+          <a:xfrm>
+            <a:off x="982979" y="571500"/>
+            <a:ext cx="11209021" cy="1485900"/>
+          </a:xfrm>
+        </p:spPr>
+        <p:txBody>
+          <a:bodyPr>
+            <a:normAutofit fontScale="90000"/>
+          </a:bodyPr>
+          <a:lstStyle/>
+          <a:p>
+            <a:r>
+              <a:rPr lang="es-ES" b="1" dirty="0">
+                <a:latin typeface="Century Gothic" panose="020B0502020202020204" pitchFamily="34" charset="0"/>
+              </a:rPr>
+              <a:t>Comparación de las dos implementaciones</a:t>
+            </a:r>
+            <a:br>
+              <a:rPr lang="es-ES" b="1" dirty="0">
+                <a:latin typeface="Century Gothic" panose="020B0502020202020204" pitchFamily="34" charset="0"/>
+              </a:rPr>
+            </a:br>
+            <a:br>
+              <a:rPr lang="es-ES" b="1" dirty="0">
+                <a:latin typeface="Century Gothic" panose="020B0502020202020204" pitchFamily="34" charset="0"/>
+              </a:rPr>
+            </a:br>
+            <a:br>
+              <a:rPr lang="es-ES" b="1" dirty="0">
+                <a:latin typeface="Century Gothic" panose="020B0502020202020204" pitchFamily="34" charset="0"/>
+              </a:rPr>
+            </a:br>
+            <a:endParaRPr lang="es-ES_tradnl" b="1" dirty="0">
+              <a:latin typeface="Century Gothic" panose="020B0502020202020204" pitchFamily="34" charset="0"/>
+            </a:endParaRPr>
+          </a:p>
+        </p:txBody>
+      </p:sp>
+      <p:graphicFrame>
+        <p:nvGraphicFramePr>
+          <p:cNvPr id="3" name="Tabla 2">
+            <a:extLst>
+              <a:ext uri="{FF2B5EF4-FFF2-40B4-BE49-F238E27FC236}">
+                <a16:creationId xmlns:a16="http://schemas.microsoft.com/office/drawing/2014/main" id="{32866736-3B89-42E2-AEEB-B574A51F4E8E}"/>
+              </a:ext>
+            </a:extLst>
+          </p:cNvPr>
+          <p:cNvGraphicFramePr>
+            <a:graphicFrameLocks noGrp="1"/>
+          </p:cNvGraphicFramePr>
+          <p:nvPr>
+            <p:extLst>
+              <p:ext uri="{D42A27DB-BD31-4B8C-83A1-F6EECF244321}">
+                <p14:modId xmlns:p14="http://schemas.microsoft.com/office/powerpoint/2010/main" val="1625907863"/>
+              </p:ext>
+            </p:extLst>
+          </p:nvPr>
+        </p:nvGraphicFramePr>
+        <p:xfrm>
+          <a:off x="1563757" y="1550505"/>
+          <a:ext cx="8382795" cy="4735998"/>
+        </p:xfrm>
+        <a:graphic>
+          <a:graphicData uri="http://schemas.openxmlformats.org/drawingml/2006/table">
+            <a:tbl>
+              <a:tblPr firstRow="1" firstCol="1" bandRow="1">
+                <a:tableStyleId>{FABFCF23-3B69-468F-B69F-88F6DE6A72F2}</a:tableStyleId>
+              </a:tblPr>
+              <a:tblGrid>
+                <a:gridCol w="1954078">
+                  <a:extLst>
+                    <a:ext uri="{9D8B030D-6E8A-4147-A177-3AD203B41FA5}">
+                      <a16:colId xmlns:a16="http://schemas.microsoft.com/office/drawing/2014/main" val="3650934917"/>
+                    </a:ext>
+                  </a:extLst>
+                </a:gridCol>
+                <a:gridCol w="6428717">
+                  <a:extLst>
+                    <a:ext uri="{9D8B030D-6E8A-4147-A177-3AD203B41FA5}">
+                      <a16:colId xmlns:a16="http://schemas.microsoft.com/office/drawing/2014/main" val="2183597844"/>
+                    </a:ext>
+                  </a:extLst>
+                </a:gridCol>
+              </a:tblGrid>
+              <a:tr h="357846">
+                <a:tc>
+                  <a:txBody>
+                    <a:bodyPr/>
+                    <a:lstStyle/>
+                    <a:p>
+                      <a:pPr algn="ctr">
+                        <a:lnSpc>
+                          <a:spcPct val="107000"/>
+                        </a:lnSpc>
+                        <a:spcAft>
+                          <a:spcPts val="0"/>
+                        </a:spcAft>
+                      </a:pPr>
+                      <a:r>
+                        <a:rPr lang="es-ES" sz="2000" dirty="0">
+                          <a:effectLst/>
+                          <a:latin typeface="Century Gothic" panose="020B0502020202020204" pitchFamily="34" charset="0"/>
+                        </a:rPr>
+                        <a:t>CRITERIO</a:t>
+                      </a:r>
+                      <a:endParaRPr lang="es-ES" sz="2000" b="1" dirty="0">
+                        <a:effectLst/>
+                        <a:latin typeface="Century Gothic" panose="020B0502020202020204" pitchFamily="34" charset="0"/>
+                        <a:ea typeface="Calibri" panose="020F0502020204030204" pitchFamily="34" charset="0"/>
+                        <a:cs typeface="Times New Roman" panose="02020603050405020304" pitchFamily="18" charset="0"/>
+                      </a:endParaRPr>
+                    </a:p>
+                  </a:txBody>
+                  <a:tcPr marL="68580" marR="68580" marT="0" marB="0"/>
+                </a:tc>
+                <a:tc>
+                  <a:txBody>
+                    <a:bodyPr/>
+                    <a:lstStyle/>
+                    <a:p>
+                      <a:pPr algn="ctr">
+                        <a:lnSpc>
+                          <a:spcPct val="107000"/>
+                        </a:lnSpc>
+                        <a:spcAft>
+                          <a:spcPts val="0"/>
+                        </a:spcAft>
+                      </a:pPr>
+                      <a:r>
+                        <a:rPr lang="es-ES" sz="2000" dirty="0">
+                          <a:effectLst/>
+                          <a:latin typeface="Century Gothic" panose="020B0502020202020204" pitchFamily="34" charset="0"/>
+                        </a:rPr>
+                        <a:t>EVALUACIÓN</a:t>
+                      </a:r>
+                      <a:endParaRPr lang="es-ES" sz="2000" b="1" dirty="0">
+                        <a:effectLst/>
+                        <a:latin typeface="Century Gothic" panose="020B0502020202020204" pitchFamily="34" charset="0"/>
+                        <a:ea typeface="Calibri" panose="020F0502020204030204" pitchFamily="34" charset="0"/>
+                        <a:cs typeface="Times New Roman" panose="02020603050405020304" pitchFamily="18" charset="0"/>
+                      </a:endParaRPr>
+                    </a:p>
+                  </a:txBody>
+                  <a:tcPr marL="68580" marR="68580" marT="0" marB="0"/>
+                </a:tc>
+                <a:extLst>
+                  <a:ext uri="{0D108BD9-81ED-4DB2-BD59-A6C34878D82A}">
+                    <a16:rowId xmlns:a16="http://schemas.microsoft.com/office/drawing/2014/main" val="3150751624"/>
+                  </a:ext>
+                </a:extLst>
+              </a:tr>
+              <a:tr h="743692">
+                <a:tc>
+                  <a:txBody>
+                    <a:bodyPr/>
+                    <a:lstStyle/>
+                    <a:p>
+                      <a:pPr algn="ctr">
+                        <a:lnSpc>
+                          <a:spcPct val="107000"/>
+                        </a:lnSpc>
+                        <a:spcAft>
+                          <a:spcPts val="0"/>
+                        </a:spcAft>
+                      </a:pPr>
+                      <a:r>
+                        <a:rPr lang="es-ES" sz="1800" dirty="0">
+                          <a:effectLst/>
+                          <a:latin typeface="Century Gothic" panose="020B0502020202020204" pitchFamily="34" charset="0"/>
+                        </a:rPr>
+                        <a:t>Criterio 1</a:t>
+                      </a:r>
+                      <a:endParaRPr lang="es-ES" sz="1800" dirty="0">
+                        <a:effectLst/>
+                        <a:latin typeface="Century Gothic" panose="020B0502020202020204" pitchFamily="34" charset="0"/>
+                        <a:ea typeface="Calibri" panose="020F0502020204030204" pitchFamily="34" charset="0"/>
+                        <a:cs typeface="Times New Roman" panose="02020603050405020304" pitchFamily="18" charset="0"/>
+                      </a:endParaRPr>
+                    </a:p>
+                  </a:txBody>
+                  <a:tcPr marL="68580" marR="68580" marT="0" marB="0" anchor="ctr"/>
+                </a:tc>
+                <a:tc>
+                  <a:txBody>
+                    <a:bodyPr/>
+                    <a:lstStyle/>
+                    <a:p>
+                      <a:pPr algn="just">
+                        <a:lnSpc>
+                          <a:spcPct val="107000"/>
+                        </a:lnSpc>
+                        <a:spcAft>
+                          <a:spcPts val="0"/>
+                        </a:spcAft>
+                      </a:pPr>
+                      <a:r>
+                        <a:rPr lang="es-ES" sz="1800">
+                          <a:effectLst/>
+                          <a:latin typeface="Century Gothic" panose="020B0502020202020204" pitchFamily="34" charset="0"/>
+                        </a:rPr>
+                        <a:t>15 horas, un poco complejo, pero hemos realizado los requisitos necesarios.</a:t>
+                      </a:r>
+                      <a:endParaRPr lang="es-ES" sz="1800">
+                        <a:effectLst/>
+                        <a:latin typeface="Century Gothic" panose="020B0502020202020204" pitchFamily="34" charset="0"/>
+                        <a:ea typeface="Calibri" panose="020F0502020204030204" pitchFamily="34" charset="0"/>
+                        <a:cs typeface="Times New Roman" panose="02020603050405020304" pitchFamily="18" charset="0"/>
+                      </a:endParaRPr>
+                    </a:p>
+                  </a:txBody>
+                  <a:tcPr marL="68580" marR="68580" marT="0" marB="0" anchor="ctr"/>
+                </a:tc>
+                <a:extLst>
+                  <a:ext uri="{0D108BD9-81ED-4DB2-BD59-A6C34878D82A}">
+                    <a16:rowId xmlns:a16="http://schemas.microsoft.com/office/drawing/2014/main" val="951465619"/>
+                  </a:ext>
+                </a:extLst>
+              </a:tr>
+              <a:tr h="357846">
+                <a:tc>
+                  <a:txBody>
+                    <a:bodyPr/>
+                    <a:lstStyle/>
+                    <a:p>
+                      <a:pPr algn="ctr">
+                        <a:lnSpc>
+                          <a:spcPct val="107000"/>
+                        </a:lnSpc>
+                        <a:spcAft>
+                          <a:spcPts val="0"/>
+                        </a:spcAft>
+                      </a:pPr>
+                      <a:r>
+                        <a:rPr lang="es-ES" sz="1800">
+                          <a:effectLst/>
+                          <a:latin typeface="Century Gothic" panose="020B0502020202020204" pitchFamily="34" charset="0"/>
+                        </a:rPr>
+                        <a:t>Criterio 2</a:t>
+                      </a:r>
+                      <a:endParaRPr lang="es-ES" sz="1800">
+                        <a:effectLst/>
+                        <a:latin typeface="Century Gothic" panose="020B0502020202020204" pitchFamily="34" charset="0"/>
+                        <a:ea typeface="Calibri" panose="020F0502020204030204" pitchFamily="34" charset="0"/>
+                        <a:cs typeface="Times New Roman" panose="02020603050405020304" pitchFamily="18" charset="0"/>
+                      </a:endParaRPr>
+                    </a:p>
+                  </a:txBody>
+                  <a:tcPr marL="68580" marR="68580" marT="0" marB="0" anchor="ctr"/>
+                </a:tc>
+                <a:tc>
+                  <a:txBody>
+                    <a:bodyPr/>
+                    <a:lstStyle/>
+                    <a:p>
+                      <a:pPr algn="just">
+                        <a:lnSpc>
+                          <a:spcPct val="107000"/>
+                        </a:lnSpc>
+                        <a:spcAft>
+                          <a:spcPts val="0"/>
+                        </a:spcAft>
+                      </a:pPr>
+                      <a:r>
+                        <a:rPr lang="es-ES" sz="1800" dirty="0">
+                          <a:effectLst/>
+                          <a:latin typeface="Century Gothic" panose="020B0502020202020204" pitchFamily="34" charset="0"/>
+                        </a:rPr>
+                        <a:t>5 horas.</a:t>
+                      </a:r>
+                      <a:endParaRPr lang="es-ES" sz="1800" dirty="0">
+                        <a:effectLst/>
+                        <a:latin typeface="Century Gothic" panose="020B0502020202020204" pitchFamily="34" charset="0"/>
+                        <a:ea typeface="Calibri" panose="020F0502020204030204" pitchFamily="34" charset="0"/>
+                        <a:cs typeface="Times New Roman" panose="02020603050405020304" pitchFamily="18" charset="0"/>
+                      </a:endParaRPr>
+                    </a:p>
+                  </a:txBody>
+                  <a:tcPr marL="68580" marR="68580" marT="0" marB="0" anchor="ctr"/>
+                </a:tc>
+                <a:extLst>
+                  <a:ext uri="{0D108BD9-81ED-4DB2-BD59-A6C34878D82A}">
+                    <a16:rowId xmlns:a16="http://schemas.microsoft.com/office/drawing/2014/main" val="2351721027"/>
+                  </a:ext>
+                </a:extLst>
+              </a:tr>
+              <a:tr h="743692">
+                <a:tc>
+                  <a:txBody>
+                    <a:bodyPr/>
+                    <a:lstStyle/>
+                    <a:p>
+                      <a:pPr algn="ctr">
+                        <a:lnSpc>
+                          <a:spcPct val="107000"/>
+                        </a:lnSpc>
+                        <a:spcAft>
+                          <a:spcPts val="0"/>
+                        </a:spcAft>
+                      </a:pPr>
+                      <a:r>
+                        <a:rPr lang="es-ES" sz="1800" dirty="0">
+                          <a:effectLst/>
+                          <a:latin typeface="Century Gothic" panose="020B0502020202020204" pitchFamily="34" charset="0"/>
+                        </a:rPr>
+                        <a:t>Criterio 3</a:t>
+                      </a:r>
+                      <a:endParaRPr lang="es-ES" sz="1800" dirty="0">
+                        <a:effectLst/>
+                        <a:latin typeface="Century Gothic" panose="020B0502020202020204" pitchFamily="34" charset="0"/>
+                        <a:ea typeface="Calibri" panose="020F0502020204030204" pitchFamily="34" charset="0"/>
+                        <a:cs typeface="Times New Roman" panose="02020603050405020304" pitchFamily="18" charset="0"/>
+                      </a:endParaRPr>
+                    </a:p>
+                  </a:txBody>
+                  <a:tcPr marL="68580" marR="68580" marT="0" marB="0" anchor="ctr"/>
+                </a:tc>
+                <a:tc>
+                  <a:txBody>
+                    <a:bodyPr/>
+                    <a:lstStyle/>
+                    <a:p>
+                      <a:pPr algn="just">
+                        <a:lnSpc>
+                          <a:spcPct val="107000"/>
+                        </a:lnSpc>
+                        <a:spcAft>
+                          <a:spcPts val="0"/>
+                        </a:spcAft>
+                      </a:pPr>
+                      <a:r>
+                        <a:rPr lang="es-ES" sz="1800">
+                          <a:effectLst/>
+                          <a:latin typeface="Century Gothic" panose="020B0502020202020204" pitchFamily="34" charset="0"/>
+                        </a:rPr>
+                        <a:t>7, solo hemos implementado dos roles, (administrador y empleado)</a:t>
+                      </a:r>
+                      <a:endParaRPr lang="es-ES" sz="1800">
+                        <a:effectLst/>
+                        <a:latin typeface="Century Gothic" panose="020B0502020202020204" pitchFamily="34" charset="0"/>
+                        <a:ea typeface="Calibri" panose="020F0502020204030204" pitchFamily="34" charset="0"/>
+                        <a:cs typeface="Times New Roman" panose="02020603050405020304" pitchFamily="18" charset="0"/>
+                      </a:endParaRPr>
+                    </a:p>
+                  </a:txBody>
+                  <a:tcPr marL="68580" marR="68580" marT="0" marB="0" anchor="ctr"/>
+                </a:tc>
+                <a:extLst>
+                  <a:ext uri="{0D108BD9-81ED-4DB2-BD59-A6C34878D82A}">
+                    <a16:rowId xmlns:a16="http://schemas.microsoft.com/office/drawing/2014/main" val="867421434"/>
+                  </a:ext>
+                </a:extLst>
+              </a:tr>
+              <a:tr h="357846">
+                <a:tc>
+                  <a:txBody>
+                    <a:bodyPr/>
+                    <a:lstStyle/>
+                    <a:p>
+                      <a:pPr algn="ctr">
+                        <a:lnSpc>
+                          <a:spcPct val="107000"/>
+                        </a:lnSpc>
+                        <a:spcAft>
+                          <a:spcPts val="0"/>
+                        </a:spcAft>
+                      </a:pPr>
+                      <a:r>
+                        <a:rPr lang="es-ES" sz="1800">
+                          <a:effectLst/>
+                          <a:latin typeface="Century Gothic" panose="020B0502020202020204" pitchFamily="34" charset="0"/>
+                        </a:rPr>
+                        <a:t>Criterio 4</a:t>
+                      </a:r>
+                      <a:endParaRPr lang="es-ES" sz="1800">
+                        <a:effectLst/>
+                        <a:latin typeface="Century Gothic" panose="020B0502020202020204" pitchFamily="34" charset="0"/>
+                        <a:ea typeface="Calibri" panose="020F0502020204030204" pitchFamily="34" charset="0"/>
+                        <a:cs typeface="Times New Roman" panose="02020603050405020304" pitchFamily="18" charset="0"/>
+                      </a:endParaRPr>
+                    </a:p>
+                  </a:txBody>
+                  <a:tcPr marL="68580" marR="68580" marT="0" marB="0" anchor="ctr"/>
+                </a:tc>
+                <a:tc>
+                  <a:txBody>
+                    <a:bodyPr/>
+                    <a:lstStyle/>
+                    <a:p>
+                      <a:pPr algn="just">
+                        <a:lnSpc>
+                          <a:spcPct val="107000"/>
+                        </a:lnSpc>
+                        <a:spcAft>
+                          <a:spcPts val="0"/>
+                        </a:spcAft>
+                      </a:pPr>
+                      <a:r>
+                        <a:rPr lang="es-ES" sz="1800">
+                          <a:effectLst/>
+                          <a:latin typeface="Century Gothic" panose="020B0502020202020204" pitchFamily="34" charset="0"/>
+                        </a:rPr>
+                        <a:t>Si</a:t>
+                      </a:r>
+                      <a:endParaRPr lang="es-ES" sz="1800">
+                        <a:effectLst/>
+                        <a:latin typeface="Century Gothic" panose="020B0502020202020204" pitchFamily="34" charset="0"/>
+                        <a:ea typeface="Calibri" panose="020F0502020204030204" pitchFamily="34" charset="0"/>
+                        <a:cs typeface="Times New Roman" panose="02020603050405020304" pitchFamily="18" charset="0"/>
+                      </a:endParaRPr>
+                    </a:p>
+                  </a:txBody>
+                  <a:tcPr marL="68580" marR="68580" marT="0" marB="0" anchor="ctr"/>
+                </a:tc>
+                <a:extLst>
+                  <a:ext uri="{0D108BD9-81ED-4DB2-BD59-A6C34878D82A}">
+                    <a16:rowId xmlns:a16="http://schemas.microsoft.com/office/drawing/2014/main" val="3059981949"/>
+                  </a:ext>
+                </a:extLst>
+              </a:tr>
+              <a:tr h="357846">
+                <a:tc>
+                  <a:txBody>
+                    <a:bodyPr/>
+                    <a:lstStyle/>
+                    <a:p>
+                      <a:pPr algn="ctr">
+                        <a:lnSpc>
+                          <a:spcPct val="107000"/>
+                        </a:lnSpc>
+                        <a:spcAft>
+                          <a:spcPts val="0"/>
+                        </a:spcAft>
+                      </a:pPr>
+                      <a:r>
+                        <a:rPr lang="es-ES" sz="1800">
+                          <a:effectLst/>
+                          <a:latin typeface="Century Gothic" panose="020B0502020202020204" pitchFamily="34" charset="0"/>
+                        </a:rPr>
+                        <a:t>Criterio 5</a:t>
+                      </a:r>
+                      <a:endParaRPr lang="es-ES" sz="1800">
+                        <a:effectLst/>
+                        <a:latin typeface="Century Gothic" panose="020B0502020202020204" pitchFamily="34" charset="0"/>
+                        <a:ea typeface="Calibri" panose="020F0502020204030204" pitchFamily="34" charset="0"/>
+                        <a:cs typeface="Times New Roman" panose="02020603050405020304" pitchFamily="18" charset="0"/>
+                      </a:endParaRPr>
+                    </a:p>
+                  </a:txBody>
+                  <a:tcPr marL="68580" marR="68580" marT="0" marB="0" anchor="ctr"/>
+                </a:tc>
+                <a:tc>
+                  <a:txBody>
+                    <a:bodyPr/>
+                    <a:lstStyle/>
+                    <a:p>
+                      <a:pPr algn="just">
+                        <a:lnSpc>
+                          <a:spcPct val="107000"/>
+                        </a:lnSpc>
+                        <a:spcAft>
+                          <a:spcPts val="0"/>
+                        </a:spcAft>
+                      </a:pPr>
+                      <a:r>
+                        <a:rPr lang="es-ES" sz="1800">
+                          <a:effectLst/>
+                          <a:latin typeface="Century Gothic" panose="020B0502020202020204" pitchFamily="34" charset="0"/>
+                        </a:rPr>
+                        <a:t>No</a:t>
+                      </a:r>
+                      <a:endParaRPr lang="es-ES" sz="1800">
+                        <a:effectLst/>
+                        <a:latin typeface="Century Gothic" panose="020B0502020202020204" pitchFamily="34" charset="0"/>
+                        <a:ea typeface="Calibri" panose="020F0502020204030204" pitchFamily="34" charset="0"/>
+                        <a:cs typeface="Times New Roman" panose="02020603050405020304" pitchFamily="18" charset="0"/>
+                      </a:endParaRPr>
+                    </a:p>
+                  </a:txBody>
+                  <a:tcPr marL="68580" marR="68580" marT="0" marB="0" anchor="ctr"/>
+                </a:tc>
+                <a:extLst>
+                  <a:ext uri="{0D108BD9-81ED-4DB2-BD59-A6C34878D82A}">
+                    <a16:rowId xmlns:a16="http://schemas.microsoft.com/office/drawing/2014/main" val="1837094557"/>
+                  </a:ext>
+                </a:extLst>
+              </a:tr>
+              <a:tr h="357846">
+                <a:tc>
+                  <a:txBody>
+                    <a:bodyPr/>
+                    <a:lstStyle/>
+                    <a:p>
+                      <a:pPr algn="ctr">
+                        <a:lnSpc>
+                          <a:spcPct val="107000"/>
+                        </a:lnSpc>
+                        <a:spcAft>
+                          <a:spcPts val="0"/>
+                        </a:spcAft>
+                      </a:pPr>
+                      <a:r>
+                        <a:rPr lang="es-ES" sz="1800">
+                          <a:effectLst/>
+                          <a:latin typeface="Century Gothic" panose="020B0502020202020204" pitchFamily="34" charset="0"/>
+                        </a:rPr>
+                        <a:t>Criterio 6</a:t>
+                      </a:r>
+                      <a:endParaRPr lang="es-ES" sz="1800">
+                        <a:effectLst/>
+                        <a:latin typeface="Century Gothic" panose="020B0502020202020204" pitchFamily="34" charset="0"/>
+                        <a:ea typeface="Calibri" panose="020F0502020204030204" pitchFamily="34" charset="0"/>
+                        <a:cs typeface="Times New Roman" panose="02020603050405020304" pitchFamily="18" charset="0"/>
+                      </a:endParaRPr>
+                    </a:p>
+                  </a:txBody>
+                  <a:tcPr marL="68580" marR="68580" marT="0" marB="0" anchor="ctr"/>
+                </a:tc>
+                <a:tc>
+                  <a:txBody>
+                    <a:bodyPr/>
+                    <a:lstStyle/>
+                    <a:p>
+                      <a:pPr algn="just">
+                        <a:lnSpc>
+                          <a:spcPct val="107000"/>
+                        </a:lnSpc>
+                        <a:spcAft>
+                          <a:spcPts val="0"/>
+                        </a:spcAft>
+                      </a:pPr>
+                      <a:r>
+                        <a:rPr lang="es-ES" sz="1800">
+                          <a:effectLst/>
+                          <a:latin typeface="Century Gothic" panose="020B0502020202020204" pitchFamily="34" charset="0"/>
+                        </a:rPr>
+                        <a:t>4 horas (no finalizados).</a:t>
+                      </a:r>
+                      <a:endParaRPr lang="es-ES" sz="1800">
+                        <a:effectLst/>
+                        <a:latin typeface="Century Gothic" panose="020B0502020202020204" pitchFamily="34" charset="0"/>
+                        <a:ea typeface="Calibri" panose="020F0502020204030204" pitchFamily="34" charset="0"/>
+                        <a:cs typeface="Times New Roman" panose="02020603050405020304" pitchFamily="18" charset="0"/>
+                      </a:endParaRPr>
+                    </a:p>
+                  </a:txBody>
+                  <a:tcPr marL="68580" marR="68580" marT="0" marB="0" anchor="ctr"/>
+                </a:tc>
+                <a:extLst>
+                  <a:ext uri="{0D108BD9-81ED-4DB2-BD59-A6C34878D82A}">
+                    <a16:rowId xmlns:a16="http://schemas.microsoft.com/office/drawing/2014/main" val="3538999327"/>
+                  </a:ext>
+                </a:extLst>
+              </a:tr>
+              <a:tr h="357846">
+                <a:tc>
+                  <a:txBody>
+                    <a:bodyPr/>
+                    <a:lstStyle/>
+                    <a:p>
+                      <a:pPr algn="ctr">
+                        <a:lnSpc>
+                          <a:spcPct val="107000"/>
+                        </a:lnSpc>
+                        <a:spcAft>
+                          <a:spcPts val="0"/>
+                        </a:spcAft>
+                      </a:pPr>
+                      <a:r>
+                        <a:rPr lang="es-ES" sz="1800">
+                          <a:effectLst/>
+                          <a:latin typeface="Century Gothic" panose="020B0502020202020204" pitchFamily="34" charset="0"/>
+                        </a:rPr>
+                        <a:t>Criterio 7</a:t>
+                      </a:r>
+                      <a:endParaRPr lang="es-ES" sz="1800">
+                        <a:effectLst/>
+                        <a:latin typeface="Century Gothic" panose="020B0502020202020204" pitchFamily="34" charset="0"/>
+                        <a:ea typeface="Calibri" panose="020F0502020204030204" pitchFamily="34" charset="0"/>
+                        <a:cs typeface="Times New Roman" panose="02020603050405020304" pitchFamily="18" charset="0"/>
+                      </a:endParaRPr>
+                    </a:p>
+                  </a:txBody>
+                  <a:tcPr marL="68580" marR="68580" marT="0" marB="0" anchor="ctr"/>
+                </a:tc>
+                <a:tc>
+                  <a:txBody>
+                    <a:bodyPr/>
+                    <a:lstStyle/>
+                    <a:p>
+                      <a:pPr algn="just">
+                        <a:lnSpc>
+                          <a:spcPct val="107000"/>
+                        </a:lnSpc>
+                        <a:spcAft>
+                          <a:spcPts val="0"/>
+                        </a:spcAft>
+                      </a:pPr>
+                      <a:r>
+                        <a:rPr lang="es-ES" sz="1800">
+                          <a:effectLst/>
+                          <a:latin typeface="Century Gothic" panose="020B0502020202020204" pitchFamily="34" charset="0"/>
+                        </a:rPr>
+                        <a:t>60</a:t>
+                      </a:r>
+                      <a:endParaRPr lang="es-ES" sz="1800">
+                        <a:effectLst/>
+                        <a:latin typeface="Century Gothic" panose="020B0502020202020204" pitchFamily="34" charset="0"/>
+                        <a:ea typeface="Calibri" panose="020F0502020204030204" pitchFamily="34" charset="0"/>
+                        <a:cs typeface="Times New Roman" panose="02020603050405020304" pitchFamily="18" charset="0"/>
+                      </a:endParaRPr>
+                    </a:p>
+                  </a:txBody>
+                  <a:tcPr marL="68580" marR="68580" marT="0" marB="0" anchor="ctr"/>
+                </a:tc>
+                <a:extLst>
+                  <a:ext uri="{0D108BD9-81ED-4DB2-BD59-A6C34878D82A}">
+                    <a16:rowId xmlns:a16="http://schemas.microsoft.com/office/drawing/2014/main" val="3277169600"/>
+                  </a:ext>
+                </a:extLst>
+              </a:tr>
+              <a:tr h="743692">
+                <a:tc>
+                  <a:txBody>
+                    <a:bodyPr/>
+                    <a:lstStyle/>
+                    <a:p>
+                      <a:pPr algn="ctr">
+                        <a:lnSpc>
+                          <a:spcPct val="107000"/>
+                        </a:lnSpc>
+                        <a:spcAft>
+                          <a:spcPts val="0"/>
+                        </a:spcAft>
+                      </a:pPr>
+                      <a:r>
+                        <a:rPr lang="es-ES" sz="1800">
+                          <a:effectLst/>
+                          <a:latin typeface="Century Gothic" panose="020B0502020202020204" pitchFamily="34" charset="0"/>
+                        </a:rPr>
+                        <a:t>Criterio 8</a:t>
+                      </a:r>
+                      <a:endParaRPr lang="es-ES" sz="1800">
+                        <a:effectLst/>
+                        <a:latin typeface="Century Gothic" panose="020B0502020202020204" pitchFamily="34" charset="0"/>
+                        <a:ea typeface="Calibri" panose="020F0502020204030204" pitchFamily="34" charset="0"/>
+                        <a:cs typeface="Times New Roman" panose="02020603050405020304" pitchFamily="18" charset="0"/>
+                      </a:endParaRPr>
+                    </a:p>
+                  </a:txBody>
+                  <a:tcPr marL="68580" marR="68580" marT="0" marB="0" anchor="ctr"/>
+                </a:tc>
+                <a:tc>
+                  <a:txBody>
+                    <a:bodyPr/>
+                    <a:lstStyle/>
+                    <a:p>
+                      <a:pPr algn="just">
+                        <a:lnSpc>
+                          <a:spcPct val="107000"/>
+                        </a:lnSpc>
+                        <a:spcAft>
+                          <a:spcPts val="0"/>
+                        </a:spcAft>
+                      </a:pPr>
+                      <a:r>
+                        <a:rPr lang="es-ES" sz="1800">
+                          <a:effectLst/>
+                          <a:latin typeface="Century Gothic" panose="020B0502020202020204" pitchFamily="34" charset="0"/>
+                        </a:rPr>
+                        <a:t>Un pc, internet, un navegador, composer, documentación y un editor de código</a:t>
+                      </a:r>
+                      <a:endParaRPr lang="es-ES" sz="1800">
+                        <a:effectLst/>
+                        <a:latin typeface="Century Gothic" panose="020B0502020202020204" pitchFamily="34" charset="0"/>
+                        <a:ea typeface="Calibri" panose="020F0502020204030204" pitchFamily="34" charset="0"/>
+                        <a:cs typeface="Times New Roman" panose="02020603050405020304" pitchFamily="18" charset="0"/>
+                      </a:endParaRPr>
+                    </a:p>
+                  </a:txBody>
+                  <a:tcPr marL="68580" marR="68580" marT="0" marB="0" anchor="ctr"/>
+                </a:tc>
+                <a:extLst>
+                  <a:ext uri="{0D108BD9-81ED-4DB2-BD59-A6C34878D82A}">
+                    <a16:rowId xmlns:a16="http://schemas.microsoft.com/office/drawing/2014/main" val="3894498318"/>
+                  </a:ext>
+                </a:extLst>
+              </a:tr>
+              <a:tr h="357846">
+                <a:tc>
+                  <a:txBody>
+                    <a:bodyPr/>
+                    <a:lstStyle/>
+                    <a:p>
+                      <a:pPr algn="ctr">
+                        <a:lnSpc>
+                          <a:spcPct val="107000"/>
+                        </a:lnSpc>
+                        <a:spcAft>
+                          <a:spcPts val="0"/>
+                        </a:spcAft>
+                      </a:pPr>
+                      <a:r>
+                        <a:rPr lang="es-ES" sz="1800" dirty="0">
+                          <a:effectLst/>
+                          <a:latin typeface="Century Gothic" panose="020B0502020202020204" pitchFamily="34" charset="0"/>
+                        </a:rPr>
+                        <a:t>Criterio 9</a:t>
+                      </a:r>
+                      <a:endParaRPr lang="es-ES" sz="1800" dirty="0">
+                        <a:effectLst/>
+                        <a:latin typeface="Century Gothic" panose="020B0502020202020204" pitchFamily="34" charset="0"/>
+                        <a:ea typeface="Calibri" panose="020F0502020204030204" pitchFamily="34" charset="0"/>
+                        <a:cs typeface="Times New Roman" panose="02020603050405020304" pitchFamily="18" charset="0"/>
+                      </a:endParaRPr>
+                    </a:p>
+                  </a:txBody>
+                  <a:tcPr marL="68580" marR="68580" marT="0" marB="0" anchor="ctr"/>
+                </a:tc>
+                <a:tc>
+                  <a:txBody>
+                    <a:bodyPr/>
+                    <a:lstStyle/>
+                    <a:p>
+                      <a:pPr algn="just">
+                        <a:lnSpc>
+                          <a:spcPct val="107000"/>
+                        </a:lnSpc>
+                        <a:spcAft>
+                          <a:spcPts val="0"/>
+                        </a:spcAft>
+                      </a:pPr>
+                      <a:r>
+                        <a:rPr lang="es-ES" sz="1800" dirty="0">
+                          <a:effectLst/>
+                          <a:latin typeface="Century Gothic" panose="020B0502020202020204" pitchFamily="34" charset="0"/>
+                        </a:rPr>
+                        <a:t>7</a:t>
+                      </a:r>
+                      <a:endParaRPr lang="es-ES" sz="1800" dirty="0">
+                        <a:effectLst/>
+                        <a:latin typeface="Century Gothic" panose="020B0502020202020204" pitchFamily="34" charset="0"/>
+                        <a:ea typeface="Calibri" panose="020F0502020204030204" pitchFamily="34" charset="0"/>
+                        <a:cs typeface="Times New Roman" panose="02020603050405020304" pitchFamily="18" charset="0"/>
+                      </a:endParaRPr>
+                    </a:p>
+                  </a:txBody>
+                  <a:tcPr marL="68580" marR="68580" marT="0" marB="0" anchor="ctr"/>
+                </a:tc>
+                <a:extLst>
+                  <a:ext uri="{0D108BD9-81ED-4DB2-BD59-A6C34878D82A}">
+                    <a16:rowId xmlns:a16="http://schemas.microsoft.com/office/drawing/2014/main" val="435280175"/>
+                  </a:ext>
+                </a:extLst>
+              </a:tr>
+            </a:tbl>
+          </a:graphicData>
+        </a:graphic>
+      </p:graphicFrame>
+      <p:pic>
+        <p:nvPicPr>
+          <p:cNvPr id="4" name="Imagen 3">
+            <a:extLst>
+              <a:ext uri="{FF2B5EF4-FFF2-40B4-BE49-F238E27FC236}">
+                <a16:creationId xmlns:a16="http://schemas.microsoft.com/office/drawing/2014/main" id="{21E86AF2-547A-4980-84B4-ADDAA6BABF23}"/>
+              </a:ext>
+            </a:extLst>
+          </p:cNvPr>
+          <p:cNvPicPr>
+            <a:picLocks noChangeAspect="1"/>
+          </p:cNvPicPr>
+          <p:nvPr/>
+        </p:nvPicPr>
+        <p:blipFill>
+          <a:blip r:embed="rId2"/>
+          <a:stretch>
+            <a:fillRect/>
+          </a:stretch>
+        </p:blipFill>
+        <p:spPr>
+          <a:xfrm>
+            <a:off x="10468499" y="1067305"/>
+            <a:ext cx="1481044" cy="1485900"/>
+          </a:xfrm>
+          <a:prstGeom prst="rect">
+            <a:avLst/>
+          </a:prstGeom>
+        </p:spPr>
+      </p:pic>
+    </p:spTree>
+    <p:extLst>
+      <p:ext uri="{BB962C8B-B14F-4D97-AF65-F5344CB8AC3E}">
+        <p14:creationId xmlns:p14="http://schemas.microsoft.com/office/powerpoint/2010/main" val="1864762238"/>
+      </p:ext>
+    </p:extLst>
+  </p:cSld>
+  <p:clrMapOvr>
+    <a:masterClrMapping/>
+  </p:clrMapOvr>
+</p:sld>
+</file>
+
+<file path=ppt/slides/slide22.xml><?xml version="1.0" encoding="utf-8"?>
+<p:sld xmlns:a="http://schemas.openxmlformats.org/drawingml/2006/main" xmlns:r="http://schemas.openxmlformats.org/officeDocument/2006/relationships" xmlns:p="http://schemas.openxmlformats.org/presentationml/2006/main">
+  <p:cSld>
+    <p:bg>
+      <p:bgPr>
+        <a:solidFill>
+          <a:srgbClr val="EBF1F5"/>
+        </a:solidFill>
+        <a:effectLst/>
+      </p:bgPr>
+    </p:bg>
+    <p:spTree>
+      <p:nvGrpSpPr>
+        <p:cNvPr id="1" name=""/>
+        <p:cNvGrpSpPr/>
+        <p:nvPr/>
+      </p:nvGrpSpPr>
+      <p:grpSpPr>
+        <a:xfrm>
+          <a:off x="0" y="0"/>
+          <a:ext cx="0" cy="0"/>
+          <a:chOff x="0" y="0"/>
+          <a:chExt cx="0" cy="0"/>
+        </a:xfrm>
+      </p:grpSpPr>
+      <p:sp>
+        <p:nvSpPr>
+          <p:cNvPr id="2" name="Título 1">
+            <a:extLst>
+              <a:ext uri="{FF2B5EF4-FFF2-40B4-BE49-F238E27FC236}">
+                <a16:creationId xmlns:a16="http://schemas.microsoft.com/office/drawing/2014/main" id="{0C7E543A-8DFC-45E7-A715-ABC32566D44D}"/>
+              </a:ext>
+            </a:extLst>
+          </p:cNvPr>
+          <p:cNvSpPr>
+            <a:spLocks noGrp="1"/>
+          </p:cNvSpPr>
+          <p:nvPr>
+            <p:ph type="title"/>
+          </p:nvPr>
+        </p:nvSpPr>
+        <p:spPr>
+          <a:xfrm>
+            <a:off x="982979" y="571500"/>
+            <a:ext cx="11209021" cy="1485900"/>
+          </a:xfrm>
+        </p:spPr>
+        <p:txBody>
+          <a:bodyPr>
+            <a:normAutofit fontScale="90000"/>
+          </a:bodyPr>
+          <a:lstStyle/>
+          <a:p>
+            <a:r>
+              <a:rPr lang="es-ES" b="1" dirty="0">
+                <a:latin typeface="Century Gothic" panose="020B0502020202020204" pitchFamily="34" charset="0"/>
+              </a:rPr>
+              <a:t>Comparación de la implementación de las tecnologías</a:t>
+            </a:r>
+            <a:br>
+              <a:rPr lang="es-ES" b="1" dirty="0">
+                <a:latin typeface="Century Gothic" panose="020B0502020202020204" pitchFamily="34" charset="0"/>
+              </a:rPr>
+            </a:br>
+            <a:br>
+              <a:rPr lang="es-ES" b="1" dirty="0">
+                <a:latin typeface="Century Gothic" panose="020B0502020202020204" pitchFamily="34" charset="0"/>
+              </a:rPr>
+            </a:br>
+            <a:br>
+              <a:rPr lang="es-ES" b="1" dirty="0">
+                <a:latin typeface="Century Gothic" panose="020B0502020202020204" pitchFamily="34" charset="0"/>
+              </a:rPr>
+            </a:br>
+            <a:endParaRPr lang="es-ES_tradnl" b="1" dirty="0">
+              <a:latin typeface="Century Gothic" panose="020B0502020202020204" pitchFamily="34" charset="0"/>
+            </a:endParaRPr>
+          </a:p>
+        </p:txBody>
+      </p:sp>
+      <p:graphicFrame>
+        <p:nvGraphicFramePr>
+          <p:cNvPr id="3" name="Tabla 2">
+            <a:extLst>
+              <a:ext uri="{FF2B5EF4-FFF2-40B4-BE49-F238E27FC236}">
+                <a16:creationId xmlns:a16="http://schemas.microsoft.com/office/drawing/2014/main" id="{90AF0836-7534-40EA-8689-5496CAA3160B}"/>
+              </a:ext>
+            </a:extLst>
+          </p:cNvPr>
+          <p:cNvGraphicFramePr>
+            <a:graphicFrameLocks noGrp="1"/>
+          </p:cNvGraphicFramePr>
+          <p:nvPr>
+            <p:extLst>
+              <p:ext uri="{D42A27DB-BD31-4B8C-83A1-F6EECF244321}">
+                <p14:modId xmlns:p14="http://schemas.microsoft.com/office/powerpoint/2010/main" val="2964411701"/>
+              </p:ext>
+            </p:extLst>
+          </p:nvPr>
+        </p:nvGraphicFramePr>
+        <p:xfrm>
+          <a:off x="1507599" y="1756064"/>
+          <a:ext cx="10159779" cy="4837685"/>
+        </p:xfrm>
+        <a:graphic>
+          <a:graphicData uri="http://schemas.openxmlformats.org/drawingml/2006/table">
+            <a:tbl>
+              <a:tblPr firstRow="1" firstCol="1" bandRow="1">
+                <a:tableStyleId>{FABFCF23-3B69-468F-B69F-88F6DE6A72F2}</a:tableStyleId>
+              </a:tblPr>
+              <a:tblGrid>
+                <a:gridCol w="1502887">
+                  <a:extLst>
+                    <a:ext uri="{9D8B030D-6E8A-4147-A177-3AD203B41FA5}">
+                      <a16:colId xmlns:a16="http://schemas.microsoft.com/office/drawing/2014/main" val="2961097060"/>
+                    </a:ext>
+                  </a:extLst>
+                </a:gridCol>
+                <a:gridCol w="2198310">
+                  <a:extLst>
+                    <a:ext uri="{9D8B030D-6E8A-4147-A177-3AD203B41FA5}">
+                      <a16:colId xmlns:a16="http://schemas.microsoft.com/office/drawing/2014/main" val="2196392461"/>
+                    </a:ext>
+                  </a:extLst>
+                </a:gridCol>
+                <a:gridCol w="2264424">
+                  <a:extLst>
+                    <a:ext uri="{9D8B030D-6E8A-4147-A177-3AD203B41FA5}">
+                      <a16:colId xmlns:a16="http://schemas.microsoft.com/office/drawing/2014/main" val="3411475817"/>
+                    </a:ext>
+                  </a:extLst>
+                </a:gridCol>
+                <a:gridCol w="4194158">
+                  <a:extLst>
+                    <a:ext uri="{9D8B030D-6E8A-4147-A177-3AD203B41FA5}">
+                      <a16:colId xmlns:a16="http://schemas.microsoft.com/office/drawing/2014/main" val="3553067338"/>
+                    </a:ext>
+                  </a:extLst>
+                </a:gridCol>
+              </a:tblGrid>
+              <a:tr h="1013273">
+                <a:tc>
+                  <a:txBody>
+                    <a:bodyPr/>
+                    <a:lstStyle/>
+                    <a:p>
+                      <a:pPr algn="ctr">
+                        <a:lnSpc>
+                          <a:spcPct val="107000"/>
+                        </a:lnSpc>
+                        <a:spcAft>
+                          <a:spcPts val="0"/>
+                        </a:spcAft>
+                      </a:pPr>
+                      <a:r>
+                        <a:rPr lang="es-ES" sz="2000" dirty="0">
+                          <a:effectLst/>
+                          <a:latin typeface="Century Gothic" panose="020B0502020202020204" pitchFamily="34" charset="0"/>
+                        </a:rPr>
+                        <a:t>CRITERIOS</a:t>
+                      </a:r>
+                      <a:endParaRPr lang="es-ES" sz="2000" dirty="0">
+                        <a:effectLst/>
+                        <a:latin typeface="Century Gothic" panose="020B0502020202020204" pitchFamily="34" charset="0"/>
+                        <a:ea typeface="Calibri" panose="020F0502020204030204" pitchFamily="34" charset="0"/>
+                        <a:cs typeface="Times New Roman" panose="02020603050405020304" pitchFamily="18" charset="0"/>
+                      </a:endParaRPr>
+                    </a:p>
+                  </a:txBody>
+                  <a:tcPr marL="68580" marR="68580" marT="0" marB="0" anchor="ctr"/>
+                </a:tc>
+                <a:tc>
+                  <a:txBody>
+                    <a:bodyPr/>
+                    <a:lstStyle/>
+                    <a:p>
+                      <a:pPr algn="ctr">
+                        <a:lnSpc>
+                          <a:spcPct val="107000"/>
+                        </a:lnSpc>
+                        <a:spcAft>
+                          <a:spcPts val="0"/>
+                        </a:spcAft>
+                      </a:pPr>
+                      <a:endParaRPr lang="es-ES" sz="1100" dirty="0">
+                        <a:effectLst/>
+                        <a:latin typeface="Century Gothic" panose="020B0502020202020204" pitchFamily="34" charset="0"/>
+                        <a:ea typeface="Calibri" panose="020F0502020204030204" pitchFamily="34" charset="0"/>
+                        <a:cs typeface="Times New Roman" panose="02020603050405020304" pitchFamily="18" charset="0"/>
+                      </a:endParaRPr>
+                    </a:p>
+                  </a:txBody>
+                  <a:tcPr marL="68580" marR="68580" marT="0" marB="0" anchor="ctr"/>
+                </a:tc>
+                <a:tc>
+                  <a:txBody>
+                    <a:bodyPr/>
+                    <a:lstStyle/>
+                    <a:p>
+                      <a:pPr algn="ctr">
+                        <a:lnSpc>
+                          <a:spcPct val="107000"/>
+                        </a:lnSpc>
+                        <a:spcAft>
+                          <a:spcPts val="0"/>
+                        </a:spcAft>
+                      </a:pPr>
+                      <a:endParaRPr lang="es-ES" sz="1100" dirty="0">
+                        <a:effectLst/>
+                        <a:latin typeface="Century Gothic" panose="020B0502020202020204" pitchFamily="34" charset="0"/>
+                        <a:ea typeface="Calibri" panose="020F0502020204030204" pitchFamily="34" charset="0"/>
+                        <a:cs typeface="Times New Roman" panose="02020603050405020304" pitchFamily="18" charset="0"/>
+                      </a:endParaRPr>
+                    </a:p>
+                  </a:txBody>
+                  <a:tcPr marL="68580" marR="68580" marT="0" marB="0" anchor="ctr"/>
+                </a:tc>
+                <a:tc>
+                  <a:txBody>
+                    <a:bodyPr/>
+                    <a:lstStyle/>
+                    <a:p>
+                      <a:pPr algn="ctr">
+                        <a:lnSpc>
+                          <a:spcPct val="107000"/>
+                        </a:lnSpc>
+                        <a:spcAft>
+                          <a:spcPts val="0"/>
+                        </a:spcAft>
+                      </a:pPr>
+                      <a:r>
+                        <a:rPr lang="es-ES" sz="2000" dirty="0">
+                          <a:effectLst/>
+                          <a:latin typeface="Century Gothic" panose="020B0502020202020204" pitchFamily="34" charset="0"/>
+                        </a:rPr>
+                        <a:t>COMENTARIOS</a:t>
+                      </a:r>
+                      <a:endParaRPr lang="es-ES" sz="2000" dirty="0">
+                        <a:effectLst/>
+                        <a:latin typeface="Century Gothic" panose="020B0502020202020204" pitchFamily="34" charset="0"/>
+                        <a:ea typeface="Calibri" panose="020F0502020204030204" pitchFamily="34" charset="0"/>
+                        <a:cs typeface="Times New Roman" panose="02020603050405020304" pitchFamily="18" charset="0"/>
+                      </a:endParaRPr>
+                    </a:p>
+                  </a:txBody>
+                  <a:tcPr marL="68580" marR="68580" marT="0" marB="0" anchor="ctr"/>
+                </a:tc>
+                <a:extLst>
+                  <a:ext uri="{0D108BD9-81ED-4DB2-BD59-A6C34878D82A}">
+                    <a16:rowId xmlns:a16="http://schemas.microsoft.com/office/drawing/2014/main" val="629945664"/>
+                  </a:ext>
+                </a:extLst>
+              </a:tr>
+              <a:tr h="503601">
+                <a:tc>
+                  <a:txBody>
+                    <a:bodyPr/>
+                    <a:lstStyle/>
+                    <a:p>
+                      <a:pPr algn="ctr">
+                        <a:lnSpc>
+                          <a:spcPct val="107000"/>
+                        </a:lnSpc>
+                        <a:spcAft>
+                          <a:spcPts val="0"/>
+                        </a:spcAft>
+                      </a:pPr>
+                      <a:r>
+                        <a:rPr lang="es-ES" sz="1600" dirty="0">
+                          <a:effectLst/>
+                          <a:latin typeface="Century Gothic" panose="020B0502020202020204" pitchFamily="34" charset="0"/>
+                        </a:rPr>
+                        <a:t>1</a:t>
+                      </a:r>
+                      <a:endParaRPr lang="es-ES" sz="1600" b="1" dirty="0">
+                        <a:effectLst/>
+                        <a:latin typeface="Century Gothic" panose="020B0502020202020204" pitchFamily="34" charset="0"/>
+                        <a:ea typeface="Calibri" panose="020F0502020204030204" pitchFamily="34" charset="0"/>
+                        <a:cs typeface="Times New Roman" panose="02020603050405020304" pitchFamily="18" charset="0"/>
+                      </a:endParaRPr>
+                    </a:p>
+                  </a:txBody>
+                  <a:tcPr marL="68580" marR="68580" marT="0" marB="0" anchor="ctr"/>
+                </a:tc>
+                <a:tc>
+                  <a:txBody>
+                    <a:bodyPr/>
+                    <a:lstStyle/>
+                    <a:p>
+                      <a:pPr algn="ctr">
+                        <a:lnSpc>
+                          <a:spcPct val="107000"/>
+                        </a:lnSpc>
+                        <a:spcAft>
+                          <a:spcPts val="0"/>
+                        </a:spcAft>
+                      </a:pPr>
+                      <a:endParaRPr lang="es-ES" sz="1200" dirty="0">
+                        <a:effectLst/>
+                        <a:latin typeface="Century Gothic" panose="020B0502020202020204" pitchFamily="34" charset="0"/>
+                      </a:endParaRPr>
+                    </a:p>
+                    <a:p>
+                      <a:pPr algn="ctr">
+                        <a:lnSpc>
+                          <a:spcPct val="107000"/>
+                        </a:lnSpc>
+                        <a:spcAft>
+                          <a:spcPts val="0"/>
+                        </a:spcAft>
+                      </a:pPr>
+                      <a:r>
+                        <a:rPr lang="es-ES" sz="1200" dirty="0">
+                          <a:effectLst/>
+                          <a:latin typeface="Century Gothic" panose="020B0502020202020204" pitchFamily="34" charset="0"/>
+                        </a:rPr>
+                        <a:t>6 horas</a:t>
+                      </a:r>
+                      <a:endParaRPr lang="es-ES" sz="1200" dirty="0">
+                        <a:effectLst/>
+                        <a:latin typeface="Century Gothic" panose="020B0502020202020204" pitchFamily="34" charset="0"/>
+                        <a:ea typeface="Calibri" panose="020F0502020204030204" pitchFamily="34" charset="0"/>
+                        <a:cs typeface="Times New Roman" panose="02020603050405020304" pitchFamily="18" charset="0"/>
+                      </a:endParaRPr>
+                    </a:p>
+                  </a:txBody>
+                  <a:tcPr marL="68580" marR="68580" marT="0" marB="0" anchor="ctr"/>
+                </a:tc>
+                <a:tc>
+                  <a:txBody>
+                    <a:bodyPr/>
+                    <a:lstStyle/>
+                    <a:p>
+                      <a:pPr algn="ctr">
+                        <a:lnSpc>
+                          <a:spcPct val="107000"/>
+                        </a:lnSpc>
+                        <a:spcAft>
+                          <a:spcPts val="0"/>
+                        </a:spcAft>
+                      </a:pPr>
+                      <a:r>
+                        <a:rPr lang="es-ES" sz="1200" dirty="0">
+                          <a:effectLst/>
+                          <a:latin typeface="Century Gothic" panose="020B0502020202020204" pitchFamily="34" charset="0"/>
+                        </a:rPr>
+                        <a:t>15 horas</a:t>
+                      </a:r>
+                      <a:endParaRPr lang="es-ES" sz="1200" dirty="0">
+                        <a:effectLst/>
+                        <a:latin typeface="Century Gothic" panose="020B0502020202020204" pitchFamily="34" charset="0"/>
+                        <a:ea typeface="Calibri" panose="020F0502020204030204" pitchFamily="34" charset="0"/>
+                        <a:cs typeface="Times New Roman" panose="02020603050405020304" pitchFamily="18" charset="0"/>
+                      </a:endParaRPr>
+                    </a:p>
+                  </a:txBody>
+                  <a:tcPr marL="68580" marR="68580" marT="0" marB="0" anchor="ctr"/>
+                </a:tc>
+                <a:tc>
+                  <a:txBody>
+                    <a:bodyPr/>
+                    <a:lstStyle/>
+                    <a:p>
+                      <a:pPr algn="ctr">
+                        <a:lnSpc>
+                          <a:spcPct val="107000"/>
+                        </a:lnSpc>
+                        <a:spcAft>
+                          <a:spcPts val="0"/>
+                        </a:spcAft>
+                      </a:pPr>
+                      <a:r>
+                        <a:rPr lang="es-ES" sz="1200">
+                          <a:effectLst/>
+                          <a:latin typeface="Century Gothic" panose="020B0502020202020204" pitchFamily="34" charset="0"/>
+                        </a:rPr>
+                        <a:t>Yii2 es más fácil de aprender, aunque hay menos manuales.</a:t>
+                      </a:r>
+                      <a:endParaRPr lang="es-ES" sz="1200">
+                        <a:effectLst/>
+                        <a:latin typeface="Century Gothic" panose="020B0502020202020204" pitchFamily="34" charset="0"/>
+                        <a:ea typeface="Calibri" panose="020F0502020204030204" pitchFamily="34" charset="0"/>
+                        <a:cs typeface="Times New Roman" panose="02020603050405020304" pitchFamily="18" charset="0"/>
+                      </a:endParaRPr>
+                    </a:p>
+                  </a:txBody>
+                  <a:tcPr marL="68580" marR="68580" marT="0" marB="0" anchor="ctr"/>
+                </a:tc>
+                <a:extLst>
+                  <a:ext uri="{0D108BD9-81ED-4DB2-BD59-A6C34878D82A}">
+                    <a16:rowId xmlns:a16="http://schemas.microsoft.com/office/drawing/2014/main" val="2638596494"/>
+                  </a:ext>
+                </a:extLst>
+              </a:tr>
+              <a:tr h="269708">
+                <a:tc>
+                  <a:txBody>
+                    <a:bodyPr/>
+                    <a:lstStyle/>
+                    <a:p>
+                      <a:pPr algn="ctr">
+                        <a:lnSpc>
+                          <a:spcPct val="107000"/>
+                        </a:lnSpc>
+                        <a:spcAft>
+                          <a:spcPts val="0"/>
+                        </a:spcAft>
+                      </a:pPr>
+                      <a:r>
+                        <a:rPr lang="es-ES" sz="1600" dirty="0">
+                          <a:effectLst/>
+                          <a:latin typeface="Century Gothic" panose="020B0502020202020204" pitchFamily="34" charset="0"/>
+                        </a:rPr>
+                        <a:t>2</a:t>
+                      </a:r>
+                      <a:endParaRPr lang="es-ES" sz="1600" b="1" dirty="0">
+                        <a:effectLst/>
+                        <a:latin typeface="Century Gothic" panose="020B0502020202020204" pitchFamily="34" charset="0"/>
+                        <a:ea typeface="Calibri" panose="020F0502020204030204" pitchFamily="34" charset="0"/>
+                        <a:cs typeface="Times New Roman" panose="02020603050405020304" pitchFamily="18" charset="0"/>
+                      </a:endParaRPr>
+                    </a:p>
+                  </a:txBody>
+                  <a:tcPr marL="68580" marR="68580" marT="0" marB="0" anchor="ctr"/>
+                </a:tc>
+                <a:tc>
+                  <a:txBody>
+                    <a:bodyPr/>
+                    <a:lstStyle/>
+                    <a:p>
+                      <a:pPr algn="ctr">
+                        <a:lnSpc>
+                          <a:spcPct val="107000"/>
+                        </a:lnSpc>
+                        <a:spcAft>
+                          <a:spcPts val="0"/>
+                        </a:spcAft>
+                      </a:pPr>
+                      <a:r>
+                        <a:rPr lang="es-ES" sz="1200">
+                          <a:effectLst/>
+                          <a:latin typeface="Century Gothic" panose="020B0502020202020204" pitchFamily="34" charset="0"/>
+                        </a:rPr>
+                        <a:t>3 horas</a:t>
+                      </a:r>
+                      <a:endParaRPr lang="es-ES" sz="1200">
+                        <a:effectLst/>
+                        <a:latin typeface="Century Gothic" panose="020B0502020202020204" pitchFamily="34" charset="0"/>
+                        <a:ea typeface="Calibri" panose="020F0502020204030204" pitchFamily="34" charset="0"/>
+                        <a:cs typeface="Times New Roman" panose="02020603050405020304" pitchFamily="18" charset="0"/>
+                      </a:endParaRPr>
+                    </a:p>
+                  </a:txBody>
+                  <a:tcPr marL="68580" marR="68580" marT="0" marB="0" anchor="ctr"/>
+                </a:tc>
+                <a:tc>
+                  <a:txBody>
+                    <a:bodyPr/>
+                    <a:lstStyle/>
+                    <a:p>
+                      <a:pPr algn="ctr">
+                        <a:lnSpc>
+                          <a:spcPct val="107000"/>
+                        </a:lnSpc>
+                        <a:spcAft>
+                          <a:spcPts val="0"/>
+                        </a:spcAft>
+                      </a:pPr>
+                      <a:r>
+                        <a:rPr lang="es-ES" sz="1200" dirty="0">
+                          <a:effectLst/>
+                          <a:latin typeface="Century Gothic" panose="020B0502020202020204" pitchFamily="34" charset="0"/>
+                        </a:rPr>
+                        <a:t>5 horas</a:t>
+                      </a:r>
+                      <a:endParaRPr lang="es-ES" sz="1200" dirty="0">
+                        <a:effectLst/>
+                        <a:latin typeface="Century Gothic" panose="020B0502020202020204" pitchFamily="34" charset="0"/>
+                        <a:ea typeface="Calibri" panose="020F0502020204030204" pitchFamily="34" charset="0"/>
+                        <a:cs typeface="Times New Roman" panose="02020603050405020304" pitchFamily="18" charset="0"/>
+                      </a:endParaRPr>
+                    </a:p>
+                  </a:txBody>
+                  <a:tcPr marL="68580" marR="68580" marT="0" marB="0" anchor="ctr"/>
+                </a:tc>
+                <a:tc>
+                  <a:txBody>
+                    <a:bodyPr/>
+                    <a:lstStyle/>
+                    <a:p>
+                      <a:pPr algn="ctr">
+                        <a:lnSpc>
+                          <a:spcPct val="107000"/>
+                        </a:lnSpc>
+                        <a:spcAft>
+                          <a:spcPts val="0"/>
+                        </a:spcAft>
+                      </a:pPr>
+                      <a:r>
+                        <a:rPr lang="es-ES" sz="1200">
+                          <a:effectLst/>
+                          <a:latin typeface="Century Gothic" panose="020B0502020202020204" pitchFamily="34" charset="0"/>
+                        </a:rPr>
+                        <a:t>Yii2 es más fácil de configurar que Laravel</a:t>
+                      </a:r>
+                      <a:endParaRPr lang="es-ES" sz="1200">
+                        <a:effectLst/>
+                        <a:latin typeface="Century Gothic" panose="020B0502020202020204" pitchFamily="34" charset="0"/>
+                        <a:ea typeface="Calibri" panose="020F0502020204030204" pitchFamily="34" charset="0"/>
+                        <a:cs typeface="Times New Roman" panose="02020603050405020304" pitchFamily="18" charset="0"/>
+                      </a:endParaRPr>
+                    </a:p>
+                  </a:txBody>
+                  <a:tcPr marL="68580" marR="68580" marT="0" marB="0" anchor="ctr"/>
+                </a:tc>
+                <a:extLst>
+                  <a:ext uri="{0D108BD9-81ED-4DB2-BD59-A6C34878D82A}">
+                    <a16:rowId xmlns:a16="http://schemas.microsoft.com/office/drawing/2014/main" val="2992829836"/>
+                  </a:ext>
+                </a:extLst>
+              </a:tr>
+              <a:tr h="420966">
+                <a:tc>
+                  <a:txBody>
+                    <a:bodyPr/>
+                    <a:lstStyle/>
+                    <a:p>
+                      <a:pPr algn="ctr">
+                        <a:lnSpc>
+                          <a:spcPct val="107000"/>
+                        </a:lnSpc>
+                        <a:spcAft>
+                          <a:spcPts val="0"/>
+                        </a:spcAft>
+                      </a:pPr>
+                      <a:r>
+                        <a:rPr lang="es-ES" sz="1600" dirty="0">
+                          <a:effectLst/>
+                          <a:latin typeface="Century Gothic" panose="020B0502020202020204" pitchFamily="34" charset="0"/>
+                        </a:rPr>
+                        <a:t>3</a:t>
+                      </a:r>
+                      <a:endParaRPr lang="es-ES" sz="1600" b="1" dirty="0">
+                        <a:effectLst/>
+                        <a:latin typeface="Century Gothic" panose="020B0502020202020204" pitchFamily="34" charset="0"/>
+                        <a:ea typeface="Calibri" panose="020F0502020204030204" pitchFamily="34" charset="0"/>
+                        <a:cs typeface="Times New Roman" panose="02020603050405020304" pitchFamily="18" charset="0"/>
+                      </a:endParaRPr>
+                    </a:p>
+                  </a:txBody>
+                  <a:tcPr marL="68580" marR="68580" marT="0" marB="0" anchor="ctr"/>
+                </a:tc>
+                <a:tc>
+                  <a:txBody>
+                    <a:bodyPr/>
+                    <a:lstStyle/>
+                    <a:p>
+                      <a:pPr algn="ctr">
+                        <a:lnSpc>
+                          <a:spcPct val="107000"/>
+                        </a:lnSpc>
+                        <a:spcAft>
+                          <a:spcPts val="0"/>
+                        </a:spcAft>
+                      </a:pPr>
+                      <a:r>
+                        <a:rPr lang="es-ES" sz="1200" dirty="0">
+                          <a:effectLst/>
+                          <a:latin typeface="Century Gothic" panose="020B0502020202020204" pitchFamily="34" charset="0"/>
+                        </a:rPr>
+                        <a:t>5</a:t>
+                      </a:r>
+                      <a:endParaRPr lang="es-ES" sz="1200" dirty="0">
+                        <a:effectLst/>
+                        <a:latin typeface="Century Gothic" panose="020B0502020202020204" pitchFamily="34" charset="0"/>
+                        <a:ea typeface="Calibri" panose="020F0502020204030204" pitchFamily="34" charset="0"/>
+                        <a:cs typeface="Times New Roman" panose="02020603050405020304" pitchFamily="18" charset="0"/>
+                      </a:endParaRPr>
+                    </a:p>
+                  </a:txBody>
+                  <a:tcPr marL="68580" marR="68580" marT="0" marB="0" anchor="ctr"/>
+                </a:tc>
+                <a:tc>
+                  <a:txBody>
+                    <a:bodyPr/>
+                    <a:lstStyle/>
+                    <a:p>
+                      <a:pPr algn="ctr">
+                        <a:lnSpc>
+                          <a:spcPct val="107000"/>
+                        </a:lnSpc>
+                        <a:spcAft>
+                          <a:spcPts val="0"/>
+                        </a:spcAft>
+                      </a:pPr>
+                      <a:r>
+                        <a:rPr lang="es-ES" sz="1200">
+                          <a:effectLst/>
+                          <a:latin typeface="Century Gothic" panose="020B0502020202020204" pitchFamily="34" charset="0"/>
+                        </a:rPr>
+                        <a:t>7</a:t>
+                      </a:r>
+                      <a:endParaRPr lang="es-ES" sz="1200">
+                        <a:effectLst/>
+                        <a:latin typeface="Century Gothic" panose="020B0502020202020204" pitchFamily="34" charset="0"/>
+                        <a:ea typeface="Calibri" panose="020F0502020204030204" pitchFamily="34" charset="0"/>
+                        <a:cs typeface="Times New Roman" panose="02020603050405020304" pitchFamily="18" charset="0"/>
+                      </a:endParaRPr>
+                    </a:p>
+                  </a:txBody>
+                  <a:tcPr marL="68580" marR="68580" marT="0" marB="0" anchor="ctr"/>
+                </a:tc>
+                <a:tc>
+                  <a:txBody>
+                    <a:bodyPr/>
+                    <a:lstStyle/>
+                    <a:p>
+                      <a:pPr algn="ctr">
+                        <a:lnSpc>
+                          <a:spcPct val="107000"/>
+                        </a:lnSpc>
+                        <a:spcAft>
+                          <a:spcPts val="0"/>
+                        </a:spcAft>
+                      </a:pPr>
+                      <a:r>
+                        <a:rPr lang="es-ES" sz="1200">
+                          <a:effectLst/>
+                          <a:latin typeface="Century Gothic" panose="020B0502020202020204" pitchFamily="34" charset="0"/>
+                        </a:rPr>
+                        <a:t>Laravel permite más manejo de usuario que Yii2</a:t>
+                      </a:r>
+                      <a:endParaRPr lang="es-ES" sz="1200">
+                        <a:effectLst/>
+                        <a:latin typeface="Century Gothic" panose="020B0502020202020204" pitchFamily="34" charset="0"/>
+                        <a:ea typeface="Calibri" panose="020F0502020204030204" pitchFamily="34" charset="0"/>
+                        <a:cs typeface="Times New Roman" panose="02020603050405020304" pitchFamily="18" charset="0"/>
+                      </a:endParaRPr>
+                    </a:p>
+                  </a:txBody>
+                  <a:tcPr marL="68580" marR="68580" marT="0" marB="0" anchor="ctr"/>
+                </a:tc>
+                <a:extLst>
+                  <a:ext uri="{0D108BD9-81ED-4DB2-BD59-A6C34878D82A}">
+                    <a16:rowId xmlns:a16="http://schemas.microsoft.com/office/drawing/2014/main" val="3332821917"/>
+                  </a:ext>
+                </a:extLst>
+              </a:tr>
+              <a:tr h="422899">
+                <a:tc>
+                  <a:txBody>
+                    <a:bodyPr/>
+                    <a:lstStyle/>
+                    <a:p>
+                      <a:pPr algn="ctr">
+                        <a:lnSpc>
+                          <a:spcPct val="107000"/>
+                        </a:lnSpc>
+                        <a:spcAft>
+                          <a:spcPts val="0"/>
+                        </a:spcAft>
+                      </a:pPr>
+                      <a:r>
+                        <a:rPr lang="es-ES" sz="1600" dirty="0">
+                          <a:effectLst/>
+                          <a:latin typeface="Century Gothic" panose="020B0502020202020204" pitchFamily="34" charset="0"/>
+                        </a:rPr>
+                        <a:t>4</a:t>
+                      </a:r>
+                      <a:endParaRPr lang="es-ES" sz="1600" b="1" dirty="0">
+                        <a:effectLst/>
+                        <a:latin typeface="Century Gothic" panose="020B0502020202020204" pitchFamily="34" charset="0"/>
+                        <a:ea typeface="Calibri" panose="020F0502020204030204" pitchFamily="34" charset="0"/>
+                        <a:cs typeface="Times New Roman" panose="02020603050405020304" pitchFamily="18" charset="0"/>
+                      </a:endParaRPr>
+                    </a:p>
+                  </a:txBody>
+                  <a:tcPr marL="68580" marR="68580" marT="0" marB="0" anchor="ctr"/>
+                </a:tc>
+                <a:tc>
+                  <a:txBody>
+                    <a:bodyPr/>
+                    <a:lstStyle/>
+                    <a:p>
+                      <a:pPr algn="ctr">
+                        <a:lnSpc>
+                          <a:spcPct val="107000"/>
+                        </a:lnSpc>
+                        <a:spcAft>
+                          <a:spcPts val="0"/>
+                        </a:spcAft>
+                      </a:pPr>
+                      <a:r>
+                        <a:rPr lang="es-ES" sz="1200">
+                          <a:effectLst/>
+                          <a:latin typeface="Century Gothic" panose="020B0502020202020204" pitchFamily="34" charset="0"/>
+                        </a:rPr>
+                        <a:t>Si</a:t>
+                      </a:r>
+                      <a:endParaRPr lang="es-ES" sz="1200">
+                        <a:effectLst/>
+                        <a:latin typeface="Century Gothic" panose="020B0502020202020204" pitchFamily="34" charset="0"/>
+                        <a:ea typeface="Calibri" panose="020F0502020204030204" pitchFamily="34" charset="0"/>
+                        <a:cs typeface="Times New Roman" panose="02020603050405020304" pitchFamily="18" charset="0"/>
+                      </a:endParaRPr>
+                    </a:p>
+                  </a:txBody>
+                  <a:tcPr marL="68580" marR="68580" marT="0" marB="0" anchor="ctr"/>
+                </a:tc>
+                <a:tc>
+                  <a:txBody>
+                    <a:bodyPr/>
+                    <a:lstStyle/>
+                    <a:p>
+                      <a:pPr algn="ctr">
+                        <a:lnSpc>
+                          <a:spcPct val="107000"/>
+                        </a:lnSpc>
+                        <a:spcAft>
+                          <a:spcPts val="0"/>
+                        </a:spcAft>
+                      </a:pPr>
+                      <a:r>
+                        <a:rPr lang="es-ES" sz="1200">
+                          <a:effectLst/>
+                          <a:latin typeface="Century Gothic" panose="020B0502020202020204" pitchFamily="34" charset="0"/>
+                        </a:rPr>
+                        <a:t>Si</a:t>
+                      </a:r>
+                      <a:endParaRPr lang="es-ES" sz="1200">
+                        <a:effectLst/>
+                        <a:latin typeface="Century Gothic" panose="020B0502020202020204" pitchFamily="34" charset="0"/>
+                        <a:ea typeface="Calibri" panose="020F0502020204030204" pitchFamily="34" charset="0"/>
+                        <a:cs typeface="Times New Roman" panose="02020603050405020304" pitchFamily="18" charset="0"/>
+                      </a:endParaRPr>
+                    </a:p>
+                  </a:txBody>
+                  <a:tcPr marL="68580" marR="68580" marT="0" marB="0" anchor="ctr"/>
+                </a:tc>
+                <a:tc>
+                  <a:txBody>
+                    <a:bodyPr/>
+                    <a:lstStyle/>
+                    <a:p>
+                      <a:pPr algn="ctr">
+                        <a:lnSpc>
+                          <a:spcPct val="107000"/>
+                        </a:lnSpc>
+                        <a:spcAft>
+                          <a:spcPts val="0"/>
+                        </a:spcAft>
+                      </a:pPr>
+                      <a:r>
+                        <a:rPr lang="es-ES" sz="1200">
+                          <a:effectLst/>
+                          <a:latin typeface="Century Gothic" panose="020B0502020202020204" pitchFamily="34" charset="0"/>
+                        </a:rPr>
+                        <a:t>Los dos funcionan por igual en los navegadores modernos</a:t>
+                      </a:r>
+                      <a:endParaRPr lang="es-ES" sz="1200">
+                        <a:effectLst/>
+                        <a:latin typeface="Century Gothic" panose="020B0502020202020204" pitchFamily="34" charset="0"/>
+                        <a:ea typeface="Calibri" panose="020F0502020204030204" pitchFamily="34" charset="0"/>
+                        <a:cs typeface="Times New Roman" panose="02020603050405020304" pitchFamily="18" charset="0"/>
+                      </a:endParaRPr>
+                    </a:p>
+                  </a:txBody>
+                  <a:tcPr marL="68580" marR="68580" marT="0" marB="0" anchor="ctr"/>
+                </a:tc>
+                <a:extLst>
+                  <a:ext uri="{0D108BD9-81ED-4DB2-BD59-A6C34878D82A}">
+                    <a16:rowId xmlns:a16="http://schemas.microsoft.com/office/drawing/2014/main" val="1511771178"/>
+                  </a:ext>
+                </a:extLst>
+              </a:tr>
+              <a:tr h="269708">
+                <a:tc>
+                  <a:txBody>
+                    <a:bodyPr/>
+                    <a:lstStyle/>
+                    <a:p>
+                      <a:pPr algn="ctr">
+                        <a:lnSpc>
+                          <a:spcPct val="107000"/>
+                        </a:lnSpc>
+                        <a:spcAft>
+                          <a:spcPts val="0"/>
+                        </a:spcAft>
+                      </a:pPr>
+                      <a:r>
+                        <a:rPr lang="es-ES" sz="1600" dirty="0">
+                          <a:effectLst/>
+                          <a:latin typeface="Century Gothic" panose="020B0502020202020204" pitchFamily="34" charset="0"/>
+                        </a:rPr>
+                        <a:t>5</a:t>
+                      </a:r>
+                      <a:endParaRPr lang="es-ES" sz="1600" b="1" dirty="0">
+                        <a:effectLst/>
+                        <a:latin typeface="Century Gothic" panose="020B0502020202020204" pitchFamily="34" charset="0"/>
+                        <a:ea typeface="Calibri" panose="020F0502020204030204" pitchFamily="34" charset="0"/>
+                        <a:cs typeface="Times New Roman" panose="02020603050405020304" pitchFamily="18" charset="0"/>
+                      </a:endParaRPr>
+                    </a:p>
+                  </a:txBody>
+                  <a:tcPr marL="68580" marR="68580" marT="0" marB="0" anchor="ctr"/>
+                </a:tc>
+                <a:tc>
+                  <a:txBody>
+                    <a:bodyPr/>
+                    <a:lstStyle/>
+                    <a:p>
+                      <a:pPr algn="ctr">
+                        <a:lnSpc>
+                          <a:spcPct val="107000"/>
+                        </a:lnSpc>
+                        <a:spcAft>
+                          <a:spcPts val="0"/>
+                        </a:spcAft>
+                      </a:pPr>
+                      <a:r>
+                        <a:rPr lang="es-ES" sz="1200">
+                          <a:effectLst/>
+                          <a:latin typeface="Century Gothic" panose="020B0502020202020204" pitchFamily="34" charset="0"/>
+                        </a:rPr>
+                        <a:t>No</a:t>
+                      </a:r>
+                      <a:endParaRPr lang="es-ES" sz="1200">
+                        <a:effectLst/>
+                        <a:latin typeface="Century Gothic" panose="020B0502020202020204" pitchFamily="34" charset="0"/>
+                        <a:ea typeface="Calibri" panose="020F0502020204030204" pitchFamily="34" charset="0"/>
+                        <a:cs typeface="Times New Roman" panose="02020603050405020304" pitchFamily="18" charset="0"/>
+                      </a:endParaRPr>
+                    </a:p>
+                  </a:txBody>
+                  <a:tcPr marL="68580" marR="68580" marT="0" marB="0" anchor="ctr"/>
+                </a:tc>
+                <a:tc>
+                  <a:txBody>
+                    <a:bodyPr/>
+                    <a:lstStyle/>
+                    <a:p>
+                      <a:pPr algn="ctr">
+                        <a:lnSpc>
+                          <a:spcPct val="107000"/>
+                        </a:lnSpc>
+                        <a:spcAft>
+                          <a:spcPts val="0"/>
+                        </a:spcAft>
+                      </a:pPr>
+                      <a:r>
+                        <a:rPr lang="es-ES" sz="1200">
+                          <a:effectLst/>
+                          <a:latin typeface="Century Gothic" panose="020B0502020202020204" pitchFamily="34" charset="0"/>
+                        </a:rPr>
+                        <a:t>No</a:t>
+                      </a:r>
+                      <a:endParaRPr lang="es-ES" sz="1200">
+                        <a:effectLst/>
+                        <a:latin typeface="Century Gothic" panose="020B0502020202020204" pitchFamily="34" charset="0"/>
+                        <a:ea typeface="Calibri" panose="020F0502020204030204" pitchFamily="34" charset="0"/>
+                        <a:cs typeface="Times New Roman" panose="02020603050405020304" pitchFamily="18" charset="0"/>
+                      </a:endParaRPr>
+                    </a:p>
+                  </a:txBody>
+                  <a:tcPr marL="68580" marR="68580" marT="0" marB="0" anchor="ctr"/>
+                </a:tc>
+                <a:tc>
+                  <a:txBody>
+                    <a:bodyPr/>
+                    <a:lstStyle/>
+                    <a:p>
+                      <a:pPr algn="ctr">
+                        <a:lnSpc>
+                          <a:spcPct val="107000"/>
+                        </a:lnSpc>
+                        <a:spcAft>
+                          <a:spcPts val="0"/>
+                        </a:spcAft>
+                      </a:pPr>
+                      <a:r>
+                        <a:rPr lang="es-ES" sz="1200" dirty="0">
+                          <a:effectLst/>
+                          <a:latin typeface="Century Gothic" panose="020B0502020202020204" pitchFamily="34" charset="0"/>
+                        </a:rPr>
+                        <a:t>No necesitan extensiones para su funcionalidad</a:t>
+                      </a:r>
+                      <a:endParaRPr lang="es-ES" sz="1200" dirty="0">
+                        <a:effectLst/>
+                        <a:latin typeface="Century Gothic" panose="020B0502020202020204" pitchFamily="34" charset="0"/>
+                        <a:ea typeface="Calibri" panose="020F0502020204030204" pitchFamily="34" charset="0"/>
+                        <a:cs typeface="Times New Roman" panose="02020603050405020304" pitchFamily="18" charset="0"/>
+                      </a:endParaRPr>
+                    </a:p>
+                  </a:txBody>
+                  <a:tcPr marL="68580" marR="68580" marT="0" marB="0" anchor="ctr"/>
+                </a:tc>
+                <a:extLst>
+                  <a:ext uri="{0D108BD9-81ED-4DB2-BD59-A6C34878D82A}">
+                    <a16:rowId xmlns:a16="http://schemas.microsoft.com/office/drawing/2014/main" val="642096529"/>
+                  </a:ext>
+                </a:extLst>
+              </a:tr>
+              <a:tr h="503601">
+                <a:tc>
+                  <a:txBody>
+                    <a:bodyPr/>
+                    <a:lstStyle/>
+                    <a:p>
+                      <a:pPr algn="ctr">
+                        <a:lnSpc>
+                          <a:spcPct val="107000"/>
+                        </a:lnSpc>
+                        <a:spcAft>
+                          <a:spcPts val="0"/>
+                        </a:spcAft>
+                      </a:pPr>
+                      <a:r>
+                        <a:rPr lang="es-ES" sz="1600" dirty="0">
+                          <a:effectLst/>
+                          <a:latin typeface="Century Gothic" panose="020B0502020202020204" pitchFamily="34" charset="0"/>
+                        </a:rPr>
+                        <a:t>6</a:t>
+                      </a:r>
+                      <a:endParaRPr lang="es-ES" sz="1600" b="1" dirty="0">
+                        <a:effectLst/>
+                        <a:latin typeface="Century Gothic" panose="020B0502020202020204" pitchFamily="34" charset="0"/>
+                        <a:ea typeface="Calibri" panose="020F0502020204030204" pitchFamily="34" charset="0"/>
+                        <a:cs typeface="Times New Roman" panose="02020603050405020304" pitchFamily="18" charset="0"/>
+                      </a:endParaRPr>
+                    </a:p>
+                  </a:txBody>
+                  <a:tcPr marL="68580" marR="68580" marT="0" marB="0" anchor="ctr"/>
+                </a:tc>
+                <a:tc>
+                  <a:txBody>
+                    <a:bodyPr/>
+                    <a:lstStyle/>
+                    <a:p>
+                      <a:pPr algn="ctr">
+                        <a:lnSpc>
+                          <a:spcPct val="107000"/>
+                        </a:lnSpc>
+                        <a:spcAft>
+                          <a:spcPts val="0"/>
+                        </a:spcAft>
+                      </a:pPr>
+                      <a:r>
+                        <a:rPr lang="es-ES" sz="1200">
+                          <a:effectLst/>
+                          <a:latin typeface="Century Gothic" panose="020B0502020202020204" pitchFamily="34" charset="0"/>
+                        </a:rPr>
+                        <a:t>4 horas</a:t>
+                      </a:r>
+                      <a:endParaRPr lang="es-ES" sz="1200">
+                        <a:effectLst/>
+                        <a:latin typeface="Century Gothic" panose="020B0502020202020204" pitchFamily="34" charset="0"/>
+                        <a:ea typeface="Calibri" panose="020F0502020204030204" pitchFamily="34" charset="0"/>
+                        <a:cs typeface="Times New Roman" panose="02020603050405020304" pitchFamily="18" charset="0"/>
+                      </a:endParaRPr>
+                    </a:p>
+                  </a:txBody>
+                  <a:tcPr marL="68580" marR="68580" marT="0" marB="0" anchor="ctr"/>
+                </a:tc>
+                <a:tc>
+                  <a:txBody>
+                    <a:bodyPr/>
+                    <a:lstStyle/>
+                    <a:p>
+                      <a:pPr algn="ctr">
+                        <a:lnSpc>
+                          <a:spcPct val="107000"/>
+                        </a:lnSpc>
+                        <a:spcAft>
+                          <a:spcPts val="0"/>
+                        </a:spcAft>
+                      </a:pPr>
+                      <a:r>
+                        <a:rPr lang="es-ES" sz="1200">
+                          <a:effectLst/>
+                          <a:latin typeface="Century Gothic" panose="020B0502020202020204" pitchFamily="34" charset="0"/>
+                        </a:rPr>
+                        <a:t>4 horas (no finalizado)</a:t>
+                      </a:r>
+                      <a:endParaRPr lang="es-ES" sz="1200">
+                        <a:effectLst/>
+                        <a:latin typeface="Century Gothic" panose="020B0502020202020204" pitchFamily="34" charset="0"/>
+                        <a:ea typeface="Calibri" panose="020F0502020204030204" pitchFamily="34" charset="0"/>
+                        <a:cs typeface="Times New Roman" panose="02020603050405020304" pitchFamily="18" charset="0"/>
+                      </a:endParaRPr>
+                    </a:p>
+                  </a:txBody>
+                  <a:tcPr marL="68580" marR="68580" marT="0" marB="0" anchor="ctr"/>
+                </a:tc>
+                <a:tc>
+                  <a:txBody>
+                    <a:bodyPr/>
+                    <a:lstStyle/>
+                    <a:p>
+                      <a:pPr algn="ctr">
+                        <a:lnSpc>
+                          <a:spcPct val="107000"/>
+                        </a:lnSpc>
+                        <a:spcAft>
+                          <a:spcPts val="0"/>
+                        </a:spcAft>
+                      </a:pPr>
+                      <a:r>
+                        <a:rPr lang="es-ES" sz="1200" dirty="0">
+                          <a:effectLst/>
+                          <a:latin typeface="Century Gothic" panose="020B0502020202020204" pitchFamily="34" charset="0"/>
+                        </a:rPr>
+                        <a:t>Aún utilizando las mismas horas se pueden implementar más cosas en Yii2 que en Laravel</a:t>
+                      </a:r>
+                      <a:endParaRPr lang="es-ES" sz="1200" dirty="0">
+                        <a:effectLst/>
+                        <a:latin typeface="Century Gothic" panose="020B0502020202020204" pitchFamily="34" charset="0"/>
+                        <a:ea typeface="Calibri" panose="020F0502020204030204" pitchFamily="34" charset="0"/>
+                        <a:cs typeface="Times New Roman" panose="02020603050405020304" pitchFamily="18" charset="0"/>
+                      </a:endParaRPr>
+                    </a:p>
+                  </a:txBody>
+                  <a:tcPr marL="68580" marR="68580" marT="0" marB="0" anchor="ctr"/>
+                </a:tc>
+                <a:extLst>
+                  <a:ext uri="{0D108BD9-81ED-4DB2-BD59-A6C34878D82A}">
+                    <a16:rowId xmlns:a16="http://schemas.microsoft.com/office/drawing/2014/main" val="1075110326"/>
+                  </a:ext>
+                </a:extLst>
+              </a:tr>
+              <a:tr h="269708">
+                <a:tc>
+                  <a:txBody>
+                    <a:bodyPr/>
+                    <a:lstStyle/>
+                    <a:p>
+                      <a:pPr algn="ctr">
+                        <a:lnSpc>
+                          <a:spcPct val="107000"/>
+                        </a:lnSpc>
+                        <a:spcAft>
+                          <a:spcPts val="0"/>
+                        </a:spcAft>
+                      </a:pPr>
+                      <a:r>
+                        <a:rPr lang="es-ES" sz="1600" dirty="0">
+                          <a:effectLst/>
+                          <a:latin typeface="Century Gothic" panose="020B0502020202020204" pitchFamily="34" charset="0"/>
+                        </a:rPr>
+                        <a:t>7</a:t>
+                      </a:r>
+                      <a:endParaRPr lang="es-ES" sz="1600" b="1" dirty="0">
+                        <a:effectLst/>
+                        <a:latin typeface="Century Gothic" panose="020B0502020202020204" pitchFamily="34" charset="0"/>
+                        <a:ea typeface="Calibri" panose="020F0502020204030204" pitchFamily="34" charset="0"/>
+                        <a:cs typeface="Times New Roman" panose="02020603050405020304" pitchFamily="18" charset="0"/>
+                      </a:endParaRPr>
+                    </a:p>
+                  </a:txBody>
+                  <a:tcPr marL="68580" marR="68580" marT="0" marB="0" anchor="ctr"/>
+                </a:tc>
+                <a:tc>
+                  <a:txBody>
+                    <a:bodyPr/>
+                    <a:lstStyle/>
+                    <a:p>
+                      <a:pPr algn="ctr">
+                        <a:lnSpc>
+                          <a:spcPct val="107000"/>
+                        </a:lnSpc>
+                        <a:spcAft>
+                          <a:spcPts val="0"/>
+                        </a:spcAft>
+                      </a:pPr>
+                      <a:r>
+                        <a:rPr lang="es-ES" sz="1200">
+                          <a:effectLst/>
+                          <a:latin typeface="Century Gothic" panose="020B0502020202020204" pitchFamily="34" charset="0"/>
+                        </a:rPr>
+                        <a:t>75</a:t>
+                      </a:r>
+                      <a:endParaRPr lang="es-ES" sz="1200">
+                        <a:effectLst/>
+                        <a:latin typeface="Century Gothic" panose="020B0502020202020204" pitchFamily="34" charset="0"/>
+                        <a:ea typeface="Calibri" panose="020F0502020204030204" pitchFamily="34" charset="0"/>
+                        <a:cs typeface="Times New Roman" panose="02020603050405020304" pitchFamily="18" charset="0"/>
+                      </a:endParaRPr>
+                    </a:p>
+                  </a:txBody>
+                  <a:tcPr marL="68580" marR="68580" marT="0" marB="0" anchor="ctr"/>
+                </a:tc>
+                <a:tc>
+                  <a:txBody>
+                    <a:bodyPr/>
+                    <a:lstStyle/>
+                    <a:p>
+                      <a:pPr algn="ctr">
+                        <a:lnSpc>
+                          <a:spcPct val="107000"/>
+                        </a:lnSpc>
+                        <a:spcAft>
+                          <a:spcPts val="0"/>
+                        </a:spcAft>
+                      </a:pPr>
+                      <a:r>
+                        <a:rPr lang="es-ES" sz="1200">
+                          <a:effectLst/>
+                          <a:latin typeface="Century Gothic" panose="020B0502020202020204" pitchFamily="34" charset="0"/>
+                        </a:rPr>
+                        <a:t>60</a:t>
+                      </a:r>
+                      <a:endParaRPr lang="es-ES" sz="1200">
+                        <a:effectLst/>
+                        <a:latin typeface="Century Gothic" panose="020B0502020202020204" pitchFamily="34" charset="0"/>
+                        <a:ea typeface="Calibri" panose="020F0502020204030204" pitchFamily="34" charset="0"/>
+                        <a:cs typeface="Times New Roman" panose="02020603050405020304" pitchFamily="18" charset="0"/>
+                      </a:endParaRPr>
+                    </a:p>
+                  </a:txBody>
+                  <a:tcPr marL="68580" marR="68580" marT="0" marB="0" anchor="ctr"/>
+                </a:tc>
+                <a:tc>
+                  <a:txBody>
+                    <a:bodyPr/>
+                    <a:lstStyle/>
+                    <a:p>
+                      <a:pPr algn="ctr">
+                        <a:lnSpc>
+                          <a:spcPct val="107000"/>
+                        </a:lnSpc>
+                        <a:spcAft>
+                          <a:spcPts val="0"/>
+                        </a:spcAft>
+                      </a:pPr>
+                      <a:r>
+                        <a:rPr lang="es-ES" sz="1200" dirty="0">
+                          <a:effectLst/>
+                          <a:latin typeface="Century Gothic" panose="020B0502020202020204" pitchFamily="34" charset="0"/>
+                        </a:rPr>
+                        <a:t>Yii2 es más rápido que Laravel</a:t>
+                      </a:r>
+                      <a:endParaRPr lang="es-ES" sz="1200" dirty="0">
+                        <a:effectLst/>
+                        <a:latin typeface="Century Gothic" panose="020B0502020202020204" pitchFamily="34" charset="0"/>
+                        <a:ea typeface="Calibri" panose="020F0502020204030204" pitchFamily="34" charset="0"/>
+                        <a:cs typeface="Times New Roman" panose="02020603050405020304" pitchFamily="18" charset="0"/>
+                      </a:endParaRPr>
+                    </a:p>
+                  </a:txBody>
+                  <a:tcPr marL="68580" marR="68580" marT="0" marB="0" anchor="ctr"/>
+                </a:tc>
+                <a:extLst>
+                  <a:ext uri="{0D108BD9-81ED-4DB2-BD59-A6C34878D82A}">
+                    <a16:rowId xmlns:a16="http://schemas.microsoft.com/office/drawing/2014/main" val="724997094"/>
+                  </a:ext>
+                </a:extLst>
+              </a:tr>
+              <a:tr h="862708">
+                <a:tc>
+                  <a:txBody>
+                    <a:bodyPr/>
+                    <a:lstStyle/>
+                    <a:p>
+                      <a:pPr algn="ctr">
+                        <a:lnSpc>
+                          <a:spcPct val="107000"/>
+                        </a:lnSpc>
+                        <a:spcAft>
+                          <a:spcPts val="0"/>
+                        </a:spcAft>
+                      </a:pPr>
+                      <a:r>
+                        <a:rPr lang="es-ES" sz="1600" dirty="0">
+                          <a:effectLst/>
+                          <a:latin typeface="Century Gothic" panose="020B0502020202020204" pitchFamily="34" charset="0"/>
+                        </a:rPr>
+                        <a:t>8</a:t>
+                      </a:r>
+                      <a:endParaRPr lang="es-ES" sz="1600" b="1" dirty="0">
+                        <a:effectLst/>
+                        <a:latin typeface="Century Gothic" panose="020B0502020202020204" pitchFamily="34" charset="0"/>
+                        <a:ea typeface="Calibri" panose="020F0502020204030204" pitchFamily="34" charset="0"/>
+                        <a:cs typeface="Times New Roman" panose="02020603050405020304" pitchFamily="18" charset="0"/>
+                      </a:endParaRPr>
+                    </a:p>
+                  </a:txBody>
+                  <a:tcPr marL="68580" marR="68580" marT="0" marB="0" anchor="ctr"/>
+                </a:tc>
+                <a:tc>
+                  <a:txBody>
+                    <a:bodyPr/>
+                    <a:lstStyle/>
+                    <a:p>
+                      <a:pPr algn="ctr">
+                        <a:lnSpc>
+                          <a:spcPct val="107000"/>
+                        </a:lnSpc>
+                        <a:spcAft>
+                          <a:spcPts val="0"/>
+                        </a:spcAft>
+                      </a:pPr>
+                      <a:r>
+                        <a:rPr lang="es-ES" sz="1200">
+                          <a:effectLst/>
+                          <a:latin typeface="Century Gothic" panose="020B0502020202020204" pitchFamily="34" charset="0"/>
+                        </a:rPr>
+                        <a:t>PC, Internet, navegador, composer, documentación, editor de código</a:t>
+                      </a:r>
+                      <a:endParaRPr lang="es-ES" sz="1200">
+                        <a:effectLst/>
+                        <a:latin typeface="Century Gothic" panose="020B0502020202020204" pitchFamily="34" charset="0"/>
+                        <a:ea typeface="Calibri" panose="020F0502020204030204" pitchFamily="34" charset="0"/>
+                        <a:cs typeface="Times New Roman" panose="02020603050405020304" pitchFamily="18" charset="0"/>
+                      </a:endParaRPr>
+                    </a:p>
+                  </a:txBody>
+                  <a:tcPr marL="68580" marR="68580" marT="0" marB="0" anchor="ctr"/>
+                </a:tc>
+                <a:tc>
+                  <a:txBody>
+                    <a:bodyPr/>
+                    <a:lstStyle/>
+                    <a:p>
+                      <a:pPr algn="ctr">
+                        <a:lnSpc>
+                          <a:spcPct val="107000"/>
+                        </a:lnSpc>
+                        <a:spcAft>
+                          <a:spcPts val="0"/>
+                        </a:spcAft>
+                      </a:pPr>
+                      <a:r>
+                        <a:rPr lang="es-ES" sz="1200">
+                          <a:effectLst/>
+                          <a:latin typeface="Century Gothic" panose="020B0502020202020204" pitchFamily="34" charset="0"/>
+                        </a:rPr>
+                        <a:t>PC, Internet, navegador, composer, documentación, editor de código</a:t>
+                      </a:r>
+                      <a:endParaRPr lang="es-ES" sz="1200">
+                        <a:effectLst/>
+                        <a:latin typeface="Century Gothic" panose="020B0502020202020204" pitchFamily="34" charset="0"/>
+                        <a:ea typeface="Calibri" panose="020F0502020204030204" pitchFamily="34" charset="0"/>
+                        <a:cs typeface="Times New Roman" panose="02020603050405020304" pitchFamily="18" charset="0"/>
+                      </a:endParaRPr>
+                    </a:p>
+                  </a:txBody>
+                  <a:tcPr marL="68580" marR="68580" marT="0" marB="0" anchor="ctr"/>
+                </a:tc>
+                <a:tc>
+                  <a:txBody>
+                    <a:bodyPr/>
+                    <a:lstStyle/>
+                    <a:p>
+                      <a:pPr algn="ctr">
+                        <a:lnSpc>
+                          <a:spcPct val="107000"/>
+                        </a:lnSpc>
+                        <a:spcAft>
+                          <a:spcPts val="0"/>
+                        </a:spcAft>
+                      </a:pPr>
+                      <a:r>
+                        <a:rPr lang="es-ES" sz="1200" dirty="0">
+                          <a:effectLst/>
+                          <a:latin typeface="Century Gothic" panose="020B0502020202020204" pitchFamily="34" charset="0"/>
+                        </a:rPr>
+                        <a:t>Los dos necesitan los mismos recursos</a:t>
+                      </a:r>
+                      <a:endParaRPr lang="es-ES" sz="1200" dirty="0">
+                        <a:effectLst/>
+                        <a:latin typeface="Century Gothic" panose="020B0502020202020204" pitchFamily="34" charset="0"/>
+                        <a:ea typeface="Calibri" panose="020F0502020204030204" pitchFamily="34" charset="0"/>
+                        <a:cs typeface="Times New Roman" panose="02020603050405020304" pitchFamily="18" charset="0"/>
+                      </a:endParaRPr>
+                    </a:p>
+                  </a:txBody>
+                  <a:tcPr marL="68580" marR="68580" marT="0" marB="0" anchor="ctr"/>
+                </a:tc>
+                <a:extLst>
+                  <a:ext uri="{0D108BD9-81ED-4DB2-BD59-A6C34878D82A}">
+                    <a16:rowId xmlns:a16="http://schemas.microsoft.com/office/drawing/2014/main" val="3962144863"/>
+                  </a:ext>
+                </a:extLst>
+              </a:tr>
+              <a:tr h="301513">
+                <a:tc>
+                  <a:txBody>
+                    <a:bodyPr/>
+                    <a:lstStyle/>
+                    <a:p>
+                      <a:pPr algn="ctr">
+                        <a:lnSpc>
+                          <a:spcPct val="107000"/>
+                        </a:lnSpc>
+                        <a:spcAft>
+                          <a:spcPts val="0"/>
+                        </a:spcAft>
+                      </a:pPr>
+                      <a:r>
+                        <a:rPr lang="es-ES" sz="1600" dirty="0">
+                          <a:effectLst/>
+                          <a:latin typeface="Century Gothic" panose="020B0502020202020204" pitchFamily="34" charset="0"/>
+                        </a:rPr>
+                        <a:t>9</a:t>
+                      </a:r>
+                      <a:endParaRPr lang="es-ES" sz="1600" b="1" dirty="0">
+                        <a:effectLst/>
+                        <a:latin typeface="Century Gothic" panose="020B0502020202020204" pitchFamily="34" charset="0"/>
+                        <a:ea typeface="Calibri" panose="020F0502020204030204" pitchFamily="34" charset="0"/>
+                        <a:cs typeface="Times New Roman" panose="02020603050405020304" pitchFamily="18" charset="0"/>
+                      </a:endParaRPr>
+                    </a:p>
+                  </a:txBody>
+                  <a:tcPr marL="68580" marR="68580" marT="0" marB="0" anchor="ctr"/>
+                </a:tc>
+                <a:tc>
+                  <a:txBody>
+                    <a:bodyPr/>
+                    <a:lstStyle/>
+                    <a:p>
+                      <a:pPr algn="ctr">
+                        <a:lnSpc>
+                          <a:spcPct val="107000"/>
+                        </a:lnSpc>
+                        <a:spcAft>
+                          <a:spcPts val="0"/>
+                        </a:spcAft>
+                      </a:pPr>
+                      <a:r>
+                        <a:rPr lang="es-ES" sz="1200" dirty="0">
+                          <a:effectLst/>
+                          <a:latin typeface="Century Gothic" panose="020B0502020202020204" pitchFamily="34" charset="0"/>
+                        </a:rPr>
+                        <a:t>7</a:t>
+                      </a:r>
+                      <a:endParaRPr lang="es-ES" sz="1200" dirty="0">
+                        <a:effectLst/>
+                        <a:latin typeface="Century Gothic" panose="020B0502020202020204" pitchFamily="34" charset="0"/>
+                        <a:ea typeface="Calibri" panose="020F0502020204030204" pitchFamily="34" charset="0"/>
+                        <a:cs typeface="Times New Roman" panose="02020603050405020304" pitchFamily="18" charset="0"/>
+                      </a:endParaRPr>
+                    </a:p>
+                  </a:txBody>
+                  <a:tcPr marL="68580" marR="68580" marT="0" marB="0" anchor="ctr"/>
+                </a:tc>
+                <a:tc>
+                  <a:txBody>
+                    <a:bodyPr/>
+                    <a:lstStyle/>
+                    <a:p>
+                      <a:pPr algn="ctr">
+                        <a:lnSpc>
+                          <a:spcPct val="107000"/>
+                        </a:lnSpc>
+                        <a:spcAft>
+                          <a:spcPts val="0"/>
+                        </a:spcAft>
+                      </a:pPr>
+                      <a:r>
+                        <a:rPr lang="es-ES" sz="1200">
+                          <a:effectLst/>
+                          <a:latin typeface="Century Gothic" panose="020B0502020202020204" pitchFamily="34" charset="0"/>
+                        </a:rPr>
+                        <a:t>7</a:t>
+                      </a:r>
+                      <a:endParaRPr lang="es-ES" sz="1200">
+                        <a:effectLst/>
+                        <a:latin typeface="Century Gothic" panose="020B0502020202020204" pitchFamily="34" charset="0"/>
+                        <a:ea typeface="Calibri" panose="020F0502020204030204" pitchFamily="34" charset="0"/>
+                        <a:cs typeface="Times New Roman" panose="02020603050405020304" pitchFamily="18" charset="0"/>
+                      </a:endParaRPr>
+                    </a:p>
+                  </a:txBody>
+                  <a:tcPr marL="68580" marR="68580" marT="0" marB="0" anchor="ctr"/>
+                </a:tc>
+                <a:tc>
+                  <a:txBody>
+                    <a:bodyPr/>
+                    <a:lstStyle/>
+                    <a:p>
+                      <a:pPr algn="ctr">
+                        <a:lnSpc>
+                          <a:spcPct val="107000"/>
+                        </a:lnSpc>
+                        <a:spcAft>
+                          <a:spcPts val="0"/>
+                        </a:spcAft>
+                      </a:pPr>
+                      <a:r>
+                        <a:rPr lang="es-ES" sz="1200" dirty="0">
+                          <a:effectLst/>
+                          <a:latin typeface="Century Gothic" panose="020B0502020202020204" pitchFamily="34" charset="0"/>
+                        </a:rPr>
+                        <a:t>Yii2 es más fácil de usar que Laravel</a:t>
+                      </a:r>
+                      <a:endParaRPr lang="es-ES" sz="1200" dirty="0">
+                        <a:effectLst/>
+                        <a:latin typeface="Century Gothic" panose="020B0502020202020204" pitchFamily="34" charset="0"/>
+                        <a:ea typeface="Calibri" panose="020F0502020204030204" pitchFamily="34" charset="0"/>
+                        <a:cs typeface="Times New Roman" panose="02020603050405020304" pitchFamily="18" charset="0"/>
+                      </a:endParaRPr>
+                    </a:p>
+                  </a:txBody>
+                  <a:tcPr marL="68580" marR="68580" marT="0" marB="0" anchor="ctr"/>
+                </a:tc>
+                <a:extLst>
+                  <a:ext uri="{0D108BD9-81ED-4DB2-BD59-A6C34878D82A}">
+                    <a16:rowId xmlns:a16="http://schemas.microsoft.com/office/drawing/2014/main" val="3153829384"/>
+                  </a:ext>
+                </a:extLst>
+              </a:tr>
+            </a:tbl>
+          </a:graphicData>
+        </a:graphic>
+      </p:graphicFrame>
+      <p:pic>
+        <p:nvPicPr>
+          <p:cNvPr id="4" name="Imagen 3">
+            <a:extLst>
+              <a:ext uri="{FF2B5EF4-FFF2-40B4-BE49-F238E27FC236}">
+                <a16:creationId xmlns:a16="http://schemas.microsoft.com/office/drawing/2014/main" id="{F799EF45-0D74-470F-8A93-CED81A3534AC}"/>
+              </a:ext>
+            </a:extLst>
+          </p:cNvPr>
+          <p:cNvPicPr>
+            <a:picLocks noChangeAspect="1"/>
+          </p:cNvPicPr>
+          <p:nvPr/>
+        </p:nvPicPr>
+        <p:blipFill>
+          <a:blip r:embed="rId2"/>
+          <a:stretch>
+            <a:fillRect/>
+          </a:stretch>
+        </p:blipFill>
+        <p:spPr>
+          <a:xfrm>
+            <a:off x="5761338" y="1518348"/>
+            <a:ext cx="1413186" cy="1413186"/>
+          </a:xfrm>
+          <a:prstGeom prst="rect">
+            <a:avLst/>
+          </a:prstGeom>
+        </p:spPr>
+      </p:pic>
+      <p:pic>
+        <p:nvPicPr>
+          <p:cNvPr id="5" name="Imagen 4">
+            <a:extLst>
+              <a:ext uri="{FF2B5EF4-FFF2-40B4-BE49-F238E27FC236}">
+                <a16:creationId xmlns:a16="http://schemas.microsoft.com/office/drawing/2014/main" id="{EA5B8F7D-2C50-44D8-92DC-6186FD98A770}"/>
+              </a:ext>
+            </a:extLst>
+          </p:cNvPr>
+          <p:cNvPicPr>
+            <a:picLocks noChangeAspect="1"/>
+          </p:cNvPicPr>
+          <p:nvPr/>
+        </p:nvPicPr>
+        <p:blipFill>
+          <a:blip r:embed="rId3"/>
+          <a:stretch>
+            <a:fillRect/>
+          </a:stretch>
+        </p:blipFill>
+        <p:spPr>
+          <a:xfrm>
+            <a:off x="3638656" y="1668595"/>
+            <a:ext cx="1242834" cy="1246623"/>
+          </a:xfrm>
+          <a:prstGeom prst="rect">
+            <a:avLst/>
+          </a:prstGeom>
+        </p:spPr>
+      </p:pic>
+    </p:spTree>
+    <p:extLst>
+      <p:ext uri="{BB962C8B-B14F-4D97-AF65-F5344CB8AC3E}">
+        <p14:creationId xmlns:p14="http://schemas.microsoft.com/office/powerpoint/2010/main" val="1306241248"/>
+      </p:ext>
+    </p:extLst>
+  </p:cSld>
+  <p:clrMapOvr>
+    <a:masterClrMapping/>
+  </p:clrMapOvr>
+</p:sld>
+</file>
+
+<file path=ppt/slides/slide23.xml><?xml version="1.0" encoding="utf-8"?>
 <p:sld xmlns:a="http://schemas.openxmlformats.org/drawingml/2006/main" xmlns:r="http://schemas.openxmlformats.org/officeDocument/2006/relationships" xmlns:p="http://schemas.openxmlformats.org/presentationml/2006/main">
   <p:cSld>
     <p:bg>
@@ -11865,66 +9770,227 @@
       </p:sp>
       <p:sp>
         <p:nvSpPr>
-          <p:cNvPr id="3" name="Marcador de contenido 2">
+          <p:cNvPr id="4" name="Marcador de contenido 2">
             <a:extLst>
               <a:ext uri="{FF2B5EF4-FFF2-40B4-BE49-F238E27FC236}">
-                <a16:creationId xmlns:a16="http://schemas.microsoft.com/office/drawing/2014/main" id="{E00791BC-910E-46E2-ACBE-7F7487770480}"/>
+                <a16:creationId xmlns:a16="http://schemas.microsoft.com/office/drawing/2014/main" id="{4710DAA3-328D-48E8-9B7B-7C454F541120}"/>
               </a:ext>
             </a:extLst>
           </p:cNvPr>
-          <p:cNvSpPr>
-            <a:spLocks noGrp="1"/>
+          <p:cNvSpPr txBox="1">
+            <a:spLocks/>
           </p:cNvSpPr>
-          <p:nvPr>
-            <p:ph idx="1"/>
-          </p:nvPr>
+          <p:nvPr/>
         </p:nvSpPr>
         <p:spPr>
           <a:xfrm>
-            <a:off x="1371600" y="1451610"/>
-            <a:ext cx="10241280" cy="4720590"/>
+            <a:off x="2630659" y="1674349"/>
+            <a:ext cx="8764172" cy="4720590"/>
           </a:xfrm>
+          <a:prstGeom prst="rect">
+            <a:avLst/>
+          </a:prstGeom>
         </p:spPr>
         <p:txBody>
-          <a:bodyPr>
-            <a:normAutofit/>
+          <a:bodyPr vert="horz" lIns="91440" tIns="45720" rIns="91440" bIns="45720" rtlCol="0">
+            <a:normAutofit fontScale="92500" lnSpcReduction="20000"/>
           </a:bodyPr>
-          <a:lstStyle/>
-          <a:p>
-            <a:pPr marL="457200" indent="-457200">
-              <a:buAutoNum type="arabicPeriod"/>
-            </a:pPr>
-            <a:r>
-              <a:rPr lang="es-ES" sz="2800" b="1" dirty="0">
-                <a:latin typeface="Century Gothic" panose="020B0502020202020204" pitchFamily="34" charset="0"/>
-              </a:rPr>
-              <a:t>Requisitos del prototipo a implementar</a:t>
-            </a:r>
-          </a:p>
-          <a:p>
-            <a:pPr marL="457200" indent="-457200">
-              <a:buAutoNum type="arabicPeriod"/>
-            </a:pPr>
-            <a:r>
-              <a:rPr lang="es-ES" sz="2800" b="1" dirty="0">
-                <a:latin typeface="Century Gothic" panose="020B0502020202020204" pitchFamily="34" charset="0"/>
-              </a:rPr>
-              <a:t>Criterios de comparación de la implementación</a:t>
-            </a:r>
-          </a:p>
-          <a:p>
-            <a:pPr marL="457200" indent="-457200">
-              <a:buAutoNum type="arabicPeriod"/>
-            </a:pPr>
-            <a:r>
-              <a:rPr lang="es-ES" sz="2800" b="1" dirty="0">
-                <a:latin typeface="Century Gothic" panose="020B0502020202020204" pitchFamily="34" charset="0"/>
-              </a:rPr>
-              <a:t>Proyecto de implementación de un prototipo del sistema utilizando Laravel</a:t>
-            </a:r>
-          </a:p>
-          <a:p>
-            <a:pPr marL="457200" indent="-457200">
+          <a:lstStyle>
+            <a:lvl1pPr marL="384048" indent="-384048" algn="l" defTabSz="914400" rtl="0" eaLnBrk="1" latinLnBrk="0" hangingPunct="1">
+              <a:lnSpc>
+                <a:spcPct val="94000"/>
+              </a:lnSpc>
+              <a:spcBef>
+                <a:spcPts val="1000"/>
+              </a:spcBef>
+              <a:spcAft>
+                <a:spcPts val="200"/>
+              </a:spcAft>
+              <a:buFont typeface="Franklin Gothic Book" panose="020B0503020102020204" pitchFamily="34" charset="0"/>
+              <a:buChar char="■"/>
+              <a:defRPr sz="2000" kern="1200" baseline="0">
+                <a:solidFill>
+                  <a:schemeClr val="tx2"/>
+                </a:solidFill>
+                <a:latin typeface="+mn-lt"/>
+                <a:ea typeface="+mn-ea"/>
+                <a:cs typeface="+mn-cs"/>
+              </a:defRPr>
+            </a:lvl1pPr>
+            <a:lvl2pPr marL="914400" indent="-384048" algn="l" defTabSz="914400" rtl="0" eaLnBrk="1" latinLnBrk="0" hangingPunct="1">
+              <a:lnSpc>
+                <a:spcPct val="94000"/>
+              </a:lnSpc>
+              <a:spcBef>
+                <a:spcPts val="500"/>
+              </a:spcBef>
+              <a:spcAft>
+                <a:spcPts val="200"/>
+              </a:spcAft>
+              <a:buFont typeface="Franklin Gothic Book" panose="020B0503020102020204" pitchFamily="34" charset="0"/>
+              <a:buChar char="–"/>
+              <a:defRPr sz="2000" i="1" kern="1200" baseline="0">
+                <a:solidFill>
+                  <a:schemeClr val="tx2"/>
+                </a:solidFill>
+                <a:latin typeface="+mn-lt"/>
+                <a:ea typeface="+mn-ea"/>
+                <a:cs typeface="+mn-cs"/>
+              </a:defRPr>
+            </a:lvl2pPr>
+            <a:lvl3pPr marL="1371600" indent="-384048" algn="l" defTabSz="914400" rtl="0" eaLnBrk="1" latinLnBrk="0" hangingPunct="1">
+              <a:lnSpc>
+                <a:spcPct val="94000"/>
+              </a:lnSpc>
+              <a:spcBef>
+                <a:spcPts val="500"/>
+              </a:spcBef>
+              <a:spcAft>
+                <a:spcPts val="200"/>
+              </a:spcAft>
+              <a:buFont typeface="Franklin Gothic Book" panose="020B0503020102020204" pitchFamily="34" charset="0"/>
+              <a:buChar char="■"/>
+              <a:defRPr sz="1800" kern="1200" baseline="0">
+                <a:solidFill>
+                  <a:schemeClr val="tx2"/>
+                </a:solidFill>
+                <a:latin typeface="+mn-lt"/>
+                <a:ea typeface="+mn-ea"/>
+                <a:cs typeface="+mn-cs"/>
+              </a:defRPr>
+            </a:lvl3pPr>
+            <a:lvl4pPr marL="1828800" indent="-384048" algn="l" defTabSz="914400" rtl="0" eaLnBrk="1" latinLnBrk="0" hangingPunct="1">
+              <a:lnSpc>
+                <a:spcPct val="94000"/>
+              </a:lnSpc>
+              <a:spcBef>
+                <a:spcPts val="500"/>
+              </a:spcBef>
+              <a:spcAft>
+                <a:spcPts val="200"/>
+              </a:spcAft>
+              <a:buFont typeface="Franklin Gothic Book" panose="020B0503020102020204" pitchFamily="34" charset="0"/>
+              <a:buChar char="–"/>
+              <a:defRPr sz="1800" i="1" kern="1200" baseline="0">
+                <a:solidFill>
+                  <a:schemeClr val="tx2"/>
+                </a:solidFill>
+                <a:latin typeface="+mn-lt"/>
+                <a:ea typeface="+mn-ea"/>
+                <a:cs typeface="+mn-cs"/>
+              </a:defRPr>
+            </a:lvl4pPr>
+            <a:lvl5pPr marL="2286000" indent="-384048" algn="l" defTabSz="914400" rtl="0" eaLnBrk="1" latinLnBrk="0" hangingPunct="1">
+              <a:lnSpc>
+                <a:spcPct val="94000"/>
+              </a:lnSpc>
+              <a:spcBef>
+                <a:spcPts val="500"/>
+              </a:spcBef>
+              <a:spcAft>
+                <a:spcPts val="200"/>
+              </a:spcAft>
+              <a:buFont typeface="Franklin Gothic Book" panose="020B0503020102020204" pitchFamily="34" charset="0"/>
+              <a:buChar char="■"/>
+              <a:defRPr sz="1600" kern="1200" baseline="0">
+                <a:solidFill>
+                  <a:schemeClr val="tx2"/>
+                </a:solidFill>
+                <a:latin typeface="+mn-lt"/>
+                <a:ea typeface="+mn-ea"/>
+                <a:cs typeface="+mn-cs"/>
+              </a:defRPr>
+            </a:lvl5pPr>
+            <a:lvl6pPr marL="2743200" indent="-384048" algn="l" defTabSz="914400" rtl="0" eaLnBrk="1" latinLnBrk="0" hangingPunct="1">
+              <a:lnSpc>
+                <a:spcPct val="94000"/>
+              </a:lnSpc>
+              <a:spcBef>
+                <a:spcPts val="500"/>
+              </a:spcBef>
+              <a:spcAft>
+                <a:spcPts val="200"/>
+              </a:spcAft>
+              <a:buFont typeface="Franklin Gothic Book" panose="020B0503020102020204" pitchFamily="34" charset="0"/>
+              <a:buChar char="–"/>
+              <a:defRPr sz="1600" i="1" kern="1200" baseline="0">
+                <a:solidFill>
+                  <a:schemeClr val="tx2"/>
+                </a:solidFill>
+                <a:latin typeface="+mn-lt"/>
+                <a:ea typeface="+mn-ea"/>
+                <a:cs typeface="+mn-cs"/>
+              </a:defRPr>
+            </a:lvl6pPr>
+            <a:lvl7pPr marL="3200400" indent="-384048" algn="l" defTabSz="914400" rtl="0" eaLnBrk="1" latinLnBrk="0" hangingPunct="1">
+              <a:lnSpc>
+                <a:spcPct val="94000"/>
+              </a:lnSpc>
+              <a:spcBef>
+                <a:spcPts val="500"/>
+              </a:spcBef>
+              <a:spcAft>
+                <a:spcPts val="200"/>
+              </a:spcAft>
+              <a:buFont typeface="Franklin Gothic Book" panose="020B0503020102020204" pitchFamily="34" charset="0"/>
+              <a:buChar char="■"/>
+              <a:defRPr sz="1400" kern="1200" baseline="0">
+                <a:solidFill>
+                  <a:schemeClr val="tx2"/>
+                </a:solidFill>
+                <a:latin typeface="+mn-lt"/>
+                <a:ea typeface="+mn-ea"/>
+                <a:cs typeface="+mn-cs"/>
+              </a:defRPr>
+            </a:lvl7pPr>
+            <a:lvl8pPr marL="3657600" indent="-384048" algn="l" defTabSz="914400" rtl="0" eaLnBrk="1" latinLnBrk="0" hangingPunct="1">
+              <a:lnSpc>
+                <a:spcPct val="94000"/>
+              </a:lnSpc>
+              <a:spcBef>
+                <a:spcPts val="500"/>
+              </a:spcBef>
+              <a:spcAft>
+                <a:spcPts val="200"/>
+              </a:spcAft>
+              <a:buFont typeface="Franklin Gothic Book" panose="020B0503020102020204" pitchFamily="34" charset="0"/>
+              <a:buChar char="–"/>
+              <a:defRPr sz="1400" i="1" kern="1200" baseline="0">
+                <a:solidFill>
+                  <a:schemeClr val="tx2"/>
+                </a:solidFill>
+                <a:latin typeface="+mn-lt"/>
+                <a:ea typeface="+mn-ea"/>
+                <a:cs typeface="+mn-cs"/>
+              </a:defRPr>
+            </a:lvl8pPr>
+            <a:lvl9pPr marL="4114800" indent="-384048" algn="l" defTabSz="914400" rtl="0" eaLnBrk="1" latinLnBrk="0" hangingPunct="1">
+              <a:lnSpc>
+                <a:spcPct val="94000"/>
+              </a:lnSpc>
+              <a:spcBef>
+                <a:spcPts val="500"/>
+              </a:spcBef>
+              <a:spcAft>
+                <a:spcPts val="200"/>
+              </a:spcAft>
+              <a:buFont typeface="Franklin Gothic Book" panose="020B0503020102020204" pitchFamily="34" charset="0"/>
+              <a:buChar char="■"/>
+              <a:defRPr sz="1400" kern="1200" baseline="0">
+                <a:solidFill>
+                  <a:schemeClr val="tx2"/>
+                </a:solidFill>
+                <a:latin typeface="+mn-lt"/>
+                <a:ea typeface="+mn-ea"/>
+                <a:cs typeface="+mn-cs"/>
+              </a:defRPr>
+            </a:lvl9pPr>
+          </a:lstStyle>
+          <a:p>
+            <a:pPr marL="457200" indent="-457200" algn="just">
+              <a:lnSpc>
+                <a:spcPct val="110000"/>
+              </a:lnSpc>
               <a:buFont typeface="Franklin Gothic Book" panose="020B0503020102020204" pitchFamily="34" charset="0"/>
               <a:buAutoNum type="arabicPeriod"/>
             </a:pPr>
@@ -11932,33 +9998,90 @@
               <a:rPr lang="es-ES" sz="2800" b="1" dirty="0">
                 <a:latin typeface="Century Gothic" panose="020B0502020202020204" pitchFamily="34" charset="0"/>
               </a:rPr>
-              <a:t>Proyecto de implementación de un prototipo del sistema utilizando Yii2</a:t>
-            </a:r>
-          </a:p>
-          <a:p>
-            <a:pPr marL="457200" indent="-457200">
+              <a:t>Requisitos del prototipo a implementar</a:t>
+            </a:r>
+          </a:p>
+          <a:p>
+            <a:pPr marL="457200" indent="-457200" algn="just">
+              <a:lnSpc>
+                <a:spcPct val="110000"/>
+              </a:lnSpc>
+              <a:buFont typeface="Franklin Gothic Book" panose="020B0503020102020204" pitchFamily="34" charset="0"/>
               <a:buAutoNum type="arabicPeriod"/>
             </a:pPr>
             <a:r>
               <a:rPr lang="es-ES" sz="2800" b="1" dirty="0">
                 <a:latin typeface="Century Gothic" panose="020B0502020202020204" pitchFamily="34" charset="0"/>
               </a:rPr>
-              <a:t>Comparación de las dos implementaciones</a:t>
-            </a:r>
-          </a:p>
-          <a:p>
-            <a:pPr marL="457200" indent="-457200">
+              <a:t>Criterios de comparación de la implementación</a:t>
+            </a:r>
+          </a:p>
+          <a:p>
+            <a:pPr marL="457200" indent="-457200" algn="just">
+              <a:lnSpc>
+                <a:spcPct val="110000"/>
+              </a:lnSpc>
+              <a:buFont typeface="Franklin Gothic Book" panose="020B0503020102020204" pitchFamily="34" charset="0"/>
               <a:buAutoNum type="arabicPeriod"/>
             </a:pPr>
             <a:r>
               <a:rPr lang="es-ES" sz="2800" b="1" dirty="0">
                 <a:latin typeface="Century Gothic" panose="020B0502020202020204" pitchFamily="34" charset="0"/>
               </a:rPr>
+              <a:t>Proyecto de implementación de un prototipo del sistema utilizando Laravel</a:t>
+            </a:r>
+          </a:p>
+          <a:p>
+            <a:pPr marL="457200" indent="-457200" algn="just">
+              <a:lnSpc>
+                <a:spcPct val="110000"/>
+              </a:lnSpc>
+              <a:buFont typeface="Franklin Gothic Book" panose="020B0503020102020204" pitchFamily="34" charset="0"/>
+              <a:buAutoNum type="arabicPeriod"/>
+            </a:pPr>
+            <a:r>
+              <a:rPr lang="es-ES" sz="2800" b="1" dirty="0">
+                <a:latin typeface="Century Gothic" panose="020B0502020202020204" pitchFamily="34" charset="0"/>
+              </a:rPr>
+              <a:t>Proyecto de implementación de un prototipo del sistema utilizando Yii2</a:t>
+            </a:r>
+          </a:p>
+          <a:p>
+            <a:pPr marL="457200" indent="-457200" algn="just">
+              <a:lnSpc>
+                <a:spcPct val="110000"/>
+              </a:lnSpc>
+              <a:buFont typeface="Franklin Gothic Book" panose="020B0503020102020204" pitchFamily="34" charset="0"/>
+              <a:buAutoNum type="arabicPeriod"/>
+            </a:pPr>
+            <a:r>
+              <a:rPr lang="es-ES" sz="2800" b="1" dirty="0">
+                <a:latin typeface="Century Gothic" panose="020B0502020202020204" pitchFamily="34" charset="0"/>
+              </a:rPr>
+              <a:t>Comparación de las dos implementaciones</a:t>
+            </a:r>
+          </a:p>
+          <a:p>
+            <a:pPr marL="457200" indent="-457200" algn="just">
+              <a:lnSpc>
+                <a:spcPct val="110000"/>
+              </a:lnSpc>
+              <a:buFont typeface="Franklin Gothic Book" panose="020B0503020102020204" pitchFamily="34" charset="0"/>
+              <a:buAutoNum type="arabicPeriod"/>
+            </a:pPr>
+            <a:r>
+              <a:rPr lang="es-ES" sz="2800" b="1" dirty="0">
+                <a:latin typeface="Century Gothic" panose="020B0502020202020204" pitchFamily="34" charset="0"/>
+              </a:rPr>
               <a:t>Comparación de la implementación de las tecnologías</a:t>
             </a:r>
           </a:p>
           <a:p>
-            <a:pPr marL="457200" indent="-457200">
+            <a:pPr marL="457200" indent="-457200" algn="just">
+              <a:lnSpc>
+                <a:spcPct val="110000"/>
+              </a:lnSpc>
+              <a:buFont typeface="Franklin Gothic Book" panose="020B0503020102020204" pitchFamily="34" charset="0"/>
               <a:buAutoNum type="arabicPeriod"/>
             </a:pPr>
             <a:r>
